--- a/software-engineering/results/programming-expectations.pptx
+++ b/software-engineering/results/programming-expectations.pptx
@@ -5,7 +5,7 @@
     <p:sldMasterId id="2147483648" r:id="rId1"/>
   </p:sldMasterIdLst>
   <p:notesMasterIdLst>
-    <p:NotesMasterId r:id="rId19"/>
+    <p:NotesMasterId r:id="rId24"/>
   </p:notesMasterIdLst>
   <p:sldIdLst>
     <p:sldId id="256" r:id="rId2"/>
@@ -25,6 +25,11 @@
     <p:sldId id="270" r:id="rId16"/>
     <p:sldId id="271" r:id="rId17"/>
     <p:sldId id="272" r:id="rId18"/>
+    <p:sldId id="273" r:id="rId19"/>
+    <p:sldId id="274" r:id="rId20"/>
+    <p:sldId id="275" r:id="rId21"/>
+    <p:sldId id="276" r:id="rId22"/>
+    <p:sldId id="277" r:id="rId23"/>
   </p:sldIdLst>
   <p:sldSz cx="9144000" cy="6858000" type="screen4x3"/>
   <p:notesSz cx="6858000" cy="9144000"/>
@@ -2471,63 +2476,231 @@
             </a:pPr>
             <a:r>
               <a:rPr/>
-              <a:t>There</a:t>
-            </a:r>
-            <a:r>
-              <a:rPr/>
-              <a:t> </a:t>
-            </a:r>
-            <a:r>
-              <a:rPr/>
-              <a:t>is</a:t>
-            </a:r>
-            <a:r>
-              <a:rPr/>
-              <a:t> </a:t>
-            </a:r>
-            <a:r>
-              <a:rPr/>
-              <a:t>no</a:t>
-            </a:r>
-            <a:r>
-              <a:rPr/>
-              <a:t> </a:t>
-            </a:r>
-            <a:r>
-              <a:rPr/>
-              <a:t>line</a:t>
-            </a:r>
-            <a:r>
-              <a:rPr/>
-              <a:t> </a:t>
-            </a:r>
-            <a:r>
-              <a:rPr/>
-              <a:t>that</a:t>
-            </a:r>
-            <a:r>
-              <a:rPr/>
-              <a:t> </a:t>
-            </a:r>
-            <a:r>
-              <a:rPr/>
-              <a:t>is</a:t>
-            </a:r>
-            <a:r>
-              <a:rPr/>
-              <a:t> </a:t>
-            </a:r>
-            <a:r>
-              <a:rPr/>
-              <a:t>terribly</a:t>
-            </a:r>
-            <a:r>
-              <a:rPr/>
-              <a:t> </a:t>
-            </a:r>
-            <a:r>
-              <a:rPr/>
-              <a:t>long</a:t>
+              <a:t>When</a:t>
+            </a:r>
+            <a:r>
+              <a:rPr/>
+              <a:t> </a:t>
+            </a:r>
+            <a:r>
+              <a:rPr/>
+              <a:t>there</a:t>
+            </a:r>
+            <a:r>
+              <a:rPr/>
+              <a:t> </a:t>
+            </a:r>
+            <a:r>
+              <a:rPr/>
+              <a:t>are</a:t>
+            </a:r>
+            <a:r>
+              <a:rPr/>
+              <a:t> </a:t>
+            </a:r>
+            <a:r>
+              <a:rPr/>
+              <a:t>multiple</a:t>
+            </a:r>
+            <a:r>
+              <a:rPr/>
+              <a:t> </a:t>
+            </a:r>
+            <a:r>
+              <a:rPr/>
+              <a:t>variable</a:t>
+            </a:r>
+            <a:r>
+              <a:rPr/>
+              <a:t> </a:t>
+            </a:r>
+            <a:r>
+              <a:rPr/>
+              <a:t>names</a:t>
+            </a:r>
+            <a:r>
+              <a:rPr/>
+              <a:t> </a:t>
+            </a:r>
+            <a:r>
+              <a:rPr/>
+              <a:t>within</a:t>
+            </a:r>
+            <a:r>
+              <a:rPr/>
+              <a:t> </a:t>
+            </a:r>
+            <a:r>
+              <a:rPr/>
+              <a:t>a</a:t>
+            </a:r>
+            <a:r>
+              <a:rPr/>
+              <a:t> </a:t>
+            </a:r>
+            <a:r>
+              <a:rPr/>
+              <a:t>statement,</a:t>
+            </a:r>
+            <a:r>
+              <a:rPr/>
+              <a:t> </a:t>
+            </a:r>
+            <a:r>
+              <a:rPr/>
+              <a:t>a</a:t>
+            </a:r>
+            <a:r>
+              <a:rPr/>
+              <a:t> </a:t>
+            </a:r>
+            <a:r>
+              <a:rPr/>
+              <a:t>vertical</a:t>
+            </a:r>
+            <a:r>
+              <a:rPr/>
+              <a:t> </a:t>
+            </a:r>
+            <a:r>
+              <a:rPr/>
+              <a:t>list</a:t>
+            </a:r>
+            <a:r>
+              <a:rPr/>
+              <a:t> </a:t>
+            </a:r>
+            <a:r>
+              <a:rPr/>
+              <a:t>can</a:t>
+            </a:r>
+            <a:r>
+              <a:rPr/>
+              <a:t> </a:t>
+            </a:r>
+            <a:r>
+              <a:rPr/>
+              <a:t>sometimes</a:t>
+            </a:r>
+            <a:r>
+              <a:rPr/>
+              <a:t> </a:t>
+            </a:r>
+            <a:r>
+              <a:rPr/>
+              <a:t>make</a:t>
+            </a:r>
+            <a:r>
+              <a:rPr/>
+              <a:t> </a:t>
+            </a:r>
+            <a:r>
+              <a:rPr/>
+              <a:t>things</a:t>
+            </a:r>
+            <a:r>
+              <a:rPr/>
+              <a:t> </a:t>
+            </a:r>
+            <a:r>
+              <a:rPr/>
+              <a:t>easier</a:t>
+            </a:r>
+            <a:r>
+              <a:rPr/>
+              <a:t> </a:t>
+            </a:r>
+            <a:r>
+              <a:rPr/>
+              <a:t>to</a:t>
+            </a:r>
+            <a:r>
+              <a:rPr/>
+              <a:t> </a:t>
+            </a:r>
+            <a:r>
+              <a:rPr/>
+              <a:t>read.</a:t>
+            </a:r>
+            <a:r>
+              <a:rPr/>
+              <a:t> </a:t>
+            </a:r>
+            <a:r>
+              <a:rPr/>
+              <a:t>You</a:t>
+            </a:r>
+            <a:r>
+              <a:rPr/>
+              <a:t> </a:t>
+            </a:r>
+            <a:r>
+              <a:rPr/>
+              <a:t>can</a:t>
+            </a:r>
+            <a:r>
+              <a:rPr/>
+              <a:t> </a:t>
+            </a:r>
+            <a:r>
+              <a:rPr/>
+              <a:t>also</a:t>
+            </a:r>
+            <a:r>
+              <a:rPr/>
+              <a:t> </a:t>
+            </a:r>
+            <a:r>
+              <a:rPr/>
+              <a:t>use</a:t>
+            </a:r>
+            <a:r>
+              <a:rPr/>
+              <a:t> </a:t>
+            </a:r>
+            <a:r>
+              <a:rPr/>
+              <a:t>this</a:t>
+            </a:r>
+            <a:r>
+              <a:rPr/>
+              <a:t> </a:t>
+            </a:r>
+            <a:r>
+              <a:rPr/>
+              <a:t>when</a:t>
+            </a:r>
+            <a:r>
+              <a:rPr/>
+              <a:t> </a:t>
+            </a:r>
+            <a:r>
+              <a:rPr/>
+              <a:t>you</a:t>
+            </a:r>
+            <a:r>
+              <a:rPr/>
+              <a:t> </a:t>
+            </a:r>
+            <a:r>
+              <a:rPr/>
+              <a:t>have</a:t>
+            </a:r>
+            <a:r>
+              <a:rPr/>
+              <a:t> </a:t>
+            </a:r>
+            <a:r>
+              <a:rPr/>
+              <a:t>multiple</a:t>
+            </a:r>
+            <a:r>
+              <a:rPr/>
+              <a:t> </a:t>
+            </a:r>
+            <a:r>
+              <a:rPr/>
+              <a:t>options</a:t>
             </a:r>
             <a:r>
               <a:rPr/>
@@ -2543,188 +2716,6 @@
             </a:r>
             <a:r>
               <a:rPr/>
-              <a:t>this</a:t>
-            </a:r>
-            <a:r>
-              <a:rPr/>
-              <a:t> </a:t>
-            </a:r>
-            <a:r>
-              <a:rPr/>
-              <a:t>example,</a:t>
-            </a:r>
-            <a:r>
-              <a:rPr/>
-              <a:t> </a:t>
-            </a:r>
-            <a:r>
-              <a:rPr/>
-              <a:t>but</a:t>
-            </a:r>
-            <a:r>
-              <a:rPr/>
-              <a:t> </a:t>
-            </a:r>
-            <a:r>
-              <a:rPr/>
-              <a:t>you</a:t>
-            </a:r>
-            <a:r>
-              <a:rPr/>
-              <a:t> </a:t>
-            </a:r>
-            <a:r>
-              <a:rPr/>
-              <a:t>could</a:t>
-            </a:r>
-            <a:r>
-              <a:rPr/>
-              <a:t> </a:t>
-            </a:r>
-            <a:r>
-              <a:rPr/>
-              <a:t>split</a:t>
-            </a:r>
-            <a:r>
-              <a:rPr/>
-              <a:t> </a:t>
-            </a:r>
-            <a:r>
-              <a:rPr/>
-              <a:t>the</a:t>
-            </a:r>
-            <a:r>
-              <a:rPr/>
-              <a:t> </a:t>
-            </a:r>
-            <a:r>
-              <a:rPr/>
-              <a:t>proc</a:t>
-            </a:r>
-            <a:r>
-              <a:rPr/>
-              <a:t> </a:t>
-            </a:r>
-            <a:r>
-              <a:rPr/>
-              <a:t>sort</a:t>
-            </a:r>
-            <a:r>
-              <a:rPr/>
-              <a:t> </a:t>
-            </a:r>
-            <a:r>
-              <a:rPr/>
-              <a:t>and</a:t>
-            </a:r>
-            <a:r>
-              <a:rPr/>
-              <a:t> </a:t>
-            </a:r>
-            <a:r>
-              <a:rPr/>
-              <a:t>the</a:t>
-            </a:r>
-            <a:r>
-              <a:rPr/>
-              <a:t> </a:t>
-            </a:r>
-            <a:r>
-              <a:rPr/>
-              <a:t>proc</a:t>
-            </a:r>
-            <a:r>
-              <a:rPr/>
-              <a:t> </a:t>
-            </a:r>
-            <a:r>
-              <a:rPr/>
-              <a:t>print</a:t>
-            </a:r>
-            <a:r>
-              <a:rPr/>
-              <a:t> </a:t>
-            </a:r>
-            <a:r>
-              <a:rPr/>
-              <a:t>at</a:t>
-            </a:r>
-            <a:r>
-              <a:rPr/>
-              <a:t> </a:t>
-            </a:r>
-            <a:r>
-              <a:rPr/>
-              <a:t>data</a:t>
-            </a:r>
-            <a:r>
-              <a:rPr/>
-              <a:t> </a:t>
-            </a:r>
-            <a:r>
-              <a:rPr/>
-              <a:t>to</a:t>
-            </a:r>
-            <a:r>
-              <a:rPr/>
-              <a:t> </a:t>
-            </a:r>
-            <a:r>
-              <a:rPr/>
-              <a:t>make</a:t>
-            </a:r>
-            <a:r>
-              <a:rPr/>
-              <a:t> </a:t>
-            </a:r>
-            <a:r>
-              <a:rPr/>
-              <a:t>the</a:t>
-            </a:r>
-            <a:r>
-              <a:rPr/>
-              <a:t> </a:t>
-            </a:r>
-            <a:r>
-              <a:rPr/>
-              <a:t>line</a:t>
-            </a:r>
-            <a:r>
-              <a:rPr/>
-              <a:t> </a:t>
-            </a:r>
-            <a:r>
-              <a:rPr/>
-              <a:t>shorter.</a:t>
-            </a:r>
-          </a:p>
-          <a:p>
-            <a:pPr lvl="0" marL="0" indent="0">
-              <a:buNone/>
-            </a:pPr>
-          </a:p>
-          <a:p>
-            <a:pPr lvl="0" marL="0" indent="0">
-              <a:buNone/>
-            </a:pPr>
-            <a:r>
-              <a:rPr/>
-              <a:t>I</a:t>
-            </a:r>
-            <a:r>
-              <a:rPr/>
-              <a:t> </a:t>
-            </a:r>
-            <a:r>
-              <a:rPr/>
-              <a:t>used</a:t>
-            </a:r>
-            <a:r>
-              <a:rPr/>
-              <a:t> </a:t>
-            </a:r>
-            <a:r>
-              <a:rPr/>
               <a:t>a</a:t>
             </a:r>
             <a:r>
@@ -2733,103 +2724,63 @@
             </a:r>
             <a:r>
               <a:rPr/>
-              <a:t>double</a:t>
-            </a:r>
-            <a:r>
-              <a:rPr/>
-              <a:t> </a:t>
-            </a:r>
-            <a:r>
-              <a:rPr/>
-              <a:t>indent</a:t>
-            </a:r>
-            <a:r>
-              <a:rPr/>
-              <a:t> </a:t>
-            </a:r>
-            <a:r>
-              <a:rPr/>
-              <a:t>here</a:t>
-            </a:r>
-            <a:r>
-              <a:rPr/>
-              <a:t> </a:t>
-            </a:r>
-            <a:r>
-              <a:rPr/>
-              <a:t>to</a:t>
-            </a:r>
-            <a:r>
-              <a:rPr/>
-              <a:t> </a:t>
-            </a:r>
-            <a:r>
-              <a:rPr/>
-              <a:t>emphasize</a:t>
-            </a:r>
-            <a:r>
-              <a:rPr/>
-              <a:t> </a:t>
-            </a:r>
-            <a:r>
-              <a:rPr/>
-              <a:t>that</a:t>
-            </a:r>
-            <a:r>
-              <a:rPr/>
-              <a:t> </a:t>
-            </a:r>
-            <a:r>
-              <a:rPr/>
-              <a:t>data</a:t>
-            </a:r>
-            <a:r>
-              <a:rPr/>
-              <a:t> </a:t>
-            </a:r>
-            <a:r>
-              <a:rPr/>
-              <a:t>is</a:t>
-            </a:r>
-            <a:r>
-              <a:rPr/>
-              <a:t> </a:t>
-            </a:r>
-            <a:r>
-              <a:rPr/>
-              <a:t>part</a:t>
-            </a:r>
-            <a:r>
-              <a:rPr/>
-              <a:t> </a:t>
-            </a:r>
-            <a:r>
-              <a:rPr/>
-              <a:t>of</a:t>
-            </a:r>
-            <a:r>
-              <a:rPr/>
-              <a:t> </a:t>
-            </a:r>
-            <a:r>
-              <a:rPr/>
-              <a:t>the</a:t>
-            </a:r>
-            <a:r>
-              <a:rPr/>
-              <a:t> </a:t>
-            </a:r>
-            <a:r>
-              <a:rPr/>
-              <a:t>previous</a:t>
-            </a:r>
-            <a:r>
-              <a:rPr/>
-              <a:t> </a:t>
-            </a:r>
-            <a:r>
-              <a:rPr/>
-              <a:t>procedure.</a:t>
+              <a:t>single</a:t>
+            </a:r>
+            <a:r>
+              <a:rPr/>
+              <a:t> </a:t>
+            </a:r>
+            <a:r>
+              <a:rPr/>
+              <a:t>statement</a:t>
+            </a:r>
+            <a:r>
+              <a:rPr/>
+              <a:t> </a:t>
+            </a:r>
+            <a:r>
+              <a:rPr/>
+              <a:t>or</a:t>
+            </a:r>
+            <a:r>
+              <a:rPr/>
+              <a:t> </a:t>
+            </a:r>
+            <a:r>
+              <a:rPr/>
+              <a:t>multiple</a:t>
+            </a:r>
+            <a:r>
+              <a:rPr/>
+              <a:t> </a:t>
+            </a:r>
+            <a:r>
+              <a:rPr/>
+              <a:t>arguments</a:t>
+            </a:r>
+            <a:r>
+              <a:rPr/>
+              <a:t> </a:t>
+            </a:r>
+            <a:r>
+              <a:rPr/>
+              <a:t>in</a:t>
+            </a:r>
+            <a:r>
+              <a:rPr/>
+              <a:t> </a:t>
+            </a:r>
+            <a:r>
+              <a:rPr/>
+              <a:t>single</a:t>
+            </a:r>
+            <a:r>
+              <a:rPr/>
+              <a:t> </a:t>
+            </a:r>
+            <a:r>
+              <a:rPr/>
+              <a:t>function.</a:t>
             </a:r>
           </a:p>
         </p:txBody>
@@ -2911,127 +2862,157 @@
             </a:pPr>
             <a:r>
               <a:rPr/>
-              <a:t>Remember</a:t>
-            </a:r>
-            <a:r>
-              <a:rPr/>
-              <a:t> </a:t>
-            </a:r>
-            <a:r>
-              <a:rPr/>
-              <a:t>that</a:t>
-            </a:r>
-            <a:r>
-              <a:rPr/>
-              <a:t> </a:t>
-            </a:r>
-            <a:r>
-              <a:rPr/>
-              <a:t>you</a:t>
-            </a:r>
-            <a:r>
-              <a:rPr/>
-              <a:t> </a:t>
-            </a:r>
-            <a:r>
-              <a:rPr/>
-              <a:t>need</a:t>
-            </a:r>
-            <a:r>
-              <a:rPr/>
-              <a:t> </a:t>
-            </a:r>
-            <a:r>
-              <a:rPr/>
-              <a:t>to</a:t>
-            </a:r>
-            <a:r>
-              <a:rPr/>
-              <a:t> </a:t>
-            </a:r>
-            <a:r>
-              <a:rPr/>
-              <a:t>follow</a:t>
-            </a:r>
-            <a:r>
-              <a:rPr/>
-              <a:t> </a:t>
-            </a:r>
-            <a:r>
-              <a:rPr/>
-              <a:t>certain</a:t>
-            </a:r>
-            <a:r>
-              <a:rPr/>
-              <a:t> </a:t>
-            </a:r>
-            <a:r>
-              <a:rPr/>
-              <a:t>guidelines</a:t>
-            </a:r>
-            <a:r>
-              <a:rPr/>
-              <a:t> </a:t>
-            </a:r>
-            <a:r>
-              <a:rPr/>
-              <a:t>for</a:t>
-            </a:r>
-            <a:r>
-              <a:rPr/>
-              <a:t> </a:t>
-            </a:r>
-            <a:r>
-              <a:rPr/>
-              <a:t>every</a:t>
-            </a:r>
-            <a:r>
-              <a:rPr/>
-              <a:t> </a:t>
-            </a:r>
-            <a:r>
-              <a:rPr/>
-              <a:t>assignment</a:t>
-            </a:r>
-            <a:r>
-              <a:rPr/>
-              <a:t> </a:t>
-            </a:r>
-            <a:r>
-              <a:rPr/>
-              <a:t>that</a:t>
-            </a:r>
-            <a:r>
-              <a:rPr/>
-              <a:t> </a:t>
-            </a:r>
-            <a:r>
-              <a:rPr/>
-              <a:t>you</a:t>
-            </a:r>
-            <a:r>
-              <a:rPr/>
-              <a:t> </a:t>
-            </a:r>
-            <a:r>
-              <a:rPr/>
-              <a:t>turn</a:t>
-            </a:r>
-            <a:r>
-              <a:rPr/>
-              <a:t> </a:t>
-            </a:r>
-            <a:r>
-              <a:rPr/>
-              <a:t>in.</a:t>
-            </a:r>
-            <a:r>
-              <a:rPr/>
-              <a:t> </a:t>
-            </a:r>
-            <a:r>
-              <a:rPr/>
-              <a:t>There</a:t>
+              <a:t>You</a:t>
+            </a:r>
+            <a:r>
+              <a:rPr/>
+              <a:t> </a:t>
+            </a:r>
+            <a:r>
+              <a:rPr/>
+              <a:t>can</a:t>
+            </a:r>
+            <a:r>
+              <a:rPr/>
+              <a:t> </a:t>
+            </a:r>
+            <a:r>
+              <a:rPr/>
+              <a:t>see</a:t>
+            </a:r>
+            <a:r>
+              <a:rPr/>
+              <a:t> </a:t>
+            </a:r>
+            <a:r>
+              <a:rPr/>
+              <a:t>some</a:t>
+            </a:r>
+            <a:r>
+              <a:rPr/>
+              <a:t> </a:t>
+            </a:r>
+            <a:r>
+              <a:rPr/>
+              <a:t>of</a:t>
+            </a:r>
+            <a:r>
+              <a:rPr/>
+              <a:t> </a:t>
+            </a:r>
+            <a:r>
+              <a:rPr/>
+              <a:t>the</a:t>
+            </a:r>
+            <a:r>
+              <a:rPr/>
+              <a:t> </a:t>
+            </a:r>
+            <a:r>
+              <a:rPr/>
+              <a:t>same</a:t>
+            </a:r>
+            <a:r>
+              <a:rPr/>
+              <a:t> </a:t>
+            </a:r>
+            <a:r>
+              <a:rPr/>
+              <a:t>principles</a:t>
+            </a:r>
+            <a:r>
+              <a:rPr/>
+              <a:t> </a:t>
+            </a:r>
+            <a:r>
+              <a:rPr/>
+              <a:t>in</a:t>
+            </a:r>
+            <a:r>
+              <a:rPr/>
+              <a:t> </a:t>
+            </a:r>
+            <a:r>
+              <a:rPr/>
+              <a:t>this</a:t>
+            </a:r>
+            <a:r>
+              <a:rPr/>
+              <a:t> </a:t>
+            </a:r>
+            <a:r>
+              <a:rPr/>
+              <a:t>SQL</a:t>
+            </a:r>
+            <a:r>
+              <a:rPr/>
+              <a:t> </a:t>
+            </a:r>
+            <a:r>
+              <a:rPr/>
+              <a:t>code.</a:t>
+            </a:r>
+          </a:p>
+          <a:p>
+            <a:pPr lvl="0" marL="0" indent="0">
+              <a:buNone/>
+            </a:pPr>
+          </a:p>
+          <a:p>
+            <a:pPr lvl="0" marL="0" indent="0">
+              <a:buNone/>
+            </a:pPr>
+            <a:r>
+              <a:rPr/>
+              <a:t>The</a:t>
+            </a:r>
+            <a:r>
+              <a:rPr/>
+              <a:t> </a:t>
+            </a:r>
+            <a:r>
+              <a:rPr/>
+              <a:t>from,</a:t>
+            </a:r>
+            <a:r>
+              <a:rPr/>
+              <a:t> </a:t>
+            </a:r>
+            <a:r>
+              <a:rPr/>
+              <a:t>where,</a:t>
+            </a:r>
+            <a:r>
+              <a:rPr/>
+              <a:t> </a:t>
+            </a:r>
+            <a:r>
+              <a:rPr/>
+              <a:t>and</a:t>
+            </a:r>
+            <a:r>
+              <a:rPr/>
+              <a:t> </a:t>
+            </a:r>
+            <a:r>
+              <a:rPr/>
+              <a:t>group</a:t>
+            </a:r>
+            <a:r>
+              <a:rPr/>
+              <a:t> </a:t>
+            </a:r>
+            <a:r>
+              <a:rPr/>
+              <a:t>by</a:t>
+            </a:r>
+            <a:r>
+              <a:rPr/>
+              <a:t> </a:t>
+            </a:r>
+            <a:r>
+              <a:rPr/>
+              <a:t>statements</a:t>
             </a:r>
             <a:r>
               <a:rPr/>
@@ -3047,15 +3028,157 @@
             </a:r>
             <a:r>
               <a:rPr/>
-              <a:t>requirements</a:t>
-            </a:r>
-            <a:r>
-              <a:rPr/>
-              <a:t> </a:t>
-            </a:r>
-            <a:r>
-              <a:rPr/>
-              <a:t>for</a:t>
+              <a:t>indented.</a:t>
+            </a:r>
+          </a:p>
+          <a:p>
+            <a:pPr lvl="0" marL="0" indent="0">
+              <a:buNone/>
+            </a:pPr>
+          </a:p>
+          <a:p>
+            <a:pPr lvl="0" marL="0" indent="0">
+              <a:buNone/>
+            </a:pPr>
+            <a:r>
+              <a:rPr/>
+              <a:t>The</a:t>
+            </a:r>
+            <a:r>
+              <a:rPr/>
+              <a:t> </a:t>
+            </a:r>
+            <a:r>
+              <a:rPr/>
+              <a:t>varibles</a:t>
+            </a:r>
+            <a:r>
+              <a:rPr/>
+              <a:t> </a:t>
+            </a:r>
+            <a:r>
+              <a:rPr/>
+              <a:t>sex</a:t>
+            </a:r>
+            <a:r>
+              <a:rPr/>
+              <a:t> </a:t>
+            </a:r>
+            <a:r>
+              <a:rPr/>
+              <a:t>and</a:t>
+            </a:r>
+            <a:r>
+              <a:rPr/>
+              <a:t> </a:t>
+            </a:r>
+            <a:r>
+              <a:rPr/>
+              <a:t>count(*)</a:t>
+            </a:r>
+            <a:r>
+              <a:rPr/>
+              <a:t> </a:t>
+            </a:r>
+            <a:r>
+              <a:rPr/>
+              <a:t>are</a:t>
+            </a:r>
+            <a:r>
+              <a:rPr/>
+              <a:t> </a:t>
+            </a:r>
+            <a:r>
+              <a:rPr/>
+              <a:t>a</a:t>
+            </a:r>
+            <a:r>
+              <a:rPr/>
+              <a:t> </a:t>
+            </a:r>
+            <a:r>
+              <a:rPr/>
+              <a:t>vertical</a:t>
+            </a:r>
+            <a:r>
+              <a:rPr/>
+              <a:t> </a:t>
+            </a:r>
+            <a:r>
+              <a:rPr/>
+              <a:t>list</a:t>
+            </a:r>
+            <a:r>
+              <a:rPr/>
+              <a:t> </a:t>
+            </a:r>
+            <a:r>
+              <a:rPr/>
+              <a:t>and</a:t>
+            </a:r>
+            <a:r>
+              <a:rPr/>
+              <a:t> </a:t>
+            </a:r>
+            <a:r>
+              <a:rPr/>
+              <a:t>are</a:t>
+            </a:r>
+            <a:r>
+              <a:rPr/>
+              <a:t> </a:t>
+            </a:r>
+            <a:r>
+              <a:rPr/>
+              <a:t>double</a:t>
+            </a:r>
+            <a:r>
+              <a:rPr/>
+              <a:t> </a:t>
+            </a:r>
+            <a:r>
+              <a:rPr/>
+              <a:t>indented</a:t>
+            </a:r>
+            <a:r>
+              <a:rPr/>
+              <a:t> </a:t>
+            </a:r>
+            <a:r>
+              <a:rPr/>
+              <a:t>because</a:t>
+            </a:r>
+            <a:r>
+              <a:rPr/>
+              <a:t> </a:t>
+            </a:r>
+            <a:r>
+              <a:rPr/>
+              <a:t>they</a:t>
+            </a:r>
+            <a:r>
+              <a:rPr/>
+              <a:t> </a:t>
+            </a:r>
+            <a:r>
+              <a:rPr/>
+              <a:t>are</a:t>
+            </a:r>
+            <a:r>
+              <a:rPr/>
+              <a:t> </a:t>
+            </a:r>
+            <a:r>
+              <a:rPr/>
+              <a:t>pare</a:t>
+            </a:r>
+            <a:r>
+              <a:rPr/>
+              <a:t> </a:t>
+            </a:r>
+            <a:r>
+              <a:rPr/>
+              <a:t>of</a:t>
             </a:r>
             <a:r>
               <a:rPr/>
@@ -3071,303 +3194,15 @@
             </a:r>
             <a:r>
               <a:rPr/>
-              <a:t>names</a:t>
-            </a:r>
-            <a:r>
-              <a:rPr/>
-              <a:t> </a:t>
-            </a:r>
-            <a:r>
-              <a:rPr/>
-              <a:t>of</a:t>
-            </a:r>
-            <a:r>
-              <a:rPr/>
-              <a:t> </a:t>
-            </a:r>
-            <a:r>
-              <a:rPr/>
-              <a:t>the</a:t>
-            </a:r>
-            <a:r>
-              <a:rPr/>
-              <a:t> </a:t>
-            </a:r>
-            <a:r>
-              <a:rPr/>
-              <a:t>files</a:t>
-            </a:r>
-            <a:r>
-              <a:rPr/>
-              <a:t> </a:t>
-            </a:r>
-            <a:r>
-              <a:rPr/>
-              <a:t>and</a:t>
-            </a:r>
-            <a:r>
-              <a:rPr/>
-              <a:t> </a:t>
-            </a:r>
-            <a:r>
-              <a:rPr/>
-              <a:t>the</a:t>
-            </a:r>
-            <a:r>
-              <a:rPr/>
-              <a:t> </a:t>
-            </a:r>
-            <a:r>
-              <a:rPr/>
-              <a:t>directory</a:t>
-            </a:r>
-            <a:r>
-              <a:rPr/>
-              <a:t> </a:t>
-            </a:r>
-            <a:r>
-              <a:rPr/>
-              <a:t>structure</a:t>
-            </a:r>
-            <a:r>
-              <a:rPr/>
-              <a:t> </a:t>
-            </a:r>
-            <a:r>
-              <a:rPr/>
-              <a:t>that</a:t>
-            </a:r>
-            <a:r>
-              <a:rPr/>
-              <a:t> </a:t>
-            </a:r>
-            <a:r>
-              <a:rPr/>
-              <a:t>you</a:t>
-            </a:r>
-            <a:r>
-              <a:rPr/>
-              <a:t> </a:t>
-            </a:r>
-            <a:r>
-              <a:rPr/>
-              <a:t>use</a:t>
-            </a:r>
-            <a:r>
-              <a:rPr/>
-              <a:t> </a:t>
-            </a:r>
-            <a:r>
-              <a:rPr/>
-              <a:t>for</a:t>
-            </a:r>
-            <a:r>
-              <a:rPr/>
-              <a:t> </a:t>
-            </a:r>
-            <a:r>
-              <a:rPr/>
-              <a:t>your</a:t>
-            </a:r>
-            <a:r>
-              <a:rPr/>
-              <a:t> </a:t>
-            </a:r>
-            <a:r>
-              <a:rPr/>
-              <a:t>programs.</a:t>
-            </a:r>
-            <a:r>
-              <a:rPr/>
-              <a:t> </a:t>
-            </a:r>
-            <a:r>
-              <a:rPr/>
-              <a:t>Any</a:t>
-            </a:r>
-            <a:r>
-              <a:rPr/>
-              <a:t> </a:t>
-            </a:r>
-            <a:r>
-              <a:rPr/>
-              <a:t>program</a:t>
-            </a:r>
-            <a:r>
-              <a:rPr/>
-              <a:t> </a:t>
-            </a:r>
-            <a:r>
-              <a:rPr/>
-              <a:t>you</a:t>
-            </a:r>
-            <a:r>
-              <a:rPr/>
-              <a:t> </a:t>
-            </a:r>
-            <a:r>
-              <a:rPr/>
-              <a:t>write</a:t>
-            </a:r>
-            <a:r>
-              <a:rPr/>
-              <a:t> </a:t>
-            </a:r>
-            <a:r>
-              <a:rPr/>
-              <a:t>must</a:t>
-            </a:r>
-            <a:r>
-              <a:rPr/>
-              <a:t> </a:t>
-            </a:r>
-            <a:r>
-              <a:rPr/>
-              <a:t>have</a:t>
-            </a:r>
-            <a:r>
-              <a:rPr/>
-              <a:t> </a:t>
-            </a:r>
-            <a:r>
-              <a:rPr/>
-              <a:t>a</a:t>
-            </a:r>
-            <a:r>
-              <a:rPr/>
-              <a:t> </a:t>
-            </a:r>
-            <a:r>
-              <a:rPr/>
-              <a:t>documentation</a:t>
-            </a:r>
-            <a:r>
-              <a:rPr/>
-              <a:t> </a:t>
-            </a:r>
-            <a:r>
-              <a:rPr/>
-              <a:t>with</a:t>
-            </a:r>
-            <a:r>
-              <a:rPr/>
-              <a:t> </a:t>
-            </a:r>
-            <a:r>
-              <a:rPr/>
-              <a:t>certain</a:t>
-            </a:r>
-            <a:r>
-              <a:rPr/>
-              <a:t> </a:t>
-            </a:r>
-            <a:r>
-              <a:rPr/>
-              <a:t>key</a:t>
-            </a:r>
-            <a:r>
-              <a:rPr/>
-              <a:t> </a:t>
-            </a:r>
-            <a:r>
-              <a:rPr/>
-              <a:t>elements.</a:t>
-            </a:r>
-            <a:r>
-              <a:rPr/>
-              <a:t> </a:t>
-            </a:r>
-            <a:r>
-              <a:rPr/>
-              <a:t>Your</a:t>
-            </a:r>
-            <a:r>
-              <a:rPr/>
-              <a:t> </a:t>
-            </a:r>
-            <a:r>
-              <a:rPr/>
-              <a:t>code</a:t>
-            </a:r>
-            <a:r>
-              <a:rPr/>
-              <a:t> </a:t>
-            </a:r>
-            <a:r>
-              <a:rPr/>
-              <a:t>must</a:t>
-            </a:r>
-            <a:r>
-              <a:rPr/>
-              <a:t> </a:t>
-            </a:r>
-            <a:r>
-              <a:rPr/>
-              <a:t>be</a:t>
-            </a:r>
-            <a:r>
-              <a:rPr/>
-              <a:t> </a:t>
-            </a:r>
-            <a:r>
-              <a:rPr/>
-              <a:t>easily</a:t>
-            </a:r>
-            <a:r>
-              <a:rPr/>
-              <a:t> </a:t>
-            </a:r>
-            <a:r>
-              <a:rPr/>
-              <a:t>readable</a:t>
-            </a:r>
-            <a:r>
-              <a:rPr/>
-              <a:t> </a:t>
-            </a:r>
-            <a:r>
-              <a:rPr/>
-              <a:t>and</a:t>
-            </a:r>
-            <a:r>
-              <a:rPr/>
-              <a:t> </a:t>
-            </a:r>
-            <a:r>
-              <a:rPr/>
-              <a:t>you</a:t>
-            </a:r>
-            <a:r>
-              <a:rPr/>
-              <a:t> </a:t>
-            </a:r>
-            <a:r>
-              <a:rPr/>
-              <a:t>must</a:t>
-            </a:r>
-            <a:r>
-              <a:rPr/>
-              <a:t> </a:t>
-            </a:r>
-            <a:r>
-              <a:rPr/>
-              <a:t>avoid</a:t>
-            </a:r>
-            <a:r>
-              <a:rPr/>
-              <a:t> </a:t>
-            </a:r>
-            <a:r>
-              <a:rPr/>
-              <a:t>lengthy</a:t>
-            </a:r>
-            <a:r>
-              <a:rPr/>
-              <a:t> </a:t>
-            </a:r>
-            <a:r>
-              <a:rPr/>
-              <a:t>outputs.</a:t>
+              <a:t>select</a:t>
+            </a:r>
+            <a:r>
+              <a:rPr/>
+              <a:t> </a:t>
+            </a:r>
+            <a:r>
+              <a:rPr/>
+              <a:t>statement.</a:t>
             </a:r>
           </a:p>
         </p:txBody>
@@ -3389,7 +3224,4507 @@
           <a:p>
             <a:fld id="{18BDFEC3-8487-43E8-A154-7C12CBC1FFF2}" type="slidenum">
               <a:rPr lang="en-US"/>
+              <a:t>16</a:t>
+            </a:fld>
+            <a:endParaRPr lang="en-US"/>
+          </a:p>
+        </p:txBody>
+      </p:sp>
+    </p:spTree>
+  </p:cSld>
+</p:notes>
+</file>
+
+<file path=ppt/notesSlides/notesSlide15.xml><?xml version="1.0" encoding="utf-8"?>
+<p:notes xmlns:a="http://schemas.openxmlformats.org/drawingml/2006/main" xmlns:r="http://schemas.openxmlformats.org/officeDocument/2006/relationships" xmlns:p="http://schemas.openxmlformats.org/presentationml/2006/main">
+  <p:cSld>
+    <p:spTree>
+      <p:nvGrpSpPr>
+        <p:cNvPr id="1" name=""/>
+        <p:cNvGrpSpPr/>
+        <p:nvPr/>
+      </p:nvGrpSpPr>
+      <p:grpSpPr>
+        <a:xfrm>
+          <a:off x="0" y="0"/>
+          <a:ext cx="0" cy="0"/>
+          <a:chOff x="0" y="0"/>
+          <a:chExt cx="0" cy="0"/>
+        </a:xfrm>
+      </p:grpSpPr>
+      <p:sp>
+        <p:nvSpPr>
+          <p:cNvPr id="2" name="Slide Image Placeholder 1"/>
+          <p:cNvSpPr>
+            <a:spLocks noGrp="1" noRot="1" noChangeAspect="1"/>
+          </p:cNvSpPr>
+          <p:nvPr>
+            <p:ph type="sldImg"/>
+          </p:nvPr>
+        </p:nvSpPr>
+        <p:spPr/>
+      </p:sp>
+      <p:sp>
+        <p:nvSpPr>
+          <p:cNvPr id="3" name="Notes Placeholder 2"/>
+          <p:cNvSpPr>
+            <a:spLocks noGrp="1"/>
+          </p:cNvSpPr>
+          <p:nvPr>
+            <p:ph type="body" idx="1"/>
+          </p:nvPr>
+        </p:nvSpPr>
+        <p:spPr/>
+        <p:txBody>
+          <a:bodyPr/>
+          <a:lstStyle/>
+          <a:p>
+            <a:pPr lvl="0" marL="0" indent="0">
+              <a:buNone/>
+            </a:pPr>
+            <a:r>
+              <a:rPr/>
+              <a:t>Here’s</a:t>
+            </a:r>
+            <a:r>
+              <a:rPr/>
+              <a:t> </a:t>
+            </a:r>
+            <a:r>
+              <a:rPr/>
+              <a:t>an</a:t>
+            </a:r>
+            <a:r>
+              <a:rPr/>
+              <a:t> </a:t>
+            </a:r>
+            <a:r>
+              <a:rPr/>
+              <a:t>example</a:t>
+            </a:r>
+            <a:r>
+              <a:rPr/>
+              <a:t> </a:t>
+            </a:r>
+            <a:r>
+              <a:rPr/>
+              <a:t>using</a:t>
+            </a:r>
+            <a:r>
+              <a:rPr/>
+              <a:t> </a:t>
+            </a:r>
+            <a:r>
+              <a:rPr/>
+              <a:t>R.</a:t>
+            </a:r>
+            <a:r>
+              <a:rPr/>
+              <a:t> </a:t>
+            </a:r>
+            <a:r>
+              <a:rPr/>
+              <a:t>It’s</a:t>
+            </a:r>
+            <a:r>
+              <a:rPr/>
+              <a:t> </a:t>
+            </a:r>
+            <a:r>
+              <a:rPr/>
+              <a:t>a</a:t>
+            </a:r>
+            <a:r>
+              <a:rPr/>
+              <a:t> </a:t>
+            </a:r>
+            <a:r>
+              <a:rPr/>
+              <a:t>bit</a:t>
+            </a:r>
+            <a:r>
+              <a:rPr/>
+              <a:t> </a:t>
+            </a:r>
+            <a:r>
+              <a:rPr/>
+              <a:t>more</a:t>
+            </a:r>
+            <a:r>
+              <a:rPr/>
+              <a:t> </a:t>
+            </a:r>
+            <a:r>
+              <a:rPr/>
+              <a:t>advanced,</a:t>
+            </a:r>
+            <a:r>
+              <a:rPr/>
+              <a:t> </a:t>
+            </a:r>
+            <a:r>
+              <a:rPr/>
+              <a:t>but</a:t>
+            </a:r>
+            <a:r>
+              <a:rPr/>
+              <a:t> </a:t>
+            </a:r>
+            <a:r>
+              <a:rPr/>
+              <a:t>notice</a:t>
+            </a:r>
+            <a:r>
+              <a:rPr/>
+              <a:t> </a:t>
+            </a:r>
+            <a:r>
+              <a:rPr/>
+              <a:t>the</a:t>
+            </a:r>
+            <a:r>
+              <a:rPr/>
+              <a:t> </a:t>
+            </a:r>
+            <a:r>
+              <a:rPr/>
+              <a:t>three</a:t>
+            </a:r>
+            <a:r>
+              <a:rPr/>
+              <a:t> </a:t>
+            </a:r>
+            <a:r>
+              <a:rPr/>
+              <a:t>commands</a:t>
+            </a:r>
+            <a:r>
+              <a:rPr/>
+              <a:t> </a:t>
+            </a:r>
+            <a:r>
+              <a:rPr/>
+              <a:t>that</a:t>
+            </a:r>
+            <a:r>
+              <a:rPr/>
+              <a:t> </a:t>
+            </a:r>
+            <a:r>
+              <a:rPr/>
+              <a:t>create</a:t>
+            </a:r>
+            <a:r>
+              <a:rPr/>
+              <a:t> </a:t>
+            </a:r>
+            <a:r>
+              <a:rPr/>
+              <a:t>new</a:t>
+            </a:r>
+            <a:r>
+              <a:rPr/>
+              <a:t> </a:t>
+            </a:r>
+            <a:r>
+              <a:rPr/>
+              <a:t>variables:</a:t>
+            </a:r>
+            <a:r>
+              <a:rPr/>
+              <a:t> </a:t>
+            </a:r>
+            <a:r>
+              <a:rPr/>
+              <a:t>i,</a:t>
+            </a:r>
+            <a:r>
+              <a:rPr/>
+              <a:t> </a:t>
+            </a:r>
+            <a:r>
+              <a:rPr/>
+              <a:t>circle_size,</a:t>
+            </a:r>
+            <a:r>
+              <a:rPr/>
+              <a:t> </a:t>
+            </a:r>
+            <a:r>
+              <a:rPr/>
+              <a:t>and</a:t>
+            </a:r>
+            <a:r>
+              <a:rPr/>
+              <a:t> </a:t>
+            </a:r>
+            <a:r>
+              <a:rPr/>
+              <a:t>non_zero_cases.</a:t>
+            </a:r>
+            <a:r>
+              <a:rPr/>
+              <a:t> </a:t>
+            </a:r>
+            <a:r>
+              <a:rPr/>
+              <a:t>They</a:t>
+            </a:r>
+            <a:r>
+              <a:rPr/>
+              <a:t> </a:t>
+            </a:r>
+            <a:r>
+              <a:rPr/>
+              <a:t>are</a:t>
+            </a:r>
+            <a:r>
+              <a:rPr/>
+              <a:t> </a:t>
+            </a:r>
+            <a:r>
+              <a:rPr/>
+              <a:t>separated</a:t>
+            </a:r>
+            <a:r>
+              <a:rPr/>
+              <a:t> </a:t>
+            </a:r>
+            <a:r>
+              <a:rPr/>
+              <a:t>by</a:t>
+            </a:r>
+            <a:r>
+              <a:rPr/>
+              <a:t> </a:t>
+            </a:r>
+            <a:r>
+              <a:rPr/>
+              <a:t>a</a:t>
+            </a:r>
+            <a:r>
+              <a:rPr/>
+              <a:t> </a:t>
+            </a:r>
+            <a:r>
+              <a:rPr/>
+              <a:t>blank</a:t>
+            </a:r>
+            <a:r>
+              <a:rPr/>
+              <a:t> </a:t>
+            </a:r>
+            <a:r>
+              <a:rPr/>
+              <a:t>line</a:t>
+            </a:r>
+            <a:r>
+              <a:rPr/>
+              <a:t> </a:t>
+            </a:r>
+            <a:r>
+              <a:rPr/>
+              <a:t>from</a:t>
+            </a:r>
+            <a:r>
+              <a:rPr/>
+              <a:t> </a:t>
+            </a:r>
+            <a:r>
+              <a:rPr/>
+              <a:t>the</a:t>
+            </a:r>
+            <a:r>
+              <a:rPr/>
+              <a:t> </a:t>
+            </a:r>
+            <a:r>
+              <a:rPr/>
+              <a:t>ggplot</a:t>
+            </a:r>
+            <a:r>
+              <a:rPr/>
+              <a:t> </a:t>
+            </a:r>
+            <a:r>
+              <a:rPr/>
+              <a:t>function.</a:t>
+            </a:r>
+          </a:p>
+          <a:p>
+            <a:pPr lvl="0" marL="0" indent="0">
+              <a:buNone/>
+            </a:pPr>
+          </a:p>
+          <a:p>
+            <a:pPr lvl="0" marL="0" indent="0">
+              <a:buNone/>
+            </a:pPr>
+            <a:r>
+              <a:rPr/>
+              <a:t>The</a:t>
+            </a:r>
+            <a:r>
+              <a:rPr/>
+              <a:t> </a:t>
+            </a:r>
+            <a:r>
+              <a:rPr/>
+              <a:t>ggplot</a:t>
+            </a:r>
+            <a:r>
+              <a:rPr/>
+              <a:t> </a:t>
+            </a:r>
+            <a:r>
+              <a:rPr/>
+              <a:t>function</a:t>
+            </a:r>
+            <a:r>
+              <a:rPr/>
+              <a:t> </a:t>
+            </a:r>
+            <a:r>
+              <a:rPr/>
+              <a:t>has</a:t>
+            </a:r>
+            <a:r>
+              <a:rPr/>
+              <a:t> </a:t>
+            </a:r>
+            <a:r>
+              <a:rPr/>
+              <a:t>several</a:t>
+            </a:r>
+            <a:r>
+              <a:rPr/>
+              <a:t> </a:t>
+            </a:r>
+            <a:r>
+              <a:rPr/>
+              <a:t>graphics</a:t>
+            </a:r>
+            <a:r>
+              <a:rPr/>
+              <a:t> </a:t>
+            </a:r>
+            <a:r>
+              <a:rPr/>
+              <a:t>options</a:t>
+            </a:r>
+            <a:r>
+              <a:rPr/>
+              <a:t> </a:t>
+            </a:r>
+            <a:r>
+              <a:rPr/>
+              <a:t>that</a:t>
+            </a:r>
+            <a:r>
+              <a:rPr/>
+              <a:t> </a:t>
+            </a:r>
+            <a:r>
+              <a:rPr/>
+              <a:t>are</a:t>
+            </a:r>
+            <a:r>
+              <a:rPr/>
+              <a:t> </a:t>
+            </a:r>
+            <a:r>
+              <a:rPr/>
+              <a:t>added:</a:t>
+            </a:r>
+            <a:r>
+              <a:rPr/>
+              <a:t> </a:t>
+            </a:r>
+            <a:r>
+              <a:rPr/>
+              <a:t>geom_sf</a:t>
+            </a:r>
+            <a:r>
+              <a:rPr/>
+              <a:t> </a:t>
+            </a:r>
+            <a:r>
+              <a:rPr/>
+              <a:t>(twice),</a:t>
+            </a:r>
+            <a:r>
+              <a:rPr/>
+              <a:t> </a:t>
+            </a:r>
+            <a:r>
+              <a:rPr/>
+              <a:t>coord_sf,</a:t>
+            </a:r>
+            <a:r>
+              <a:rPr/>
+              <a:t> </a:t>
+            </a:r>
+            <a:r>
+              <a:rPr/>
+              <a:t>and</a:t>
+            </a:r>
+            <a:r>
+              <a:rPr/>
+              <a:t> </a:t>
+            </a:r>
+            <a:r>
+              <a:rPr/>
+              <a:t>ggtitle.</a:t>
+            </a:r>
+            <a:r>
+              <a:rPr/>
+              <a:t> </a:t>
+            </a:r>
+            <a:r>
+              <a:rPr/>
+              <a:t>Each</a:t>
+            </a:r>
+            <a:r>
+              <a:rPr/>
+              <a:t> </a:t>
+            </a:r>
+            <a:r>
+              <a:rPr/>
+              <a:t>of</a:t>
+            </a:r>
+            <a:r>
+              <a:rPr/>
+              <a:t> </a:t>
+            </a:r>
+            <a:r>
+              <a:rPr/>
+              <a:t>these</a:t>
+            </a:r>
+            <a:r>
+              <a:rPr/>
+              <a:t> </a:t>
+            </a:r>
+            <a:r>
+              <a:rPr/>
+              <a:t>is</a:t>
+            </a:r>
+            <a:r>
+              <a:rPr/>
+              <a:t> </a:t>
+            </a:r>
+            <a:r>
+              <a:rPr/>
+              <a:t>on</a:t>
+            </a:r>
+            <a:r>
+              <a:rPr/>
+              <a:t> </a:t>
+            </a:r>
+            <a:r>
+              <a:rPr/>
+              <a:t>a</a:t>
+            </a:r>
+            <a:r>
+              <a:rPr/>
+              <a:t> </a:t>
+            </a:r>
+            <a:r>
+              <a:rPr/>
+              <a:t>separate</a:t>
+            </a:r>
+            <a:r>
+              <a:rPr/>
+              <a:t> </a:t>
+            </a:r>
+            <a:r>
+              <a:rPr/>
+              <a:t>line</a:t>
+            </a:r>
+            <a:r>
+              <a:rPr/>
+              <a:t> </a:t>
+            </a:r>
+            <a:r>
+              <a:rPr/>
+              <a:t>and</a:t>
+            </a:r>
+            <a:r>
+              <a:rPr/>
+              <a:t> </a:t>
+            </a:r>
+            <a:r>
+              <a:rPr/>
+              <a:t>indented</a:t>
+            </a:r>
+            <a:r>
+              <a:rPr/>
+              <a:t> </a:t>
+            </a:r>
+            <a:r>
+              <a:rPr/>
+              <a:t>consistently.</a:t>
+            </a:r>
+          </a:p>
+          <a:p>
+            <a:pPr lvl="0" marL="0" indent="0">
+              <a:buNone/>
+            </a:pPr>
+          </a:p>
+          <a:p>
+            <a:pPr lvl="0" marL="0" indent="0">
+              <a:buNone/>
+            </a:pPr>
+            <a:r>
+              <a:rPr/>
+              <a:t>Each</a:t>
+            </a:r>
+            <a:r>
+              <a:rPr/>
+              <a:t> </a:t>
+            </a:r>
+            <a:r>
+              <a:rPr/>
+              <a:t>of</a:t>
+            </a:r>
+            <a:r>
+              <a:rPr/>
+              <a:t> </a:t>
+            </a:r>
+            <a:r>
+              <a:rPr/>
+              <a:t>these</a:t>
+            </a:r>
+            <a:r>
+              <a:rPr/>
+              <a:t> </a:t>
+            </a:r>
+            <a:r>
+              <a:rPr/>
+              <a:t>graphics</a:t>
+            </a:r>
+            <a:r>
+              <a:rPr/>
+              <a:t> </a:t>
+            </a:r>
+            <a:r>
+              <a:rPr/>
+              <a:t>options</a:t>
+            </a:r>
+            <a:r>
+              <a:rPr/>
+              <a:t> </a:t>
+            </a:r>
+            <a:r>
+              <a:rPr/>
+              <a:t>have</a:t>
+            </a:r>
+            <a:r>
+              <a:rPr/>
+              <a:t> </a:t>
+            </a:r>
+            <a:r>
+              <a:rPr/>
+              <a:t>multiple</a:t>
+            </a:r>
+            <a:r>
+              <a:rPr/>
+              <a:t> </a:t>
+            </a:r>
+            <a:r>
+              <a:rPr/>
+              <a:t>arguments</a:t>
+            </a:r>
+            <a:r>
+              <a:rPr/>
+              <a:t> </a:t>
+            </a:r>
+            <a:r>
+              <a:rPr/>
+              <a:t>and</a:t>
+            </a:r>
+            <a:r>
+              <a:rPr/>
+              <a:t> </a:t>
+            </a:r>
+            <a:r>
+              <a:rPr/>
+              <a:t>they</a:t>
+            </a:r>
+            <a:r>
+              <a:rPr/>
+              <a:t> </a:t>
+            </a:r>
+            <a:r>
+              <a:rPr/>
+              <a:t>are</a:t>
+            </a:r>
+            <a:r>
+              <a:rPr/>
+              <a:t> </a:t>
+            </a:r>
+            <a:r>
+              <a:rPr/>
+              <a:t>arranged</a:t>
+            </a:r>
+            <a:r>
+              <a:rPr/>
+              <a:t> </a:t>
+            </a:r>
+            <a:r>
+              <a:rPr/>
+              <a:t>in</a:t>
+            </a:r>
+            <a:r>
+              <a:rPr/>
+              <a:t> </a:t>
+            </a:r>
+            <a:r>
+              <a:rPr/>
+              <a:t>a</a:t>
+            </a:r>
+            <a:r>
+              <a:rPr/>
+              <a:t> </a:t>
+            </a:r>
+            <a:r>
+              <a:rPr/>
+              <a:t>vertical</a:t>
+            </a:r>
+            <a:r>
+              <a:rPr/>
+              <a:t> </a:t>
+            </a:r>
+            <a:r>
+              <a:rPr/>
+              <a:t>list.</a:t>
+            </a:r>
+          </a:p>
+        </p:txBody>
+      </p:sp>
+      <p:sp>
+        <p:nvSpPr>
+          <p:cNvPr id="4" name="Slide Number Placeholder 3"/>
+          <p:cNvSpPr>
+            <a:spLocks noGrp="1"/>
+          </p:cNvSpPr>
+          <p:nvPr>
+            <p:ph type="sldNum" sz="quarter" idx="10"/>
+          </p:nvPr>
+        </p:nvSpPr>
+        <p:spPr/>
+        <p:txBody>
+          <a:bodyPr/>
+          <a:lstStyle/>
+          <a:p>
+            <a:fld id="{18BDFEC3-8487-43E8-A154-7C12CBC1FFF2}" type="slidenum">
+              <a:rPr lang="en-US"/>
               <a:t>17</a:t>
+            </a:fld>
+            <a:endParaRPr lang="en-US"/>
+          </a:p>
+        </p:txBody>
+      </p:sp>
+    </p:spTree>
+  </p:cSld>
+</p:notes>
+</file>
+
+<file path=ppt/notesSlides/notesSlide16.xml><?xml version="1.0" encoding="utf-8"?>
+<p:notes xmlns:a="http://schemas.openxmlformats.org/drawingml/2006/main" xmlns:r="http://schemas.openxmlformats.org/officeDocument/2006/relationships" xmlns:p="http://schemas.openxmlformats.org/presentationml/2006/main">
+  <p:cSld>
+    <p:spTree>
+      <p:nvGrpSpPr>
+        <p:cNvPr id="1" name=""/>
+        <p:cNvGrpSpPr/>
+        <p:nvPr/>
+      </p:nvGrpSpPr>
+      <p:grpSpPr>
+        <a:xfrm>
+          <a:off x="0" y="0"/>
+          <a:ext cx="0" cy="0"/>
+          <a:chOff x="0" y="0"/>
+          <a:chExt cx="0" cy="0"/>
+        </a:xfrm>
+      </p:grpSpPr>
+      <p:sp>
+        <p:nvSpPr>
+          <p:cNvPr id="2" name="Slide Image Placeholder 1"/>
+          <p:cNvSpPr>
+            <a:spLocks noGrp="1" noRot="1" noChangeAspect="1"/>
+          </p:cNvSpPr>
+          <p:nvPr>
+            <p:ph type="sldImg"/>
+          </p:nvPr>
+        </p:nvSpPr>
+        <p:spPr/>
+      </p:sp>
+      <p:sp>
+        <p:nvSpPr>
+          <p:cNvPr id="3" name="Notes Placeholder 2"/>
+          <p:cNvSpPr>
+            <a:spLocks noGrp="1"/>
+          </p:cNvSpPr>
+          <p:nvPr>
+            <p:ph type="body" idx="1"/>
+          </p:nvPr>
+        </p:nvSpPr>
+        <p:spPr/>
+        <p:txBody>
+          <a:bodyPr/>
+          <a:lstStyle/>
+          <a:p>
+            <a:pPr lvl="0" marL="0" indent="0">
+              <a:buNone/>
+            </a:pPr>
+            <a:r>
+              <a:rPr/>
+              <a:t>Here’s</a:t>
+            </a:r>
+            <a:r>
+              <a:rPr/>
+              <a:t> </a:t>
+            </a:r>
+            <a:r>
+              <a:rPr/>
+              <a:t>an</a:t>
+            </a:r>
+            <a:r>
+              <a:rPr/>
+              <a:t> </a:t>
+            </a:r>
+            <a:r>
+              <a:rPr/>
+              <a:t>example</a:t>
+            </a:r>
+            <a:r>
+              <a:rPr/>
+              <a:t> </a:t>
+            </a:r>
+            <a:r>
+              <a:rPr/>
+              <a:t>using</a:t>
+            </a:r>
+            <a:r>
+              <a:rPr/>
+              <a:t> </a:t>
+            </a:r>
+            <a:r>
+              <a:rPr/>
+              <a:t>R.</a:t>
+            </a:r>
+            <a:r>
+              <a:rPr/>
+              <a:t> </a:t>
+            </a:r>
+            <a:r>
+              <a:rPr/>
+              <a:t>It’s</a:t>
+            </a:r>
+            <a:r>
+              <a:rPr/>
+              <a:t> </a:t>
+            </a:r>
+            <a:r>
+              <a:rPr/>
+              <a:t>a</a:t>
+            </a:r>
+            <a:r>
+              <a:rPr/>
+              <a:t> </a:t>
+            </a:r>
+            <a:r>
+              <a:rPr/>
+              <a:t>bit</a:t>
+            </a:r>
+            <a:r>
+              <a:rPr/>
+              <a:t> </a:t>
+            </a:r>
+            <a:r>
+              <a:rPr/>
+              <a:t>more</a:t>
+            </a:r>
+            <a:r>
+              <a:rPr/>
+              <a:t> </a:t>
+            </a:r>
+            <a:r>
+              <a:rPr/>
+              <a:t>advanced,</a:t>
+            </a:r>
+            <a:r>
+              <a:rPr/>
+              <a:t> </a:t>
+            </a:r>
+            <a:r>
+              <a:rPr/>
+              <a:t>but</a:t>
+            </a:r>
+            <a:r>
+              <a:rPr/>
+              <a:t> </a:t>
+            </a:r>
+            <a:r>
+              <a:rPr/>
+              <a:t>notice</a:t>
+            </a:r>
+            <a:r>
+              <a:rPr/>
+              <a:t> </a:t>
+            </a:r>
+            <a:r>
+              <a:rPr/>
+              <a:t>the</a:t>
+            </a:r>
+            <a:r>
+              <a:rPr/>
+              <a:t> </a:t>
+            </a:r>
+            <a:r>
+              <a:rPr/>
+              <a:t>two</a:t>
+            </a:r>
+            <a:r>
+              <a:rPr/>
+              <a:t> </a:t>
+            </a:r>
+            <a:r>
+              <a:rPr/>
+              <a:t>commands</a:t>
+            </a:r>
+            <a:r>
+              <a:rPr/>
+              <a:t> </a:t>
+            </a:r>
+            <a:r>
+              <a:rPr/>
+              <a:t>that</a:t>
+            </a:r>
+            <a:r>
+              <a:rPr/>
+              <a:t> </a:t>
+            </a:r>
+            <a:r>
+              <a:rPr/>
+              <a:t>create</a:t>
+            </a:r>
+            <a:r>
+              <a:rPr/>
+              <a:t> </a:t>
+            </a:r>
+            <a:r>
+              <a:rPr/>
+              <a:t>new</a:t>
+            </a:r>
+            <a:r>
+              <a:rPr/>
+              <a:t> </a:t>
+            </a:r>
+            <a:r>
+              <a:rPr/>
+              <a:t>variables:</a:t>
+            </a:r>
+            <a:r>
+              <a:rPr/>
+              <a:t> </a:t>
+            </a:r>
+            <a:r>
+              <a:rPr/>
+              <a:t>zero</a:t>
+            </a:r>
+            <a:r>
+              <a:rPr/>
+              <a:t> </a:t>
+            </a:r>
+            <a:r>
+              <a:rPr/>
+              <a:t>and</a:t>
+            </a:r>
+            <a:r>
+              <a:rPr/>
+              <a:t> </a:t>
+            </a:r>
+            <a:r>
+              <a:rPr/>
+              <a:t>circle_size.</a:t>
+            </a:r>
+            <a:r>
+              <a:rPr/>
+              <a:t> </a:t>
+            </a:r>
+            <a:r>
+              <a:rPr/>
+              <a:t>They</a:t>
+            </a:r>
+            <a:r>
+              <a:rPr/>
+              <a:t> </a:t>
+            </a:r>
+            <a:r>
+              <a:rPr/>
+              <a:t>are</a:t>
+            </a:r>
+            <a:r>
+              <a:rPr/>
+              <a:t> </a:t>
+            </a:r>
+            <a:r>
+              <a:rPr/>
+              <a:t>separated</a:t>
+            </a:r>
+            <a:r>
+              <a:rPr/>
+              <a:t> </a:t>
+            </a:r>
+            <a:r>
+              <a:rPr/>
+              <a:t>by</a:t>
+            </a:r>
+            <a:r>
+              <a:rPr/>
+              <a:t> </a:t>
+            </a:r>
+            <a:r>
+              <a:rPr/>
+              <a:t>a</a:t>
+            </a:r>
+            <a:r>
+              <a:rPr/>
+              <a:t> </a:t>
+            </a:r>
+            <a:r>
+              <a:rPr/>
+              <a:t>blank</a:t>
+            </a:r>
+            <a:r>
+              <a:rPr/>
+              <a:t> </a:t>
+            </a:r>
+            <a:r>
+              <a:rPr/>
+              <a:t>line</a:t>
+            </a:r>
+            <a:r>
+              <a:rPr/>
+              <a:t> </a:t>
+            </a:r>
+            <a:r>
+              <a:rPr/>
+              <a:t>from</a:t>
+            </a:r>
+            <a:r>
+              <a:rPr/>
+              <a:t> </a:t>
+            </a:r>
+            <a:r>
+              <a:rPr/>
+              <a:t>the</a:t>
+            </a:r>
+            <a:r>
+              <a:rPr/>
+              <a:t> </a:t>
+            </a:r>
+            <a:r>
+              <a:rPr/>
+              <a:t>ggplot</a:t>
+            </a:r>
+            <a:r>
+              <a:rPr/>
+              <a:t> </a:t>
+            </a:r>
+            <a:r>
+              <a:rPr/>
+              <a:t>function.</a:t>
+            </a:r>
+          </a:p>
+          <a:p>
+            <a:pPr lvl="0" marL="0" indent="0">
+              <a:buNone/>
+            </a:pPr>
+          </a:p>
+          <a:p>
+            <a:pPr lvl="0" marL="0" indent="0">
+              <a:buNone/>
+            </a:pPr>
+            <a:r>
+              <a:rPr/>
+              <a:t>The</a:t>
+            </a:r>
+            <a:r>
+              <a:rPr/>
+              <a:t> </a:t>
+            </a:r>
+            <a:r>
+              <a:rPr/>
+              <a:t>ggplot</a:t>
+            </a:r>
+            <a:r>
+              <a:rPr/>
+              <a:t> </a:t>
+            </a:r>
+            <a:r>
+              <a:rPr/>
+              <a:t>function</a:t>
+            </a:r>
+            <a:r>
+              <a:rPr/>
+              <a:t> </a:t>
+            </a:r>
+            <a:r>
+              <a:rPr/>
+              <a:t>has</a:t>
+            </a:r>
+            <a:r>
+              <a:rPr/>
+              <a:t> </a:t>
+            </a:r>
+            <a:r>
+              <a:rPr/>
+              <a:t>several</a:t>
+            </a:r>
+            <a:r>
+              <a:rPr/>
+              <a:t> </a:t>
+            </a:r>
+            <a:r>
+              <a:rPr/>
+              <a:t>graphics</a:t>
+            </a:r>
+            <a:r>
+              <a:rPr/>
+              <a:t> </a:t>
+            </a:r>
+            <a:r>
+              <a:rPr/>
+              <a:t>options</a:t>
+            </a:r>
+            <a:r>
+              <a:rPr/>
+              <a:t> </a:t>
+            </a:r>
+            <a:r>
+              <a:rPr/>
+              <a:t>that</a:t>
+            </a:r>
+            <a:r>
+              <a:rPr/>
+              <a:t> </a:t>
+            </a:r>
+            <a:r>
+              <a:rPr/>
+              <a:t>are</a:t>
+            </a:r>
+            <a:r>
+              <a:rPr/>
+              <a:t> </a:t>
+            </a:r>
+            <a:r>
+              <a:rPr/>
+              <a:t>added:</a:t>
+            </a:r>
+            <a:r>
+              <a:rPr/>
+              <a:t> </a:t>
+            </a:r>
+            <a:r>
+              <a:rPr/>
+              <a:t>geom_sf</a:t>
+            </a:r>
+            <a:r>
+              <a:rPr/>
+              <a:t> </a:t>
+            </a:r>
+            <a:r>
+              <a:rPr/>
+              <a:t>(twice),</a:t>
+            </a:r>
+            <a:r>
+              <a:rPr/>
+              <a:t> </a:t>
+            </a:r>
+            <a:r>
+              <a:rPr/>
+              <a:t>coord_sf,</a:t>
+            </a:r>
+            <a:r>
+              <a:rPr/>
+              <a:t> </a:t>
+            </a:r>
+            <a:r>
+              <a:rPr/>
+              <a:t>and</a:t>
+            </a:r>
+            <a:r>
+              <a:rPr/>
+              <a:t> </a:t>
+            </a:r>
+            <a:r>
+              <a:rPr/>
+              <a:t>ggtitle.</a:t>
+            </a:r>
+            <a:r>
+              <a:rPr/>
+              <a:t> </a:t>
+            </a:r>
+            <a:r>
+              <a:rPr/>
+              <a:t>Each</a:t>
+            </a:r>
+            <a:r>
+              <a:rPr/>
+              <a:t> </a:t>
+            </a:r>
+            <a:r>
+              <a:rPr/>
+              <a:t>of</a:t>
+            </a:r>
+            <a:r>
+              <a:rPr/>
+              <a:t> </a:t>
+            </a:r>
+            <a:r>
+              <a:rPr/>
+              <a:t>these</a:t>
+            </a:r>
+            <a:r>
+              <a:rPr/>
+              <a:t> </a:t>
+            </a:r>
+            <a:r>
+              <a:rPr/>
+              <a:t>is</a:t>
+            </a:r>
+            <a:r>
+              <a:rPr/>
+              <a:t> </a:t>
+            </a:r>
+            <a:r>
+              <a:rPr/>
+              <a:t>on</a:t>
+            </a:r>
+            <a:r>
+              <a:rPr/>
+              <a:t> </a:t>
+            </a:r>
+            <a:r>
+              <a:rPr/>
+              <a:t>a</a:t>
+            </a:r>
+            <a:r>
+              <a:rPr/>
+              <a:t> </a:t>
+            </a:r>
+            <a:r>
+              <a:rPr/>
+              <a:t>separate</a:t>
+            </a:r>
+            <a:r>
+              <a:rPr/>
+              <a:t> </a:t>
+            </a:r>
+            <a:r>
+              <a:rPr/>
+              <a:t>line</a:t>
+            </a:r>
+            <a:r>
+              <a:rPr/>
+              <a:t> </a:t>
+            </a:r>
+            <a:r>
+              <a:rPr/>
+              <a:t>and</a:t>
+            </a:r>
+            <a:r>
+              <a:rPr/>
+              <a:t> </a:t>
+            </a:r>
+            <a:r>
+              <a:rPr/>
+              <a:t>indented</a:t>
+            </a:r>
+            <a:r>
+              <a:rPr/>
+              <a:t> </a:t>
+            </a:r>
+            <a:r>
+              <a:rPr/>
+              <a:t>consistently.</a:t>
+            </a:r>
+          </a:p>
+          <a:p>
+            <a:pPr lvl="0" marL="0" indent="0">
+              <a:buNone/>
+            </a:pPr>
+          </a:p>
+          <a:p>
+            <a:pPr lvl="0" marL="0" indent="0">
+              <a:buNone/>
+            </a:pPr>
+            <a:r>
+              <a:rPr/>
+              <a:t>Each</a:t>
+            </a:r>
+            <a:r>
+              <a:rPr/>
+              <a:t> </a:t>
+            </a:r>
+            <a:r>
+              <a:rPr/>
+              <a:t>of</a:t>
+            </a:r>
+            <a:r>
+              <a:rPr/>
+              <a:t> </a:t>
+            </a:r>
+            <a:r>
+              <a:rPr/>
+              <a:t>these</a:t>
+            </a:r>
+            <a:r>
+              <a:rPr/>
+              <a:t> </a:t>
+            </a:r>
+            <a:r>
+              <a:rPr/>
+              <a:t>graphics</a:t>
+            </a:r>
+            <a:r>
+              <a:rPr/>
+              <a:t> </a:t>
+            </a:r>
+            <a:r>
+              <a:rPr/>
+              <a:t>options</a:t>
+            </a:r>
+            <a:r>
+              <a:rPr/>
+              <a:t> </a:t>
+            </a:r>
+            <a:r>
+              <a:rPr/>
+              <a:t>have</a:t>
+            </a:r>
+            <a:r>
+              <a:rPr/>
+              <a:t> </a:t>
+            </a:r>
+            <a:r>
+              <a:rPr/>
+              <a:t>multiple</a:t>
+            </a:r>
+            <a:r>
+              <a:rPr/>
+              <a:t> </a:t>
+            </a:r>
+            <a:r>
+              <a:rPr/>
+              <a:t>arguments</a:t>
+            </a:r>
+            <a:r>
+              <a:rPr/>
+              <a:t> </a:t>
+            </a:r>
+            <a:r>
+              <a:rPr/>
+              <a:t>and</a:t>
+            </a:r>
+            <a:r>
+              <a:rPr/>
+              <a:t> </a:t>
+            </a:r>
+            <a:r>
+              <a:rPr/>
+              <a:t>they</a:t>
+            </a:r>
+            <a:r>
+              <a:rPr/>
+              <a:t> </a:t>
+            </a:r>
+            <a:r>
+              <a:rPr/>
+              <a:t>are</a:t>
+            </a:r>
+            <a:r>
+              <a:rPr/>
+              <a:t> </a:t>
+            </a:r>
+            <a:r>
+              <a:rPr/>
+              <a:t>arranged</a:t>
+            </a:r>
+            <a:r>
+              <a:rPr/>
+              <a:t> </a:t>
+            </a:r>
+            <a:r>
+              <a:rPr/>
+              <a:t>in</a:t>
+            </a:r>
+            <a:r>
+              <a:rPr/>
+              <a:t> </a:t>
+            </a:r>
+            <a:r>
+              <a:rPr/>
+              <a:t>a</a:t>
+            </a:r>
+            <a:r>
+              <a:rPr/>
+              <a:t> </a:t>
+            </a:r>
+            <a:r>
+              <a:rPr/>
+              <a:t>vertical</a:t>
+            </a:r>
+            <a:r>
+              <a:rPr/>
+              <a:t> </a:t>
+            </a:r>
+            <a:r>
+              <a:rPr/>
+              <a:t>list.</a:t>
+            </a:r>
+            <a:r>
+              <a:rPr/>
+              <a:t> </a:t>
+            </a:r>
+            <a:r>
+              <a:rPr/>
+              <a:t>Notice</a:t>
+            </a:r>
+            <a:r>
+              <a:rPr/>
+              <a:t> </a:t>
+            </a:r>
+            <a:r>
+              <a:rPr/>
+              <a:t>how</a:t>
+            </a:r>
+            <a:r>
+              <a:rPr/>
+              <a:t> </a:t>
+            </a:r>
+            <a:r>
+              <a:rPr/>
+              <a:t>easy</a:t>
+            </a:r>
+            <a:r>
+              <a:rPr/>
+              <a:t> </a:t>
+            </a:r>
+            <a:r>
+              <a:rPr/>
+              <a:t>it</a:t>
+            </a:r>
+            <a:r>
+              <a:rPr/>
+              <a:t> </a:t>
+            </a:r>
+            <a:r>
+              <a:rPr/>
+              <a:t>is</a:t>
+            </a:r>
+            <a:r>
+              <a:rPr/>
+              <a:t> </a:t>
+            </a:r>
+            <a:r>
+              <a:rPr/>
+              <a:t>now</a:t>
+            </a:r>
+            <a:r>
+              <a:rPr/>
+              <a:t> </a:t>
+            </a:r>
+            <a:r>
+              <a:rPr/>
+              <a:t>to</a:t>
+            </a:r>
+            <a:r>
+              <a:rPr/>
+              <a:t> </a:t>
+            </a:r>
+            <a:r>
+              <a:rPr/>
+              <a:t>identify</a:t>
+            </a:r>
+            <a:r>
+              <a:rPr/>
+              <a:t> </a:t>
+            </a:r>
+            <a:r>
+              <a:rPr/>
+              <a:t>the</a:t>
+            </a:r>
+            <a:r>
+              <a:rPr/>
+              <a:t> </a:t>
+            </a:r>
+            <a:r>
+              <a:rPr/>
+              <a:t>individual</a:t>
+            </a:r>
+            <a:r>
+              <a:rPr/>
+              <a:t> </a:t>
+            </a:r>
+            <a:r>
+              <a:rPr/>
+              <a:t>arguments:</a:t>
+            </a:r>
+          </a:p>
+          <a:p>
+            <a:pPr lvl="0" marL="0" indent="0">
+              <a:buNone/>
+            </a:pPr>
+          </a:p>
+          <a:p>
+            <a:pPr lvl="0" marL="0" indent="0">
+              <a:buNone/>
+            </a:pPr>
+            <a:r>
+              <a:rPr/>
+              <a:t>color</a:t>
+            </a:r>
+            <a:r>
+              <a:rPr/>
+              <a:t> </a:t>
+            </a:r>
+            <a:r>
+              <a:rPr/>
+              <a:t>and</a:t>
+            </a:r>
+            <a:r>
+              <a:rPr/>
+              <a:t> </a:t>
+            </a:r>
+            <a:r>
+              <a:rPr/>
+              <a:t>file</a:t>
+            </a:r>
+            <a:r>
+              <a:rPr/>
+              <a:t> </a:t>
+            </a:r>
+            <a:r>
+              <a:rPr/>
+              <a:t>for</a:t>
+            </a:r>
+            <a:r>
+              <a:rPr/>
+              <a:t> </a:t>
+            </a:r>
+            <a:r>
+              <a:rPr/>
+              <a:t>the</a:t>
+            </a:r>
+            <a:r>
+              <a:rPr/>
+              <a:t> </a:t>
+            </a:r>
+            <a:r>
+              <a:rPr/>
+              <a:t>first</a:t>
+            </a:r>
+            <a:r>
+              <a:rPr/>
+              <a:t> </a:t>
+            </a:r>
+            <a:r>
+              <a:rPr/>
+              <a:t>geom_sf</a:t>
+            </a:r>
+            <a:r>
+              <a:rPr/>
+              <a:t> </a:t>
+            </a:r>
+            <a:r>
+              <a:rPr/>
+              <a:t>option</a:t>
+            </a:r>
+          </a:p>
+          <a:p>
+            <a:pPr lvl="0" marL="0" indent="0">
+              <a:buNone/>
+            </a:pPr>
+          </a:p>
+          <a:p>
+            <a:pPr lvl="0" marL="0" indent="0">
+              <a:buNone/>
+            </a:pPr>
+            <a:r>
+              <a:rPr/>
+              <a:t>data</a:t>
+            </a:r>
+            <a:r>
+              <a:rPr/>
+              <a:t> </a:t>
+            </a:r>
+            <a:r>
+              <a:rPr/>
+              <a:t>and</a:t>
+            </a:r>
+            <a:r>
+              <a:rPr/>
+              <a:t> </a:t>
+            </a:r>
+            <a:r>
+              <a:rPr/>
+              <a:t>size</a:t>
+            </a:r>
+            <a:r>
+              <a:rPr/>
+              <a:t> </a:t>
+            </a:r>
+            <a:r>
+              <a:rPr/>
+              <a:t>for</a:t>
+            </a:r>
+            <a:r>
+              <a:rPr/>
+              <a:t> </a:t>
+            </a:r>
+            <a:r>
+              <a:rPr/>
+              <a:t>the</a:t>
+            </a:r>
+            <a:r>
+              <a:rPr/>
+              <a:t> </a:t>
+            </a:r>
+            <a:r>
+              <a:rPr/>
+              <a:t>second</a:t>
+            </a:r>
+            <a:r>
+              <a:rPr/>
+              <a:t> </a:t>
+            </a:r>
+            <a:r>
+              <a:rPr/>
+              <a:t>geom_sf</a:t>
+            </a:r>
+            <a:r>
+              <a:rPr/>
+              <a:t> </a:t>
+            </a:r>
+            <a:r>
+              <a:rPr/>
+              <a:t>option</a:t>
+            </a:r>
+          </a:p>
+          <a:p>
+            <a:pPr lvl="0" marL="0" indent="0">
+              <a:buNone/>
+            </a:pPr>
+          </a:p>
+          <a:p>
+            <a:pPr lvl="0" marL="0" indent="0">
+              <a:buNone/>
+            </a:pPr>
+            <a:r>
+              <a:rPr/>
+              <a:t>xlim,</a:t>
+            </a:r>
+            <a:r>
+              <a:rPr/>
+              <a:t> </a:t>
+            </a:r>
+            <a:r>
+              <a:rPr/>
+              <a:t>ylim,</a:t>
+            </a:r>
+            <a:r>
+              <a:rPr/>
+              <a:t> </a:t>
+            </a:r>
+            <a:r>
+              <a:rPr/>
+              <a:t>and</a:t>
+            </a:r>
+            <a:r>
+              <a:rPr/>
+              <a:t> </a:t>
+            </a:r>
+            <a:r>
+              <a:rPr/>
+              <a:t>expand</a:t>
+            </a:r>
+            <a:r>
+              <a:rPr/>
+              <a:t> </a:t>
+            </a:r>
+            <a:r>
+              <a:rPr/>
+              <a:t>for</a:t>
+            </a:r>
+            <a:r>
+              <a:rPr/>
+              <a:t> </a:t>
+            </a:r>
+            <a:r>
+              <a:rPr/>
+              <a:t>the</a:t>
+            </a:r>
+            <a:r>
+              <a:rPr/>
+              <a:t> </a:t>
+            </a:r>
+            <a:r>
+              <a:rPr/>
+              <a:t>coord_sf</a:t>
+            </a:r>
+            <a:r>
+              <a:rPr/>
+              <a:t> </a:t>
+            </a:r>
+            <a:r>
+              <a:rPr/>
+              <a:t>option</a:t>
+            </a:r>
+          </a:p>
+        </p:txBody>
+      </p:sp>
+      <p:sp>
+        <p:nvSpPr>
+          <p:cNvPr id="4" name="Slide Number Placeholder 3"/>
+          <p:cNvSpPr>
+            <a:spLocks noGrp="1"/>
+          </p:cNvSpPr>
+          <p:nvPr>
+            <p:ph type="sldNum" sz="quarter" idx="10"/>
+          </p:nvPr>
+        </p:nvSpPr>
+        <p:spPr/>
+        <p:txBody>
+          <a:bodyPr/>
+          <a:lstStyle/>
+          <a:p>
+            <a:fld id="{18BDFEC3-8487-43E8-A154-7C12CBC1FFF2}" type="slidenum">
+              <a:rPr lang="en-US"/>
+              <a:t>18</a:t>
+            </a:fld>
+            <a:endParaRPr lang="en-US"/>
+          </a:p>
+        </p:txBody>
+      </p:sp>
+    </p:spTree>
+  </p:cSld>
+</p:notes>
+</file>
+
+<file path=ppt/notesSlides/notesSlide17.xml><?xml version="1.0" encoding="utf-8"?>
+<p:notes xmlns:a="http://schemas.openxmlformats.org/drawingml/2006/main" xmlns:r="http://schemas.openxmlformats.org/officeDocument/2006/relationships" xmlns:p="http://schemas.openxmlformats.org/presentationml/2006/main">
+  <p:cSld>
+    <p:spTree>
+      <p:nvGrpSpPr>
+        <p:cNvPr id="1" name=""/>
+        <p:cNvGrpSpPr/>
+        <p:nvPr/>
+      </p:nvGrpSpPr>
+      <p:grpSpPr>
+        <a:xfrm>
+          <a:off x="0" y="0"/>
+          <a:ext cx="0" cy="0"/>
+          <a:chOff x="0" y="0"/>
+          <a:chExt cx="0" cy="0"/>
+        </a:xfrm>
+      </p:grpSpPr>
+      <p:sp>
+        <p:nvSpPr>
+          <p:cNvPr id="2" name="Slide Image Placeholder 1"/>
+          <p:cNvSpPr>
+            <a:spLocks noGrp="1" noRot="1" noChangeAspect="1"/>
+          </p:cNvSpPr>
+          <p:nvPr>
+            <p:ph type="sldImg"/>
+          </p:nvPr>
+        </p:nvSpPr>
+        <p:spPr/>
+      </p:sp>
+      <p:sp>
+        <p:nvSpPr>
+          <p:cNvPr id="3" name="Notes Placeholder 2"/>
+          <p:cNvSpPr>
+            <a:spLocks noGrp="1"/>
+          </p:cNvSpPr>
+          <p:nvPr>
+            <p:ph type="body" idx="1"/>
+          </p:nvPr>
+        </p:nvSpPr>
+        <p:spPr/>
+        <p:txBody>
+          <a:bodyPr/>
+          <a:lstStyle/>
+          <a:p>
+            <a:pPr lvl="0" marL="0" indent="0">
+              <a:buNone/>
+            </a:pPr>
+            <a:r>
+              <a:rPr/>
+              <a:t>You</a:t>
+            </a:r>
+            <a:r>
+              <a:rPr/>
+              <a:t> </a:t>
+            </a:r>
+            <a:r>
+              <a:rPr/>
+              <a:t>should</a:t>
+            </a:r>
+            <a:r>
+              <a:rPr/>
+              <a:t> </a:t>
+            </a:r>
+            <a:r>
+              <a:rPr/>
+              <a:t>never</a:t>
+            </a:r>
+            <a:r>
+              <a:rPr/>
+              <a:t> </a:t>
+            </a:r>
+            <a:r>
+              <a:rPr/>
+              <a:t>print</a:t>
+            </a:r>
+            <a:r>
+              <a:rPr/>
+              <a:t> </a:t>
+            </a:r>
+            <a:r>
+              <a:rPr/>
+              <a:t>out</a:t>
+            </a:r>
+            <a:r>
+              <a:rPr/>
+              <a:t> </a:t>
+            </a:r>
+            <a:r>
+              <a:rPr/>
+              <a:t>all</a:t>
+            </a:r>
+            <a:r>
+              <a:rPr/>
+              <a:t> </a:t>
+            </a:r>
+            <a:r>
+              <a:rPr/>
+              <a:t>the</a:t>
+            </a:r>
+            <a:r>
+              <a:rPr/>
+              <a:t> </a:t>
+            </a:r>
+            <a:r>
+              <a:rPr/>
+              <a:t>rows</a:t>
+            </a:r>
+            <a:r>
+              <a:rPr/>
+              <a:t> </a:t>
+            </a:r>
+            <a:r>
+              <a:rPr/>
+              <a:t>in</a:t>
+            </a:r>
+            <a:r>
+              <a:rPr/>
+              <a:t> </a:t>
+            </a:r>
+            <a:r>
+              <a:rPr/>
+              <a:t>a</a:t>
+            </a:r>
+            <a:r>
+              <a:rPr/>
+              <a:t> </a:t>
+            </a:r>
+            <a:r>
+              <a:rPr/>
+              <a:t>lengthy</a:t>
+            </a:r>
+            <a:r>
+              <a:rPr/>
+              <a:t> </a:t>
+            </a:r>
+            <a:r>
+              <a:rPr/>
+              <a:t>dataset.</a:t>
+            </a:r>
+            <a:r>
+              <a:rPr/>
+              <a:t> </a:t>
+            </a:r>
+            <a:r>
+              <a:rPr/>
+              <a:t>If</a:t>
+            </a:r>
+            <a:r>
+              <a:rPr/>
+              <a:t> </a:t>
+            </a:r>
+            <a:r>
+              <a:rPr/>
+              <a:t>I</a:t>
+            </a:r>
+            <a:r>
+              <a:rPr/>
+              <a:t> </a:t>
+            </a:r>
+            <a:r>
+              <a:rPr/>
+              <a:t>don’t</a:t>
+            </a:r>
+            <a:r>
+              <a:rPr/>
+              <a:t> </a:t>
+            </a:r>
+            <a:r>
+              <a:rPr/>
+              <a:t>explicitly</a:t>
+            </a:r>
+            <a:r>
+              <a:rPr/>
+              <a:t> </a:t>
+            </a:r>
+            <a:r>
+              <a:rPr/>
+              <a:t>ask</a:t>
+            </a:r>
+            <a:r>
+              <a:rPr/>
+              <a:t> </a:t>
+            </a:r>
+            <a:r>
+              <a:rPr/>
+              <a:t>you</a:t>
+            </a:r>
+            <a:r>
+              <a:rPr/>
+              <a:t> </a:t>
+            </a:r>
+            <a:r>
+              <a:rPr/>
+              <a:t>to</a:t>
+            </a:r>
+            <a:r>
+              <a:rPr/>
+              <a:t> </a:t>
+            </a:r>
+            <a:r>
+              <a:rPr/>
+              <a:t>limit</a:t>
+            </a:r>
+            <a:r>
+              <a:rPr/>
+              <a:t> </a:t>
+            </a:r>
+            <a:r>
+              <a:rPr/>
+              <a:t>the</a:t>
+            </a:r>
+            <a:r>
+              <a:rPr/>
+              <a:t> </a:t>
+            </a:r>
+            <a:r>
+              <a:rPr/>
+              <a:t>number</a:t>
+            </a:r>
+            <a:r>
+              <a:rPr/>
+              <a:t> </a:t>
+            </a:r>
+            <a:r>
+              <a:rPr/>
+              <a:t>of</a:t>
+            </a:r>
+            <a:r>
+              <a:rPr/>
+              <a:t> </a:t>
+            </a:r>
+            <a:r>
+              <a:rPr/>
+              <a:t>rows</a:t>
+            </a:r>
+            <a:r>
+              <a:rPr/>
+              <a:t> </a:t>
+            </a:r>
+            <a:r>
+              <a:rPr/>
+              <a:t>that</a:t>
+            </a:r>
+            <a:r>
+              <a:rPr/>
+              <a:t> </a:t>
+            </a:r>
+            <a:r>
+              <a:rPr/>
+              <a:t>you</a:t>
+            </a:r>
+            <a:r>
+              <a:rPr/>
+              <a:t> </a:t>
+            </a:r>
+            <a:r>
+              <a:rPr/>
+              <a:t>print,</a:t>
+            </a:r>
+            <a:r>
+              <a:rPr/>
+              <a:t> </a:t>
+            </a:r>
+            <a:r>
+              <a:rPr/>
+              <a:t>limit</a:t>
+            </a:r>
+            <a:r>
+              <a:rPr/>
+              <a:t> </a:t>
+            </a:r>
+            <a:r>
+              <a:rPr/>
+              <a:t>them</a:t>
+            </a:r>
+            <a:r>
+              <a:rPr/>
+              <a:t> </a:t>
+            </a:r>
+            <a:r>
+              <a:rPr/>
+              <a:t>anyway.</a:t>
+            </a:r>
+          </a:p>
+          <a:p>
+            <a:pPr lvl="0" marL="0" indent="0">
+              <a:buNone/>
+            </a:pPr>
+          </a:p>
+          <a:p>
+            <a:pPr lvl="0" marL="0" indent="0">
+              <a:buNone/>
+            </a:pPr>
+            <a:r>
+              <a:rPr/>
+              <a:t>In</a:t>
+            </a:r>
+            <a:r>
+              <a:rPr/>
+              <a:t> </a:t>
+            </a:r>
+            <a:r>
+              <a:rPr/>
+              <a:t>R,</a:t>
+            </a:r>
+            <a:r>
+              <a:rPr/>
+              <a:t> </a:t>
+            </a:r>
+            <a:r>
+              <a:rPr/>
+              <a:t>you</a:t>
+            </a:r>
+            <a:r>
+              <a:rPr/>
+              <a:t> </a:t>
+            </a:r>
+            <a:r>
+              <a:rPr/>
+              <a:t>use</a:t>
+            </a:r>
+            <a:r>
+              <a:rPr/>
+              <a:t> </a:t>
+            </a:r>
+            <a:r>
+              <a:rPr/>
+              <a:t>the</a:t>
+            </a:r>
+            <a:r>
+              <a:rPr/>
+              <a:t> </a:t>
+            </a:r>
+            <a:r>
+              <a:rPr/>
+              <a:t>head</a:t>
+            </a:r>
+            <a:r>
+              <a:rPr/>
+              <a:t> </a:t>
+            </a:r>
+            <a:r>
+              <a:rPr/>
+              <a:t>function</a:t>
+            </a:r>
+            <a:r>
+              <a:rPr/>
+              <a:t> </a:t>
+            </a:r>
+            <a:r>
+              <a:rPr/>
+              <a:t>and</a:t>
+            </a:r>
+            <a:r>
+              <a:rPr/>
+              <a:t> </a:t>
+            </a:r>
+            <a:r>
+              <a:rPr/>
+              <a:t>in</a:t>
+            </a:r>
+            <a:r>
+              <a:rPr/>
+              <a:t> </a:t>
+            </a:r>
+            <a:r>
+              <a:rPr/>
+              <a:t>SAS</a:t>
+            </a:r>
+            <a:r>
+              <a:rPr/>
+              <a:t> </a:t>
+            </a:r>
+            <a:r>
+              <a:rPr/>
+              <a:t>you</a:t>
+            </a:r>
+            <a:r>
+              <a:rPr/>
+              <a:t> </a:t>
+            </a:r>
+            <a:r>
+              <a:rPr/>
+              <a:t>include</a:t>
+            </a:r>
+            <a:r>
+              <a:rPr/>
+              <a:t> </a:t>
+            </a:r>
+            <a:r>
+              <a:rPr/>
+              <a:t>obs=</a:t>
+            </a:r>
+            <a:r>
+              <a:rPr/>
+              <a:t> </a:t>
+            </a:r>
+            <a:r>
+              <a:rPr/>
+              <a:t>in</a:t>
+            </a:r>
+            <a:r>
+              <a:rPr/>
+              <a:t> </a:t>
+            </a:r>
+            <a:r>
+              <a:rPr/>
+              <a:t>parentheses</a:t>
+            </a:r>
+            <a:r>
+              <a:rPr/>
+              <a:t> </a:t>
+            </a:r>
+            <a:r>
+              <a:rPr/>
+              <a:t>after</a:t>
+            </a:r>
+            <a:r>
+              <a:rPr/>
+              <a:t> </a:t>
+            </a:r>
+            <a:r>
+              <a:rPr/>
+              <a:t>the</a:t>
+            </a:r>
+            <a:r>
+              <a:rPr/>
+              <a:t> </a:t>
+            </a:r>
+            <a:r>
+              <a:rPr/>
+              <a:t>dataset</a:t>
+            </a:r>
+            <a:r>
+              <a:rPr/>
+              <a:t> </a:t>
+            </a:r>
+            <a:r>
+              <a:rPr/>
+              <a:t>name.</a:t>
+            </a:r>
+          </a:p>
+          <a:p>
+            <a:pPr lvl="0" marL="0" indent="0">
+              <a:buNone/>
+            </a:pPr>
+          </a:p>
+          <a:p>
+            <a:pPr lvl="0" marL="0" indent="0">
+              <a:buNone/>
+            </a:pPr>
+            <a:r>
+              <a:rPr/>
+              <a:t>In</a:t>
+            </a:r>
+            <a:r>
+              <a:rPr/>
+              <a:t> </a:t>
+            </a:r>
+            <a:r>
+              <a:rPr/>
+              <a:t>SQL</a:t>
+            </a:r>
+            <a:r>
+              <a:rPr/>
+              <a:t> </a:t>
+            </a:r>
+            <a:r>
+              <a:rPr/>
+              <a:t>it</a:t>
+            </a:r>
+            <a:r>
+              <a:rPr/>
+              <a:t> </a:t>
+            </a:r>
+            <a:r>
+              <a:rPr/>
+              <a:t>is</a:t>
+            </a:r>
+            <a:r>
+              <a:rPr/>
+              <a:t> </a:t>
+            </a:r>
+            <a:r>
+              <a:rPr/>
+              <a:t>a</a:t>
+            </a:r>
+            <a:r>
+              <a:rPr/>
+              <a:t> </a:t>
+            </a:r>
+            <a:r>
+              <a:rPr/>
+              <a:t>bit</a:t>
+            </a:r>
+            <a:r>
+              <a:rPr/>
+              <a:t> </a:t>
+            </a:r>
+            <a:r>
+              <a:rPr/>
+              <a:t>trickier</a:t>
+            </a:r>
+            <a:r>
+              <a:rPr/>
+              <a:t> </a:t>
+            </a:r>
+            <a:r>
+              <a:rPr/>
+              <a:t>and</a:t>
+            </a:r>
+            <a:r>
+              <a:rPr/>
+              <a:t> </a:t>
+            </a:r>
+            <a:r>
+              <a:rPr/>
+              <a:t>depends</a:t>
+            </a:r>
+            <a:r>
+              <a:rPr/>
+              <a:t> </a:t>
+            </a:r>
+            <a:r>
+              <a:rPr/>
+              <a:t>on</a:t>
+            </a:r>
+            <a:r>
+              <a:rPr/>
+              <a:t> </a:t>
+            </a:r>
+            <a:r>
+              <a:rPr/>
+              <a:t>which</a:t>
+            </a:r>
+            <a:r>
+              <a:rPr/>
+              <a:t> </a:t>
+            </a:r>
+            <a:r>
+              <a:rPr/>
+              <a:t>version</a:t>
+            </a:r>
+            <a:r>
+              <a:rPr/>
+              <a:t> </a:t>
+            </a:r>
+            <a:r>
+              <a:rPr/>
+              <a:t>of</a:t>
+            </a:r>
+            <a:r>
+              <a:rPr/>
+              <a:t> </a:t>
+            </a:r>
+            <a:r>
+              <a:rPr/>
+              <a:t>Oracle</a:t>
+            </a:r>
+            <a:r>
+              <a:rPr/>
+              <a:t> </a:t>
+            </a:r>
+            <a:r>
+              <a:rPr/>
+              <a:t>you</a:t>
+            </a:r>
+            <a:r>
+              <a:rPr/>
+              <a:t> </a:t>
+            </a:r>
+            <a:r>
+              <a:rPr/>
+              <a:t>are</a:t>
+            </a:r>
+            <a:r>
+              <a:rPr/>
+              <a:t> </a:t>
+            </a:r>
+            <a:r>
+              <a:rPr/>
+              <a:t>using.</a:t>
+            </a:r>
+            <a:r>
+              <a:rPr/>
+              <a:t> </a:t>
+            </a:r>
+            <a:r>
+              <a:rPr/>
+              <a:t>It</a:t>
+            </a:r>
+            <a:r>
+              <a:rPr/>
+              <a:t> </a:t>
+            </a:r>
+            <a:r>
+              <a:rPr/>
+              <a:t>is</a:t>
+            </a:r>
+            <a:r>
+              <a:rPr/>
+              <a:t> </a:t>
+            </a:r>
+            <a:r>
+              <a:rPr/>
+              <a:t>also</a:t>
+            </a:r>
+            <a:r>
+              <a:rPr/>
+              <a:t> </a:t>
+            </a:r>
+            <a:r>
+              <a:rPr/>
+              <a:t>complicated</a:t>
+            </a:r>
+            <a:r>
+              <a:rPr/>
+              <a:t> </a:t>
+            </a:r>
+            <a:r>
+              <a:rPr/>
+              <a:t>by</a:t>
+            </a:r>
+            <a:r>
+              <a:rPr/>
+              <a:t> </a:t>
+            </a:r>
+            <a:r>
+              <a:rPr/>
+              <a:t>a</a:t>
+            </a:r>
+            <a:r>
+              <a:rPr/>
+              <a:t> </a:t>
+            </a:r>
+            <a:r>
+              <a:rPr/>
+              <a:t>monotonic</a:t>
+            </a:r>
+            <a:r>
+              <a:rPr/>
+              <a:t> </a:t>
+            </a:r>
+            <a:r>
+              <a:rPr/>
+              <a:t>function</a:t>
+            </a:r>
+            <a:r>
+              <a:rPr/>
+              <a:t> </a:t>
+            </a:r>
+            <a:r>
+              <a:rPr/>
+              <a:t>that</a:t>
+            </a:r>
+            <a:r>
+              <a:rPr/>
+              <a:t> </a:t>
+            </a:r>
+            <a:r>
+              <a:rPr/>
+              <a:t>SAS</a:t>
+            </a:r>
+            <a:r>
+              <a:rPr/>
+              <a:t> </a:t>
+            </a:r>
+            <a:r>
+              <a:rPr/>
+              <a:t>uses</a:t>
+            </a:r>
+            <a:r>
+              <a:rPr/>
+              <a:t> </a:t>
+            </a:r>
+            <a:r>
+              <a:rPr/>
+              <a:t>when</a:t>
+            </a:r>
+            <a:r>
+              <a:rPr/>
+              <a:t> </a:t>
+            </a:r>
+            <a:r>
+              <a:rPr/>
+              <a:t>it</a:t>
+            </a:r>
+            <a:r>
+              <a:rPr/>
+              <a:t> </a:t>
+            </a:r>
+            <a:r>
+              <a:rPr/>
+              <a:t>accesses</a:t>
+            </a:r>
+            <a:r>
+              <a:rPr/>
+              <a:t> </a:t>
+            </a:r>
+            <a:r>
+              <a:rPr/>
+              <a:t>SQL</a:t>
+            </a:r>
+            <a:r>
+              <a:rPr/>
+              <a:t> </a:t>
+            </a:r>
+            <a:r>
+              <a:rPr/>
+              <a:t>files.</a:t>
+            </a:r>
+          </a:p>
+          <a:p>
+            <a:pPr lvl="0" marL="0" indent="0">
+              <a:buNone/>
+            </a:pPr>
+          </a:p>
+          <a:p>
+            <a:pPr lvl="0" marL="0" indent="0">
+              <a:buNone/>
+            </a:pPr>
+            <a:r>
+              <a:rPr/>
+              <a:t>You’ll</a:t>
+            </a:r>
+            <a:r>
+              <a:rPr/>
+              <a:t> </a:t>
+            </a:r>
+            <a:r>
+              <a:rPr/>
+              <a:t>see</a:t>
+            </a:r>
+            <a:r>
+              <a:rPr/>
+              <a:t> </a:t>
+            </a:r>
+            <a:r>
+              <a:rPr/>
+              <a:t>lots</a:t>
+            </a:r>
+            <a:r>
+              <a:rPr/>
+              <a:t> </a:t>
+            </a:r>
+            <a:r>
+              <a:rPr/>
+              <a:t>of</a:t>
+            </a:r>
+            <a:r>
+              <a:rPr/>
+              <a:t> </a:t>
+            </a:r>
+            <a:r>
+              <a:rPr/>
+              <a:t>examples</a:t>
+            </a:r>
+            <a:r>
+              <a:rPr/>
+              <a:t> </a:t>
+            </a:r>
+            <a:r>
+              <a:rPr/>
+              <a:t>of</a:t>
+            </a:r>
+            <a:r>
+              <a:rPr/>
+              <a:t> </a:t>
+            </a:r>
+            <a:r>
+              <a:rPr/>
+              <a:t>this</a:t>
+            </a:r>
+            <a:r>
+              <a:rPr/>
+              <a:t> </a:t>
+            </a:r>
+            <a:r>
+              <a:rPr/>
+              <a:t>in</a:t>
+            </a:r>
+            <a:r>
+              <a:rPr/>
+              <a:t> </a:t>
+            </a:r>
+            <a:r>
+              <a:rPr/>
+              <a:t>various</a:t>
+            </a:r>
+            <a:r>
+              <a:rPr/>
+              <a:t> </a:t>
+            </a:r>
+            <a:r>
+              <a:rPr/>
+              <a:t>lectures.</a:t>
+            </a:r>
+          </a:p>
+        </p:txBody>
+      </p:sp>
+      <p:sp>
+        <p:nvSpPr>
+          <p:cNvPr id="4" name="Slide Number Placeholder 3"/>
+          <p:cNvSpPr>
+            <a:spLocks noGrp="1"/>
+          </p:cNvSpPr>
+          <p:nvPr>
+            <p:ph type="sldNum" sz="quarter" idx="10"/>
+          </p:nvPr>
+        </p:nvSpPr>
+        <p:spPr/>
+        <p:txBody>
+          <a:bodyPr/>
+          <a:lstStyle/>
+          <a:p>
+            <a:fld id="{18BDFEC3-8487-43E8-A154-7C12CBC1FFF2}" type="slidenum">
+              <a:rPr lang="en-US"/>
+              <a:t>19</a:t>
+            </a:fld>
+            <a:endParaRPr lang="en-US"/>
+          </a:p>
+        </p:txBody>
+      </p:sp>
+    </p:spTree>
+  </p:cSld>
+</p:notes>
+</file>
+
+<file path=ppt/notesSlides/notesSlide18.xml><?xml version="1.0" encoding="utf-8"?>
+<p:notes xmlns:a="http://schemas.openxmlformats.org/drawingml/2006/main" xmlns:r="http://schemas.openxmlformats.org/officeDocument/2006/relationships" xmlns:p="http://schemas.openxmlformats.org/presentationml/2006/main">
+  <p:cSld>
+    <p:spTree>
+      <p:nvGrpSpPr>
+        <p:cNvPr id="1" name=""/>
+        <p:cNvGrpSpPr/>
+        <p:nvPr/>
+      </p:nvGrpSpPr>
+      <p:grpSpPr>
+        <a:xfrm>
+          <a:off x="0" y="0"/>
+          <a:ext cx="0" cy="0"/>
+          <a:chOff x="0" y="0"/>
+          <a:chExt cx="0" cy="0"/>
+        </a:xfrm>
+      </p:grpSpPr>
+      <p:sp>
+        <p:nvSpPr>
+          <p:cNvPr id="2" name="Slide Image Placeholder 1"/>
+          <p:cNvSpPr>
+            <a:spLocks noGrp="1" noRot="1" noChangeAspect="1"/>
+          </p:cNvSpPr>
+          <p:nvPr>
+            <p:ph type="sldImg"/>
+          </p:nvPr>
+        </p:nvSpPr>
+        <p:spPr/>
+      </p:sp>
+      <p:sp>
+        <p:nvSpPr>
+          <p:cNvPr id="3" name="Notes Placeholder 2"/>
+          <p:cNvSpPr>
+            <a:spLocks noGrp="1"/>
+          </p:cNvSpPr>
+          <p:nvPr>
+            <p:ph type="body" idx="1"/>
+          </p:nvPr>
+        </p:nvSpPr>
+        <p:spPr/>
+        <p:txBody>
+          <a:bodyPr/>
+          <a:lstStyle/>
+          <a:p>
+            <a:pPr lvl="0" marL="0" indent="0">
+              <a:buNone/>
+            </a:pPr>
+            <a:r>
+              <a:rPr/>
+              <a:t>I</a:t>
+            </a:r>
+            <a:r>
+              <a:rPr/>
+              <a:t> </a:t>
+            </a:r>
+            <a:r>
+              <a:rPr/>
+              <a:t>need</a:t>
+            </a:r>
+            <a:r>
+              <a:rPr/>
+              <a:t> </a:t>
+            </a:r>
+            <a:r>
+              <a:rPr/>
+              <a:t>to</a:t>
+            </a:r>
+            <a:r>
+              <a:rPr/>
+              <a:t> </a:t>
+            </a:r>
+            <a:r>
+              <a:rPr/>
+              <a:t>see</a:t>
+            </a:r>
+            <a:r>
+              <a:rPr/>
+              <a:t> </a:t>
+            </a:r>
+            <a:r>
+              <a:rPr/>
+              <a:t>both</a:t>
+            </a:r>
+            <a:r>
+              <a:rPr/>
+              <a:t> </a:t>
+            </a:r>
+            <a:r>
+              <a:rPr/>
+              <a:t>your</a:t>
+            </a:r>
+            <a:r>
+              <a:rPr/>
+              <a:t> </a:t>
+            </a:r>
+            <a:r>
+              <a:rPr/>
+              <a:t>code</a:t>
+            </a:r>
+            <a:r>
+              <a:rPr/>
+              <a:t> </a:t>
+            </a:r>
+            <a:r>
+              <a:rPr/>
+              <a:t>and</a:t>
+            </a:r>
+            <a:r>
+              <a:rPr/>
+              <a:t> </a:t>
+            </a:r>
+            <a:r>
+              <a:rPr/>
+              <a:t>your</a:t>
+            </a:r>
+            <a:r>
+              <a:rPr/>
+              <a:t> </a:t>
+            </a:r>
+            <a:r>
+              <a:rPr/>
+              <a:t>output.</a:t>
+            </a:r>
+            <a:r>
+              <a:rPr/>
+              <a:t> </a:t>
+            </a:r>
+            <a:r>
+              <a:rPr/>
+              <a:t>Ideally</a:t>
+            </a:r>
+            <a:r>
+              <a:rPr/>
+              <a:t> </a:t>
+            </a:r>
+            <a:r>
+              <a:rPr/>
+              <a:t>this</a:t>
+            </a:r>
+            <a:r>
+              <a:rPr/>
+              <a:t> </a:t>
+            </a:r>
+            <a:r>
+              <a:rPr/>
+              <a:t>should</a:t>
+            </a:r>
+            <a:r>
+              <a:rPr/>
+              <a:t> </a:t>
+            </a:r>
+            <a:r>
+              <a:rPr/>
+              <a:t>be</a:t>
+            </a:r>
+            <a:r>
+              <a:rPr/>
+              <a:t> </a:t>
+            </a:r>
+            <a:r>
+              <a:rPr/>
+              <a:t>combined</a:t>
+            </a:r>
+            <a:r>
+              <a:rPr/>
+              <a:t> </a:t>
+            </a:r>
+            <a:r>
+              <a:rPr/>
+              <a:t>in</a:t>
+            </a:r>
+            <a:r>
+              <a:rPr/>
+              <a:t> </a:t>
+            </a:r>
+            <a:r>
+              <a:rPr/>
+              <a:t>a</a:t>
+            </a:r>
+            <a:r>
+              <a:rPr/>
+              <a:t> </a:t>
+            </a:r>
+            <a:r>
+              <a:rPr/>
+              <a:t>single</a:t>
+            </a:r>
+            <a:r>
+              <a:rPr/>
+              <a:t> </a:t>
+            </a:r>
+            <a:r>
+              <a:rPr/>
+              <a:t>pdf</a:t>
+            </a:r>
+            <a:r>
+              <a:rPr/>
+              <a:t> </a:t>
+            </a:r>
+            <a:r>
+              <a:rPr/>
+              <a:t>document,</a:t>
+            </a:r>
+            <a:r>
+              <a:rPr/>
+              <a:t> </a:t>
+            </a:r>
+            <a:r>
+              <a:rPr/>
+              <a:t>but</a:t>
+            </a:r>
+            <a:r>
+              <a:rPr/>
+              <a:t> </a:t>
+            </a:r>
+            <a:r>
+              <a:rPr/>
+              <a:t>you</a:t>
+            </a:r>
+            <a:r>
+              <a:rPr/>
+              <a:t> </a:t>
+            </a:r>
+            <a:r>
+              <a:rPr/>
+              <a:t>can</a:t>
+            </a:r>
+            <a:r>
+              <a:rPr/>
+              <a:t> </a:t>
+            </a:r>
+            <a:r>
+              <a:rPr/>
+              <a:t>submit</a:t>
+            </a:r>
+            <a:r>
+              <a:rPr/>
+              <a:t> </a:t>
+            </a:r>
+            <a:r>
+              <a:rPr/>
+              <a:t>two</a:t>
+            </a:r>
+            <a:r>
+              <a:rPr/>
+              <a:t> </a:t>
+            </a:r>
+            <a:r>
+              <a:rPr/>
+              <a:t>separate</a:t>
+            </a:r>
+            <a:r>
+              <a:rPr/>
+              <a:t> </a:t>
+            </a:r>
+            <a:r>
+              <a:rPr/>
+              <a:t>files,</a:t>
+            </a:r>
+            <a:r>
+              <a:rPr/>
+              <a:t> </a:t>
+            </a:r>
+            <a:r>
+              <a:rPr/>
+              <a:t>one</a:t>
+            </a:r>
+            <a:r>
+              <a:rPr/>
+              <a:t> </a:t>
+            </a:r>
+            <a:r>
+              <a:rPr/>
+              <a:t>for</a:t>
+            </a:r>
+            <a:r>
+              <a:rPr/>
+              <a:t> </a:t>
+            </a:r>
+            <a:r>
+              <a:rPr/>
+              <a:t>the</a:t>
+            </a:r>
+            <a:r>
+              <a:rPr/>
+              <a:t> </a:t>
+            </a:r>
+            <a:r>
+              <a:rPr/>
+              <a:t>code</a:t>
+            </a:r>
+            <a:r>
+              <a:rPr/>
+              <a:t> </a:t>
+            </a:r>
+            <a:r>
+              <a:rPr/>
+              <a:t>and</a:t>
+            </a:r>
+            <a:r>
+              <a:rPr/>
+              <a:t> </a:t>
+            </a:r>
+            <a:r>
+              <a:rPr/>
+              <a:t>one</a:t>
+            </a:r>
+            <a:r>
+              <a:rPr/>
+              <a:t> </a:t>
+            </a:r>
+            <a:r>
+              <a:rPr/>
+              <a:t>for</a:t>
+            </a:r>
+            <a:r>
+              <a:rPr/>
+              <a:t> </a:t>
+            </a:r>
+            <a:r>
+              <a:rPr/>
+              <a:t>the</a:t>
+            </a:r>
+            <a:r>
+              <a:rPr/>
+              <a:t> </a:t>
+            </a:r>
+            <a:r>
+              <a:rPr/>
+              <a:t>output.</a:t>
+            </a:r>
+          </a:p>
+          <a:p>
+            <a:pPr lvl="0" marL="0" indent="0">
+              <a:buNone/>
+            </a:pPr>
+          </a:p>
+          <a:p>
+            <a:pPr lvl="0" marL="0" indent="0">
+              <a:buNone/>
+            </a:pPr>
+            <a:r>
+              <a:rPr/>
+              <a:t>The</a:t>
+            </a:r>
+            <a:r>
+              <a:rPr/>
+              <a:t> </a:t>
+            </a:r>
+            <a:r>
+              <a:rPr/>
+              <a:t>code</a:t>
+            </a:r>
+            <a:r>
+              <a:rPr/>
+              <a:t> </a:t>
+            </a:r>
+            <a:r>
+              <a:rPr/>
+              <a:t>is</a:t>
+            </a:r>
+            <a:r>
+              <a:rPr/>
+              <a:t> </a:t>
+            </a:r>
+            <a:r>
+              <a:rPr/>
+              <a:t>important</a:t>
+            </a:r>
+            <a:r>
+              <a:rPr/>
+              <a:t> </a:t>
+            </a:r>
+            <a:r>
+              <a:rPr/>
+              <a:t>because</a:t>
+            </a:r>
+            <a:r>
+              <a:rPr/>
+              <a:t> </a:t>
+            </a:r>
+            <a:r>
+              <a:rPr/>
+              <a:t>it</a:t>
+            </a:r>
+            <a:r>
+              <a:rPr/>
+              <a:t> </a:t>
+            </a:r>
+            <a:r>
+              <a:rPr/>
+              <a:t>allows</a:t>
+            </a:r>
+            <a:r>
+              <a:rPr/>
+              <a:t> </a:t>
+            </a:r>
+            <a:r>
+              <a:rPr/>
+              <a:t>me</a:t>
+            </a:r>
+            <a:r>
+              <a:rPr/>
+              <a:t> </a:t>
+            </a:r>
+            <a:r>
+              <a:rPr/>
+              <a:t>to</a:t>
+            </a:r>
+            <a:r>
+              <a:rPr/>
+              <a:t> </a:t>
+            </a:r>
+            <a:r>
+              <a:rPr/>
+              <a:t>assess</a:t>
+            </a:r>
+            <a:r>
+              <a:rPr/>
+              <a:t> </a:t>
+            </a:r>
+            <a:r>
+              <a:rPr/>
+              <a:t>whether</a:t>
+            </a:r>
+            <a:r>
+              <a:rPr/>
+              <a:t> </a:t>
+            </a:r>
+            <a:r>
+              <a:rPr/>
+              <a:t>you</a:t>
+            </a:r>
+            <a:r>
+              <a:rPr/>
+              <a:t> </a:t>
+            </a:r>
+            <a:r>
+              <a:rPr/>
+              <a:t>have</a:t>
+            </a:r>
+            <a:r>
+              <a:rPr/>
+              <a:t> </a:t>
+            </a:r>
+            <a:r>
+              <a:rPr/>
+              <a:t>a</a:t>
+            </a:r>
+            <a:r>
+              <a:rPr/>
+              <a:t> </a:t>
+            </a:r>
+            <a:r>
+              <a:rPr/>
+              <a:t>good</a:t>
+            </a:r>
+            <a:r>
+              <a:rPr/>
+              <a:t> </a:t>
+            </a:r>
+            <a:r>
+              <a:rPr/>
+              <a:t>documentation</a:t>
+            </a:r>
+            <a:r>
+              <a:rPr/>
+              <a:t> </a:t>
+            </a:r>
+            <a:r>
+              <a:rPr/>
+              <a:t>header</a:t>
+            </a:r>
+            <a:r>
+              <a:rPr/>
+              <a:t> </a:t>
+            </a:r>
+            <a:r>
+              <a:rPr/>
+              <a:t>and</a:t>
+            </a:r>
+            <a:r>
+              <a:rPr/>
+              <a:t> </a:t>
+            </a:r>
+            <a:r>
+              <a:rPr/>
+              <a:t>if</a:t>
+            </a:r>
+            <a:r>
+              <a:rPr/>
+              <a:t> </a:t>
+            </a:r>
+            <a:r>
+              <a:rPr/>
+              <a:t>you</a:t>
+            </a:r>
+            <a:r>
+              <a:rPr/>
+              <a:t> </a:t>
+            </a:r>
+            <a:r>
+              <a:rPr/>
+              <a:t>are</a:t>
+            </a:r>
+            <a:r>
+              <a:rPr/>
+              <a:t> </a:t>
+            </a:r>
+            <a:r>
+              <a:rPr/>
+              <a:t>using</a:t>
+            </a:r>
+            <a:r>
+              <a:rPr/>
+              <a:t> </a:t>
+            </a:r>
+            <a:r>
+              <a:rPr/>
+              <a:t>line</a:t>
+            </a:r>
+            <a:r>
+              <a:rPr/>
+              <a:t> </a:t>
+            </a:r>
+            <a:r>
+              <a:rPr/>
+              <a:t>breaks,</a:t>
+            </a:r>
+            <a:r>
+              <a:rPr/>
+              <a:t> </a:t>
+            </a:r>
+            <a:r>
+              <a:rPr/>
+              <a:t>indents,</a:t>
+            </a:r>
+            <a:r>
+              <a:rPr/>
+              <a:t> </a:t>
+            </a:r>
+            <a:r>
+              <a:rPr/>
+              <a:t>and</a:t>
+            </a:r>
+            <a:r>
+              <a:rPr/>
+              <a:t> </a:t>
+            </a:r>
+            <a:r>
+              <a:rPr/>
+              <a:t>vertical</a:t>
+            </a:r>
+            <a:r>
+              <a:rPr/>
+              <a:t> </a:t>
+            </a:r>
+            <a:r>
+              <a:rPr/>
+              <a:t>lists</a:t>
+            </a:r>
+            <a:r>
+              <a:rPr/>
+              <a:t> </a:t>
+            </a:r>
+            <a:r>
+              <a:rPr/>
+              <a:t>to</a:t>
+            </a:r>
+            <a:r>
+              <a:rPr/>
+              <a:t> </a:t>
+            </a:r>
+            <a:r>
+              <a:rPr/>
+              <a:t>make</a:t>
+            </a:r>
+            <a:r>
+              <a:rPr/>
+              <a:t> </a:t>
+            </a:r>
+            <a:r>
+              <a:rPr/>
+              <a:t>your</a:t>
+            </a:r>
+            <a:r>
+              <a:rPr/>
+              <a:t> </a:t>
+            </a:r>
+            <a:r>
+              <a:rPr/>
+              <a:t>code</a:t>
+            </a:r>
+            <a:r>
+              <a:rPr/>
+              <a:t> </a:t>
+            </a:r>
+            <a:r>
+              <a:rPr/>
+              <a:t>more</a:t>
+            </a:r>
+            <a:r>
+              <a:rPr/>
+              <a:t> </a:t>
+            </a:r>
+            <a:r>
+              <a:rPr/>
+              <a:t>readable.</a:t>
+            </a:r>
+          </a:p>
+          <a:p>
+            <a:pPr lvl="0" marL="0" indent="0">
+              <a:buNone/>
+            </a:pPr>
+          </a:p>
+          <a:p>
+            <a:pPr lvl="0" marL="0" indent="0">
+              <a:buNone/>
+            </a:pPr>
+            <a:r>
+              <a:rPr/>
+              <a:t>It</a:t>
+            </a:r>
+            <a:r>
+              <a:rPr/>
+              <a:t> </a:t>
+            </a:r>
+            <a:r>
+              <a:rPr/>
+              <a:t>also</a:t>
+            </a:r>
+            <a:r>
+              <a:rPr/>
+              <a:t> </a:t>
+            </a:r>
+            <a:r>
+              <a:rPr/>
+              <a:t>helps</a:t>
+            </a:r>
+            <a:r>
+              <a:rPr/>
+              <a:t> </a:t>
+            </a:r>
+            <a:r>
+              <a:rPr/>
+              <a:t>with</a:t>
+            </a:r>
+            <a:r>
+              <a:rPr/>
+              <a:t> </a:t>
+            </a:r>
+            <a:r>
+              <a:rPr/>
+              <a:t>debugging</a:t>
+            </a:r>
+            <a:r>
+              <a:rPr/>
+              <a:t> </a:t>
+            </a:r>
+            <a:r>
+              <a:rPr/>
+              <a:t>if</a:t>
+            </a:r>
+            <a:r>
+              <a:rPr/>
+              <a:t> </a:t>
+            </a:r>
+            <a:r>
+              <a:rPr/>
+              <a:t>your</a:t>
+            </a:r>
+            <a:r>
+              <a:rPr/>
+              <a:t> </a:t>
+            </a:r>
+            <a:r>
+              <a:rPr/>
+              <a:t>program</a:t>
+            </a:r>
+            <a:r>
+              <a:rPr/>
+              <a:t> </a:t>
+            </a:r>
+            <a:r>
+              <a:rPr/>
+              <a:t>doesn’t</a:t>
+            </a:r>
+            <a:r>
+              <a:rPr/>
+              <a:t> </a:t>
+            </a:r>
+            <a:r>
+              <a:rPr/>
+              <a:t>do</a:t>
+            </a:r>
+            <a:r>
+              <a:rPr/>
+              <a:t> </a:t>
+            </a:r>
+            <a:r>
+              <a:rPr/>
+              <a:t>what</a:t>
+            </a:r>
+            <a:r>
+              <a:rPr/>
+              <a:t> </a:t>
+            </a:r>
+            <a:r>
+              <a:rPr/>
+              <a:t>it</a:t>
+            </a:r>
+            <a:r>
+              <a:rPr/>
+              <a:t> </a:t>
+            </a:r>
+            <a:r>
+              <a:rPr/>
+              <a:t>is</a:t>
+            </a:r>
+            <a:r>
+              <a:rPr/>
+              <a:t> </a:t>
+            </a:r>
+            <a:r>
+              <a:rPr/>
+              <a:t>supposed</a:t>
+            </a:r>
+            <a:r>
+              <a:rPr/>
+              <a:t> </a:t>
+            </a:r>
+            <a:r>
+              <a:rPr/>
+              <a:t>to</a:t>
+            </a:r>
+            <a:r>
+              <a:rPr/>
+              <a:t> </a:t>
+            </a:r>
+            <a:r>
+              <a:rPr/>
+              <a:t>do.</a:t>
+            </a:r>
+          </a:p>
+          <a:p>
+            <a:pPr lvl="0" marL="0" indent="0">
+              <a:buNone/>
+            </a:pPr>
+          </a:p>
+          <a:p>
+            <a:pPr lvl="0" marL="0" indent="0">
+              <a:buNone/>
+            </a:pPr>
+            <a:r>
+              <a:rPr/>
+              <a:t>You</a:t>
+            </a:r>
+            <a:r>
+              <a:rPr/>
+              <a:t> </a:t>
+            </a:r>
+            <a:r>
+              <a:rPr/>
+              <a:t>need</a:t>
+            </a:r>
+            <a:r>
+              <a:rPr/>
+              <a:t> </a:t>
+            </a:r>
+            <a:r>
+              <a:rPr/>
+              <a:t>to</a:t>
+            </a:r>
+            <a:r>
+              <a:rPr/>
+              <a:t> </a:t>
+            </a:r>
+            <a:r>
+              <a:rPr/>
+              <a:t>include</a:t>
+            </a:r>
+            <a:r>
+              <a:rPr/>
+              <a:t> </a:t>
+            </a:r>
+            <a:r>
+              <a:rPr/>
+              <a:t>the</a:t>
+            </a:r>
+            <a:r>
+              <a:rPr/>
+              <a:t> </a:t>
+            </a:r>
+            <a:r>
+              <a:rPr/>
+              <a:t>output,</a:t>
+            </a:r>
+            <a:r>
+              <a:rPr/>
+              <a:t> </a:t>
+            </a:r>
+            <a:r>
+              <a:rPr/>
+              <a:t>of</a:t>
+            </a:r>
+            <a:r>
+              <a:rPr/>
+              <a:t> </a:t>
+            </a:r>
+            <a:r>
+              <a:rPr/>
+              <a:t>course,</a:t>
+            </a:r>
+            <a:r>
+              <a:rPr/>
+              <a:t> </a:t>
+            </a:r>
+            <a:r>
+              <a:rPr/>
+              <a:t>to</a:t>
+            </a:r>
+            <a:r>
+              <a:rPr/>
+              <a:t> </a:t>
+            </a:r>
+            <a:r>
+              <a:rPr/>
+              <a:t>prove</a:t>
+            </a:r>
+            <a:r>
+              <a:rPr/>
+              <a:t> </a:t>
+            </a:r>
+            <a:r>
+              <a:rPr/>
+              <a:t>that</a:t>
+            </a:r>
+            <a:r>
+              <a:rPr/>
+              <a:t> </a:t>
+            </a:r>
+            <a:r>
+              <a:rPr/>
+              <a:t>your</a:t>
+            </a:r>
+            <a:r>
+              <a:rPr/>
+              <a:t> </a:t>
+            </a:r>
+            <a:r>
+              <a:rPr/>
+              <a:t>program</a:t>
+            </a:r>
+            <a:r>
+              <a:rPr/>
+              <a:t> </a:t>
+            </a:r>
+            <a:r>
+              <a:rPr/>
+              <a:t>actually</a:t>
+            </a:r>
+            <a:r>
+              <a:rPr/>
+              <a:t> </a:t>
+            </a:r>
+            <a:r>
+              <a:rPr/>
+              <a:t>ran</a:t>
+            </a:r>
+            <a:r>
+              <a:rPr/>
+              <a:t> </a:t>
+            </a:r>
+            <a:r>
+              <a:rPr/>
+              <a:t>properly.</a:t>
+            </a:r>
+          </a:p>
+        </p:txBody>
+      </p:sp>
+      <p:sp>
+        <p:nvSpPr>
+          <p:cNvPr id="4" name="Slide Number Placeholder 3"/>
+          <p:cNvSpPr>
+            <a:spLocks noGrp="1"/>
+          </p:cNvSpPr>
+          <p:nvPr>
+            <p:ph type="sldNum" sz="quarter" idx="10"/>
+          </p:nvPr>
+        </p:nvSpPr>
+        <p:spPr/>
+        <p:txBody>
+          <a:bodyPr/>
+          <a:lstStyle/>
+          <a:p>
+            <a:fld id="{18BDFEC3-8487-43E8-A154-7C12CBC1FFF2}" type="slidenum">
+              <a:rPr lang="en-US"/>
+              <a:t>20</a:t>
+            </a:fld>
+            <a:endParaRPr lang="en-US"/>
+          </a:p>
+        </p:txBody>
+      </p:sp>
+    </p:spTree>
+  </p:cSld>
+</p:notes>
+</file>
+
+<file path=ppt/notesSlides/notesSlide19.xml><?xml version="1.0" encoding="utf-8"?>
+<p:notes xmlns:a="http://schemas.openxmlformats.org/drawingml/2006/main" xmlns:r="http://schemas.openxmlformats.org/officeDocument/2006/relationships" xmlns:p="http://schemas.openxmlformats.org/presentationml/2006/main">
+  <p:cSld>
+    <p:spTree>
+      <p:nvGrpSpPr>
+        <p:cNvPr id="1" name=""/>
+        <p:cNvGrpSpPr/>
+        <p:nvPr/>
+      </p:nvGrpSpPr>
+      <p:grpSpPr>
+        <a:xfrm>
+          <a:off x="0" y="0"/>
+          <a:ext cx="0" cy="0"/>
+          <a:chOff x="0" y="0"/>
+          <a:chExt cx="0" cy="0"/>
+        </a:xfrm>
+      </p:grpSpPr>
+      <p:sp>
+        <p:nvSpPr>
+          <p:cNvPr id="2" name="Slide Image Placeholder 1"/>
+          <p:cNvSpPr>
+            <a:spLocks noGrp="1" noRot="1" noChangeAspect="1"/>
+          </p:cNvSpPr>
+          <p:nvPr>
+            <p:ph type="sldImg"/>
+          </p:nvPr>
+        </p:nvSpPr>
+        <p:spPr/>
+      </p:sp>
+      <p:sp>
+        <p:nvSpPr>
+          <p:cNvPr id="3" name="Notes Placeholder 2"/>
+          <p:cNvSpPr>
+            <a:spLocks noGrp="1"/>
+          </p:cNvSpPr>
+          <p:nvPr>
+            <p:ph type="body" idx="1"/>
+          </p:nvPr>
+        </p:nvSpPr>
+        <p:spPr/>
+        <p:txBody>
+          <a:bodyPr/>
+          <a:lstStyle/>
+          <a:p>
+            <a:pPr lvl="0" marL="0" indent="0">
+              <a:buNone/>
+            </a:pPr>
+            <a:r>
+              <a:rPr/>
+              <a:t>I</a:t>
+            </a:r>
+            <a:r>
+              <a:rPr/>
+              <a:t> </a:t>
+            </a:r>
+            <a:r>
+              <a:rPr/>
+              <a:t>need</a:t>
+            </a:r>
+            <a:r>
+              <a:rPr/>
+              <a:t> </a:t>
+            </a:r>
+            <a:r>
+              <a:rPr/>
+              <a:t>to</a:t>
+            </a:r>
+            <a:r>
+              <a:rPr/>
+              <a:t> </a:t>
+            </a:r>
+            <a:r>
+              <a:rPr/>
+              <a:t>see</a:t>
+            </a:r>
+            <a:r>
+              <a:rPr/>
+              <a:t> </a:t>
+            </a:r>
+            <a:r>
+              <a:rPr/>
+              <a:t>the</a:t>
+            </a:r>
+            <a:r>
+              <a:rPr/>
+              <a:t> </a:t>
+            </a:r>
+            <a:r>
+              <a:rPr/>
+              <a:t>original</a:t>
+            </a:r>
+            <a:r>
+              <a:rPr/>
+              <a:t> </a:t>
+            </a:r>
+            <a:r>
+              <a:rPr/>
+              <a:t>questions</a:t>
+            </a:r>
+            <a:r>
+              <a:rPr/>
+              <a:t> </a:t>
+            </a:r>
+            <a:r>
+              <a:rPr/>
+              <a:t>in</a:t>
+            </a:r>
+            <a:r>
+              <a:rPr/>
+              <a:t> </a:t>
+            </a:r>
+            <a:r>
+              <a:rPr/>
+              <a:t>the</a:t>
+            </a:r>
+            <a:r>
+              <a:rPr/>
+              <a:t> </a:t>
+            </a:r>
+            <a:r>
+              <a:rPr/>
+              <a:t>code</a:t>
+            </a:r>
+            <a:r>
+              <a:rPr/>
+              <a:t> </a:t>
+            </a:r>
+            <a:r>
+              <a:rPr/>
+              <a:t>as</a:t>
+            </a:r>
+            <a:r>
+              <a:rPr/>
+              <a:t> </a:t>
+            </a:r>
+            <a:r>
+              <a:rPr/>
+              <a:t>a</a:t>
+            </a:r>
+            <a:r>
+              <a:rPr/>
+              <a:t> </a:t>
+            </a:r>
+            <a:r>
+              <a:rPr/>
+              <a:t>comment</a:t>
+            </a:r>
+            <a:r>
+              <a:rPr/>
+              <a:t> </a:t>
+            </a:r>
+            <a:r>
+              <a:rPr/>
+              <a:t>or</a:t>
+            </a:r>
+            <a:r>
+              <a:rPr/>
+              <a:t> </a:t>
+            </a:r>
+            <a:r>
+              <a:rPr/>
+              <a:t>in</a:t>
+            </a:r>
+            <a:r>
+              <a:rPr/>
+              <a:t> </a:t>
+            </a:r>
+            <a:r>
+              <a:rPr/>
+              <a:t>the</a:t>
+            </a:r>
+            <a:r>
+              <a:rPr/>
+              <a:t> </a:t>
+            </a:r>
+            <a:r>
+              <a:rPr/>
+              <a:t>output</a:t>
+            </a:r>
+            <a:r>
+              <a:rPr/>
+              <a:t> </a:t>
+            </a:r>
+            <a:r>
+              <a:rPr/>
+              <a:t>as</a:t>
+            </a:r>
+            <a:r>
+              <a:rPr/>
+              <a:t> </a:t>
+            </a:r>
+            <a:r>
+              <a:rPr/>
+              <a:t>a</a:t>
+            </a:r>
+            <a:r>
+              <a:rPr/>
+              <a:t> </a:t>
+            </a:r>
+            <a:r>
+              <a:rPr/>
+              <a:t>title</a:t>
+            </a:r>
+            <a:r>
+              <a:rPr/>
+              <a:t> </a:t>
+            </a:r>
+            <a:r>
+              <a:rPr/>
+              <a:t>or</a:t>
+            </a:r>
+            <a:r>
+              <a:rPr/>
+              <a:t> </a:t>
+            </a:r>
+            <a:r>
+              <a:rPr/>
+              <a:t>footnote.</a:t>
+            </a:r>
+            <a:r>
+              <a:rPr/>
+              <a:t> </a:t>
+            </a:r>
+            <a:r>
+              <a:rPr/>
+              <a:t>With</a:t>
+            </a:r>
+            <a:r>
+              <a:rPr/>
+              <a:t> </a:t>
+            </a:r>
+            <a:r>
+              <a:rPr/>
+              <a:t>mutliple</a:t>
+            </a:r>
+            <a:r>
+              <a:rPr/>
+              <a:t> </a:t>
+            </a:r>
+            <a:r>
+              <a:rPr/>
+              <a:t>assignments</a:t>
+            </a:r>
+            <a:r>
+              <a:rPr/>
+              <a:t> </a:t>
+            </a:r>
+            <a:r>
+              <a:rPr/>
+              <a:t>to</a:t>
+            </a:r>
+            <a:r>
+              <a:rPr/>
+              <a:t> </a:t>
+            </a:r>
+            <a:r>
+              <a:rPr/>
+              <a:t>grade</a:t>
+            </a:r>
+            <a:r>
+              <a:rPr/>
+              <a:t> </a:t>
+            </a:r>
+            <a:r>
+              <a:rPr/>
+              <a:t>in</a:t>
+            </a:r>
+            <a:r>
+              <a:rPr/>
+              <a:t> </a:t>
+            </a:r>
+            <a:r>
+              <a:rPr/>
+              <a:t>multiple</a:t>
+            </a:r>
+            <a:r>
+              <a:rPr/>
+              <a:t> </a:t>
+            </a:r>
+            <a:r>
+              <a:rPr/>
+              <a:t>classes,</a:t>
+            </a:r>
+            <a:r>
+              <a:rPr/>
+              <a:t> </a:t>
+            </a:r>
+            <a:r>
+              <a:rPr/>
+              <a:t>I</a:t>
+            </a:r>
+            <a:r>
+              <a:rPr/>
+              <a:t> </a:t>
+            </a:r>
+            <a:r>
+              <a:rPr/>
+              <a:t>often</a:t>
+            </a:r>
+            <a:r>
+              <a:rPr/>
+              <a:t> </a:t>
+            </a:r>
+            <a:r>
+              <a:rPr/>
+              <a:t>fail</a:t>
+            </a:r>
+            <a:r>
+              <a:rPr/>
+              <a:t> </a:t>
+            </a:r>
+            <a:r>
+              <a:rPr/>
+              <a:t>to</a:t>
+            </a:r>
+            <a:r>
+              <a:rPr/>
+              <a:t> </a:t>
+            </a:r>
+            <a:r>
+              <a:rPr/>
+              <a:t>remember</a:t>
+            </a:r>
+            <a:r>
+              <a:rPr/>
+              <a:t> </a:t>
+            </a:r>
+            <a:r>
+              <a:rPr/>
+              <a:t>what</a:t>
+            </a:r>
+            <a:r>
+              <a:rPr/>
+              <a:t> </a:t>
+            </a:r>
+            <a:r>
+              <a:rPr/>
+              <a:t>I</a:t>
+            </a:r>
+            <a:r>
+              <a:rPr/>
+              <a:t> </a:t>
+            </a:r>
+            <a:r>
+              <a:rPr/>
+              <a:t>wanted</a:t>
+            </a:r>
+            <a:r>
+              <a:rPr/>
+              <a:t> </a:t>
+            </a:r>
+            <a:r>
+              <a:rPr/>
+              <a:t>you</a:t>
+            </a:r>
+            <a:r>
+              <a:rPr/>
+              <a:t> </a:t>
+            </a:r>
+            <a:r>
+              <a:rPr/>
+              <a:t>to</a:t>
+            </a:r>
+            <a:r>
+              <a:rPr/>
+              <a:t> </a:t>
+            </a:r>
+            <a:r>
+              <a:rPr/>
+              <a:t>do</a:t>
+            </a:r>
+            <a:r>
+              <a:rPr/>
+              <a:t> </a:t>
+            </a:r>
+            <a:r>
+              <a:rPr/>
+              <a:t>for</a:t>
+            </a:r>
+            <a:r>
+              <a:rPr/>
+              <a:t> </a:t>
+            </a:r>
+            <a:r>
+              <a:rPr/>
+              <a:t>a</a:t>
+            </a:r>
+            <a:r>
+              <a:rPr/>
+              <a:t> </a:t>
+            </a:r>
+            <a:r>
+              <a:rPr/>
+              <a:t>particular</a:t>
+            </a:r>
+            <a:r>
+              <a:rPr/>
+              <a:t> </a:t>
+            </a:r>
+            <a:r>
+              <a:rPr/>
+              <a:t>homework</a:t>
+            </a:r>
+            <a:r>
+              <a:rPr/>
+              <a:t> </a:t>
+            </a:r>
+            <a:r>
+              <a:rPr/>
+              <a:t>assignment.</a:t>
+            </a:r>
+          </a:p>
+          <a:p>
+            <a:pPr lvl="0" marL="0" indent="0">
+              <a:buNone/>
+            </a:pPr>
+          </a:p>
+          <a:p>
+            <a:pPr lvl="0" marL="0" indent="0">
+              <a:buNone/>
+            </a:pPr>
+            <a:r>
+              <a:rPr/>
+              <a:t>As</a:t>
+            </a:r>
+            <a:r>
+              <a:rPr/>
+              <a:t> </a:t>
+            </a:r>
+            <a:r>
+              <a:rPr/>
+              <a:t>you</a:t>
+            </a:r>
+            <a:r>
+              <a:rPr/>
+              <a:t> </a:t>
+            </a:r>
+            <a:r>
+              <a:rPr/>
+              <a:t>answer</a:t>
+            </a:r>
+            <a:r>
+              <a:rPr/>
+              <a:t> </a:t>
+            </a:r>
+            <a:r>
+              <a:rPr/>
+              <a:t>each</a:t>
+            </a:r>
+            <a:r>
+              <a:rPr/>
+              <a:t> </a:t>
+            </a:r>
+            <a:r>
+              <a:rPr/>
+              <a:t>question,</a:t>
+            </a:r>
+            <a:r>
+              <a:rPr/>
+              <a:t> </a:t>
+            </a:r>
+            <a:r>
+              <a:rPr/>
+              <a:t>I</a:t>
+            </a:r>
+            <a:r>
+              <a:rPr/>
+              <a:t> </a:t>
+            </a:r>
+            <a:r>
+              <a:rPr/>
+              <a:t>want</a:t>
+            </a:r>
+            <a:r>
+              <a:rPr/>
+              <a:t> </a:t>
+            </a:r>
+            <a:r>
+              <a:rPr/>
+              <a:t>a</a:t>
+            </a:r>
+            <a:r>
+              <a:rPr/>
+              <a:t> </a:t>
+            </a:r>
+            <a:r>
+              <a:rPr/>
+              <a:t>brief</a:t>
+            </a:r>
+            <a:r>
+              <a:rPr/>
+              <a:t> </a:t>
+            </a:r>
+            <a:r>
+              <a:rPr/>
+              <a:t>comment.</a:t>
+            </a:r>
+            <a:r>
+              <a:rPr/>
+              <a:t> </a:t>
+            </a:r>
+            <a:r>
+              <a:rPr/>
+              <a:t>Often</a:t>
+            </a:r>
+            <a:r>
+              <a:rPr/>
+              <a:t> </a:t>
+            </a:r>
+            <a:r>
+              <a:rPr/>
+              <a:t>it</a:t>
+            </a:r>
+            <a:r>
+              <a:rPr/>
+              <a:t> </a:t>
+            </a:r>
+            <a:r>
+              <a:rPr/>
+              <a:t>is</a:t>
+            </a:r>
+            <a:r>
+              <a:rPr/>
+              <a:t> </a:t>
+            </a:r>
+            <a:r>
+              <a:rPr/>
+              <a:t>a</a:t>
+            </a:r>
+            <a:r>
+              <a:rPr/>
+              <a:t> </a:t>
+            </a:r>
+            <a:r>
+              <a:rPr/>
+              <a:t>single</a:t>
+            </a:r>
+            <a:r>
+              <a:rPr/>
+              <a:t> </a:t>
+            </a:r>
+            <a:r>
+              <a:rPr/>
+              <a:t>sentence,</a:t>
+            </a:r>
+            <a:r>
+              <a:rPr/>
+              <a:t> </a:t>
+            </a:r>
+            <a:r>
+              <a:rPr/>
+              <a:t>but</a:t>
+            </a:r>
+            <a:r>
+              <a:rPr/>
+              <a:t> </a:t>
+            </a:r>
+            <a:r>
+              <a:rPr/>
+              <a:t>you</a:t>
+            </a:r>
+            <a:r>
+              <a:rPr/>
+              <a:t> </a:t>
+            </a:r>
+            <a:r>
+              <a:rPr/>
+              <a:t>might</a:t>
+            </a:r>
+            <a:r>
+              <a:rPr/>
+              <a:t> </a:t>
+            </a:r>
+            <a:r>
+              <a:rPr/>
+              <a:t>need</a:t>
+            </a:r>
+            <a:r>
+              <a:rPr/>
+              <a:t> </a:t>
+            </a:r>
+            <a:r>
+              <a:rPr/>
+              <a:t>two</a:t>
+            </a:r>
+            <a:r>
+              <a:rPr/>
+              <a:t> </a:t>
+            </a:r>
+            <a:r>
+              <a:rPr/>
+              <a:t>or</a:t>
+            </a:r>
+            <a:r>
+              <a:rPr/>
+              <a:t> </a:t>
+            </a:r>
+            <a:r>
+              <a:rPr/>
+              <a:t>maybe</a:t>
+            </a:r>
+            <a:r>
+              <a:rPr/>
+              <a:t> </a:t>
+            </a:r>
+            <a:r>
+              <a:rPr/>
+              <a:t>three</a:t>
+            </a:r>
+            <a:r>
+              <a:rPr/>
+              <a:t> </a:t>
+            </a:r>
+            <a:r>
+              <a:rPr/>
+              <a:t>sentences.</a:t>
+            </a:r>
+            <a:r>
+              <a:rPr/>
+              <a:t> </a:t>
+            </a:r>
+            <a:r>
+              <a:rPr/>
+              <a:t>What</a:t>
+            </a:r>
+            <a:r>
+              <a:rPr/>
+              <a:t> </a:t>
+            </a:r>
+            <a:r>
+              <a:rPr/>
+              <a:t>I</a:t>
+            </a:r>
+            <a:r>
+              <a:rPr/>
+              <a:t> </a:t>
+            </a:r>
+            <a:r>
+              <a:rPr/>
+              <a:t>needs</a:t>
+            </a:r>
+            <a:r>
+              <a:rPr/>
+              <a:t> </a:t>
+            </a:r>
+            <a:r>
+              <a:rPr/>
+              <a:t>is</a:t>
+            </a:r>
+            <a:r>
+              <a:rPr/>
+              <a:t> </a:t>
+            </a:r>
+            <a:r>
+              <a:rPr/>
+              <a:t>an</a:t>
+            </a:r>
+            <a:r>
+              <a:rPr/>
+              <a:t> </a:t>
+            </a:r>
+            <a:r>
+              <a:rPr/>
+              <a:t>explanation</a:t>
+            </a:r>
+            <a:r>
+              <a:rPr/>
+              <a:t> </a:t>
+            </a:r>
+            <a:r>
+              <a:rPr/>
+              <a:t>of</a:t>
+            </a:r>
+            <a:r>
+              <a:rPr/>
+              <a:t> </a:t>
+            </a:r>
+            <a:r>
+              <a:rPr/>
+              <a:t>how</a:t>
+            </a:r>
+            <a:r>
+              <a:rPr/>
+              <a:t> </a:t>
+            </a:r>
+            <a:r>
+              <a:rPr/>
+              <a:t>the</a:t>
+            </a:r>
+            <a:r>
+              <a:rPr/>
+              <a:t> </a:t>
+            </a:r>
+            <a:r>
+              <a:rPr/>
+              <a:t>output</a:t>
+            </a:r>
+            <a:r>
+              <a:rPr/>
+              <a:t> </a:t>
+            </a:r>
+            <a:r>
+              <a:rPr/>
+              <a:t>answers</a:t>
+            </a:r>
+            <a:r>
+              <a:rPr/>
+              <a:t> </a:t>
+            </a:r>
+            <a:r>
+              <a:rPr/>
+              <a:t>the</a:t>
+            </a:r>
+            <a:r>
+              <a:rPr/>
+              <a:t> </a:t>
+            </a:r>
+            <a:r>
+              <a:rPr/>
+              <a:t>question.</a:t>
+            </a:r>
+            <a:r>
+              <a:rPr/>
+              <a:t> </a:t>
+            </a:r>
+            <a:r>
+              <a:rPr/>
+              <a:t>This</a:t>
+            </a:r>
+            <a:r>
+              <a:rPr/>
+              <a:t> </a:t>
+            </a:r>
+            <a:r>
+              <a:rPr/>
+              <a:t>might</a:t>
+            </a:r>
+            <a:r>
+              <a:rPr/>
+              <a:t> </a:t>
+            </a:r>
+            <a:r>
+              <a:rPr/>
+              <a:t>be</a:t>
+            </a:r>
+            <a:r>
+              <a:rPr/>
+              <a:t> </a:t>
+            </a:r>
+            <a:r>
+              <a:rPr/>
+              <a:t>obvious,</a:t>
+            </a:r>
+            <a:r>
+              <a:rPr/>
+              <a:t> </a:t>
+            </a:r>
+            <a:r>
+              <a:rPr/>
+              <a:t>but</a:t>
+            </a:r>
+            <a:r>
+              <a:rPr/>
+              <a:t> </a:t>
+            </a:r>
+            <a:r>
+              <a:rPr/>
+              <a:t>it</a:t>
+            </a:r>
+            <a:r>
+              <a:rPr/>
+              <a:t> </a:t>
+            </a:r>
+            <a:r>
+              <a:rPr/>
+              <a:t>still</a:t>
+            </a:r>
+            <a:r>
+              <a:rPr/>
+              <a:t> </a:t>
+            </a:r>
+            <a:r>
+              <a:rPr/>
+              <a:t>needs</a:t>
+            </a:r>
+            <a:r>
+              <a:rPr/>
+              <a:t> </a:t>
+            </a:r>
+            <a:r>
+              <a:rPr/>
+              <a:t>to</a:t>
+            </a:r>
+            <a:r>
+              <a:rPr/>
+              <a:t> </a:t>
+            </a:r>
+            <a:r>
+              <a:rPr/>
+              <a:t>be</a:t>
+            </a:r>
+            <a:r>
+              <a:rPr/>
+              <a:t> </a:t>
+            </a:r>
+            <a:r>
+              <a:rPr/>
+              <a:t>done.</a:t>
+            </a:r>
+            <a:r>
+              <a:rPr/>
+              <a:t> </a:t>
+            </a:r>
+            <a:r>
+              <a:rPr/>
+              <a:t>If</a:t>
+            </a:r>
+            <a:r>
+              <a:rPr/>
+              <a:t> </a:t>
+            </a:r>
+            <a:r>
+              <a:rPr/>
+              <a:t>you</a:t>
+            </a:r>
+            <a:r>
+              <a:rPr/>
+              <a:t> </a:t>
+            </a:r>
+            <a:r>
+              <a:rPr/>
+              <a:t>include</a:t>
+            </a:r>
+            <a:r>
+              <a:rPr/>
+              <a:t> </a:t>
+            </a:r>
+            <a:r>
+              <a:rPr/>
+              <a:t>the</a:t>
+            </a:r>
+            <a:r>
+              <a:rPr/>
+              <a:t> </a:t>
+            </a:r>
+            <a:r>
+              <a:rPr/>
+              <a:t>correct</a:t>
+            </a:r>
+            <a:r>
+              <a:rPr/>
+              <a:t> </a:t>
+            </a:r>
+            <a:r>
+              <a:rPr/>
+              <a:t>output,</a:t>
+            </a:r>
+            <a:r>
+              <a:rPr/>
+              <a:t> </a:t>
+            </a:r>
+            <a:r>
+              <a:rPr/>
+              <a:t>but</a:t>
+            </a:r>
+            <a:r>
+              <a:rPr/>
+              <a:t> </a:t>
+            </a:r>
+            <a:r>
+              <a:rPr/>
+              <a:t>do</a:t>
+            </a:r>
+            <a:r>
+              <a:rPr/>
+              <a:t> </a:t>
+            </a:r>
+            <a:r>
+              <a:rPr/>
+              <a:t>not</a:t>
+            </a:r>
+            <a:r>
+              <a:rPr/>
+              <a:t> </a:t>
+            </a:r>
+            <a:r>
+              <a:rPr/>
+              <a:t>add</a:t>
+            </a:r>
+            <a:r>
+              <a:rPr/>
+              <a:t> </a:t>
+            </a:r>
+            <a:r>
+              <a:rPr/>
+              <a:t>a</a:t>
+            </a:r>
+            <a:r>
+              <a:rPr/>
+              <a:t> </a:t>
+            </a:r>
+            <a:r>
+              <a:rPr/>
+              <a:t>brief</a:t>
+            </a:r>
+            <a:r>
+              <a:rPr/>
+              <a:t> </a:t>
+            </a:r>
+            <a:r>
+              <a:rPr/>
+              <a:t>comment,</a:t>
+            </a:r>
+            <a:r>
+              <a:rPr/>
+              <a:t> </a:t>
+            </a:r>
+            <a:r>
+              <a:rPr/>
+              <a:t>you</a:t>
+            </a:r>
+            <a:r>
+              <a:rPr/>
+              <a:t> </a:t>
+            </a:r>
+            <a:r>
+              <a:rPr/>
+              <a:t>will</a:t>
+            </a:r>
+            <a:r>
+              <a:rPr/>
+              <a:t> </a:t>
+            </a:r>
+            <a:r>
+              <a:rPr/>
+              <a:t>lose</a:t>
+            </a:r>
+            <a:r>
+              <a:rPr/>
+              <a:t> </a:t>
+            </a:r>
+            <a:r>
+              <a:rPr/>
+              <a:t>points</a:t>
+            </a:r>
+            <a:r>
+              <a:rPr/>
+              <a:t> </a:t>
+            </a:r>
+            <a:r>
+              <a:rPr/>
+              <a:t>on</a:t>
+            </a:r>
+            <a:r>
+              <a:rPr/>
+              <a:t> </a:t>
+            </a:r>
+            <a:r>
+              <a:rPr/>
+              <a:t>your</a:t>
+            </a:r>
+            <a:r>
+              <a:rPr/>
+              <a:t> </a:t>
+            </a:r>
+            <a:r>
+              <a:rPr/>
+              <a:t>assignment.</a:t>
+            </a:r>
+          </a:p>
+          <a:p>
+            <a:pPr lvl="0" marL="0" indent="0">
+              <a:buNone/>
+            </a:pPr>
+          </a:p>
+          <a:p>
+            <a:pPr lvl="0" marL="0" indent="0">
+              <a:buNone/>
+            </a:pPr>
+            <a:r>
+              <a:rPr/>
+              <a:t>Here</a:t>
+            </a:r>
+            <a:r>
+              <a:rPr/>
+              <a:t> </a:t>
+            </a:r>
+            <a:r>
+              <a:rPr/>
+              <a:t>are</a:t>
+            </a:r>
+            <a:r>
+              <a:rPr/>
+              <a:t> </a:t>
+            </a:r>
+            <a:r>
+              <a:rPr/>
+              <a:t>some</a:t>
+            </a:r>
+            <a:r>
+              <a:rPr/>
+              <a:t> </a:t>
+            </a:r>
+            <a:r>
+              <a:rPr/>
+              <a:t>examples</a:t>
+            </a:r>
+            <a:r>
+              <a:rPr/>
+              <a:t> </a:t>
+            </a:r>
+            <a:r>
+              <a:rPr/>
+              <a:t>of</a:t>
+            </a:r>
+            <a:r>
+              <a:rPr/>
+              <a:t> </a:t>
+            </a:r>
+            <a:r>
+              <a:rPr/>
+              <a:t>the</a:t>
+            </a:r>
+            <a:r>
+              <a:rPr/>
+              <a:t> </a:t>
+            </a:r>
+            <a:r>
+              <a:rPr/>
+              <a:t>comments</a:t>
+            </a:r>
+            <a:r>
+              <a:rPr/>
+              <a:t> </a:t>
+            </a:r>
+            <a:r>
+              <a:rPr/>
+              <a:t>you</a:t>
+            </a:r>
+            <a:r>
+              <a:rPr/>
+              <a:t> </a:t>
+            </a:r>
+            <a:r>
+              <a:rPr/>
+              <a:t>might</a:t>
+            </a:r>
+            <a:r>
+              <a:rPr/>
+              <a:t> </a:t>
+            </a:r>
+            <a:r>
+              <a:rPr/>
+              <a:t>include.</a:t>
+            </a:r>
+          </a:p>
+        </p:txBody>
+      </p:sp>
+      <p:sp>
+        <p:nvSpPr>
+          <p:cNvPr id="4" name="Slide Number Placeholder 3"/>
+          <p:cNvSpPr>
+            <a:spLocks noGrp="1"/>
+          </p:cNvSpPr>
+          <p:nvPr>
+            <p:ph type="sldNum" sz="quarter" idx="10"/>
+          </p:nvPr>
+        </p:nvSpPr>
+        <p:spPr/>
+        <p:txBody>
+          <a:bodyPr/>
+          <a:lstStyle/>
+          <a:p>
+            <a:fld id="{18BDFEC3-8487-43E8-A154-7C12CBC1FFF2}" type="slidenum">
+              <a:rPr lang="en-US"/>
+              <a:t>21</a:t>
             </a:fld>
             <a:endParaRPr lang="en-US"/>
           </a:p>
@@ -5784,6 +10119,480 @@
             <a:fld id="{18BDFEC3-8487-43E8-A154-7C12CBC1FFF2}" type="slidenum">
               <a:rPr lang="en-US"/>
               <a:t>3</a:t>
+            </a:fld>
+            <a:endParaRPr lang="en-US"/>
+          </a:p>
+        </p:txBody>
+      </p:sp>
+    </p:spTree>
+  </p:cSld>
+</p:notes>
+</file>
+
+<file path=ppt/notesSlides/notesSlide20.xml><?xml version="1.0" encoding="utf-8"?>
+<p:notes xmlns:a="http://schemas.openxmlformats.org/drawingml/2006/main" xmlns:r="http://schemas.openxmlformats.org/officeDocument/2006/relationships" xmlns:p="http://schemas.openxmlformats.org/presentationml/2006/main">
+  <p:cSld>
+    <p:spTree>
+      <p:nvGrpSpPr>
+        <p:cNvPr id="1" name=""/>
+        <p:cNvGrpSpPr/>
+        <p:nvPr/>
+      </p:nvGrpSpPr>
+      <p:grpSpPr>
+        <a:xfrm>
+          <a:off x="0" y="0"/>
+          <a:ext cx="0" cy="0"/>
+          <a:chOff x="0" y="0"/>
+          <a:chExt cx="0" cy="0"/>
+        </a:xfrm>
+      </p:grpSpPr>
+      <p:sp>
+        <p:nvSpPr>
+          <p:cNvPr id="2" name="Slide Image Placeholder 1"/>
+          <p:cNvSpPr>
+            <a:spLocks noGrp="1" noRot="1" noChangeAspect="1"/>
+          </p:cNvSpPr>
+          <p:nvPr>
+            <p:ph type="sldImg"/>
+          </p:nvPr>
+        </p:nvSpPr>
+        <p:spPr/>
+      </p:sp>
+      <p:sp>
+        <p:nvSpPr>
+          <p:cNvPr id="3" name="Notes Placeholder 2"/>
+          <p:cNvSpPr>
+            <a:spLocks noGrp="1"/>
+          </p:cNvSpPr>
+          <p:nvPr>
+            <p:ph type="body" idx="1"/>
+          </p:nvPr>
+        </p:nvSpPr>
+        <p:spPr/>
+        <p:txBody>
+          <a:bodyPr/>
+          <a:lstStyle/>
+          <a:p>
+            <a:pPr lvl="0" marL="0" indent="0">
+              <a:buNone/>
+            </a:pPr>
+            <a:r>
+              <a:rPr/>
+              <a:t>Remember</a:t>
+            </a:r>
+            <a:r>
+              <a:rPr/>
+              <a:t> </a:t>
+            </a:r>
+            <a:r>
+              <a:rPr/>
+              <a:t>these</a:t>
+            </a:r>
+            <a:r>
+              <a:rPr/>
+              <a:t> </a:t>
+            </a:r>
+            <a:r>
+              <a:rPr/>
+              <a:t>guidelinesfor</a:t>
+            </a:r>
+            <a:r>
+              <a:rPr/>
+              <a:t> </a:t>
+            </a:r>
+            <a:r>
+              <a:rPr/>
+              <a:t>every</a:t>
+            </a:r>
+            <a:r>
+              <a:rPr/>
+              <a:t> </a:t>
+            </a:r>
+            <a:r>
+              <a:rPr/>
+              <a:t>assignment</a:t>
+            </a:r>
+            <a:r>
+              <a:rPr/>
+              <a:t> </a:t>
+            </a:r>
+            <a:r>
+              <a:rPr/>
+              <a:t>that</a:t>
+            </a:r>
+            <a:r>
+              <a:rPr/>
+              <a:t> </a:t>
+            </a:r>
+            <a:r>
+              <a:rPr/>
+              <a:t>you</a:t>
+            </a:r>
+            <a:r>
+              <a:rPr/>
+              <a:t> </a:t>
+            </a:r>
+            <a:r>
+              <a:rPr/>
+              <a:t>turn</a:t>
+            </a:r>
+            <a:r>
+              <a:rPr/>
+              <a:t> </a:t>
+            </a:r>
+            <a:r>
+              <a:rPr/>
+              <a:t>in.</a:t>
+            </a:r>
+            <a:r>
+              <a:rPr/>
+              <a:t> </a:t>
+            </a:r>
+            <a:r>
+              <a:rPr/>
+              <a:t>Use</a:t>
+            </a:r>
+            <a:r>
+              <a:rPr/>
+              <a:t> </a:t>
+            </a:r>
+            <a:r>
+              <a:rPr/>
+              <a:t>the</a:t>
+            </a:r>
+            <a:r>
+              <a:rPr/>
+              <a:t> </a:t>
+            </a:r>
+            <a:r>
+              <a:rPr/>
+              <a:t>proper</a:t>
+            </a:r>
+            <a:r>
+              <a:rPr/>
+              <a:t> </a:t>
+            </a:r>
+            <a:r>
+              <a:rPr/>
+              <a:t>file</a:t>
+            </a:r>
+            <a:r>
+              <a:rPr/>
+              <a:t> </a:t>
+            </a:r>
+            <a:r>
+              <a:rPr/>
+              <a:t>name</a:t>
+            </a:r>
+            <a:r>
+              <a:rPr/>
+              <a:t> </a:t>
+            </a:r>
+            <a:r>
+              <a:rPr/>
+              <a:t>and</a:t>
+            </a:r>
+            <a:r>
+              <a:rPr/>
+              <a:t> </a:t>
+            </a:r>
+            <a:r>
+              <a:rPr/>
+              <a:t>format,</a:t>
+            </a:r>
+            <a:r>
+              <a:rPr/>
+              <a:t> </a:t>
+            </a:r>
+            <a:r>
+              <a:rPr/>
+              <a:t>include</a:t>
+            </a:r>
+            <a:r>
+              <a:rPr/>
+              <a:t> </a:t>
+            </a:r>
+            <a:r>
+              <a:rPr/>
+              <a:t>a</a:t>
+            </a:r>
+            <a:r>
+              <a:rPr/>
+              <a:t> </a:t>
+            </a:r>
+            <a:r>
+              <a:rPr/>
+              <a:t>documentation</a:t>
+            </a:r>
+            <a:r>
+              <a:rPr/>
+              <a:t> </a:t>
+            </a:r>
+            <a:r>
+              <a:rPr/>
+              <a:t>header,</a:t>
+            </a:r>
+            <a:r>
+              <a:rPr/>
+              <a:t> </a:t>
+            </a:r>
+            <a:r>
+              <a:rPr/>
+              <a:t>make</a:t>
+            </a:r>
+            <a:r>
+              <a:rPr/>
+              <a:t> </a:t>
+            </a:r>
+            <a:r>
+              <a:rPr/>
+              <a:t>your</a:t>
+            </a:r>
+            <a:r>
+              <a:rPr/>
+              <a:t> </a:t>
+            </a:r>
+            <a:r>
+              <a:rPr/>
+              <a:t>code</a:t>
+            </a:r>
+            <a:r>
+              <a:rPr/>
+              <a:t> </a:t>
+            </a:r>
+            <a:r>
+              <a:rPr/>
+              <a:t>readable,</a:t>
+            </a:r>
+            <a:r>
+              <a:rPr/>
+              <a:t> </a:t>
+            </a:r>
+            <a:r>
+              <a:rPr/>
+              <a:t>avoid</a:t>
+            </a:r>
+            <a:r>
+              <a:rPr/>
+              <a:t> </a:t>
+            </a:r>
+            <a:r>
+              <a:rPr/>
+              <a:t>lengthy</a:t>
+            </a:r>
+            <a:r>
+              <a:rPr/>
+              <a:t> </a:t>
+            </a:r>
+            <a:r>
+              <a:rPr/>
+              <a:t>outputs,</a:t>
+            </a:r>
+            <a:r>
+              <a:rPr/>
+              <a:t> </a:t>
+            </a:r>
+            <a:r>
+              <a:rPr/>
+              <a:t>show</a:t>
+            </a:r>
+            <a:r>
+              <a:rPr/>
+              <a:t> </a:t>
+            </a:r>
+            <a:r>
+              <a:rPr/>
+              <a:t>both</a:t>
+            </a:r>
+            <a:r>
+              <a:rPr/>
+              <a:t> </a:t>
+            </a:r>
+            <a:r>
+              <a:rPr/>
+              <a:t>your</a:t>
+            </a:r>
+            <a:r>
+              <a:rPr/>
+              <a:t> </a:t>
+            </a:r>
+            <a:r>
+              <a:rPr/>
+              <a:t>code</a:t>
+            </a:r>
+            <a:r>
+              <a:rPr/>
+              <a:t> </a:t>
+            </a:r>
+            <a:r>
+              <a:rPr/>
+              <a:t>and</a:t>
+            </a:r>
+            <a:r>
+              <a:rPr/>
+              <a:t> </a:t>
+            </a:r>
+            <a:r>
+              <a:rPr/>
+              <a:t>your</a:t>
+            </a:r>
+            <a:r>
+              <a:rPr/>
+              <a:t> </a:t>
+            </a:r>
+            <a:r>
+              <a:rPr/>
+              <a:t>output</a:t>
+            </a:r>
+            <a:r>
+              <a:rPr/>
+              <a:t> </a:t>
+            </a:r>
+            <a:r>
+              <a:rPr/>
+              <a:t>and</a:t>
+            </a:r>
+            <a:r>
+              <a:rPr/>
+              <a:t> </a:t>
+            </a:r>
+            <a:r>
+              <a:rPr/>
+              <a:t>be</a:t>
+            </a:r>
+            <a:r>
+              <a:rPr/>
+              <a:t> </a:t>
+            </a:r>
+            <a:r>
+              <a:rPr/>
+              <a:t>sure</a:t>
+            </a:r>
+            <a:r>
+              <a:rPr/>
+              <a:t> </a:t>
+            </a:r>
+            <a:r>
+              <a:rPr/>
+              <a:t>that</a:t>
+            </a:r>
+            <a:r>
+              <a:rPr/>
+              <a:t> </a:t>
+            </a:r>
+            <a:r>
+              <a:rPr/>
+              <a:t>both</a:t>
+            </a:r>
+            <a:r>
+              <a:rPr/>
+              <a:t> </a:t>
+            </a:r>
+            <a:r>
+              <a:rPr/>
+              <a:t>the</a:t>
+            </a:r>
+            <a:r>
+              <a:rPr/>
+              <a:t> </a:t>
+            </a:r>
+            <a:r>
+              <a:rPr/>
+              <a:t>original</a:t>
+            </a:r>
+            <a:r>
+              <a:rPr/>
+              <a:t> </a:t>
+            </a:r>
+            <a:r>
+              <a:rPr/>
+              <a:t>question</a:t>
+            </a:r>
+            <a:r>
+              <a:rPr/>
+              <a:t> </a:t>
+            </a:r>
+            <a:r>
+              <a:rPr/>
+              <a:t>and</a:t>
+            </a:r>
+            <a:r>
+              <a:rPr/>
+              <a:t> </a:t>
+            </a:r>
+            <a:r>
+              <a:rPr/>
+              <a:t>your</a:t>
+            </a:r>
+            <a:r>
+              <a:rPr/>
+              <a:t> </a:t>
+            </a:r>
+            <a:r>
+              <a:rPr/>
+              <a:t>answer</a:t>
+            </a:r>
+            <a:r>
+              <a:rPr/>
+              <a:t> </a:t>
+            </a:r>
+            <a:r>
+              <a:rPr/>
+              <a:t>appear</a:t>
+            </a:r>
+            <a:r>
+              <a:rPr/>
+              <a:t> </a:t>
+            </a:r>
+            <a:r>
+              <a:rPr/>
+              <a:t>in</a:t>
+            </a:r>
+            <a:r>
+              <a:rPr/>
+              <a:t> </a:t>
+            </a:r>
+            <a:r>
+              <a:rPr/>
+              <a:t>what</a:t>
+            </a:r>
+            <a:r>
+              <a:rPr/>
+              <a:t> </a:t>
+            </a:r>
+            <a:r>
+              <a:rPr/>
+              <a:t>you</a:t>
+            </a:r>
+            <a:r>
+              <a:rPr/>
+              <a:t> </a:t>
+            </a:r>
+            <a:r>
+              <a:rPr/>
+              <a:t>submit.</a:t>
+            </a:r>
+          </a:p>
+        </p:txBody>
+      </p:sp>
+      <p:sp>
+        <p:nvSpPr>
+          <p:cNvPr id="4" name="Slide Number Placeholder 3"/>
+          <p:cNvSpPr>
+            <a:spLocks noGrp="1"/>
+          </p:cNvSpPr>
+          <p:nvPr>
+            <p:ph type="sldNum" sz="quarter" idx="10"/>
+          </p:nvPr>
+        </p:nvSpPr>
+        <p:spPr/>
+        <p:txBody>
+          <a:bodyPr/>
+          <a:lstStyle/>
+          <a:p>
+            <a:fld id="{18BDFEC3-8487-43E8-A154-7C12CBC1FFF2}" type="slidenum">
+              <a:rPr lang="en-US"/>
+              <a:t>22</a:t>
             </a:fld>
             <a:endParaRPr lang="en-US"/>
           </a:p>
@@ -18168,6 +22977,22 @@
             </a:pPr>
             <a:r>
               <a:rPr/>
+              <a:t>SAS</a:t>
+            </a:r>
+            <a:r>
+              <a:rPr/>
+              <a:t> </a:t>
+            </a:r>
+            <a:r>
+              <a:rPr/>
+              <a:t>example,</a:t>
+            </a:r>
+            <a:r>
+              <a:rPr/>
+              <a:t> </a:t>
+            </a:r>
+            <a:r>
+              <a:rPr/>
               <a:t>Add</a:t>
             </a:r>
             <a:r>
@@ -18264,6 +23089,22 @@
             </a:pPr>
             <a:r>
               <a:rPr/>
+              <a:t>SAS</a:t>
+            </a:r>
+            <a:r>
+              <a:rPr/>
+              <a:t> </a:t>
+            </a:r>
+            <a:r>
+              <a:rPr/>
+              <a:t>example,</a:t>
+            </a:r>
+            <a:r>
+              <a:rPr/>
+              <a:t> </a:t>
+            </a:r>
+            <a:r>
+              <a:rPr/>
               <a:t>Indent</a:t>
             </a:r>
           </a:p>
@@ -18344,6 +23185,22 @@
             </a:pPr>
             <a:r>
               <a:rPr/>
+              <a:t>SAS</a:t>
+            </a:r>
+            <a:r>
+              <a:rPr/>
+              <a:t> </a:t>
+            </a:r>
+            <a:r>
+              <a:rPr/>
+              <a:t>example,</a:t>
+            </a:r>
+            <a:r>
+              <a:rPr/>
+              <a:t> </a:t>
+            </a:r>
+            <a:r>
+              <a:rPr/>
               <a:t>Break</a:t>
             </a:r>
             <a:r>
@@ -18442,23 +23299,39 @@
             </a:pPr>
             <a:r>
               <a:rPr/>
-              <a:t>Break</a:t>
-            </a:r>
-            <a:r>
-              <a:rPr/>
-              <a:t> </a:t>
-            </a:r>
-            <a:r>
-              <a:rPr/>
-              <a:t>long</a:t>
-            </a:r>
-            <a:r>
-              <a:rPr/>
-              <a:t> </a:t>
-            </a:r>
-            <a:r>
-              <a:rPr/>
-              <a:t>lines</a:t>
+              <a:t>SAS</a:t>
+            </a:r>
+            <a:r>
+              <a:rPr/>
+              <a:t> </a:t>
+            </a:r>
+            <a:r>
+              <a:rPr/>
+              <a:t>example,</a:t>
+            </a:r>
+            <a:r>
+              <a:rPr/>
+              <a:t> </a:t>
+            </a:r>
+            <a:r>
+              <a:rPr/>
+              <a:t>Create</a:t>
+            </a:r>
+            <a:r>
+              <a:rPr/>
+              <a:t> </a:t>
+            </a:r>
+            <a:r>
+              <a:rPr/>
+              <a:t>vertical</a:t>
+            </a:r>
+            <a:r>
+              <a:rPr/>
+              <a:t> </a:t>
+            </a:r>
+            <a:r>
+              <a:rPr/>
+              <a:t>lists</a:t>
             </a:r>
           </a:p>
         </p:txBody>
@@ -18542,23 +23415,47 @@
             </a:pPr>
             <a:r>
               <a:rPr/>
-              <a:t>No</a:t>
-            </a:r>
-            <a:r>
-              <a:rPr/>
-              <a:t> </a:t>
-            </a:r>
-            <a:r>
-              <a:rPr/>
-              <a:t>lengthy</a:t>
-            </a:r>
-            <a:r>
-              <a:rPr/>
-              <a:t> </a:t>
-            </a:r>
-            <a:r>
-              <a:rPr/>
-              <a:t>outputs</a:t>
+              <a:t>SQL</a:t>
+            </a:r>
+            <a:r>
+              <a:rPr/>
+              <a:t> </a:t>
+            </a:r>
+            <a:r>
+              <a:rPr/>
+              <a:t>example</a:t>
+            </a:r>
+          </a:p>
+        </p:txBody>
+      </p:sp>
+      <p:sp>
+        <p:nvSpPr>
+          <p:cNvPr id="3" name="Content Placeholder 2"/>
+          <p:cNvSpPr>
+            <a:spLocks noGrp="1"/>
+          </p:cNvSpPr>
+          <p:nvPr>
+            <p:ph idx="1"/>
+          </p:nvPr>
+        </p:nvSpPr>
+        <p:spPr/>
+        <p:txBody>
+          <a:bodyPr/>
+          <a:lstStyle/>
+          <a:p>
+            <a:pPr lvl="0" marL="1270000" indent="0">
+              <a:buNone/>
+            </a:pPr>
+            <a:r>
+              <a:rPr sz="1800">
+                <a:latin typeface="Courier"/>
+              </a:rPr>
+              <a:t>select 
+    sex, 
+    count(*) as number_of_children
+  from titanic_table
+  where age &lt; 18
+  group by sex</a:t>
             </a:r>
           </a:p>
         </p:txBody>
@@ -18605,7 +23502,39 @@
             </a:pPr>
             <a:r>
               <a:rPr/>
-              <a:t>Summary</a:t>
+              <a:t>R</a:t>
+            </a:r>
+            <a:r>
+              <a:rPr/>
+              <a:t> </a:t>
+            </a:r>
+            <a:r>
+              <a:rPr/>
+              <a:t>example</a:t>
+            </a:r>
+            <a:r>
+              <a:rPr/>
+              <a:t> </a:t>
+            </a:r>
+            <a:r>
+              <a:rPr/>
+              <a:t>(hard</a:t>
+            </a:r>
+            <a:r>
+              <a:rPr/>
+              <a:t> </a:t>
+            </a:r>
+            <a:r>
+              <a:rPr/>
+              <a:t>to</a:t>
+            </a:r>
+            <a:r>
+              <a:rPr/>
+              <a:t> </a:t>
+            </a:r>
+            <a:r>
+              <a:rPr/>
+              <a:t>read)</a:t>
             </a:r>
           </a:p>
         </p:txBody>
@@ -18625,59 +23554,290 @@
           <a:bodyPr/>
           <a:lstStyle/>
           <a:p>
+            <a:pPr lvl="0" marL="1270000" indent="0">
+              <a:buNone/>
+            </a:pPr>
+            <a:r>
+              <a:rPr sz="1800">
+                <a:latin typeface="Courier"/>
+              </a:rPr>
+              <a:t>radius &lt;- sqrt(ts[ , last_date])
+zero &lt;- radius == 0
+ggplot(data=states) +
+geom_sf(color="gray", fill="white") +
+geom_sf(data=ts[!zero, ], size=radius[!zero]) +
+coord_sf(xlim=lat, ylim=lon, expand=FALSE) +
+ggtitle("Bubble plot of COVID-19 cases")</a:t>
+            </a:r>
+          </a:p>
+        </p:txBody>
+      </p:sp>
+    </p:spTree>
+  </p:cSld>
+</p:sld>
+</file>
+
+<file path=ppt/slides/slide18.xml><?xml version="1.0" encoding="utf-8"?>
+<p:sld xmlns:a="http://schemas.openxmlformats.org/drawingml/2006/main" xmlns:r="http://schemas.openxmlformats.org/officeDocument/2006/relationships" xmlns:p="http://schemas.openxmlformats.org/presentationml/2006/main">
+  <p:cSld>
+    <p:spTree>
+      <p:nvGrpSpPr>
+        <p:cNvPr id="1" name=""/>
+        <p:cNvGrpSpPr/>
+        <p:nvPr/>
+      </p:nvGrpSpPr>
+      <p:grpSpPr>
+        <a:xfrm>
+          <a:off x="0" y="0"/>
+          <a:ext cx="0" cy="0"/>
+          <a:chOff x="0" y="0"/>
+          <a:chExt cx="0" cy="0"/>
+        </a:xfrm>
+      </p:grpSpPr>
+      <p:sp>
+        <p:nvSpPr>
+          <p:cNvPr id="2" name="Title 1"/>
+          <p:cNvSpPr>
+            <a:spLocks noGrp="1"/>
+          </p:cNvSpPr>
+          <p:nvPr>
+            <p:ph type="title"/>
+          </p:nvPr>
+        </p:nvSpPr>
+        <p:spPr/>
+        <p:txBody>
+          <a:bodyPr/>
+          <a:lstStyle/>
+          <a:p>
+            <a:pPr lvl="0" marL="0" indent="0">
+              <a:buNone/>
+            </a:pPr>
+            <a:r>
+              <a:rPr/>
+              <a:t>R</a:t>
+            </a:r>
+            <a:r>
+              <a:rPr/>
+              <a:t> </a:t>
+            </a:r>
+            <a:r>
+              <a:rPr/>
+              <a:t>example</a:t>
+            </a:r>
+            <a:r>
+              <a:rPr/>
+              <a:t> </a:t>
+            </a:r>
+            <a:r>
+              <a:rPr/>
+              <a:t>(easier</a:t>
+            </a:r>
+            <a:r>
+              <a:rPr/>
+              <a:t> </a:t>
+            </a:r>
+            <a:r>
+              <a:rPr/>
+              <a:t>to</a:t>
+            </a:r>
+            <a:r>
+              <a:rPr/>
+              <a:t> </a:t>
+            </a:r>
+            <a:r>
+              <a:rPr/>
+              <a:t>read)</a:t>
+            </a:r>
+          </a:p>
+        </p:txBody>
+      </p:sp>
+      <p:sp>
+        <p:nvSpPr>
+          <p:cNvPr id="3" name="Content Placeholder 2"/>
+          <p:cNvSpPr>
+            <a:spLocks noGrp="1"/>
+          </p:cNvSpPr>
+          <p:nvPr>
+            <p:ph idx="1"/>
+          </p:nvPr>
+        </p:nvSpPr>
+        <p:spPr/>
+        <p:txBody>
+          <a:bodyPr/>
+          <a:lstStyle/>
+          <a:p>
+            <a:pPr lvl="0" marL="1270000" indent="0">
+              <a:buNone/>
+            </a:pPr>
+            <a:r>
+              <a:rPr sz="1800">
+                <a:latin typeface="Courier"/>
+              </a:rPr>
+              <a:t>radius &lt;- sqrt(ts[ , last_date])
+zero &lt;- radius == 0
+ggplot(data=states) +
+  geom_sf(
+    color="gray",
+    fill="white") +
+  geom_sf(
+    data=ts[!zero, ],
+    size=radius[!zero]) +
+  coord_sf(
+    xlim=lat,
+    ylim=lon,
+    expand=FALSE) +
+  ggtitle("Bubble plot of COVID-19 cases")</a:t>
+            </a:r>
+          </a:p>
+        </p:txBody>
+      </p:sp>
+    </p:spTree>
+  </p:cSld>
+</p:sld>
+</file>
+
+<file path=ppt/slides/slide19.xml><?xml version="1.0" encoding="utf-8"?>
+<p:sld xmlns:a="http://schemas.openxmlformats.org/drawingml/2006/main" xmlns:r="http://schemas.openxmlformats.org/officeDocument/2006/relationships" xmlns:p="http://schemas.openxmlformats.org/presentationml/2006/main">
+  <p:cSld>
+    <p:spTree>
+      <p:nvGrpSpPr>
+        <p:cNvPr id="1" name=""/>
+        <p:cNvGrpSpPr/>
+        <p:nvPr/>
+      </p:nvGrpSpPr>
+      <p:grpSpPr>
+        <a:xfrm>
+          <a:off x="0" y="0"/>
+          <a:ext cx="0" cy="0"/>
+          <a:chOff x="0" y="0"/>
+          <a:chExt cx="0" cy="0"/>
+        </a:xfrm>
+      </p:grpSpPr>
+      <p:sp>
+        <p:nvSpPr>
+          <p:cNvPr id="2" name="Title 1"/>
+          <p:cNvSpPr>
+            <a:spLocks noGrp="1"/>
+          </p:cNvSpPr>
+          <p:nvPr>
+            <p:ph type="title"/>
+          </p:nvPr>
+        </p:nvSpPr>
+        <p:spPr/>
+        <p:txBody>
+          <a:bodyPr/>
+          <a:lstStyle/>
+          <a:p>
+            <a:pPr lvl="0" marL="0" indent="0">
+              <a:buNone/>
+            </a:pPr>
+            <a:r>
+              <a:rPr/>
+              <a:t>No</a:t>
+            </a:r>
+            <a:r>
+              <a:rPr/>
+              <a:t> </a:t>
+            </a:r>
+            <a:r>
+              <a:rPr/>
+              <a:t>lengthy</a:t>
+            </a:r>
+            <a:r>
+              <a:rPr/>
+              <a:t> </a:t>
+            </a:r>
+            <a:r>
+              <a:rPr/>
+              <a:t>outputs</a:t>
+            </a:r>
+          </a:p>
+        </p:txBody>
+      </p:sp>
+      <p:sp>
+        <p:nvSpPr>
+          <p:cNvPr id="3" name="Content Placeholder 2"/>
+          <p:cNvSpPr>
+            <a:spLocks noGrp="1"/>
+          </p:cNvSpPr>
+          <p:nvPr>
+            <p:ph idx="1"/>
+          </p:nvPr>
+        </p:nvSpPr>
+        <p:spPr/>
+        <p:txBody>
+          <a:bodyPr/>
+          <a:lstStyle/>
+          <a:p>
             <a:pPr lvl="1"/>
             <a:r>
               <a:rPr/>
-              <a:t>Guidelines for every programming assignment</a:t>
+              <a:t>Avoid long printouts</a:t>
             </a:r>
           </a:p>
           <a:p>
             <a:pPr lvl="2"/>
             <a:r>
               <a:rPr/>
-              <a:t>Introduction to R</a:t>
+              <a:t>R: </a:t>
+            </a:r>
+            <a:r>
+              <a:rPr sz="1800">
+                <a:latin typeface="Courier"/>
+              </a:rPr>
+              <a:t>head(sleep, n=10)</a:t>
             </a:r>
           </a:p>
           <a:p>
             <a:pPr lvl="2"/>
             <a:r>
               <a:rPr/>
-              <a:t>Introduction to SAS</a:t>
+              <a:t>SAS: </a:t>
+            </a:r>
+            <a:r>
+              <a:rPr sz="1800">
+                <a:latin typeface="Courier"/>
+              </a:rPr>
+              <a:t>proc print sleep(obs=10)</a:t>
             </a:r>
           </a:p>
           <a:p>
             <a:pPr lvl="2"/>
             <a:r>
               <a:rPr/>
-              <a:t>Introduction to SQL</a:t>
-            </a:r>
-          </a:p>
-          <a:p>
-            <a:pPr lvl="1"/>
-            <a:r>
-              <a:rPr/>
-              <a:t>File name and format requirements</a:t>
-            </a:r>
-          </a:p>
-          <a:p>
-            <a:pPr lvl="1"/>
-            <a:r>
-              <a:rPr/>
-              <a:t>Documentation header</a:t>
-            </a:r>
-          </a:p>
-          <a:p>
-            <a:pPr lvl="1"/>
-            <a:r>
-              <a:rPr/>
-              <a:t>Readable code</a:t>
-            </a:r>
-          </a:p>
-          <a:p>
-            <a:pPr lvl="1"/>
-            <a:r>
-              <a:rPr/>
-              <a:t>No lengthy outputs</a:t>
+              <a:t>SQLite: </a:t>
+            </a:r>
+            <a:r>
+              <a:rPr sz="1800">
+                <a:latin typeface="Courier"/>
+              </a:rPr>
+              <a:t>limit 10</a:t>
+            </a:r>
+          </a:p>
+          <a:p>
+            <a:pPr lvl="2"/>
+            <a:r>
+              <a:rPr/>
+              <a:t>Oracle SQL: </a:t>
+            </a:r>
+            <a:r>
+              <a:rPr sz="1800">
+                <a:latin typeface="Courier"/>
+              </a:rPr>
+              <a:t>where row_num &lt;= 10</a:t>
+            </a:r>
+          </a:p>
+          <a:p>
+            <a:pPr lvl="2"/>
+            <a:r>
+              <a:rPr/>
+              <a:t>SAS SQL: </a:t>
+            </a:r>
+            <a:r>
+              <a:rPr sz="1800">
+                <a:latin typeface="Courier"/>
+              </a:rPr>
+              <a:t>where monotonic() &lt;= 10</a:t>
             </a:r>
           </a:p>
         </p:txBody>
@@ -18762,6 +23922,431 @@
             <a:r>
               <a:rPr/>
               <a:t>Common directory structure</a:t>
+            </a:r>
+          </a:p>
+          <a:p>
+            <a:pPr lvl="2"/>
+            <a:r>
+              <a:rPr/>
+              <a:t>Documentation header</a:t>
+            </a:r>
+          </a:p>
+          <a:p>
+            <a:pPr lvl="2"/>
+            <a:r>
+              <a:rPr/>
+              <a:t>Readable code</a:t>
+            </a:r>
+          </a:p>
+          <a:p>
+            <a:pPr lvl="2"/>
+            <a:r>
+              <a:rPr/>
+              <a:t>No lengthy outputs</a:t>
+            </a:r>
+          </a:p>
+          <a:p>
+            <a:pPr lvl="2"/>
+            <a:r>
+              <a:rPr/>
+              <a:t>Show both the code and the output</a:t>
+            </a:r>
+          </a:p>
+          <a:p>
+            <a:pPr lvl="2"/>
+            <a:r>
+              <a:rPr/>
+              <a:t>Include both my questions and your answers</a:t>
+            </a:r>
+          </a:p>
+        </p:txBody>
+      </p:sp>
+    </p:spTree>
+  </p:cSld>
+</p:sld>
+</file>
+
+<file path=ppt/slides/slide20.xml><?xml version="1.0" encoding="utf-8"?>
+<p:sld xmlns:a="http://schemas.openxmlformats.org/drawingml/2006/main" xmlns:r="http://schemas.openxmlformats.org/officeDocument/2006/relationships" xmlns:p="http://schemas.openxmlformats.org/presentationml/2006/main">
+  <p:cSld>
+    <p:spTree>
+      <p:nvGrpSpPr>
+        <p:cNvPr id="1" name=""/>
+        <p:cNvGrpSpPr/>
+        <p:nvPr/>
+      </p:nvGrpSpPr>
+      <p:grpSpPr>
+        <a:xfrm>
+          <a:off x="0" y="0"/>
+          <a:ext cx="0" cy="0"/>
+          <a:chOff x="0" y="0"/>
+          <a:chExt cx="0" cy="0"/>
+        </a:xfrm>
+      </p:grpSpPr>
+      <p:sp>
+        <p:nvSpPr>
+          <p:cNvPr id="2" name="Title 1"/>
+          <p:cNvSpPr>
+            <a:spLocks noGrp="1"/>
+          </p:cNvSpPr>
+          <p:nvPr>
+            <p:ph type="title"/>
+          </p:nvPr>
+        </p:nvSpPr>
+        <p:spPr/>
+        <p:txBody>
+          <a:bodyPr/>
+          <a:lstStyle/>
+          <a:p>
+            <a:pPr lvl="0" marL="0" indent="0">
+              <a:buNone/>
+            </a:pPr>
+            <a:r>
+              <a:rPr/>
+              <a:t>Show</a:t>
+            </a:r>
+            <a:r>
+              <a:rPr/>
+              <a:t> </a:t>
+            </a:r>
+            <a:r>
+              <a:rPr/>
+              <a:t>both</a:t>
+            </a:r>
+            <a:r>
+              <a:rPr/>
+              <a:t> </a:t>
+            </a:r>
+            <a:r>
+              <a:rPr/>
+              <a:t>the</a:t>
+            </a:r>
+            <a:r>
+              <a:rPr/>
+              <a:t> </a:t>
+            </a:r>
+            <a:r>
+              <a:rPr/>
+              <a:t>code</a:t>
+            </a:r>
+            <a:r>
+              <a:rPr/>
+              <a:t> </a:t>
+            </a:r>
+            <a:r>
+              <a:rPr/>
+              <a:t>and</a:t>
+            </a:r>
+            <a:r>
+              <a:rPr/>
+              <a:t> </a:t>
+            </a:r>
+            <a:r>
+              <a:rPr/>
+              <a:t>the</a:t>
+            </a:r>
+            <a:r>
+              <a:rPr/>
+              <a:t> </a:t>
+            </a:r>
+            <a:r>
+              <a:rPr/>
+              <a:t>output</a:t>
+            </a:r>
+          </a:p>
+        </p:txBody>
+      </p:sp>
+      <p:sp>
+        <p:nvSpPr>
+          <p:cNvPr id="3" name="Content Placeholder 2"/>
+          <p:cNvSpPr>
+            <a:spLocks noGrp="1"/>
+          </p:cNvSpPr>
+          <p:nvPr>
+            <p:ph idx="1"/>
+          </p:nvPr>
+        </p:nvSpPr>
+        <p:spPr/>
+        <p:txBody>
+          <a:bodyPr/>
+          <a:lstStyle/>
+          <a:p>
+            <a:pPr lvl="1"/>
+            <a:r>
+              <a:rPr/>
+              <a:t>Code</a:t>
+            </a:r>
+          </a:p>
+          <a:p>
+            <a:pPr lvl="2"/>
+            <a:r>
+              <a:rPr/>
+              <a:t>Check documentation and readability</a:t>
+            </a:r>
+          </a:p>
+          <a:p>
+            <a:pPr lvl="2"/>
+            <a:r>
+              <a:rPr/>
+              <a:t>Helps debugging if things go wrong</a:t>
+            </a:r>
+          </a:p>
+        </p:txBody>
+      </p:sp>
+    </p:spTree>
+  </p:cSld>
+</p:sld>
+</file>
+
+<file path=ppt/slides/slide21.xml><?xml version="1.0" encoding="utf-8"?>
+<p:sld xmlns:a="http://schemas.openxmlformats.org/drawingml/2006/main" xmlns:r="http://schemas.openxmlformats.org/officeDocument/2006/relationships" xmlns:p="http://schemas.openxmlformats.org/presentationml/2006/main">
+  <p:cSld>
+    <p:spTree>
+      <p:nvGrpSpPr>
+        <p:cNvPr id="1" name=""/>
+        <p:cNvGrpSpPr/>
+        <p:nvPr/>
+      </p:nvGrpSpPr>
+      <p:grpSpPr>
+        <a:xfrm>
+          <a:off x="0" y="0"/>
+          <a:ext cx="0" cy="0"/>
+          <a:chOff x="0" y="0"/>
+          <a:chExt cx="0" cy="0"/>
+        </a:xfrm>
+      </p:grpSpPr>
+      <p:sp>
+        <p:nvSpPr>
+          <p:cNvPr id="2" name="Title 1"/>
+          <p:cNvSpPr>
+            <a:spLocks noGrp="1"/>
+          </p:cNvSpPr>
+          <p:nvPr>
+            <p:ph type="title"/>
+          </p:nvPr>
+        </p:nvSpPr>
+        <p:spPr/>
+        <p:txBody>
+          <a:bodyPr/>
+          <a:lstStyle/>
+          <a:p>
+            <a:pPr lvl="0" marL="0" indent="0">
+              <a:buNone/>
+            </a:pPr>
+            <a:r>
+              <a:rPr/>
+              <a:t>Include</a:t>
+            </a:r>
+            <a:r>
+              <a:rPr/>
+              <a:t> </a:t>
+            </a:r>
+            <a:r>
+              <a:rPr/>
+              <a:t>both</a:t>
+            </a:r>
+            <a:r>
+              <a:rPr/>
+              <a:t> </a:t>
+            </a:r>
+            <a:r>
+              <a:rPr/>
+              <a:t>my</a:t>
+            </a:r>
+            <a:r>
+              <a:rPr/>
+              <a:t> </a:t>
+            </a:r>
+            <a:r>
+              <a:rPr/>
+              <a:t>questions</a:t>
+            </a:r>
+            <a:r>
+              <a:rPr/>
+              <a:t> </a:t>
+            </a:r>
+            <a:r>
+              <a:rPr/>
+              <a:t>and</a:t>
+            </a:r>
+            <a:r>
+              <a:rPr/>
+              <a:t> </a:t>
+            </a:r>
+            <a:r>
+              <a:rPr/>
+              <a:t>your</a:t>
+            </a:r>
+            <a:r>
+              <a:rPr/>
+              <a:t> </a:t>
+            </a:r>
+            <a:r>
+              <a:rPr/>
+              <a:t>answers</a:t>
+            </a:r>
+          </a:p>
+        </p:txBody>
+      </p:sp>
+      <p:sp>
+        <p:nvSpPr>
+          <p:cNvPr id="3" name="Content Placeholder 2"/>
+          <p:cNvSpPr>
+            <a:spLocks noGrp="1"/>
+          </p:cNvSpPr>
+          <p:nvPr>
+            <p:ph idx="1"/>
+          </p:nvPr>
+        </p:nvSpPr>
+        <p:spPr/>
+        <p:txBody>
+          <a:bodyPr/>
+          <a:lstStyle/>
+          <a:p>
+            <a:pPr lvl="1"/>
+            <a:r>
+              <a:rPr/>
+              <a:t>Use comments or titles for questions</a:t>
+            </a:r>
+          </a:p>
+          <a:p>
+            <a:pPr lvl="2"/>
+            <a:r>
+              <a:rPr/>
+              <a:t>Cut-and-paste orginal question</a:t>
+            </a:r>
+          </a:p>
+          <a:p>
+            <a:pPr lvl="1"/>
+            <a:r>
+              <a:rPr/>
+              <a:t>Add text interpretation before or after your output</a:t>
+            </a:r>
+          </a:p>
+          <a:p>
+            <a:pPr lvl="2"/>
+            <a:r>
+              <a:rPr/>
+              <a:t>One or sometimes two sentences.</a:t>
+            </a:r>
+          </a:p>
+          <a:p>
+            <a:pPr lvl="2"/>
+            <a:r>
+              <a:rPr/>
+              <a:t>Output without interpretation will be downgraded.</a:t>
+            </a:r>
+          </a:p>
+          <a:p>
+            <a:pPr lvl="2"/>
+            <a:r>
+              <a:rPr/>
+              <a:t>Examples:</a:t>
+            </a:r>
+          </a:p>
+          <a:p>
+            <a:pPr lvl="3"/>
+            <a:r>
+              <a:rPr/>
+              <a:t>Here are the first ten rows of data.</a:t>
+            </a:r>
+          </a:p>
+          <a:p>
+            <a:pPr lvl="3"/>
+            <a:r>
+              <a:rPr/>
+              <a:t>The largest animal in the data set is the African elephant.</a:t>
+            </a:r>
+          </a:p>
+          <a:p>
+            <a:pPr lvl="3"/>
+            <a:r>
+              <a:rPr/>
+              <a:t>Only 30% of the patients got all three shots.</a:t>
+            </a:r>
+          </a:p>
+          <a:p>
+            <a:pPr lvl="3"/>
+            <a:r>
+              <a:rPr/>
+              <a:t>There are no missing values for this data set.</a:t>
+            </a:r>
+          </a:p>
+        </p:txBody>
+      </p:sp>
+    </p:spTree>
+  </p:cSld>
+</p:sld>
+</file>
+
+<file path=ppt/slides/slide22.xml><?xml version="1.0" encoding="utf-8"?>
+<p:sld xmlns:a="http://schemas.openxmlformats.org/drawingml/2006/main" xmlns:r="http://schemas.openxmlformats.org/officeDocument/2006/relationships" xmlns:p="http://schemas.openxmlformats.org/presentationml/2006/main">
+  <p:cSld>
+    <p:spTree>
+      <p:nvGrpSpPr>
+        <p:cNvPr id="1" name=""/>
+        <p:cNvGrpSpPr/>
+        <p:nvPr/>
+      </p:nvGrpSpPr>
+      <p:grpSpPr>
+        <a:xfrm>
+          <a:off x="0" y="0"/>
+          <a:ext cx="0" cy="0"/>
+          <a:chOff x="0" y="0"/>
+          <a:chExt cx="0" cy="0"/>
+        </a:xfrm>
+      </p:grpSpPr>
+      <p:sp>
+        <p:nvSpPr>
+          <p:cNvPr id="2" name="Title 1"/>
+          <p:cNvSpPr>
+            <a:spLocks noGrp="1"/>
+          </p:cNvSpPr>
+          <p:nvPr>
+            <p:ph type="title"/>
+          </p:nvPr>
+        </p:nvSpPr>
+        <p:spPr/>
+        <p:txBody>
+          <a:bodyPr/>
+          <a:lstStyle/>
+          <a:p>
+            <a:pPr lvl="0" marL="0" indent="0">
+              <a:buNone/>
+            </a:pPr>
+            <a:r>
+              <a:rPr/>
+              <a:t>Summary</a:t>
+            </a:r>
+          </a:p>
+        </p:txBody>
+      </p:sp>
+      <p:sp>
+        <p:nvSpPr>
+          <p:cNvPr id="3" name="Content Placeholder 2"/>
+          <p:cNvSpPr>
+            <a:spLocks noGrp="1"/>
+          </p:cNvSpPr>
+          <p:nvPr>
+            <p:ph idx="1"/>
+          </p:nvPr>
+        </p:nvSpPr>
+        <p:spPr/>
+        <p:txBody>
+          <a:bodyPr/>
+          <a:lstStyle/>
+          <a:p>
+            <a:pPr lvl="1"/>
+            <a:r>
+              <a:rPr/>
+              <a:t>Guidelines for every programming assignment</a:t>
+            </a:r>
+          </a:p>
+          <a:p>
+            <a:pPr lvl="2"/>
+            <a:r>
+              <a:rPr/>
+              <a:t>File name and format requirements</a:t>
             </a:r>
           </a:p>
           <a:p>

--- a/software-engineering/results/programming-expectations.pptx
+++ b/software-engineering/results/programming-expectations.pptx
@@ -5,7 +5,7 @@
     <p:sldMasterId id="2147483648" r:id="rId1"/>
   </p:sldMasterIdLst>
   <p:notesMasterIdLst>
-    <p:NotesMasterId r:id="rId24"/>
+    <p:NotesMasterId r:id="rId25"/>
   </p:notesMasterIdLst>
   <p:sldIdLst>
     <p:sldId id="256" r:id="rId2"/>
@@ -30,6 +30,7 @@
     <p:sldId id="275" r:id="rId21"/>
     <p:sldId id="276" r:id="rId22"/>
     <p:sldId id="277" r:id="rId23"/>
+    <p:sldId id="278" r:id="rId24"/>
   </p:sldIdLst>
   <p:sldSz cx="9144000" cy="6858000" type="screen4x3"/>
   <p:notesSz cx="6858000" cy="9144000"/>
@@ -2952,137 +2953,69 @@
               <a:rPr/>
               <a:t>code.</a:t>
             </a:r>
-          </a:p>
-          <a:p>
-            <a:pPr lvl="0" marL="0" indent="0">
-              <a:buNone/>
-            </a:pPr>
-          </a:p>
-          <a:p>
-            <a:pPr lvl="0" marL="0" indent="0">
-              <a:buNone/>
-            </a:pPr>
-            <a:r>
-              <a:rPr/>
-              <a:t>The</a:t>
-            </a:r>
-            <a:r>
-              <a:rPr/>
-              <a:t> </a:t>
-            </a:r>
-            <a:r>
-              <a:rPr/>
-              <a:t>from,</a:t>
-            </a:r>
-            <a:r>
-              <a:rPr/>
-              <a:t> </a:t>
-            </a:r>
-            <a:r>
-              <a:rPr/>
-              <a:t>where,</a:t>
-            </a:r>
-            <a:r>
-              <a:rPr/>
-              <a:t> </a:t>
-            </a:r>
-            <a:r>
-              <a:rPr/>
-              <a:t>and</a:t>
-            </a:r>
-            <a:r>
-              <a:rPr/>
-              <a:t> </a:t>
-            </a:r>
-            <a:r>
-              <a:rPr/>
-              <a:t>group</a:t>
-            </a:r>
-            <a:r>
-              <a:rPr/>
-              <a:t> </a:t>
-            </a:r>
-            <a:r>
-              <a:rPr/>
-              <a:t>by</a:t>
-            </a:r>
-            <a:r>
-              <a:rPr/>
-              <a:t> </a:t>
-            </a:r>
-            <a:r>
-              <a:rPr/>
-              <a:t>statements</a:t>
-            </a:r>
-            <a:r>
-              <a:rPr/>
-              <a:t> </a:t>
-            </a:r>
-            <a:r>
-              <a:rPr/>
-              <a:t>are</a:t>
-            </a:r>
-            <a:r>
-              <a:rPr/>
-              <a:t> </a:t>
-            </a:r>
-            <a:r>
-              <a:rPr/>
-              <a:t>indented.</a:t>
-            </a:r>
-          </a:p>
-          <a:p>
-            <a:pPr lvl="0" marL="0" indent="0">
-              <a:buNone/>
-            </a:pPr>
-          </a:p>
-          <a:p>
-            <a:pPr lvl="0" marL="0" indent="0">
-              <a:buNone/>
-            </a:pPr>
-            <a:r>
-              <a:rPr/>
-              <a:t>The</a:t>
-            </a:r>
-            <a:r>
-              <a:rPr/>
-              <a:t> </a:t>
-            </a:r>
-            <a:r>
-              <a:rPr/>
-              <a:t>varibles</a:t>
-            </a:r>
-            <a:r>
-              <a:rPr/>
-              <a:t> </a:t>
-            </a:r>
-            <a:r>
-              <a:rPr/>
-              <a:t>sex</a:t>
-            </a:r>
-            <a:r>
-              <a:rPr/>
-              <a:t> </a:t>
-            </a:r>
-            <a:r>
-              <a:rPr/>
-              <a:t>and</a:t>
-            </a:r>
-            <a:r>
-              <a:rPr/>
-              <a:t> </a:t>
-            </a:r>
-            <a:r>
-              <a:rPr/>
-              <a:t>count(*)</a:t>
-            </a:r>
-            <a:r>
-              <a:rPr/>
-              <a:t> </a:t>
-            </a:r>
-            <a:r>
-              <a:rPr/>
-              <a:t>are</a:t>
+            <a:r>
+              <a:rPr/>
+              <a:t> </a:t>
+            </a:r>
+            <a:r>
+              <a:rPr/>
+              <a:t>It</a:t>
+            </a:r>
+            <a:r>
+              <a:rPr/>
+              <a:t> </a:t>
+            </a:r>
+            <a:r>
+              <a:rPr/>
+              <a:t>is</a:t>
+            </a:r>
+            <a:r>
+              <a:rPr/>
+              <a:t> </a:t>
+            </a:r>
+            <a:r>
+              <a:rPr/>
+              <a:t>not</a:t>
+            </a:r>
+            <a:r>
+              <a:rPr/>
+              <a:t> </a:t>
+            </a:r>
+            <a:r>
+              <a:rPr/>
+              <a:t>terrible,</a:t>
+            </a:r>
+            <a:r>
+              <a:rPr/>
+              <a:t> </a:t>
+            </a:r>
+            <a:r>
+              <a:rPr/>
+              <a:t>but</a:t>
+            </a:r>
+            <a:r>
+              <a:rPr/>
+              <a:t> </a:t>
+            </a:r>
+            <a:r>
+              <a:rPr/>
+              <a:t>it</a:t>
+            </a:r>
+            <a:r>
+              <a:rPr/>
+              <a:t> </a:t>
+            </a:r>
+            <a:r>
+              <a:rPr/>
+              <a:t>could</a:t>
+            </a:r>
+            <a:r>
+              <a:rPr/>
+              <a:t> </a:t>
+            </a:r>
+            <a:r>
+              <a:rPr/>
+              <a:t>be</a:t>
             </a:r>
             <a:r>
               <a:rPr/>
@@ -3098,111 +3031,15 @@
             </a:r>
             <a:r>
               <a:rPr/>
-              <a:t>vertical</a:t>
-            </a:r>
-            <a:r>
-              <a:rPr/>
-              <a:t> </a:t>
-            </a:r>
-            <a:r>
-              <a:rPr/>
-              <a:t>list</a:t>
-            </a:r>
-            <a:r>
-              <a:rPr/>
-              <a:t> </a:t>
-            </a:r>
-            <a:r>
-              <a:rPr/>
-              <a:t>and</a:t>
-            </a:r>
-            <a:r>
-              <a:rPr/>
-              <a:t> </a:t>
-            </a:r>
-            <a:r>
-              <a:rPr/>
-              <a:t>are</a:t>
-            </a:r>
-            <a:r>
-              <a:rPr/>
-              <a:t> </a:t>
-            </a:r>
-            <a:r>
-              <a:rPr/>
-              <a:t>double</a:t>
-            </a:r>
-            <a:r>
-              <a:rPr/>
-              <a:t> </a:t>
-            </a:r>
-            <a:r>
-              <a:rPr/>
-              <a:t>indented</a:t>
-            </a:r>
-            <a:r>
-              <a:rPr/>
-              <a:t> </a:t>
-            </a:r>
-            <a:r>
-              <a:rPr/>
-              <a:t>because</a:t>
-            </a:r>
-            <a:r>
-              <a:rPr/>
-              <a:t> </a:t>
-            </a:r>
-            <a:r>
-              <a:rPr/>
-              <a:t>they</a:t>
-            </a:r>
-            <a:r>
-              <a:rPr/>
-              <a:t> </a:t>
-            </a:r>
-            <a:r>
-              <a:rPr/>
-              <a:t>are</a:t>
-            </a:r>
-            <a:r>
-              <a:rPr/>
-              <a:t> </a:t>
-            </a:r>
-            <a:r>
-              <a:rPr/>
-              <a:t>pare</a:t>
-            </a:r>
-            <a:r>
-              <a:rPr/>
-              <a:t> </a:t>
-            </a:r>
-            <a:r>
-              <a:rPr/>
-              <a:t>of</a:t>
-            </a:r>
-            <a:r>
-              <a:rPr/>
-              <a:t> </a:t>
-            </a:r>
-            <a:r>
-              <a:rPr/>
-              <a:t>the</a:t>
-            </a:r>
-            <a:r>
-              <a:rPr/>
-              <a:t> </a:t>
-            </a:r>
-            <a:r>
-              <a:rPr/>
-              <a:t>select</a:t>
-            </a:r>
-            <a:r>
-              <a:rPr/>
-              <a:t> </a:t>
-            </a:r>
-            <a:r>
-              <a:rPr/>
-              <a:t>statement.</a:t>
+              <a:t>bit</a:t>
+            </a:r>
+            <a:r>
+              <a:rPr/>
+              <a:t> </a:t>
+            </a:r>
+            <a:r>
+              <a:rPr/>
+              <a:t>better.</a:t>
             </a:r>
           </a:p>
         </p:txBody>
@@ -3284,95 +3121,7 @@
             </a:pPr>
             <a:r>
               <a:rPr/>
-              <a:t>Here’s</a:t>
-            </a:r>
-            <a:r>
-              <a:rPr/>
-              <a:t> </a:t>
-            </a:r>
-            <a:r>
-              <a:rPr/>
-              <a:t>an</a:t>
-            </a:r>
-            <a:r>
-              <a:rPr/>
-              <a:t> </a:t>
-            </a:r>
-            <a:r>
-              <a:rPr/>
-              <a:t>example</a:t>
-            </a:r>
-            <a:r>
-              <a:rPr/>
-              <a:t> </a:t>
-            </a:r>
-            <a:r>
-              <a:rPr/>
-              <a:t>using</a:t>
-            </a:r>
-            <a:r>
-              <a:rPr/>
-              <a:t> </a:t>
-            </a:r>
-            <a:r>
-              <a:rPr/>
-              <a:t>R.</a:t>
-            </a:r>
-            <a:r>
-              <a:rPr/>
-              <a:t> </a:t>
-            </a:r>
-            <a:r>
-              <a:rPr/>
-              <a:t>It’s</a:t>
-            </a:r>
-            <a:r>
-              <a:rPr/>
-              <a:t> </a:t>
-            </a:r>
-            <a:r>
-              <a:rPr/>
-              <a:t>a</a:t>
-            </a:r>
-            <a:r>
-              <a:rPr/>
-              <a:t> </a:t>
-            </a:r>
-            <a:r>
-              <a:rPr/>
-              <a:t>bit</a:t>
-            </a:r>
-            <a:r>
-              <a:rPr/>
-              <a:t> </a:t>
-            </a:r>
-            <a:r>
-              <a:rPr/>
-              <a:t>more</a:t>
-            </a:r>
-            <a:r>
-              <a:rPr/>
-              <a:t> </a:t>
-            </a:r>
-            <a:r>
-              <a:rPr/>
-              <a:t>advanced,</a:t>
-            </a:r>
-            <a:r>
-              <a:rPr/>
-              <a:t> </a:t>
-            </a:r>
-            <a:r>
-              <a:rPr/>
-              <a:t>but</a:t>
-            </a:r>
-            <a:r>
-              <a:rPr/>
-              <a:t> </a:t>
-            </a:r>
-            <a:r>
-              <a:rPr/>
-              <a:t>notice</a:t>
+              <a:t>Notice</a:t>
             </a:r>
             <a:r>
               <a:rPr/>
@@ -3388,167 +3137,7 @@
             </a:r>
             <a:r>
               <a:rPr/>
-              <a:t>three</a:t>
-            </a:r>
-            <a:r>
-              <a:rPr/>
-              <a:t> </a:t>
-            </a:r>
-            <a:r>
-              <a:rPr/>
-              <a:t>commands</a:t>
-            </a:r>
-            <a:r>
-              <a:rPr/>
-              <a:t> </a:t>
-            </a:r>
-            <a:r>
-              <a:rPr/>
-              <a:t>that</a:t>
-            </a:r>
-            <a:r>
-              <a:rPr/>
-              <a:t> </a:t>
-            </a:r>
-            <a:r>
-              <a:rPr/>
-              <a:t>create</a:t>
-            </a:r>
-            <a:r>
-              <a:rPr/>
-              <a:t> </a:t>
-            </a:r>
-            <a:r>
-              <a:rPr/>
-              <a:t>new</a:t>
-            </a:r>
-            <a:r>
-              <a:rPr/>
-              <a:t> </a:t>
-            </a:r>
-            <a:r>
-              <a:rPr/>
-              <a:t>variables:</a:t>
-            </a:r>
-            <a:r>
-              <a:rPr/>
-              <a:t> </a:t>
-            </a:r>
-            <a:r>
-              <a:rPr/>
-              <a:t>i,</a:t>
-            </a:r>
-            <a:r>
-              <a:rPr/>
-              <a:t> </a:t>
-            </a:r>
-            <a:r>
-              <a:rPr/>
-              <a:t>circle_size,</a:t>
-            </a:r>
-            <a:r>
-              <a:rPr/>
-              <a:t> </a:t>
-            </a:r>
-            <a:r>
-              <a:rPr/>
-              <a:t>and</a:t>
-            </a:r>
-            <a:r>
-              <a:rPr/>
-              <a:t> </a:t>
-            </a:r>
-            <a:r>
-              <a:rPr/>
-              <a:t>non_zero_cases.</a:t>
-            </a:r>
-            <a:r>
-              <a:rPr/>
-              <a:t> </a:t>
-            </a:r>
-            <a:r>
-              <a:rPr/>
-              <a:t>They</a:t>
-            </a:r>
-            <a:r>
-              <a:rPr/>
-              <a:t> </a:t>
-            </a:r>
-            <a:r>
-              <a:rPr/>
-              <a:t>are</a:t>
-            </a:r>
-            <a:r>
-              <a:rPr/>
-              <a:t> </a:t>
-            </a:r>
-            <a:r>
-              <a:rPr/>
-              <a:t>separated</a:t>
-            </a:r>
-            <a:r>
-              <a:rPr/>
-              <a:t> </a:t>
-            </a:r>
-            <a:r>
-              <a:rPr/>
-              <a:t>by</a:t>
-            </a:r>
-            <a:r>
-              <a:rPr/>
-              <a:t> </a:t>
-            </a:r>
-            <a:r>
-              <a:rPr/>
-              <a:t>a</a:t>
-            </a:r>
-            <a:r>
-              <a:rPr/>
-              <a:t> </a:t>
-            </a:r>
-            <a:r>
-              <a:rPr/>
-              <a:t>blank</a:t>
-            </a:r>
-            <a:r>
-              <a:rPr/>
-              <a:t> </a:t>
-            </a:r>
-            <a:r>
-              <a:rPr/>
-              <a:t>line</a:t>
-            </a:r>
-            <a:r>
-              <a:rPr/>
-              <a:t> </a:t>
-            </a:r>
-            <a:r>
-              <a:rPr/>
-              <a:t>from</a:t>
-            </a:r>
-            <a:r>
-              <a:rPr/>
-              <a:t> </a:t>
-            </a:r>
-            <a:r>
-              <a:rPr/>
-              <a:t>the</a:t>
-            </a:r>
-            <a:r>
-              <a:rPr/>
-              <a:t> </a:t>
-            </a:r>
-            <a:r>
-              <a:rPr/>
-              <a:t>ggplot</a:t>
-            </a:r>
-            <a:r>
-              <a:rPr/>
-              <a:t> </a:t>
-            </a:r>
-            <a:r>
-              <a:rPr/>
-              <a:t>function.</a:t>
+              <a:t>changes.</a:t>
             </a:r>
           </a:p>
           <a:p>
@@ -3570,55 +3159,47 @@
             </a:r>
             <a:r>
               <a:rPr/>
-              <a:t>ggplot</a:t>
-            </a:r>
-            <a:r>
-              <a:rPr/>
-              <a:t> </a:t>
-            </a:r>
-            <a:r>
-              <a:rPr/>
-              <a:t>function</a:t>
-            </a:r>
-            <a:r>
-              <a:rPr/>
-              <a:t> </a:t>
-            </a:r>
-            <a:r>
-              <a:rPr/>
-              <a:t>has</a:t>
-            </a:r>
-            <a:r>
-              <a:rPr/>
-              <a:t> </a:t>
-            </a:r>
-            <a:r>
-              <a:rPr/>
-              <a:t>several</a:t>
-            </a:r>
-            <a:r>
-              <a:rPr/>
-              <a:t> </a:t>
-            </a:r>
-            <a:r>
-              <a:rPr/>
-              <a:t>graphics</a:t>
-            </a:r>
-            <a:r>
-              <a:rPr/>
-              <a:t> </a:t>
-            </a:r>
-            <a:r>
-              <a:rPr/>
-              <a:t>options</a:t>
-            </a:r>
-            <a:r>
-              <a:rPr/>
-              <a:t> </a:t>
-            </a:r>
-            <a:r>
-              <a:rPr/>
-              <a:t>that</a:t>
+              <a:t>from,</a:t>
+            </a:r>
+            <a:r>
+              <a:rPr/>
+              <a:t> </a:t>
+            </a:r>
+            <a:r>
+              <a:rPr/>
+              <a:t>where,</a:t>
+            </a:r>
+            <a:r>
+              <a:rPr/>
+              <a:t> </a:t>
+            </a:r>
+            <a:r>
+              <a:rPr/>
+              <a:t>and</a:t>
+            </a:r>
+            <a:r>
+              <a:rPr/>
+              <a:t> </a:t>
+            </a:r>
+            <a:r>
+              <a:rPr/>
+              <a:t>group</a:t>
+            </a:r>
+            <a:r>
+              <a:rPr/>
+              <a:t> </a:t>
+            </a:r>
+            <a:r>
+              <a:rPr/>
+              <a:t>by</a:t>
+            </a:r>
+            <a:r>
+              <a:rPr/>
+              <a:t> </a:t>
+            </a:r>
+            <a:r>
+              <a:rPr/>
+              <a:t>statements</a:t>
             </a:r>
             <a:r>
               <a:rPr/>
@@ -3634,135 +3215,7 @@
             </a:r>
             <a:r>
               <a:rPr/>
-              <a:t>added:</a:t>
-            </a:r>
-            <a:r>
-              <a:rPr/>
-              <a:t> </a:t>
-            </a:r>
-            <a:r>
-              <a:rPr/>
-              <a:t>geom_sf</a:t>
-            </a:r>
-            <a:r>
-              <a:rPr/>
-              <a:t> </a:t>
-            </a:r>
-            <a:r>
-              <a:rPr/>
-              <a:t>(twice),</a:t>
-            </a:r>
-            <a:r>
-              <a:rPr/>
-              <a:t> </a:t>
-            </a:r>
-            <a:r>
-              <a:rPr/>
-              <a:t>coord_sf,</a:t>
-            </a:r>
-            <a:r>
-              <a:rPr/>
-              <a:t> </a:t>
-            </a:r>
-            <a:r>
-              <a:rPr/>
-              <a:t>and</a:t>
-            </a:r>
-            <a:r>
-              <a:rPr/>
-              <a:t> </a:t>
-            </a:r>
-            <a:r>
-              <a:rPr/>
-              <a:t>ggtitle.</a:t>
-            </a:r>
-            <a:r>
-              <a:rPr/>
-              <a:t> </a:t>
-            </a:r>
-            <a:r>
-              <a:rPr/>
-              <a:t>Each</a:t>
-            </a:r>
-            <a:r>
-              <a:rPr/>
-              <a:t> </a:t>
-            </a:r>
-            <a:r>
-              <a:rPr/>
-              <a:t>of</a:t>
-            </a:r>
-            <a:r>
-              <a:rPr/>
-              <a:t> </a:t>
-            </a:r>
-            <a:r>
-              <a:rPr/>
-              <a:t>these</a:t>
-            </a:r>
-            <a:r>
-              <a:rPr/>
-              <a:t> </a:t>
-            </a:r>
-            <a:r>
-              <a:rPr/>
-              <a:t>is</a:t>
-            </a:r>
-            <a:r>
-              <a:rPr/>
-              <a:t> </a:t>
-            </a:r>
-            <a:r>
-              <a:rPr/>
-              <a:t>on</a:t>
-            </a:r>
-            <a:r>
-              <a:rPr/>
-              <a:t> </a:t>
-            </a:r>
-            <a:r>
-              <a:rPr/>
-              <a:t>a</a:t>
-            </a:r>
-            <a:r>
-              <a:rPr/>
-              <a:t> </a:t>
-            </a:r>
-            <a:r>
-              <a:rPr/>
-              <a:t>separate</a:t>
-            </a:r>
-            <a:r>
-              <a:rPr/>
-              <a:t> </a:t>
-            </a:r>
-            <a:r>
-              <a:rPr/>
-              <a:t>line</a:t>
-            </a:r>
-            <a:r>
-              <a:rPr/>
-              <a:t> </a:t>
-            </a:r>
-            <a:r>
-              <a:rPr/>
-              <a:t>and</a:t>
-            </a:r>
-            <a:r>
-              <a:rPr/>
-              <a:t> </a:t>
-            </a:r>
-            <a:r>
-              <a:rPr/>
-              <a:t>indented</a:t>
-            </a:r>
-            <a:r>
-              <a:rPr/>
-              <a:t> </a:t>
-            </a:r>
-            <a:r>
-              <a:rPr/>
-              <a:t>consistently.</a:t>
+              <a:t>indented.</a:t>
             </a:r>
           </a:p>
           <a:p>
@@ -3776,7 +3229,135 @@
             </a:pPr>
             <a:r>
               <a:rPr/>
-              <a:t>Each</a:t>
+              <a:t>The</a:t>
+            </a:r>
+            <a:r>
+              <a:rPr/>
+              <a:t> </a:t>
+            </a:r>
+            <a:r>
+              <a:rPr/>
+              <a:t>varibles</a:t>
+            </a:r>
+            <a:r>
+              <a:rPr/>
+              <a:t> </a:t>
+            </a:r>
+            <a:r>
+              <a:rPr/>
+              <a:t>sex</a:t>
+            </a:r>
+            <a:r>
+              <a:rPr/>
+              <a:t> </a:t>
+            </a:r>
+            <a:r>
+              <a:rPr/>
+              <a:t>and</a:t>
+            </a:r>
+            <a:r>
+              <a:rPr/>
+              <a:t> </a:t>
+            </a:r>
+            <a:r>
+              <a:rPr/>
+              <a:t>count(*)</a:t>
+            </a:r>
+            <a:r>
+              <a:rPr/>
+              <a:t> </a:t>
+            </a:r>
+            <a:r>
+              <a:rPr/>
+              <a:t>are</a:t>
+            </a:r>
+            <a:r>
+              <a:rPr/>
+              <a:t> </a:t>
+            </a:r>
+            <a:r>
+              <a:rPr/>
+              <a:t>a</a:t>
+            </a:r>
+            <a:r>
+              <a:rPr/>
+              <a:t> </a:t>
+            </a:r>
+            <a:r>
+              <a:rPr/>
+              <a:t>vertical</a:t>
+            </a:r>
+            <a:r>
+              <a:rPr/>
+              <a:t> </a:t>
+            </a:r>
+            <a:r>
+              <a:rPr/>
+              <a:t>list</a:t>
+            </a:r>
+            <a:r>
+              <a:rPr/>
+              <a:t> </a:t>
+            </a:r>
+            <a:r>
+              <a:rPr/>
+              <a:t>and</a:t>
+            </a:r>
+            <a:r>
+              <a:rPr/>
+              <a:t> </a:t>
+            </a:r>
+            <a:r>
+              <a:rPr/>
+              <a:t>are</a:t>
+            </a:r>
+            <a:r>
+              <a:rPr/>
+              <a:t> </a:t>
+            </a:r>
+            <a:r>
+              <a:rPr/>
+              <a:t>double</a:t>
+            </a:r>
+            <a:r>
+              <a:rPr/>
+              <a:t> </a:t>
+            </a:r>
+            <a:r>
+              <a:rPr/>
+              <a:t>indented</a:t>
+            </a:r>
+            <a:r>
+              <a:rPr/>
+              <a:t> </a:t>
+            </a:r>
+            <a:r>
+              <a:rPr/>
+              <a:t>because</a:t>
+            </a:r>
+            <a:r>
+              <a:rPr/>
+              <a:t> </a:t>
+            </a:r>
+            <a:r>
+              <a:rPr/>
+              <a:t>they</a:t>
+            </a:r>
+            <a:r>
+              <a:rPr/>
+              <a:t> </a:t>
+            </a:r>
+            <a:r>
+              <a:rPr/>
+              <a:t>are</a:t>
+            </a:r>
+            <a:r>
+              <a:rPr/>
+              <a:t> </a:t>
+            </a:r>
+            <a:r>
+              <a:rPr/>
+              <a:t>pare</a:t>
             </a:r>
             <a:r>
               <a:rPr/>
@@ -3792,111 +3373,23 @@
             </a:r>
             <a:r>
               <a:rPr/>
-              <a:t>these</a:t>
-            </a:r>
-            <a:r>
-              <a:rPr/>
-              <a:t> </a:t>
-            </a:r>
-            <a:r>
-              <a:rPr/>
-              <a:t>graphics</a:t>
-            </a:r>
-            <a:r>
-              <a:rPr/>
-              <a:t> </a:t>
-            </a:r>
-            <a:r>
-              <a:rPr/>
-              <a:t>options</a:t>
-            </a:r>
-            <a:r>
-              <a:rPr/>
-              <a:t> </a:t>
-            </a:r>
-            <a:r>
-              <a:rPr/>
-              <a:t>have</a:t>
-            </a:r>
-            <a:r>
-              <a:rPr/>
-              <a:t> </a:t>
-            </a:r>
-            <a:r>
-              <a:rPr/>
-              <a:t>multiple</a:t>
-            </a:r>
-            <a:r>
-              <a:rPr/>
-              <a:t> </a:t>
-            </a:r>
-            <a:r>
-              <a:rPr/>
-              <a:t>arguments</a:t>
-            </a:r>
-            <a:r>
-              <a:rPr/>
-              <a:t> </a:t>
-            </a:r>
-            <a:r>
-              <a:rPr/>
-              <a:t>and</a:t>
-            </a:r>
-            <a:r>
-              <a:rPr/>
-              <a:t> </a:t>
-            </a:r>
-            <a:r>
-              <a:rPr/>
-              <a:t>they</a:t>
-            </a:r>
-            <a:r>
-              <a:rPr/>
-              <a:t> </a:t>
-            </a:r>
-            <a:r>
-              <a:rPr/>
-              <a:t>are</a:t>
-            </a:r>
-            <a:r>
-              <a:rPr/>
-              <a:t> </a:t>
-            </a:r>
-            <a:r>
-              <a:rPr/>
-              <a:t>arranged</a:t>
-            </a:r>
-            <a:r>
-              <a:rPr/>
-              <a:t> </a:t>
-            </a:r>
-            <a:r>
-              <a:rPr/>
-              <a:t>in</a:t>
-            </a:r>
-            <a:r>
-              <a:rPr/>
-              <a:t> </a:t>
-            </a:r>
-            <a:r>
-              <a:rPr/>
-              <a:t>a</a:t>
-            </a:r>
-            <a:r>
-              <a:rPr/>
-              <a:t> </a:t>
-            </a:r>
-            <a:r>
-              <a:rPr/>
-              <a:t>vertical</a:t>
-            </a:r>
-            <a:r>
-              <a:rPr/>
-              <a:t> </a:t>
-            </a:r>
-            <a:r>
-              <a:rPr/>
-              <a:t>list.</a:t>
+              <a:t>the</a:t>
+            </a:r>
+            <a:r>
+              <a:rPr/>
+              <a:t> </a:t>
+            </a:r>
+            <a:r>
+              <a:rPr/>
+              <a:t>select</a:t>
+            </a:r>
+            <a:r>
+              <a:rPr/>
+              <a:t> </a:t>
+            </a:r>
+            <a:r>
+              <a:rPr/>
+              <a:t>statement.</a:t>
             </a:r>
           </a:p>
         </p:txBody>
@@ -4082,7 +3575,7 @@
             </a:r>
             <a:r>
               <a:rPr/>
-              <a:t>two</a:t>
+              <a:t>three</a:t>
             </a:r>
             <a:r>
               <a:rPr/>
@@ -4130,7 +3623,15 @@
             </a:r>
             <a:r>
               <a:rPr/>
-              <a:t>zero</a:t>
+              <a:t>i,</a:t>
+            </a:r>
+            <a:r>
+              <a:rPr/>
+              <a:t> </a:t>
+            </a:r>
+            <a:r>
+              <a:rPr/>
+              <a:t>circle_size,</a:t>
             </a:r>
             <a:r>
               <a:rPr/>
@@ -4146,7 +3647,7 @@
             </a:r>
             <a:r>
               <a:rPr/>
-              <a:t>circle_size.</a:t>
+              <a:t>non_zero_cases.</a:t>
             </a:r>
             <a:r>
               <a:rPr/>
@@ -4583,304 +4084,6 @@
             <a:r>
               <a:rPr/>
               <a:t>list.</a:t>
-            </a:r>
-            <a:r>
-              <a:rPr/>
-              <a:t> </a:t>
-            </a:r>
-            <a:r>
-              <a:rPr/>
-              <a:t>Notice</a:t>
-            </a:r>
-            <a:r>
-              <a:rPr/>
-              <a:t> </a:t>
-            </a:r>
-            <a:r>
-              <a:rPr/>
-              <a:t>how</a:t>
-            </a:r>
-            <a:r>
-              <a:rPr/>
-              <a:t> </a:t>
-            </a:r>
-            <a:r>
-              <a:rPr/>
-              <a:t>easy</a:t>
-            </a:r>
-            <a:r>
-              <a:rPr/>
-              <a:t> </a:t>
-            </a:r>
-            <a:r>
-              <a:rPr/>
-              <a:t>it</a:t>
-            </a:r>
-            <a:r>
-              <a:rPr/>
-              <a:t> </a:t>
-            </a:r>
-            <a:r>
-              <a:rPr/>
-              <a:t>is</a:t>
-            </a:r>
-            <a:r>
-              <a:rPr/>
-              <a:t> </a:t>
-            </a:r>
-            <a:r>
-              <a:rPr/>
-              <a:t>now</a:t>
-            </a:r>
-            <a:r>
-              <a:rPr/>
-              <a:t> </a:t>
-            </a:r>
-            <a:r>
-              <a:rPr/>
-              <a:t>to</a:t>
-            </a:r>
-            <a:r>
-              <a:rPr/>
-              <a:t> </a:t>
-            </a:r>
-            <a:r>
-              <a:rPr/>
-              <a:t>identify</a:t>
-            </a:r>
-            <a:r>
-              <a:rPr/>
-              <a:t> </a:t>
-            </a:r>
-            <a:r>
-              <a:rPr/>
-              <a:t>the</a:t>
-            </a:r>
-            <a:r>
-              <a:rPr/>
-              <a:t> </a:t>
-            </a:r>
-            <a:r>
-              <a:rPr/>
-              <a:t>individual</a:t>
-            </a:r>
-            <a:r>
-              <a:rPr/>
-              <a:t> </a:t>
-            </a:r>
-            <a:r>
-              <a:rPr/>
-              <a:t>arguments:</a:t>
-            </a:r>
-          </a:p>
-          <a:p>
-            <a:pPr lvl="0" marL="0" indent="0">
-              <a:buNone/>
-            </a:pPr>
-          </a:p>
-          <a:p>
-            <a:pPr lvl="0" marL="0" indent="0">
-              <a:buNone/>
-            </a:pPr>
-            <a:r>
-              <a:rPr/>
-              <a:t>color</a:t>
-            </a:r>
-            <a:r>
-              <a:rPr/>
-              <a:t> </a:t>
-            </a:r>
-            <a:r>
-              <a:rPr/>
-              <a:t>and</a:t>
-            </a:r>
-            <a:r>
-              <a:rPr/>
-              <a:t> </a:t>
-            </a:r>
-            <a:r>
-              <a:rPr/>
-              <a:t>file</a:t>
-            </a:r>
-            <a:r>
-              <a:rPr/>
-              <a:t> </a:t>
-            </a:r>
-            <a:r>
-              <a:rPr/>
-              <a:t>for</a:t>
-            </a:r>
-            <a:r>
-              <a:rPr/>
-              <a:t> </a:t>
-            </a:r>
-            <a:r>
-              <a:rPr/>
-              <a:t>the</a:t>
-            </a:r>
-            <a:r>
-              <a:rPr/>
-              <a:t> </a:t>
-            </a:r>
-            <a:r>
-              <a:rPr/>
-              <a:t>first</a:t>
-            </a:r>
-            <a:r>
-              <a:rPr/>
-              <a:t> </a:t>
-            </a:r>
-            <a:r>
-              <a:rPr/>
-              <a:t>geom_sf</a:t>
-            </a:r>
-            <a:r>
-              <a:rPr/>
-              <a:t> </a:t>
-            </a:r>
-            <a:r>
-              <a:rPr/>
-              <a:t>option</a:t>
-            </a:r>
-          </a:p>
-          <a:p>
-            <a:pPr lvl="0" marL="0" indent="0">
-              <a:buNone/>
-            </a:pPr>
-          </a:p>
-          <a:p>
-            <a:pPr lvl="0" marL="0" indent="0">
-              <a:buNone/>
-            </a:pPr>
-            <a:r>
-              <a:rPr/>
-              <a:t>data</a:t>
-            </a:r>
-            <a:r>
-              <a:rPr/>
-              <a:t> </a:t>
-            </a:r>
-            <a:r>
-              <a:rPr/>
-              <a:t>and</a:t>
-            </a:r>
-            <a:r>
-              <a:rPr/>
-              <a:t> </a:t>
-            </a:r>
-            <a:r>
-              <a:rPr/>
-              <a:t>size</a:t>
-            </a:r>
-            <a:r>
-              <a:rPr/>
-              <a:t> </a:t>
-            </a:r>
-            <a:r>
-              <a:rPr/>
-              <a:t>for</a:t>
-            </a:r>
-            <a:r>
-              <a:rPr/>
-              <a:t> </a:t>
-            </a:r>
-            <a:r>
-              <a:rPr/>
-              <a:t>the</a:t>
-            </a:r>
-            <a:r>
-              <a:rPr/>
-              <a:t> </a:t>
-            </a:r>
-            <a:r>
-              <a:rPr/>
-              <a:t>second</a:t>
-            </a:r>
-            <a:r>
-              <a:rPr/>
-              <a:t> </a:t>
-            </a:r>
-            <a:r>
-              <a:rPr/>
-              <a:t>geom_sf</a:t>
-            </a:r>
-            <a:r>
-              <a:rPr/>
-              <a:t> </a:t>
-            </a:r>
-            <a:r>
-              <a:rPr/>
-              <a:t>option</a:t>
-            </a:r>
-          </a:p>
-          <a:p>
-            <a:pPr lvl="0" marL="0" indent="0">
-              <a:buNone/>
-            </a:pPr>
-          </a:p>
-          <a:p>
-            <a:pPr lvl="0" marL="0" indent="0">
-              <a:buNone/>
-            </a:pPr>
-            <a:r>
-              <a:rPr/>
-              <a:t>xlim,</a:t>
-            </a:r>
-            <a:r>
-              <a:rPr/>
-              <a:t> </a:t>
-            </a:r>
-            <a:r>
-              <a:rPr/>
-              <a:t>ylim,</a:t>
-            </a:r>
-            <a:r>
-              <a:rPr/>
-              <a:t> </a:t>
-            </a:r>
-            <a:r>
-              <a:rPr/>
-              <a:t>and</a:t>
-            </a:r>
-            <a:r>
-              <a:rPr/>
-              <a:t> </a:t>
-            </a:r>
-            <a:r>
-              <a:rPr/>
-              <a:t>expand</a:t>
-            </a:r>
-            <a:r>
-              <a:rPr/>
-              <a:t> </a:t>
-            </a:r>
-            <a:r>
-              <a:rPr/>
-              <a:t>for</a:t>
-            </a:r>
-            <a:r>
-              <a:rPr/>
-              <a:t> </a:t>
-            </a:r>
-            <a:r>
-              <a:rPr/>
-              <a:t>the</a:t>
-            </a:r>
-            <a:r>
-              <a:rPr/>
-              <a:t> </a:t>
-            </a:r>
-            <a:r>
-              <a:rPr/>
-              <a:t>coord_sf</a:t>
-            </a:r>
-            <a:r>
-              <a:rPr/>
-              <a:t> </a:t>
-            </a:r>
-            <a:r>
-              <a:rPr/>
-              <a:t>option</a:t>
             </a:r>
           </a:p>
         </p:txBody>
@@ -4962,47 +4165,95 @@
             </a:pPr>
             <a:r>
               <a:rPr/>
-              <a:t>You</a:t>
-            </a:r>
-            <a:r>
-              <a:rPr/>
-              <a:t> </a:t>
-            </a:r>
-            <a:r>
-              <a:rPr/>
-              <a:t>should</a:t>
-            </a:r>
-            <a:r>
-              <a:rPr/>
-              <a:t> </a:t>
-            </a:r>
-            <a:r>
-              <a:rPr/>
-              <a:t>never</a:t>
-            </a:r>
-            <a:r>
-              <a:rPr/>
-              <a:t> </a:t>
-            </a:r>
-            <a:r>
-              <a:rPr/>
-              <a:t>print</a:t>
-            </a:r>
-            <a:r>
-              <a:rPr/>
-              <a:t> </a:t>
-            </a:r>
-            <a:r>
-              <a:rPr/>
-              <a:t>out</a:t>
-            </a:r>
-            <a:r>
-              <a:rPr/>
-              <a:t> </a:t>
-            </a:r>
-            <a:r>
-              <a:rPr/>
-              <a:t>all</a:t>
+              <a:t>Here’s</a:t>
+            </a:r>
+            <a:r>
+              <a:rPr/>
+              <a:t> </a:t>
+            </a:r>
+            <a:r>
+              <a:rPr/>
+              <a:t>an</a:t>
+            </a:r>
+            <a:r>
+              <a:rPr/>
+              <a:t> </a:t>
+            </a:r>
+            <a:r>
+              <a:rPr/>
+              <a:t>example</a:t>
+            </a:r>
+            <a:r>
+              <a:rPr/>
+              <a:t> </a:t>
+            </a:r>
+            <a:r>
+              <a:rPr/>
+              <a:t>using</a:t>
+            </a:r>
+            <a:r>
+              <a:rPr/>
+              <a:t> </a:t>
+            </a:r>
+            <a:r>
+              <a:rPr/>
+              <a:t>R.</a:t>
+            </a:r>
+            <a:r>
+              <a:rPr/>
+              <a:t> </a:t>
+            </a:r>
+            <a:r>
+              <a:rPr/>
+              <a:t>It’s</a:t>
+            </a:r>
+            <a:r>
+              <a:rPr/>
+              <a:t> </a:t>
+            </a:r>
+            <a:r>
+              <a:rPr/>
+              <a:t>a</a:t>
+            </a:r>
+            <a:r>
+              <a:rPr/>
+              <a:t> </a:t>
+            </a:r>
+            <a:r>
+              <a:rPr/>
+              <a:t>bit</a:t>
+            </a:r>
+            <a:r>
+              <a:rPr/>
+              <a:t> </a:t>
+            </a:r>
+            <a:r>
+              <a:rPr/>
+              <a:t>more</a:t>
+            </a:r>
+            <a:r>
+              <a:rPr/>
+              <a:t> </a:t>
+            </a:r>
+            <a:r>
+              <a:rPr/>
+              <a:t>advanced,</a:t>
+            </a:r>
+            <a:r>
+              <a:rPr/>
+              <a:t> </a:t>
+            </a:r>
+            <a:r>
+              <a:rPr/>
+              <a:t>but</a:t>
+            </a:r>
+            <a:r>
+              <a:rPr/>
+              <a:t> </a:t>
+            </a:r>
+            <a:r>
+              <a:rPr/>
+              <a:t>notice</a:t>
             </a:r>
             <a:r>
               <a:rPr/>
@@ -5018,15 +4269,103 @@
             </a:r>
             <a:r>
               <a:rPr/>
-              <a:t>rows</a:t>
-            </a:r>
-            <a:r>
-              <a:rPr/>
-              <a:t> </a:t>
-            </a:r>
-            <a:r>
-              <a:rPr/>
-              <a:t>in</a:t>
+              <a:t>two</a:t>
+            </a:r>
+            <a:r>
+              <a:rPr/>
+              <a:t> </a:t>
+            </a:r>
+            <a:r>
+              <a:rPr/>
+              <a:t>commands</a:t>
+            </a:r>
+            <a:r>
+              <a:rPr/>
+              <a:t> </a:t>
+            </a:r>
+            <a:r>
+              <a:rPr/>
+              <a:t>that</a:t>
+            </a:r>
+            <a:r>
+              <a:rPr/>
+              <a:t> </a:t>
+            </a:r>
+            <a:r>
+              <a:rPr/>
+              <a:t>create</a:t>
+            </a:r>
+            <a:r>
+              <a:rPr/>
+              <a:t> </a:t>
+            </a:r>
+            <a:r>
+              <a:rPr/>
+              <a:t>new</a:t>
+            </a:r>
+            <a:r>
+              <a:rPr/>
+              <a:t> </a:t>
+            </a:r>
+            <a:r>
+              <a:rPr/>
+              <a:t>variables:</a:t>
+            </a:r>
+            <a:r>
+              <a:rPr/>
+              <a:t> </a:t>
+            </a:r>
+            <a:r>
+              <a:rPr/>
+              <a:t>zero</a:t>
+            </a:r>
+            <a:r>
+              <a:rPr/>
+              <a:t> </a:t>
+            </a:r>
+            <a:r>
+              <a:rPr/>
+              <a:t>and</a:t>
+            </a:r>
+            <a:r>
+              <a:rPr/>
+              <a:t> </a:t>
+            </a:r>
+            <a:r>
+              <a:rPr/>
+              <a:t>circle_size.</a:t>
+            </a:r>
+            <a:r>
+              <a:rPr/>
+              <a:t> </a:t>
+            </a:r>
+            <a:r>
+              <a:rPr/>
+              <a:t>They</a:t>
+            </a:r>
+            <a:r>
+              <a:rPr/>
+              <a:t> </a:t>
+            </a:r>
+            <a:r>
+              <a:rPr/>
+              <a:t>are</a:t>
+            </a:r>
+            <a:r>
+              <a:rPr/>
+              <a:t> </a:t>
+            </a:r>
+            <a:r>
+              <a:rPr/>
+              <a:t>separated</a:t>
+            </a:r>
+            <a:r>
+              <a:rPr/>
+              <a:t> </a:t>
+            </a:r>
+            <a:r>
+              <a:rPr/>
+              <a:t>by</a:t>
             </a:r>
             <a:r>
               <a:rPr/>
@@ -5042,79 +4381,23 @@
             </a:r>
             <a:r>
               <a:rPr/>
-              <a:t>lengthy</a:t>
-            </a:r>
-            <a:r>
-              <a:rPr/>
-              <a:t> </a:t>
-            </a:r>
-            <a:r>
-              <a:rPr/>
-              <a:t>dataset.</a:t>
-            </a:r>
-            <a:r>
-              <a:rPr/>
-              <a:t> </a:t>
-            </a:r>
-            <a:r>
-              <a:rPr/>
-              <a:t>If</a:t>
-            </a:r>
-            <a:r>
-              <a:rPr/>
-              <a:t> </a:t>
-            </a:r>
-            <a:r>
-              <a:rPr/>
-              <a:t>I</a:t>
-            </a:r>
-            <a:r>
-              <a:rPr/>
-              <a:t> </a:t>
-            </a:r>
-            <a:r>
-              <a:rPr/>
-              <a:t>don’t</a:t>
-            </a:r>
-            <a:r>
-              <a:rPr/>
-              <a:t> </a:t>
-            </a:r>
-            <a:r>
-              <a:rPr/>
-              <a:t>explicitly</a:t>
-            </a:r>
-            <a:r>
-              <a:rPr/>
-              <a:t> </a:t>
-            </a:r>
-            <a:r>
-              <a:rPr/>
-              <a:t>ask</a:t>
-            </a:r>
-            <a:r>
-              <a:rPr/>
-              <a:t> </a:t>
-            </a:r>
-            <a:r>
-              <a:rPr/>
-              <a:t>you</a:t>
-            </a:r>
-            <a:r>
-              <a:rPr/>
-              <a:t> </a:t>
-            </a:r>
-            <a:r>
-              <a:rPr/>
-              <a:t>to</a:t>
-            </a:r>
-            <a:r>
-              <a:rPr/>
-              <a:t> </a:t>
-            </a:r>
-            <a:r>
-              <a:rPr/>
-              <a:t>limit</a:t>
+              <a:t>blank</a:t>
+            </a:r>
+            <a:r>
+              <a:rPr/>
+              <a:t> </a:t>
+            </a:r>
+            <a:r>
+              <a:rPr/>
+              <a:t>line</a:t>
+            </a:r>
+            <a:r>
+              <a:rPr/>
+              <a:t> </a:t>
+            </a:r>
+            <a:r>
+              <a:rPr/>
+              <a:t>from</a:t>
             </a:r>
             <a:r>
               <a:rPr/>
@@ -5130,71 +4413,15 @@
             </a:r>
             <a:r>
               <a:rPr/>
-              <a:t>number</a:t>
-            </a:r>
-            <a:r>
-              <a:rPr/>
-              <a:t> </a:t>
-            </a:r>
-            <a:r>
-              <a:rPr/>
-              <a:t>of</a:t>
-            </a:r>
-            <a:r>
-              <a:rPr/>
-              <a:t> </a:t>
-            </a:r>
-            <a:r>
-              <a:rPr/>
-              <a:t>rows</a:t>
-            </a:r>
-            <a:r>
-              <a:rPr/>
-              <a:t> </a:t>
-            </a:r>
-            <a:r>
-              <a:rPr/>
-              <a:t>that</a:t>
-            </a:r>
-            <a:r>
-              <a:rPr/>
-              <a:t> </a:t>
-            </a:r>
-            <a:r>
-              <a:rPr/>
-              <a:t>you</a:t>
-            </a:r>
-            <a:r>
-              <a:rPr/>
-              <a:t> </a:t>
-            </a:r>
-            <a:r>
-              <a:rPr/>
-              <a:t>print,</a:t>
-            </a:r>
-            <a:r>
-              <a:rPr/>
-              <a:t> </a:t>
-            </a:r>
-            <a:r>
-              <a:rPr/>
-              <a:t>limit</a:t>
-            </a:r>
-            <a:r>
-              <a:rPr/>
-              <a:t> </a:t>
-            </a:r>
-            <a:r>
-              <a:rPr/>
-              <a:t>them</a:t>
-            </a:r>
-            <a:r>
-              <a:rPr/>
-              <a:t> </a:t>
-            </a:r>
-            <a:r>
-              <a:rPr/>
-              <a:t>anyway.</a:t>
+              <a:t>ggplot</a:t>
+            </a:r>
+            <a:r>
+              <a:rPr/>
+              <a:t> </a:t>
+            </a:r>
+            <a:r>
+              <a:rPr/>
+              <a:t>function.</a:t>
             </a:r>
           </a:p>
           <a:p>
@@ -5208,47 +4435,15 @@
             </a:pPr>
             <a:r>
               <a:rPr/>
-              <a:t>In</a:t>
-            </a:r>
-            <a:r>
-              <a:rPr/>
-              <a:t> </a:t>
-            </a:r>
-            <a:r>
-              <a:rPr/>
-              <a:t>R,</a:t>
-            </a:r>
-            <a:r>
-              <a:rPr/>
-              <a:t> </a:t>
-            </a:r>
-            <a:r>
-              <a:rPr/>
-              <a:t>you</a:t>
-            </a:r>
-            <a:r>
-              <a:rPr/>
-              <a:t> </a:t>
-            </a:r>
-            <a:r>
-              <a:rPr/>
-              <a:t>use</a:t>
-            </a:r>
-            <a:r>
-              <a:rPr/>
-              <a:t> </a:t>
-            </a:r>
-            <a:r>
-              <a:rPr/>
-              <a:t>the</a:t>
-            </a:r>
-            <a:r>
-              <a:rPr/>
-              <a:t> </a:t>
-            </a:r>
-            <a:r>
-              <a:rPr/>
-              <a:t>head</a:t>
+              <a:t>The</a:t>
+            </a:r>
+            <a:r>
+              <a:rPr/>
+              <a:t> </a:t>
+            </a:r>
+            <a:r>
+              <a:rPr/>
+              <a:t>ggplot</a:t>
             </a:r>
             <a:r>
               <a:rPr/>
@@ -5264,6 +4459,86 @@
             </a:r>
             <a:r>
               <a:rPr/>
+              <a:t>has</a:t>
+            </a:r>
+            <a:r>
+              <a:rPr/>
+              <a:t> </a:t>
+            </a:r>
+            <a:r>
+              <a:rPr/>
+              <a:t>several</a:t>
+            </a:r>
+            <a:r>
+              <a:rPr/>
+              <a:t> </a:t>
+            </a:r>
+            <a:r>
+              <a:rPr/>
+              <a:t>graphics</a:t>
+            </a:r>
+            <a:r>
+              <a:rPr/>
+              <a:t> </a:t>
+            </a:r>
+            <a:r>
+              <a:rPr/>
+              <a:t>options</a:t>
+            </a:r>
+            <a:r>
+              <a:rPr/>
+              <a:t> </a:t>
+            </a:r>
+            <a:r>
+              <a:rPr/>
+              <a:t>that</a:t>
+            </a:r>
+            <a:r>
+              <a:rPr/>
+              <a:t> </a:t>
+            </a:r>
+            <a:r>
+              <a:rPr/>
+              <a:t>are</a:t>
+            </a:r>
+            <a:r>
+              <a:rPr/>
+              <a:t> </a:t>
+            </a:r>
+            <a:r>
+              <a:rPr/>
+              <a:t>added:</a:t>
+            </a:r>
+            <a:r>
+              <a:rPr/>
+              <a:t> </a:t>
+            </a:r>
+            <a:r>
+              <a:rPr/>
+              <a:t>geom_sf</a:t>
+            </a:r>
+            <a:r>
+              <a:rPr/>
+              <a:t> </a:t>
+            </a:r>
+            <a:r>
+              <a:rPr/>
+              <a:t>(twice),</a:t>
+            </a:r>
+            <a:r>
+              <a:rPr/>
+              <a:t> </a:t>
+            </a:r>
+            <a:r>
+              <a:rPr/>
+              <a:t>coord_sf,</a:t>
+            </a:r>
+            <a:r>
+              <a:rPr/>
+              <a:t> </a:t>
+            </a:r>
+            <a:r>
+              <a:rPr/>
               <a:t>and</a:t>
             </a:r>
             <a:r>
@@ -5272,87 +4547,95 @@
             </a:r>
             <a:r>
               <a:rPr/>
-              <a:t>in</a:t>
-            </a:r>
-            <a:r>
-              <a:rPr/>
-              <a:t> </a:t>
-            </a:r>
-            <a:r>
-              <a:rPr/>
-              <a:t>SAS</a:t>
-            </a:r>
-            <a:r>
-              <a:rPr/>
-              <a:t> </a:t>
-            </a:r>
-            <a:r>
-              <a:rPr/>
-              <a:t>you</a:t>
-            </a:r>
-            <a:r>
-              <a:rPr/>
-              <a:t> </a:t>
-            </a:r>
-            <a:r>
-              <a:rPr/>
-              <a:t>include</a:t>
-            </a:r>
-            <a:r>
-              <a:rPr/>
-              <a:t> </a:t>
-            </a:r>
-            <a:r>
-              <a:rPr/>
-              <a:t>obs=</a:t>
-            </a:r>
-            <a:r>
-              <a:rPr/>
-              <a:t> </a:t>
-            </a:r>
-            <a:r>
-              <a:rPr/>
-              <a:t>in</a:t>
-            </a:r>
-            <a:r>
-              <a:rPr/>
-              <a:t> </a:t>
-            </a:r>
-            <a:r>
-              <a:rPr/>
-              <a:t>parentheses</a:t>
-            </a:r>
-            <a:r>
-              <a:rPr/>
-              <a:t> </a:t>
-            </a:r>
-            <a:r>
-              <a:rPr/>
-              <a:t>after</a:t>
-            </a:r>
-            <a:r>
-              <a:rPr/>
-              <a:t> </a:t>
-            </a:r>
-            <a:r>
-              <a:rPr/>
-              <a:t>the</a:t>
-            </a:r>
-            <a:r>
-              <a:rPr/>
-              <a:t> </a:t>
-            </a:r>
-            <a:r>
-              <a:rPr/>
-              <a:t>dataset</a:t>
-            </a:r>
-            <a:r>
-              <a:rPr/>
-              <a:t> </a:t>
-            </a:r>
-            <a:r>
-              <a:rPr/>
-              <a:t>name.</a:t>
+              <a:t>ggtitle.</a:t>
+            </a:r>
+            <a:r>
+              <a:rPr/>
+              <a:t> </a:t>
+            </a:r>
+            <a:r>
+              <a:rPr/>
+              <a:t>Each</a:t>
+            </a:r>
+            <a:r>
+              <a:rPr/>
+              <a:t> </a:t>
+            </a:r>
+            <a:r>
+              <a:rPr/>
+              <a:t>of</a:t>
+            </a:r>
+            <a:r>
+              <a:rPr/>
+              <a:t> </a:t>
+            </a:r>
+            <a:r>
+              <a:rPr/>
+              <a:t>these</a:t>
+            </a:r>
+            <a:r>
+              <a:rPr/>
+              <a:t> </a:t>
+            </a:r>
+            <a:r>
+              <a:rPr/>
+              <a:t>is</a:t>
+            </a:r>
+            <a:r>
+              <a:rPr/>
+              <a:t> </a:t>
+            </a:r>
+            <a:r>
+              <a:rPr/>
+              <a:t>on</a:t>
+            </a:r>
+            <a:r>
+              <a:rPr/>
+              <a:t> </a:t>
+            </a:r>
+            <a:r>
+              <a:rPr/>
+              <a:t>a</a:t>
+            </a:r>
+            <a:r>
+              <a:rPr/>
+              <a:t> </a:t>
+            </a:r>
+            <a:r>
+              <a:rPr/>
+              <a:t>separate</a:t>
+            </a:r>
+            <a:r>
+              <a:rPr/>
+              <a:t> </a:t>
+            </a:r>
+            <a:r>
+              <a:rPr/>
+              <a:t>line</a:t>
+            </a:r>
+            <a:r>
+              <a:rPr/>
+              <a:t> </a:t>
+            </a:r>
+            <a:r>
+              <a:rPr/>
+              <a:t>and</a:t>
+            </a:r>
+            <a:r>
+              <a:rPr/>
+              <a:t> </a:t>
+            </a:r>
+            <a:r>
+              <a:rPr/>
+              <a:t>indented</a:t>
+            </a:r>
+            <a:r>
+              <a:rPr/>
+              <a:t> </a:t>
+            </a:r>
+            <a:r>
+              <a:rPr/>
+              <a:t>consistently.</a:t>
             </a:r>
           </a:p>
           <a:p>
@@ -5366,15 +4649,151 @@
             </a:pPr>
             <a:r>
               <a:rPr/>
-              <a:t>In</a:t>
-            </a:r>
-            <a:r>
-              <a:rPr/>
-              <a:t> </a:t>
-            </a:r>
-            <a:r>
-              <a:rPr/>
-              <a:t>SQL</a:t>
+              <a:t>Each</a:t>
+            </a:r>
+            <a:r>
+              <a:rPr/>
+              <a:t> </a:t>
+            </a:r>
+            <a:r>
+              <a:rPr/>
+              <a:t>of</a:t>
+            </a:r>
+            <a:r>
+              <a:rPr/>
+              <a:t> </a:t>
+            </a:r>
+            <a:r>
+              <a:rPr/>
+              <a:t>these</a:t>
+            </a:r>
+            <a:r>
+              <a:rPr/>
+              <a:t> </a:t>
+            </a:r>
+            <a:r>
+              <a:rPr/>
+              <a:t>graphics</a:t>
+            </a:r>
+            <a:r>
+              <a:rPr/>
+              <a:t> </a:t>
+            </a:r>
+            <a:r>
+              <a:rPr/>
+              <a:t>options</a:t>
+            </a:r>
+            <a:r>
+              <a:rPr/>
+              <a:t> </a:t>
+            </a:r>
+            <a:r>
+              <a:rPr/>
+              <a:t>have</a:t>
+            </a:r>
+            <a:r>
+              <a:rPr/>
+              <a:t> </a:t>
+            </a:r>
+            <a:r>
+              <a:rPr/>
+              <a:t>multiple</a:t>
+            </a:r>
+            <a:r>
+              <a:rPr/>
+              <a:t> </a:t>
+            </a:r>
+            <a:r>
+              <a:rPr/>
+              <a:t>arguments</a:t>
+            </a:r>
+            <a:r>
+              <a:rPr/>
+              <a:t> </a:t>
+            </a:r>
+            <a:r>
+              <a:rPr/>
+              <a:t>and</a:t>
+            </a:r>
+            <a:r>
+              <a:rPr/>
+              <a:t> </a:t>
+            </a:r>
+            <a:r>
+              <a:rPr/>
+              <a:t>they</a:t>
+            </a:r>
+            <a:r>
+              <a:rPr/>
+              <a:t> </a:t>
+            </a:r>
+            <a:r>
+              <a:rPr/>
+              <a:t>are</a:t>
+            </a:r>
+            <a:r>
+              <a:rPr/>
+              <a:t> </a:t>
+            </a:r>
+            <a:r>
+              <a:rPr/>
+              <a:t>arranged</a:t>
+            </a:r>
+            <a:r>
+              <a:rPr/>
+              <a:t> </a:t>
+            </a:r>
+            <a:r>
+              <a:rPr/>
+              <a:t>in</a:t>
+            </a:r>
+            <a:r>
+              <a:rPr/>
+              <a:t> </a:t>
+            </a:r>
+            <a:r>
+              <a:rPr/>
+              <a:t>a</a:t>
+            </a:r>
+            <a:r>
+              <a:rPr/>
+              <a:t> </a:t>
+            </a:r>
+            <a:r>
+              <a:rPr/>
+              <a:t>vertical</a:t>
+            </a:r>
+            <a:r>
+              <a:rPr/>
+              <a:t> </a:t>
+            </a:r>
+            <a:r>
+              <a:rPr/>
+              <a:t>list.</a:t>
+            </a:r>
+            <a:r>
+              <a:rPr/>
+              <a:t> </a:t>
+            </a:r>
+            <a:r>
+              <a:rPr/>
+              <a:t>Notice</a:t>
+            </a:r>
+            <a:r>
+              <a:rPr/>
+              <a:t> </a:t>
+            </a:r>
+            <a:r>
+              <a:rPr/>
+              <a:t>how</a:t>
+            </a:r>
+            <a:r>
+              <a:rPr/>
+              <a:t> </a:t>
+            </a:r>
+            <a:r>
+              <a:rPr/>
+              <a:t>easy</a:t>
             </a:r>
             <a:r>
               <a:rPr/>
@@ -5398,231 +4817,47 @@
             </a:r>
             <a:r>
               <a:rPr/>
-              <a:t>a</a:t>
-            </a:r>
-            <a:r>
-              <a:rPr/>
-              <a:t> </a:t>
-            </a:r>
-            <a:r>
-              <a:rPr/>
-              <a:t>bit</a:t>
-            </a:r>
-            <a:r>
-              <a:rPr/>
-              <a:t> </a:t>
-            </a:r>
-            <a:r>
-              <a:rPr/>
-              <a:t>trickier</a:t>
-            </a:r>
-            <a:r>
-              <a:rPr/>
-              <a:t> </a:t>
-            </a:r>
-            <a:r>
-              <a:rPr/>
-              <a:t>and</a:t>
-            </a:r>
-            <a:r>
-              <a:rPr/>
-              <a:t> </a:t>
-            </a:r>
-            <a:r>
-              <a:rPr/>
-              <a:t>depends</a:t>
-            </a:r>
-            <a:r>
-              <a:rPr/>
-              <a:t> </a:t>
-            </a:r>
-            <a:r>
-              <a:rPr/>
-              <a:t>on</a:t>
-            </a:r>
-            <a:r>
-              <a:rPr/>
-              <a:t> </a:t>
-            </a:r>
-            <a:r>
-              <a:rPr/>
-              <a:t>which</a:t>
-            </a:r>
-            <a:r>
-              <a:rPr/>
-              <a:t> </a:t>
-            </a:r>
-            <a:r>
-              <a:rPr/>
-              <a:t>version</a:t>
-            </a:r>
-            <a:r>
-              <a:rPr/>
-              <a:t> </a:t>
-            </a:r>
-            <a:r>
-              <a:rPr/>
-              <a:t>of</a:t>
-            </a:r>
-            <a:r>
-              <a:rPr/>
-              <a:t> </a:t>
-            </a:r>
-            <a:r>
-              <a:rPr/>
-              <a:t>Oracle</a:t>
-            </a:r>
-            <a:r>
-              <a:rPr/>
-              <a:t> </a:t>
-            </a:r>
-            <a:r>
-              <a:rPr/>
-              <a:t>you</a:t>
-            </a:r>
-            <a:r>
-              <a:rPr/>
-              <a:t> </a:t>
-            </a:r>
-            <a:r>
-              <a:rPr/>
-              <a:t>are</a:t>
-            </a:r>
-            <a:r>
-              <a:rPr/>
-              <a:t> </a:t>
-            </a:r>
-            <a:r>
-              <a:rPr/>
-              <a:t>using.</a:t>
-            </a:r>
-            <a:r>
-              <a:rPr/>
-              <a:t> </a:t>
-            </a:r>
-            <a:r>
-              <a:rPr/>
-              <a:t>It</a:t>
-            </a:r>
-            <a:r>
-              <a:rPr/>
-              <a:t> </a:t>
-            </a:r>
-            <a:r>
-              <a:rPr/>
-              <a:t>is</a:t>
-            </a:r>
-            <a:r>
-              <a:rPr/>
-              <a:t> </a:t>
-            </a:r>
-            <a:r>
-              <a:rPr/>
-              <a:t>also</a:t>
-            </a:r>
-            <a:r>
-              <a:rPr/>
-              <a:t> </a:t>
-            </a:r>
-            <a:r>
-              <a:rPr/>
-              <a:t>complicated</a:t>
-            </a:r>
-            <a:r>
-              <a:rPr/>
-              <a:t> </a:t>
-            </a:r>
-            <a:r>
-              <a:rPr/>
-              <a:t>by</a:t>
-            </a:r>
-            <a:r>
-              <a:rPr/>
-              <a:t> </a:t>
-            </a:r>
-            <a:r>
-              <a:rPr/>
-              <a:t>a</a:t>
-            </a:r>
-            <a:r>
-              <a:rPr/>
-              <a:t> </a:t>
-            </a:r>
-            <a:r>
-              <a:rPr/>
-              <a:t>monotonic</a:t>
-            </a:r>
-            <a:r>
-              <a:rPr/>
-              <a:t> </a:t>
-            </a:r>
-            <a:r>
-              <a:rPr/>
-              <a:t>function</a:t>
-            </a:r>
-            <a:r>
-              <a:rPr/>
-              <a:t> </a:t>
-            </a:r>
-            <a:r>
-              <a:rPr/>
-              <a:t>that</a:t>
-            </a:r>
-            <a:r>
-              <a:rPr/>
-              <a:t> </a:t>
-            </a:r>
-            <a:r>
-              <a:rPr/>
-              <a:t>SAS</a:t>
-            </a:r>
-            <a:r>
-              <a:rPr/>
-              <a:t> </a:t>
-            </a:r>
-            <a:r>
-              <a:rPr/>
-              <a:t>uses</a:t>
-            </a:r>
-            <a:r>
-              <a:rPr/>
-              <a:t> </a:t>
-            </a:r>
-            <a:r>
-              <a:rPr/>
-              <a:t>when</a:t>
-            </a:r>
-            <a:r>
-              <a:rPr/>
-              <a:t> </a:t>
-            </a:r>
-            <a:r>
-              <a:rPr/>
-              <a:t>it</a:t>
-            </a:r>
-            <a:r>
-              <a:rPr/>
-              <a:t> </a:t>
-            </a:r>
-            <a:r>
-              <a:rPr/>
-              <a:t>accesses</a:t>
-            </a:r>
-            <a:r>
-              <a:rPr/>
-              <a:t> </a:t>
-            </a:r>
-            <a:r>
-              <a:rPr/>
-              <a:t>SQL</a:t>
-            </a:r>
-            <a:r>
-              <a:rPr/>
-              <a:t> </a:t>
-            </a:r>
-            <a:r>
-              <a:rPr/>
-              <a:t>files.</a:t>
+              <a:t>now</a:t>
+            </a:r>
+            <a:r>
+              <a:rPr/>
+              <a:t> </a:t>
+            </a:r>
+            <a:r>
+              <a:rPr/>
+              <a:t>to</a:t>
+            </a:r>
+            <a:r>
+              <a:rPr/>
+              <a:t> </a:t>
+            </a:r>
+            <a:r>
+              <a:rPr/>
+              <a:t>identify</a:t>
+            </a:r>
+            <a:r>
+              <a:rPr/>
+              <a:t> </a:t>
+            </a:r>
+            <a:r>
+              <a:rPr/>
+              <a:t>the</a:t>
+            </a:r>
+            <a:r>
+              <a:rPr/>
+              <a:t> </a:t>
+            </a:r>
+            <a:r>
+              <a:rPr/>
+              <a:t>individual</a:t>
+            </a:r>
+            <a:r>
+              <a:rPr/>
+              <a:t> </a:t>
+            </a:r>
+            <a:r>
+              <a:rPr/>
+              <a:t>arguments:</a:t>
             </a:r>
           </a:p>
           <a:p>
@@ -5636,79 +4871,203 @@
             </a:pPr>
             <a:r>
               <a:rPr/>
-              <a:t>You’ll</a:t>
-            </a:r>
-            <a:r>
-              <a:rPr/>
-              <a:t> </a:t>
-            </a:r>
-            <a:r>
-              <a:rPr/>
-              <a:t>see</a:t>
-            </a:r>
-            <a:r>
-              <a:rPr/>
-              <a:t> </a:t>
-            </a:r>
-            <a:r>
-              <a:rPr/>
-              <a:t>lots</a:t>
-            </a:r>
-            <a:r>
-              <a:rPr/>
-              <a:t> </a:t>
-            </a:r>
-            <a:r>
-              <a:rPr/>
-              <a:t>of</a:t>
-            </a:r>
-            <a:r>
-              <a:rPr/>
-              <a:t> </a:t>
-            </a:r>
-            <a:r>
-              <a:rPr/>
-              <a:t>examples</a:t>
-            </a:r>
-            <a:r>
-              <a:rPr/>
-              <a:t> </a:t>
-            </a:r>
-            <a:r>
-              <a:rPr/>
-              <a:t>of</a:t>
-            </a:r>
-            <a:r>
-              <a:rPr/>
-              <a:t> </a:t>
-            </a:r>
-            <a:r>
-              <a:rPr/>
-              <a:t>this</a:t>
-            </a:r>
-            <a:r>
-              <a:rPr/>
-              <a:t> </a:t>
-            </a:r>
-            <a:r>
-              <a:rPr/>
-              <a:t>in</a:t>
-            </a:r>
-            <a:r>
-              <a:rPr/>
-              <a:t> </a:t>
-            </a:r>
-            <a:r>
-              <a:rPr/>
-              <a:t>various</a:t>
-            </a:r>
-            <a:r>
-              <a:rPr/>
-              <a:t> </a:t>
-            </a:r>
-            <a:r>
-              <a:rPr/>
-              <a:t>lectures.</a:t>
+              <a:t>color</a:t>
+            </a:r>
+            <a:r>
+              <a:rPr/>
+              <a:t> </a:t>
+            </a:r>
+            <a:r>
+              <a:rPr/>
+              <a:t>and</a:t>
+            </a:r>
+            <a:r>
+              <a:rPr/>
+              <a:t> </a:t>
+            </a:r>
+            <a:r>
+              <a:rPr/>
+              <a:t>file</a:t>
+            </a:r>
+            <a:r>
+              <a:rPr/>
+              <a:t> </a:t>
+            </a:r>
+            <a:r>
+              <a:rPr/>
+              <a:t>for</a:t>
+            </a:r>
+            <a:r>
+              <a:rPr/>
+              <a:t> </a:t>
+            </a:r>
+            <a:r>
+              <a:rPr/>
+              <a:t>the</a:t>
+            </a:r>
+            <a:r>
+              <a:rPr/>
+              <a:t> </a:t>
+            </a:r>
+            <a:r>
+              <a:rPr/>
+              <a:t>first</a:t>
+            </a:r>
+            <a:r>
+              <a:rPr/>
+              <a:t> </a:t>
+            </a:r>
+            <a:r>
+              <a:rPr/>
+              <a:t>geom_sf</a:t>
+            </a:r>
+            <a:r>
+              <a:rPr/>
+              <a:t> </a:t>
+            </a:r>
+            <a:r>
+              <a:rPr/>
+              <a:t>option</a:t>
+            </a:r>
+          </a:p>
+          <a:p>
+            <a:pPr lvl="0" marL="0" indent="0">
+              <a:buNone/>
+            </a:pPr>
+          </a:p>
+          <a:p>
+            <a:pPr lvl="0" marL="0" indent="0">
+              <a:buNone/>
+            </a:pPr>
+            <a:r>
+              <a:rPr/>
+              <a:t>data</a:t>
+            </a:r>
+            <a:r>
+              <a:rPr/>
+              <a:t> </a:t>
+            </a:r>
+            <a:r>
+              <a:rPr/>
+              <a:t>and</a:t>
+            </a:r>
+            <a:r>
+              <a:rPr/>
+              <a:t> </a:t>
+            </a:r>
+            <a:r>
+              <a:rPr/>
+              <a:t>size</a:t>
+            </a:r>
+            <a:r>
+              <a:rPr/>
+              <a:t> </a:t>
+            </a:r>
+            <a:r>
+              <a:rPr/>
+              <a:t>for</a:t>
+            </a:r>
+            <a:r>
+              <a:rPr/>
+              <a:t> </a:t>
+            </a:r>
+            <a:r>
+              <a:rPr/>
+              <a:t>the</a:t>
+            </a:r>
+            <a:r>
+              <a:rPr/>
+              <a:t> </a:t>
+            </a:r>
+            <a:r>
+              <a:rPr/>
+              <a:t>second</a:t>
+            </a:r>
+            <a:r>
+              <a:rPr/>
+              <a:t> </a:t>
+            </a:r>
+            <a:r>
+              <a:rPr/>
+              <a:t>geom_sf</a:t>
+            </a:r>
+            <a:r>
+              <a:rPr/>
+              <a:t> </a:t>
+            </a:r>
+            <a:r>
+              <a:rPr/>
+              <a:t>option</a:t>
+            </a:r>
+          </a:p>
+          <a:p>
+            <a:pPr lvl="0" marL="0" indent="0">
+              <a:buNone/>
+            </a:pPr>
+          </a:p>
+          <a:p>
+            <a:pPr lvl="0" marL="0" indent="0">
+              <a:buNone/>
+            </a:pPr>
+            <a:r>
+              <a:rPr/>
+              <a:t>xlim,</a:t>
+            </a:r>
+            <a:r>
+              <a:rPr/>
+              <a:t> </a:t>
+            </a:r>
+            <a:r>
+              <a:rPr/>
+              <a:t>ylim,</a:t>
+            </a:r>
+            <a:r>
+              <a:rPr/>
+              <a:t> </a:t>
+            </a:r>
+            <a:r>
+              <a:rPr/>
+              <a:t>and</a:t>
+            </a:r>
+            <a:r>
+              <a:rPr/>
+              <a:t> </a:t>
+            </a:r>
+            <a:r>
+              <a:rPr/>
+              <a:t>expand</a:t>
+            </a:r>
+            <a:r>
+              <a:rPr/>
+              <a:t> </a:t>
+            </a:r>
+            <a:r>
+              <a:rPr/>
+              <a:t>for</a:t>
+            </a:r>
+            <a:r>
+              <a:rPr/>
+              <a:t> </a:t>
+            </a:r>
+            <a:r>
+              <a:rPr/>
+              <a:t>the</a:t>
+            </a:r>
+            <a:r>
+              <a:rPr/>
+              <a:t> </a:t>
+            </a:r>
+            <a:r>
+              <a:rPr/>
+              <a:t>coord_sf</a:t>
+            </a:r>
+            <a:r>
+              <a:rPr/>
+              <a:t> </a:t>
+            </a:r>
+            <a:r>
+              <a:rPr/>
+              <a:t>option</a:t>
             </a:r>
           </a:p>
         </p:txBody>
@@ -5790,6 +5149,110 @@
             </a:pPr>
             <a:r>
               <a:rPr/>
+              <a:t>You</a:t>
+            </a:r>
+            <a:r>
+              <a:rPr/>
+              <a:t> </a:t>
+            </a:r>
+            <a:r>
+              <a:rPr/>
+              <a:t>should</a:t>
+            </a:r>
+            <a:r>
+              <a:rPr/>
+              <a:t> </a:t>
+            </a:r>
+            <a:r>
+              <a:rPr/>
+              <a:t>never</a:t>
+            </a:r>
+            <a:r>
+              <a:rPr/>
+              <a:t> </a:t>
+            </a:r>
+            <a:r>
+              <a:rPr/>
+              <a:t>print</a:t>
+            </a:r>
+            <a:r>
+              <a:rPr/>
+              <a:t> </a:t>
+            </a:r>
+            <a:r>
+              <a:rPr/>
+              <a:t>out</a:t>
+            </a:r>
+            <a:r>
+              <a:rPr/>
+              <a:t> </a:t>
+            </a:r>
+            <a:r>
+              <a:rPr/>
+              <a:t>all</a:t>
+            </a:r>
+            <a:r>
+              <a:rPr/>
+              <a:t> </a:t>
+            </a:r>
+            <a:r>
+              <a:rPr/>
+              <a:t>the</a:t>
+            </a:r>
+            <a:r>
+              <a:rPr/>
+              <a:t> </a:t>
+            </a:r>
+            <a:r>
+              <a:rPr/>
+              <a:t>rows</a:t>
+            </a:r>
+            <a:r>
+              <a:rPr/>
+              <a:t> </a:t>
+            </a:r>
+            <a:r>
+              <a:rPr/>
+              <a:t>in</a:t>
+            </a:r>
+            <a:r>
+              <a:rPr/>
+              <a:t> </a:t>
+            </a:r>
+            <a:r>
+              <a:rPr/>
+              <a:t>a</a:t>
+            </a:r>
+            <a:r>
+              <a:rPr/>
+              <a:t> </a:t>
+            </a:r>
+            <a:r>
+              <a:rPr/>
+              <a:t>lengthy</a:t>
+            </a:r>
+            <a:r>
+              <a:rPr/>
+              <a:t> </a:t>
+            </a:r>
+            <a:r>
+              <a:rPr/>
+              <a:t>dataset.</a:t>
+            </a:r>
+            <a:r>
+              <a:rPr/>
+              <a:t> </a:t>
+            </a:r>
+            <a:r>
+              <a:rPr/>
+              <a:t>If</a:t>
+            </a:r>
+            <a:r>
+              <a:rPr/>
+              <a:t> </a:t>
+            </a:r>
+            <a:r>
+              <a:rPr/>
               <a:t>I</a:t>
             </a:r>
             <a:r>
@@ -5798,7 +5261,31 @@
             </a:r>
             <a:r>
               <a:rPr/>
-              <a:t>need</a:t>
+              <a:t>don’t</a:t>
+            </a:r>
+            <a:r>
+              <a:rPr/>
+              <a:t> </a:t>
+            </a:r>
+            <a:r>
+              <a:rPr/>
+              <a:t>explicitly</a:t>
+            </a:r>
+            <a:r>
+              <a:rPr/>
+              <a:t> </a:t>
+            </a:r>
+            <a:r>
+              <a:rPr/>
+              <a:t>ask</a:t>
+            </a:r>
+            <a:r>
+              <a:rPr/>
+              <a:t> </a:t>
+            </a:r>
+            <a:r>
+              <a:rPr/>
+              <a:t>you</a:t>
             </a:r>
             <a:r>
               <a:rPr/>
@@ -5814,143 +5301,47 @@
             </a:r>
             <a:r>
               <a:rPr/>
-              <a:t>see</a:t>
-            </a:r>
-            <a:r>
-              <a:rPr/>
-              <a:t> </a:t>
-            </a:r>
-            <a:r>
-              <a:rPr/>
-              <a:t>both</a:t>
-            </a:r>
-            <a:r>
-              <a:rPr/>
-              <a:t> </a:t>
-            </a:r>
-            <a:r>
-              <a:rPr/>
-              <a:t>your</a:t>
-            </a:r>
-            <a:r>
-              <a:rPr/>
-              <a:t> </a:t>
-            </a:r>
-            <a:r>
-              <a:rPr/>
-              <a:t>code</a:t>
-            </a:r>
-            <a:r>
-              <a:rPr/>
-              <a:t> </a:t>
-            </a:r>
-            <a:r>
-              <a:rPr/>
-              <a:t>and</a:t>
-            </a:r>
-            <a:r>
-              <a:rPr/>
-              <a:t> </a:t>
-            </a:r>
-            <a:r>
-              <a:rPr/>
-              <a:t>your</a:t>
-            </a:r>
-            <a:r>
-              <a:rPr/>
-              <a:t> </a:t>
-            </a:r>
-            <a:r>
-              <a:rPr/>
-              <a:t>output.</a:t>
-            </a:r>
-            <a:r>
-              <a:rPr/>
-              <a:t> </a:t>
-            </a:r>
-            <a:r>
-              <a:rPr/>
-              <a:t>Ideally</a:t>
-            </a:r>
-            <a:r>
-              <a:rPr/>
-              <a:t> </a:t>
-            </a:r>
-            <a:r>
-              <a:rPr/>
-              <a:t>this</a:t>
-            </a:r>
-            <a:r>
-              <a:rPr/>
-              <a:t> </a:t>
-            </a:r>
-            <a:r>
-              <a:rPr/>
-              <a:t>should</a:t>
-            </a:r>
-            <a:r>
-              <a:rPr/>
-              <a:t> </a:t>
-            </a:r>
-            <a:r>
-              <a:rPr/>
-              <a:t>be</a:t>
-            </a:r>
-            <a:r>
-              <a:rPr/>
-              <a:t> </a:t>
-            </a:r>
-            <a:r>
-              <a:rPr/>
-              <a:t>combined</a:t>
-            </a:r>
-            <a:r>
-              <a:rPr/>
-              <a:t> </a:t>
-            </a:r>
-            <a:r>
-              <a:rPr/>
-              <a:t>in</a:t>
-            </a:r>
-            <a:r>
-              <a:rPr/>
-              <a:t> </a:t>
-            </a:r>
-            <a:r>
-              <a:rPr/>
-              <a:t>a</a:t>
-            </a:r>
-            <a:r>
-              <a:rPr/>
-              <a:t> </a:t>
-            </a:r>
-            <a:r>
-              <a:rPr/>
-              <a:t>single</a:t>
-            </a:r>
-            <a:r>
-              <a:rPr/>
-              <a:t> </a:t>
-            </a:r>
-            <a:r>
-              <a:rPr/>
-              <a:t>pdf</a:t>
-            </a:r>
-            <a:r>
-              <a:rPr/>
-              <a:t> </a:t>
-            </a:r>
-            <a:r>
-              <a:rPr/>
-              <a:t>document,</a:t>
-            </a:r>
-            <a:r>
-              <a:rPr/>
-              <a:t> </a:t>
-            </a:r>
-            <a:r>
-              <a:rPr/>
-              <a:t>but</a:t>
+              <a:t>limit</a:t>
+            </a:r>
+            <a:r>
+              <a:rPr/>
+              <a:t> </a:t>
+            </a:r>
+            <a:r>
+              <a:rPr/>
+              <a:t>the</a:t>
+            </a:r>
+            <a:r>
+              <a:rPr/>
+              <a:t> </a:t>
+            </a:r>
+            <a:r>
+              <a:rPr/>
+              <a:t>number</a:t>
+            </a:r>
+            <a:r>
+              <a:rPr/>
+              <a:t> </a:t>
+            </a:r>
+            <a:r>
+              <a:rPr/>
+              <a:t>of</a:t>
+            </a:r>
+            <a:r>
+              <a:rPr/>
+              <a:t> </a:t>
+            </a:r>
+            <a:r>
+              <a:rPr/>
+              <a:t>rows</a:t>
+            </a:r>
+            <a:r>
+              <a:rPr/>
+              <a:t> </a:t>
+            </a:r>
+            <a:r>
+              <a:rPr/>
+              <a:t>that</a:t>
             </a:r>
             <a:r>
               <a:rPr/>
@@ -5966,111 +5357,31 @@
             </a:r>
             <a:r>
               <a:rPr/>
-              <a:t>can</a:t>
-            </a:r>
-            <a:r>
-              <a:rPr/>
-              <a:t> </a:t>
-            </a:r>
-            <a:r>
-              <a:rPr/>
-              <a:t>submit</a:t>
-            </a:r>
-            <a:r>
-              <a:rPr/>
-              <a:t> </a:t>
-            </a:r>
-            <a:r>
-              <a:rPr/>
-              <a:t>two</a:t>
-            </a:r>
-            <a:r>
-              <a:rPr/>
-              <a:t> </a:t>
-            </a:r>
-            <a:r>
-              <a:rPr/>
-              <a:t>separate</a:t>
-            </a:r>
-            <a:r>
-              <a:rPr/>
-              <a:t> </a:t>
-            </a:r>
-            <a:r>
-              <a:rPr/>
-              <a:t>files,</a:t>
-            </a:r>
-            <a:r>
-              <a:rPr/>
-              <a:t> </a:t>
-            </a:r>
-            <a:r>
-              <a:rPr/>
-              <a:t>one</a:t>
-            </a:r>
-            <a:r>
-              <a:rPr/>
-              <a:t> </a:t>
-            </a:r>
-            <a:r>
-              <a:rPr/>
-              <a:t>for</a:t>
-            </a:r>
-            <a:r>
-              <a:rPr/>
-              <a:t> </a:t>
-            </a:r>
-            <a:r>
-              <a:rPr/>
-              <a:t>the</a:t>
-            </a:r>
-            <a:r>
-              <a:rPr/>
-              <a:t> </a:t>
-            </a:r>
-            <a:r>
-              <a:rPr/>
-              <a:t>code</a:t>
-            </a:r>
-            <a:r>
-              <a:rPr/>
-              <a:t> </a:t>
-            </a:r>
-            <a:r>
-              <a:rPr/>
-              <a:t>and</a:t>
-            </a:r>
-            <a:r>
-              <a:rPr/>
-              <a:t> </a:t>
-            </a:r>
-            <a:r>
-              <a:rPr/>
-              <a:t>one</a:t>
-            </a:r>
-            <a:r>
-              <a:rPr/>
-              <a:t> </a:t>
-            </a:r>
-            <a:r>
-              <a:rPr/>
-              <a:t>for</a:t>
-            </a:r>
-            <a:r>
-              <a:rPr/>
-              <a:t> </a:t>
-            </a:r>
-            <a:r>
-              <a:rPr/>
-              <a:t>the</a:t>
-            </a:r>
-            <a:r>
-              <a:rPr/>
-              <a:t> </a:t>
-            </a:r>
-            <a:r>
-              <a:rPr/>
-              <a:t>output.</a:t>
+              <a:t>print,</a:t>
+            </a:r>
+            <a:r>
+              <a:rPr/>
+              <a:t> </a:t>
+            </a:r>
+            <a:r>
+              <a:rPr/>
+              <a:t>limit</a:t>
+            </a:r>
+            <a:r>
+              <a:rPr/>
+              <a:t> </a:t>
+            </a:r>
+            <a:r>
+              <a:rPr/>
+              <a:t>them</a:t>
+            </a:r>
+            <a:r>
+              <a:rPr/>
+              <a:t> </a:t>
+            </a:r>
+            <a:r>
+              <a:rPr/>
+              <a:t>anyway.</a:t>
             </a:r>
           </a:p>
           <a:p>
@@ -6084,87 +5395,15 @@
             </a:pPr>
             <a:r>
               <a:rPr/>
-              <a:t>The</a:t>
-            </a:r>
-            <a:r>
-              <a:rPr/>
-              <a:t> </a:t>
-            </a:r>
-            <a:r>
-              <a:rPr/>
-              <a:t>code</a:t>
-            </a:r>
-            <a:r>
-              <a:rPr/>
-              <a:t> </a:t>
-            </a:r>
-            <a:r>
-              <a:rPr/>
-              <a:t>is</a:t>
-            </a:r>
-            <a:r>
-              <a:rPr/>
-              <a:t> </a:t>
-            </a:r>
-            <a:r>
-              <a:rPr/>
-              <a:t>important</a:t>
-            </a:r>
-            <a:r>
-              <a:rPr/>
-              <a:t> </a:t>
-            </a:r>
-            <a:r>
-              <a:rPr/>
-              <a:t>because</a:t>
-            </a:r>
-            <a:r>
-              <a:rPr/>
-              <a:t> </a:t>
-            </a:r>
-            <a:r>
-              <a:rPr/>
-              <a:t>it</a:t>
-            </a:r>
-            <a:r>
-              <a:rPr/>
-              <a:t> </a:t>
-            </a:r>
-            <a:r>
-              <a:rPr/>
-              <a:t>allows</a:t>
-            </a:r>
-            <a:r>
-              <a:rPr/>
-              <a:t> </a:t>
-            </a:r>
-            <a:r>
-              <a:rPr/>
-              <a:t>me</a:t>
-            </a:r>
-            <a:r>
-              <a:rPr/>
-              <a:t> </a:t>
-            </a:r>
-            <a:r>
-              <a:rPr/>
-              <a:t>to</a:t>
-            </a:r>
-            <a:r>
-              <a:rPr/>
-              <a:t> </a:t>
-            </a:r>
-            <a:r>
-              <a:rPr/>
-              <a:t>assess</a:t>
-            </a:r>
-            <a:r>
-              <a:rPr/>
-              <a:t> </a:t>
-            </a:r>
-            <a:r>
-              <a:rPr/>
-              <a:t>whether</a:t>
+              <a:t>In</a:t>
+            </a:r>
+            <a:r>
+              <a:rPr/>
+              <a:t> </a:t>
+            </a:r>
+            <a:r>
+              <a:rPr/>
+              <a:t>R,</a:t>
             </a:r>
             <a:r>
               <a:rPr/>
@@ -6180,39 +5419,31 @@
             </a:r>
             <a:r>
               <a:rPr/>
-              <a:t>have</a:t>
-            </a:r>
-            <a:r>
-              <a:rPr/>
-              <a:t> </a:t>
-            </a:r>
-            <a:r>
-              <a:rPr/>
-              <a:t>a</a:t>
-            </a:r>
-            <a:r>
-              <a:rPr/>
-              <a:t> </a:t>
-            </a:r>
-            <a:r>
-              <a:rPr/>
-              <a:t>good</a:t>
-            </a:r>
-            <a:r>
-              <a:rPr/>
-              <a:t> </a:t>
-            </a:r>
-            <a:r>
-              <a:rPr/>
-              <a:t>documentation</a:t>
-            </a:r>
-            <a:r>
-              <a:rPr/>
-              <a:t> </a:t>
-            </a:r>
-            <a:r>
-              <a:rPr/>
-              <a:t>header</a:t>
+              <a:t>use</a:t>
+            </a:r>
+            <a:r>
+              <a:rPr/>
+              <a:t> </a:t>
+            </a:r>
+            <a:r>
+              <a:rPr/>
+              <a:t>the</a:t>
+            </a:r>
+            <a:r>
+              <a:rPr/>
+              <a:t> </a:t>
+            </a:r>
+            <a:r>
+              <a:rPr/>
+              <a:t>head</a:t>
+            </a:r>
+            <a:r>
+              <a:rPr/>
+              <a:t> </a:t>
+            </a:r>
+            <a:r>
+              <a:rPr/>
+              <a:t>function</a:t>
             </a:r>
             <a:r>
               <a:rPr/>
@@ -6228,7 +5459,15 @@
             </a:r>
             <a:r>
               <a:rPr/>
-              <a:t>if</a:t>
+              <a:t>in</a:t>
+            </a:r>
+            <a:r>
+              <a:rPr/>
+              <a:t> </a:t>
+            </a:r>
+            <a:r>
+              <a:rPr/>
+              <a:t>SAS</a:t>
             </a:r>
             <a:r>
               <a:rPr/>
@@ -6244,111 +5483,63 @@
             </a:r>
             <a:r>
               <a:rPr/>
-              <a:t>are</a:t>
-            </a:r>
-            <a:r>
-              <a:rPr/>
-              <a:t> </a:t>
-            </a:r>
-            <a:r>
-              <a:rPr/>
-              <a:t>using</a:t>
-            </a:r>
-            <a:r>
-              <a:rPr/>
-              <a:t> </a:t>
-            </a:r>
-            <a:r>
-              <a:rPr/>
-              <a:t>line</a:t>
-            </a:r>
-            <a:r>
-              <a:rPr/>
-              <a:t> </a:t>
-            </a:r>
-            <a:r>
-              <a:rPr/>
-              <a:t>breaks,</a:t>
-            </a:r>
-            <a:r>
-              <a:rPr/>
-              <a:t> </a:t>
-            </a:r>
-            <a:r>
-              <a:rPr/>
-              <a:t>indents,</a:t>
-            </a:r>
-            <a:r>
-              <a:rPr/>
-              <a:t> </a:t>
-            </a:r>
-            <a:r>
-              <a:rPr/>
-              <a:t>and</a:t>
-            </a:r>
-            <a:r>
-              <a:rPr/>
-              <a:t> </a:t>
-            </a:r>
-            <a:r>
-              <a:rPr/>
-              <a:t>vertical</a:t>
-            </a:r>
-            <a:r>
-              <a:rPr/>
-              <a:t> </a:t>
-            </a:r>
-            <a:r>
-              <a:rPr/>
-              <a:t>lists</a:t>
-            </a:r>
-            <a:r>
-              <a:rPr/>
-              <a:t> </a:t>
-            </a:r>
-            <a:r>
-              <a:rPr/>
-              <a:t>to</a:t>
-            </a:r>
-            <a:r>
-              <a:rPr/>
-              <a:t> </a:t>
-            </a:r>
-            <a:r>
-              <a:rPr/>
-              <a:t>make</a:t>
-            </a:r>
-            <a:r>
-              <a:rPr/>
-              <a:t> </a:t>
-            </a:r>
-            <a:r>
-              <a:rPr/>
-              <a:t>your</a:t>
-            </a:r>
-            <a:r>
-              <a:rPr/>
-              <a:t> </a:t>
-            </a:r>
-            <a:r>
-              <a:rPr/>
-              <a:t>code</a:t>
-            </a:r>
-            <a:r>
-              <a:rPr/>
-              <a:t> </a:t>
-            </a:r>
-            <a:r>
-              <a:rPr/>
-              <a:t>more</a:t>
-            </a:r>
-            <a:r>
-              <a:rPr/>
-              <a:t> </a:t>
-            </a:r>
-            <a:r>
-              <a:rPr/>
-              <a:t>readable.</a:t>
+              <a:t>include</a:t>
+            </a:r>
+            <a:r>
+              <a:rPr/>
+              <a:t> </a:t>
+            </a:r>
+            <a:r>
+              <a:rPr/>
+              <a:t>obs=</a:t>
+            </a:r>
+            <a:r>
+              <a:rPr/>
+              <a:t> </a:t>
+            </a:r>
+            <a:r>
+              <a:rPr/>
+              <a:t>in</a:t>
+            </a:r>
+            <a:r>
+              <a:rPr/>
+              <a:t> </a:t>
+            </a:r>
+            <a:r>
+              <a:rPr/>
+              <a:t>parentheses</a:t>
+            </a:r>
+            <a:r>
+              <a:rPr/>
+              <a:t> </a:t>
+            </a:r>
+            <a:r>
+              <a:rPr/>
+              <a:t>after</a:t>
+            </a:r>
+            <a:r>
+              <a:rPr/>
+              <a:t> </a:t>
+            </a:r>
+            <a:r>
+              <a:rPr/>
+              <a:t>the</a:t>
+            </a:r>
+            <a:r>
+              <a:rPr/>
+              <a:t> </a:t>
+            </a:r>
+            <a:r>
+              <a:rPr/>
+              <a:t>dataset</a:t>
+            </a:r>
+            <a:r>
+              <a:rPr/>
+              <a:t> </a:t>
+            </a:r>
+            <a:r>
+              <a:rPr/>
+              <a:t>name.</a:t>
             </a:r>
           </a:p>
           <a:p>
@@ -6362,6 +5553,142 @@
             </a:pPr>
             <a:r>
               <a:rPr/>
+              <a:t>In</a:t>
+            </a:r>
+            <a:r>
+              <a:rPr/>
+              <a:t> </a:t>
+            </a:r>
+            <a:r>
+              <a:rPr/>
+              <a:t>SQL</a:t>
+            </a:r>
+            <a:r>
+              <a:rPr/>
+              <a:t> </a:t>
+            </a:r>
+            <a:r>
+              <a:rPr/>
+              <a:t>it</a:t>
+            </a:r>
+            <a:r>
+              <a:rPr/>
+              <a:t> </a:t>
+            </a:r>
+            <a:r>
+              <a:rPr/>
+              <a:t>is</a:t>
+            </a:r>
+            <a:r>
+              <a:rPr/>
+              <a:t> </a:t>
+            </a:r>
+            <a:r>
+              <a:rPr/>
+              <a:t>a</a:t>
+            </a:r>
+            <a:r>
+              <a:rPr/>
+              <a:t> </a:t>
+            </a:r>
+            <a:r>
+              <a:rPr/>
+              <a:t>bit</a:t>
+            </a:r>
+            <a:r>
+              <a:rPr/>
+              <a:t> </a:t>
+            </a:r>
+            <a:r>
+              <a:rPr/>
+              <a:t>trickier</a:t>
+            </a:r>
+            <a:r>
+              <a:rPr/>
+              <a:t> </a:t>
+            </a:r>
+            <a:r>
+              <a:rPr/>
+              <a:t>and</a:t>
+            </a:r>
+            <a:r>
+              <a:rPr/>
+              <a:t> </a:t>
+            </a:r>
+            <a:r>
+              <a:rPr/>
+              <a:t>depends</a:t>
+            </a:r>
+            <a:r>
+              <a:rPr/>
+              <a:t> </a:t>
+            </a:r>
+            <a:r>
+              <a:rPr/>
+              <a:t>on</a:t>
+            </a:r>
+            <a:r>
+              <a:rPr/>
+              <a:t> </a:t>
+            </a:r>
+            <a:r>
+              <a:rPr/>
+              <a:t>which</a:t>
+            </a:r>
+            <a:r>
+              <a:rPr/>
+              <a:t> </a:t>
+            </a:r>
+            <a:r>
+              <a:rPr/>
+              <a:t>version</a:t>
+            </a:r>
+            <a:r>
+              <a:rPr/>
+              <a:t> </a:t>
+            </a:r>
+            <a:r>
+              <a:rPr/>
+              <a:t>of</a:t>
+            </a:r>
+            <a:r>
+              <a:rPr/>
+              <a:t> </a:t>
+            </a:r>
+            <a:r>
+              <a:rPr/>
+              <a:t>Oracle</a:t>
+            </a:r>
+            <a:r>
+              <a:rPr/>
+              <a:t> </a:t>
+            </a:r>
+            <a:r>
+              <a:rPr/>
+              <a:t>you</a:t>
+            </a:r>
+            <a:r>
+              <a:rPr/>
+              <a:t> </a:t>
+            </a:r>
+            <a:r>
+              <a:rPr/>
+              <a:t>are</a:t>
+            </a:r>
+            <a:r>
+              <a:rPr/>
+              <a:t> </a:t>
+            </a:r>
+            <a:r>
+              <a:rPr/>
+              <a:t>using.</a:t>
+            </a:r>
+            <a:r>
+              <a:rPr/>
+              <a:t> </a:t>
+            </a:r>
+            <a:r>
+              <a:rPr/>
               <a:t>It</a:t>
             </a:r>
             <a:r>
@@ -6370,6 +5697,14 @@
             </a:r>
             <a:r>
               <a:rPr/>
+              <a:t>is</a:t>
+            </a:r>
+            <a:r>
+              <a:rPr/>
+              <a:t> </a:t>
+            </a:r>
+            <a:r>
+              <a:rPr/>
               <a:t>also</a:t>
             </a:r>
             <a:r>
@@ -6378,71 +5713,71 @@
             </a:r>
             <a:r>
               <a:rPr/>
-              <a:t>helps</a:t>
-            </a:r>
-            <a:r>
-              <a:rPr/>
-              <a:t> </a:t>
-            </a:r>
-            <a:r>
-              <a:rPr/>
-              <a:t>with</a:t>
-            </a:r>
-            <a:r>
-              <a:rPr/>
-              <a:t> </a:t>
-            </a:r>
-            <a:r>
-              <a:rPr/>
-              <a:t>debugging</a:t>
-            </a:r>
-            <a:r>
-              <a:rPr/>
-              <a:t> </a:t>
-            </a:r>
-            <a:r>
-              <a:rPr/>
-              <a:t>if</a:t>
-            </a:r>
-            <a:r>
-              <a:rPr/>
-              <a:t> </a:t>
-            </a:r>
-            <a:r>
-              <a:rPr/>
-              <a:t>your</a:t>
-            </a:r>
-            <a:r>
-              <a:rPr/>
-              <a:t> </a:t>
-            </a:r>
-            <a:r>
-              <a:rPr/>
-              <a:t>program</a:t>
-            </a:r>
-            <a:r>
-              <a:rPr/>
-              <a:t> </a:t>
-            </a:r>
-            <a:r>
-              <a:rPr/>
-              <a:t>doesn’t</a:t>
-            </a:r>
-            <a:r>
-              <a:rPr/>
-              <a:t> </a:t>
-            </a:r>
-            <a:r>
-              <a:rPr/>
-              <a:t>do</a:t>
-            </a:r>
-            <a:r>
-              <a:rPr/>
-              <a:t> </a:t>
-            </a:r>
-            <a:r>
-              <a:rPr/>
-              <a:t>what</a:t>
+              <a:t>complicated</a:t>
+            </a:r>
+            <a:r>
+              <a:rPr/>
+              <a:t> </a:t>
+            </a:r>
+            <a:r>
+              <a:rPr/>
+              <a:t>by</a:t>
+            </a:r>
+            <a:r>
+              <a:rPr/>
+              <a:t> </a:t>
+            </a:r>
+            <a:r>
+              <a:rPr/>
+              <a:t>a</a:t>
+            </a:r>
+            <a:r>
+              <a:rPr/>
+              <a:t> </a:t>
+            </a:r>
+            <a:r>
+              <a:rPr/>
+              <a:t>monotonic</a:t>
+            </a:r>
+            <a:r>
+              <a:rPr/>
+              <a:t> </a:t>
+            </a:r>
+            <a:r>
+              <a:rPr/>
+              <a:t>function</a:t>
+            </a:r>
+            <a:r>
+              <a:rPr/>
+              <a:t> </a:t>
+            </a:r>
+            <a:r>
+              <a:rPr/>
+              <a:t>that</a:t>
+            </a:r>
+            <a:r>
+              <a:rPr/>
+              <a:t> </a:t>
+            </a:r>
+            <a:r>
+              <a:rPr/>
+              <a:t>SAS</a:t>
+            </a:r>
+            <a:r>
+              <a:rPr/>
+              <a:t> </a:t>
+            </a:r>
+            <a:r>
+              <a:rPr/>
+              <a:t>uses</a:t>
+            </a:r>
+            <a:r>
+              <a:rPr/>
+              <a:t> </a:t>
+            </a:r>
+            <a:r>
+              <a:rPr/>
+              <a:t>when</a:t>
             </a:r>
             <a:r>
               <a:rPr/>
@@ -6458,31 +5793,23 @@
             </a:r>
             <a:r>
               <a:rPr/>
-              <a:t>is</a:t>
-            </a:r>
-            <a:r>
-              <a:rPr/>
-              <a:t> </a:t>
-            </a:r>
-            <a:r>
-              <a:rPr/>
-              <a:t>supposed</a:t>
-            </a:r>
-            <a:r>
-              <a:rPr/>
-              <a:t> </a:t>
-            </a:r>
-            <a:r>
-              <a:rPr/>
-              <a:t>to</a:t>
-            </a:r>
-            <a:r>
-              <a:rPr/>
-              <a:t> </a:t>
-            </a:r>
-            <a:r>
-              <a:rPr/>
-              <a:t>do.</a:t>
+              <a:t>accesses</a:t>
+            </a:r>
+            <a:r>
+              <a:rPr/>
+              <a:t> </a:t>
+            </a:r>
+            <a:r>
+              <a:rPr/>
+              <a:t>SQL</a:t>
+            </a:r>
+            <a:r>
+              <a:rPr/>
+              <a:t> </a:t>
+            </a:r>
+            <a:r>
+              <a:rPr/>
+              <a:t>files.</a:t>
             </a:r>
           </a:p>
           <a:p>
@@ -6496,47 +5823,23 @@
             </a:pPr>
             <a:r>
               <a:rPr/>
-              <a:t>You</a:t>
-            </a:r>
-            <a:r>
-              <a:rPr/>
-              <a:t> </a:t>
-            </a:r>
-            <a:r>
-              <a:rPr/>
-              <a:t>need</a:t>
-            </a:r>
-            <a:r>
-              <a:rPr/>
-              <a:t> </a:t>
-            </a:r>
-            <a:r>
-              <a:rPr/>
-              <a:t>to</a:t>
-            </a:r>
-            <a:r>
-              <a:rPr/>
-              <a:t> </a:t>
-            </a:r>
-            <a:r>
-              <a:rPr/>
-              <a:t>include</a:t>
-            </a:r>
-            <a:r>
-              <a:rPr/>
-              <a:t> </a:t>
-            </a:r>
-            <a:r>
-              <a:rPr/>
-              <a:t>the</a:t>
-            </a:r>
-            <a:r>
-              <a:rPr/>
-              <a:t> </a:t>
-            </a:r>
-            <a:r>
-              <a:rPr/>
-              <a:t>output,</a:t>
+              <a:t>You’ll</a:t>
+            </a:r>
+            <a:r>
+              <a:rPr/>
+              <a:t> </a:t>
+            </a:r>
+            <a:r>
+              <a:rPr/>
+              <a:t>see</a:t>
+            </a:r>
+            <a:r>
+              <a:rPr/>
+              <a:t> </a:t>
+            </a:r>
+            <a:r>
+              <a:rPr/>
+              <a:t>lots</a:t>
             </a:r>
             <a:r>
               <a:rPr/>
@@ -6552,71 +5855,47 @@
             </a:r>
             <a:r>
               <a:rPr/>
-              <a:t>course,</a:t>
-            </a:r>
-            <a:r>
-              <a:rPr/>
-              <a:t> </a:t>
-            </a:r>
-            <a:r>
-              <a:rPr/>
-              <a:t>to</a:t>
-            </a:r>
-            <a:r>
-              <a:rPr/>
-              <a:t> </a:t>
-            </a:r>
-            <a:r>
-              <a:rPr/>
-              <a:t>prove</a:t>
-            </a:r>
-            <a:r>
-              <a:rPr/>
-              <a:t> </a:t>
-            </a:r>
-            <a:r>
-              <a:rPr/>
-              <a:t>that</a:t>
-            </a:r>
-            <a:r>
-              <a:rPr/>
-              <a:t> </a:t>
-            </a:r>
-            <a:r>
-              <a:rPr/>
-              <a:t>your</a:t>
-            </a:r>
-            <a:r>
-              <a:rPr/>
-              <a:t> </a:t>
-            </a:r>
-            <a:r>
-              <a:rPr/>
-              <a:t>program</a:t>
-            </a:r>
-            <a:r>
-              <a:rPr/>
-              <a:t> </a:t>
-            </a:r>
-            <a:r>
-              <a:rPr/>
-              <a:t>actually</a:t>
-            </a:r>
-            <a:r>
-              <a:rPr/>
-              <a:t> </a:t>
-            </a:r>
-            <a:r>
-              <a:rPr/>
-              <a:t>ran</a:t>
-            </a:r>
-            <a:r>
-              <a:rPr/>
-              <a:t> </a:t>
-            </a:r>
-            <a:r>
-              <a:rPr/>
-              <a:t>properly.</a:t>
+              <a:t>examples</a:t>
+            </a:r>
+            <a:r>
+              <a:rPr/>
+              <a:t> </a:t>
+            </a:r>
+            <a:r>
+              <a:rPr/>
+              <a:t>of</a:t>
+            </a:r>
+            <a:r>
+              <a:rPr/>
+              <a:t> </a:t>
+            </a:r>
+            <a:r>
+              <a:rPr/>
+              <a:t>this</a:t>
+            </a:r>
+            <a:r>
+              <a:rPr/>
+              <a:t> </a:t>
+            </a:r>
+            <a:r>
+              <a:rPr/>
+              <a:t>in</a:t>
+            </a:r>
+            <a:r>
+              <a:rPr/>
+              <a:t> </a:t>
+            </a:r>
+            <a:r>
+              <a:rPr/>
+              <a:t>various</a:t>
+            </a:r>
+            <a:r>
+              <a:rPr/>
+              <a:t> </a:t>
+            </a:r>
+            <a:r>
+              <a:rPr/>
+              <a:t>lectures.</a:t>
             </a:r>
           </a:p>
         </p:txBody>
@@ -6730,6 +6009,206 @@
             </a:r>
             <a:r>
               <a:rPr/>
+              <a:t>both</a:t>
+            </a:r>
+            <a:r>
+              <a:rPr/>
+              <a:t> </a:t>
+            </a:r>
+            <a:r>
+              <a:rPr/>
+              <a:t>your</a:t>
+            </a:r>
+            <a:r>
+              <a:rPr/>
+              <a:t> </a:t>
+            </a:r>
+            <a:r>
+              <a:rPr/>
+              <a:t>code</a:t>
+            </a:r>
+            <a:r>
+              <a:rPr/>
+              <a:t> </a:t>
+            </a:r>
+            <a:r>
+              <a:rPr/>
+              <a:t>and</a:t>
+            </a:r>
+            <a:r>
+              <a:rPr/>
+              <a:t> </a:t>
+            </a:r>
+            <a:r>
+              <a:rPr/>
+              <a:t>your</a:t>
+            </a:r>
+            <a:r>
+              <a:rPr/>
+              <a:t> </a:t>
+            </a:r>
+            <a:r>
+              <a:rPr/>
+              <a:t>output.</a:t>
+            </a:r>
+            <a:r>
+              <a:rPr/>
+              <a:t> </a:t>
+            </a:r>
+            <a:r>
+              <a:rPr/>
+              <a:t>Ideally</a:t>
+            </a:r>
+            <a:r>
+              <a:rPr/>
+              <a:t> </a:t>
+            </a:r>
+            <a:r>
+              <a:rPr/>
+              <a:t>this</a:t>
+            </a:r>
+            <a:r>
+              <a:rPr/>
+              <a:t> </a:t>
+            </a:r>
+            <a:r>
+              <a:rPr/>
+              <a:t>should</a:t>
+            </a:r>
+            <a:r>
+              <a:rPr/>
+              <a:t> </a:t>
+            </a:r>
+            <a:r>
+              <a:rPr/>
+              <a:t>be</a:t>
+            </a:r>
+            <a:r>
+              <a:rPr/>
+              <a:t> </a:t>
+            </a:r>
+            <a:r>
+              <a:rPr/>
+              <a:t>combined</a:t>
+            </a:r>
+            <a:r>
+              <a:rPr/>
+              <a:t> </a:t>
+            </a:r>
+            <a:r>
+              <a:rPr/>
+              <a:t>in</a:t>
+            </a:r>
+            <a:r>
+              <a:rPr/>
+              <a:t> </a:t>
+            </a:r>
+            <a:r>
+              <a:rPr/>
+              <a:t>a</a:t>
+            </a:r>
+            <a:r>
+              <a:rPr/>
+              <a:t> </a:t>
+            </a:r>
+            <a:r>
+              <a:rPr/>
+              <a:t>single</a:t>
+            </a:r>
+            <a:r>
+              <a:rPr/>
+              <a:t> </a:t>
+            </a:r>
+            <a:r>
+              <a:rPr/>
+              <a:t>pdf</a:t>
+            </a:r>
+            <a:r>
+              <a:rPr/>
+              <a:t> </a:t>
+            </a:r>
+            <a:r>
+              <a:rPr/>
+              <a:t>document,</a:t>
+            </a:r>
+            <a:r>
+              <a:rPr/>
+              <a:t> </a:t>
+            </a:r>
+            <a:r>
+              <a:rPr/>
+              <a:t>but</a:t>
+            </a:r>
+            <a:r>
+              <a:rPr/>
+              <a:t> </a:t>
+            </a:r>
+            <a:r>
+              <a:rPr/>
+              <a:t>you</a:t>
+            </a:r>
+            <a:r>
+              <a:rPr/>
+              <a:t> </a:t>
+            </a:r>
+            <a:r>
+              <a:rPr/>
+              <a:t>can</a:t>
+            </a:r>
+            <a:r>
+              <a:rPr/>
+              <a:t> </a:t>
+            </a:r>
+            <a:r>
+              <a:rPr/>
+              <a:t>submit</a:t>
+            </a:r>
+            <a:r>
+              <a:rPr/>
+              <a:t> </a:t>
+            </a:r>
+            <a:r>
+              <a:rPr/>
+              <a:t>two</a:t>
+            </a:r>
+            <a:r>
+              <a:rPr/>
+              <a:t> </a:t>
+            </a:r>
+            <a:r>
+              <a:rPr/>
+              <a:t>separate</a:t>
+            </a:r>
+            <a:r>
+              <a:rPr/>
+              <a:t> </a:t>
+            </a:r>
+            <a:r>
+              <a:rPr/>
+              <a:t>files,</a:t>
+            </a:r>
+            <a:r>
+              <a:rPr/>
+              <a:t> </a:t>
+            </a:r>
+            <a:r>
+              <a:rPr/>
+              <a:t>one</a:t>
+            </a:r>
+            <a:r>
+              <a:rPr/>
+              <a:t> </a:t>
+            </a:r>
+            <a:r>
+              <a:rPr/>
+              <a:t>for</a:t>
+            </a:r>
+            <a:r>
+              <a:rPr/>
+              <a:t> </a:t>
+            </a:r>
+            <a:r>
+              <a:rPr/>
               <a:t>the</a:t>
             </a:r>
             <a:r>
@@ -6738,23 +6217,31 @@
             </a:r>
             <a:r>
               <a:rPr/>
-              <a:t>original</a:t>
-            </a:r>
-            <a:r>
-              <a:rPr/>
-              <a:t> </a:t>
-            </a:r>
-            <a:r>
-              <a:rPr/>
-              <a:t>questions</a:t>
-            </a:r>
-            <a:r>
-              <a:rPr/>
-              <a:t> </a:t>
-            </a:r>
-            <a:r>
-              <a:rPr/>
-              <a:t>in</a:t>
+              <a:t>code</a:t>
+            </a:r>
+            <a:r>
+              <a:rPr/>
+              <a:t> </a:t>
+            </a:r>
+            <a:r>
+              <a:rPr/>
+              <a:t>and</a:t>
+            </a:r>
+            <a:r>
+              <a:rPr/>
+              <a:t> </a:t>
+            </a:r>
+            <a:r>
+              <a:rPr/>
+              <a:t>one</a:t>
+            </a:r>
+            <a:r>
+              <a:rPr/>
+              <a:t> </a:t>
+            </a:r>
+            <a:r>
+              <a:rPr/>
+              <a:t>for</a:t>
             </a:r>
             <a:r>
               <a:rPr/>
@@ -6770,295 +6257,7 @@
             </a:r>
             <a:r>
               <a:rPr/>
-              <a:t>code</a:t>
-            </a:r>
-            <a:r>
-              <a:rPr/>
-              <a:t> </a:t>
-            </a:r>
-            <a:r>
-              <a:rPr/>
-              <a:t>as</a:t>
-            </a:r>
-            <a:r>
-              <a:rPr/>
-              <a:t> </a:t>
-            </a:r>
-            <a:r>
-              <a:rPr/>
-              <a:t>a</a:t>
-            </a:r>
-            <a:r>
-              <a:rPr/>
-              <a:t> </a:t>
-            </a:r>
-            <a:r>
-              <a:rPr/>
-              <a:t>comment</a:t>
-            </a:r>
-            <a:r>
-              <a:rPr/>
-              <a:t> </a:t>
-            </a:r>
-            <a:r>
-              <a:rPr/>
-              <a:t>or</a:t>
-            </a:r>
-            <a:r>
-              <a:rPr/>
-              <a:t> </a:t>
-            </a:r>
-            <a:r>
-              <a:rPr/>
-              <a:t>in</a:t>
-            </a:r>
-            <a:r>
-              <a:rPr/>
-              <a:t> </a:t>
-            </a:r>
-            <a:r>
-              <a:rPr/>
-              <a:t>the</a:t>
-            </a:r>
-            <a:r>
-              <a:rPr/>
-              <a:t> </a:t>
-            </a:r>
-            <a:r>
-              <a:rPr/>
-              <a:t>output</a:t>
-            </a:r>
-            <a:r>
-              <a:rPr/>
-              <a:t> </a:t>
-            </a:r>
-            <a:r>
-              <a:rPr/>
-              <a:t>as</a:t>
-            </a:r>
-            <a:r>
-              <a:rPr/>
-              <a:t> </a:t>
-            </a:r>
-            <a:r>
-              <a:rPr/>
-              <a:t>a</a:t>
-            </a:r>
-            <a:r>
-              <a:rPr/>
-              <a:t> </a:t>
-            </a:r>
-            <a:r>
-              <a:rPr/>
-              <a:t>title</a:t>
-            </a:r>
-            <a:r>
-              <a:rPr/>
-              <a:t> </a:t>
-            </a:r>
-            <a:r>
-              <a:rPr/>
-              <a:t>or</a:t>
-            </a:r>
-            <a:r>
-              <a:rPr/>
-              <a:t> </a:t>
-            </a:r>
-            <a:r>
-              <a:rPr/>
-              <a:t>footnote.</a:t>
-            </a:r>
-            <a:r>
-              <a:rPr/>
-              <a:t> </a:t>
-            </a:r>
-            <a:r>
-              <a:rPr/>
-              <a:t>With</a:t>
-            </a:r>
-            <a:r>
-              <a:rPr/>
-              <a:t> </a:t>
-            </a:r>
-            <a:r>
-              <a:rPr/>
-              <a:t>mutliple</a:t>
-            </a:r>
-            <a:r>
-              <a:rPr/>
-              <a:t> </a:t>
-            </a:r>
-            <a:r>
-              <a:rPr/>
-              <a:t>assignments</a:t>
-            </a:r>
-            <a:r>
-              <a:rPr/>
-              <a:t> </a:t>
-            </a:r>
-            <a:r>
-              <a:rPr/>
-              <a:t>to</a:t>
-            </a:r>
-            <a:r>
-              <a:rPr/>
-              <a:t> </a:t>
-            </a:r>
-            <a:r>
-              <a:rPr/>
-              <a:t>grade</a:t>
-            </a:r>
-            <a:r>
-              <a:rPr/>
-              <a:t> </a:t>
-            </a:r>
-            <a:r>
-              <a:rPr/>
-              <a:t>in</a:t>
-            </a:r>
-            <a:r>
-              <a:rPr/>
-              <a:t> </a:t>
-            </a:r>
-            <a:r>
-              <a:rPr/>
-              <a:t>multiple</a:t>
-            </a:r>
-            <a:r>
-              <a:rPr/>
-              <a:t> </a:t>
-            </a:r>
-            <a:r>
-              <a:rPr/>
-              <a:t>classes,</a:t>
-            </a:r>
-            <a:r>
-              <a:rPr/>
-              <a:t> </a:t>
-            </a:r>
-            <a:r>
-              <a:rPr/>
-              <a:t>I</a:t>
-            </a:r>
-            <a:r>
-              <a:rPr/>
-              <a:t> </a:t>
-            </a:r>
-            <a:r>
-              <a:rPr/>
-              <a:t>often</a:t>
-            </a:r>
-            <a:r>
-              <a:rPr/>
-              <a:t> </a:t>
-            </a:r>
-            <a:r>
-              <a:rPr/>
-              <a:t>fail</a:t>
-            </a:r>
-            <a:r>
-              <a:rPr/>
-              <a:t> </a:t>
-            </a:r>
-            <a:r>
-              <a:rPr/>
-              <a:t>to</a:t>
-            </a:r>
-            <a:r>
-              <a:rPr/>
-              <a:t> </a:t>
-            </a:r>
-            <a:r>
-              <a:rPr/>
-              <a:t>remember</a:t>
-            </a:r>
-            <a:r>
-              <a:rPr/>
-              <a:t> </a:t>
-            </a:r>
-            <a:r>
-              <a:rPr/>
-              <a:t>what</a:t>
-            </a:r>
-            <a:r>
-              <a:rPr/>
-              <a:t> </a:t>
-            </a:r>
-            <a:r>
-              <a:rPr/>
-              <a:t>I</a:t>
-            </a:r>
-            <a:r>
-              <a:rPr/>
-              <a:t> </a:t>
-            </a:r>
-            <a:r>
-              <a:rPr/>
-              <a:t>wanted</a:t>
-            </a:r>
-            <a:r>
-              <a:rPr/>
-              <a:t> </a:t>
-            </a:r>
-            <a:r>
-              <a:rPr/>
-              <a:t>you</a:t>
-            </a:r>
-            <a:r>
-              <a:rPr/>
-              <a:t> </a:t>
-            </a:r>
-            <a:r>
-              <a:rPr/>
-              <a:t>to</a:t>
-            </a:r>
-            <a:r>
-              <a:rPr/>
-              <a:t> </a:t>
-            </a:r>
-            <a:r>
-              <a:rPr/>
-              <a:t>do</a:t>
-            </a:r>
-            <a:r>
-              <a:rPr/>
-              <a:t> </a:t>
-            </a:r>
-            <a:r>
-              <a:rPr/>
-              <a:t>for</a:t>
-            </a:r>
-            <a:r>
-              <a:rPr/>
-              <a:t> </a:t>
-            </a:r>
-            <a:r>
-              <a:rPr/>
-              <a:t>a</a:t>
-            </a:r>
-            <a:r>
-              <a:rPr/>
-              <a:t> </a:t>
-            </a:r>
-            <a:r>
-              <a:rPr/>
-              <a:t>particular</a:t>
-            </a:r>
-            <a:r>
-              <a:rPr/>
-              <a:t> </a:t>
-            </a:r>
-            <a:r>
-              <a:rPr/>
-              <a:t>homework</a:t>
-            </a:r>
-            <a:r>
-              <a:rPr/>
-              <a:t> </a:t>
-            </a:r>
-            <a:r>
-              <a:rPr/>
-              <a:t>assignment.</a:t>
+              <a:t>output.</a:t>
             </a:r>
           </a:p>
           <a:p>
@@ -7072,7 +6271,87 @@
             </a:pPr>
             <a:r>
               <a:rPr/>
-              <a:t>As</a:t>
+              <a:t>The</a:t>
+            </a:r>
+            <a:r>
+              <a:rPr/>
+              <a:t> </a:t>
+            </a:r>
+            <a:r>
+              <a:rPr/>
+              <a:t>code</a:t>
+            </a:r>
+            <a:r>
+              <a:rPr/>
+              <a:t> </a:t>
+            </a:r>
+            <a:r>
+              <a:rPr/>
+              <a:t>is</a:t>
+            </a:r>
+            <a:r>
+              <a:rPr/>
+              <a:t> </a:t>
+            </a:r>
+            <a:r>
+              <a:rPr/>
+              <a:t>important</a:t>
+            </a:r>
+            <a:r>
+              <a:rPr/>
+              <a:t> </a:t>
+            </a:r>
+            <a:r>
+              <a:rPr/>
+              <a:t>because</a:t>
+            </a:r>
+            <a:r>
+              <a:rPr/>
+              <a:t> </a:t>
+            </a:r>
+            <a:r>
+              <a:rPr/>
+              <a:t>it</a:t>
+            </a:r>
+            <a:r>
+              <a:rPr/>
+              <a:t> </a:t>
+            </a:r>
+            <a:r>
+              <a:rPr/>
+              <a:t>allows</a:t>
+            </a:r>
+            <a:r>
+              <a:rPr/>
+              <a:t> </a:t>
+            </a:r>
+            <a:r>
+              <a:rPr/>
+              <a:t>me</a:t>
+            </a:r>
+            <a:r>
+              <a:rPr/>
+              <a:t> </a:t>
+            </a:r>
+            <a:r>
+              <a:rPr/>
+              <a:t>to</a:t>
+            </a:r>
+            <a:r>
+              <a:rPr/>
+              <a:t> </a:t>
+            </a:r>
+            <a:r>
+              <a:rPr/>
+              <a:t>assess</a:t>
+            </a:r>
+            <a:r>
+              <a:rPr/>
+              <a:t> </a:t>
+            </a:r>
+            <a:r>
+              <a:rPr/>
+              <a:t>whether</a:t>
             </a:r>
             <a:r>
               <a:rPr/>
@@ -7088,39 +6367,7 @@
             </a:r>
             <a:r>
               <a:rPr/>
-              <a:t>answer</a:t>
-            </a:r>
-            <a:r>
-              <a:rPr/>
-              <a:t> </a:t>
-            </a:r>
-            <a:r>
-              <a:rPr/>
-              <a:t>each</a:t>
-            </a:r>
-            <a:r>
-              <a:rPr/>
-              <a:t> </a:t>
-            </a:r>
-            <a:r>
-              <a:rPr/>
-              <a:t>question,</a:t>
-            </a:r>
-            <a:r>
-              <a:rPr/>
-              <a:t> </a:t>
-            </a:r>
-            <a:r>
-              <a:rPr/>
-              <a:t>I</a:t>
-            </a:r>
-            <a:r>
-              <a:rPr/>
-              <a:t> </a:t>
-            </a:r>
-            <a:r>
-              <a:rPr/>
-              <a:t>want</a:t>
+              <a:t>have</a:t>
             </a:r>
             <a:r>
               <a:rPr/>
@@ -7136,71 +6383,39 @@
             </a:r>
             <a:r>
               <a:rPr/>
-              <a:t>brief</a:t>
-            </a:r>
-            <a:r>
-              <a:rPr/>
-              <a:t> </a:t>
-            </a:r>
-            <a:r>
-              <a:rPr/>
-              <a:t>comment.</a:t>
-            </a:r>
-            <a:r>
-              <a:rPr/>
-              <a:t> </a:t>
-            </a:r>
-            <a:r>
-              <a:rPr/>
-              <a:t>Often</a:t>
-            </a:r>
-            <a:r>
-              <a:rPr/>
-              <a:t> </a:t>
-            </a:r>
-            <a:r>
-              <a:rPr/>
-              <a:t>it</a:t>
-            </a:r>
-            <a:r>
-              <a:rPr/>
-              <a:t> </a:t>
-            </a:r>
-            <a:r>
-              <a:rPr/>
-              <a:t>is</a:t>
-            </a:r>
-            <a:r>
-              <a:rPr/>
-              <a:t> </a:t>
-            </a:r>
-            <a:r>
-              <a:rPr/>
-              <a:t>a</a:t>
-            </a:r>
-            <a:r>
-              <a:rPr/>
-              <a:t> </a:t>
-            </a:r>
-            <a:r>
-              <a:rPr/>
-              <a:t>single</a:t>
-            </a:r>
-            <a:r>
-              <a:rPr/>
-              <a:t> </a:t>
-            </a:r>
-            <a:r>
-              <a:rPr/>
-              <a:t>sentence,</a:t>
-            </a:r>
-            <a:r>
-              <a:rPr/>
-              <a:t> </a:t>
-            </a:r>
-            <a:r>
-              <a:rPr/>
-              <a:t>but</a:t>
+              <a:t>good</a:t>
+            </a:r>
+            <a:r>
+              <a:rPr/>
+              <a:t> </a:t>
+            </a:r>
+            <a:r>
+              <a:rPr/>
+              <a:t>documentation</a:t>
+            </a:r>
+            <a:r>
+              <a:rPr/>
+              <a:t> </a:t>
+            </a:r>
+            <a:r>
+              <a:rPr/>
+              <a:t>header</a:t>
+            </a:r>
+            <a:r>
+              <a:rPr/>
+              <a:t> </a:t>
+            </a:r>
+            <a:r>
+              <a:rPr/>
+              <a:t>and</a:t>
+            </a:r>
+            <a:r>
+              <a:rPr/>
+              <a:t> </a:t>
+            </a:r>
+            <a:r>
+              <a:rPr/>
+              <a:t>if</a:t>
             </a:r>
             <a:r>
               <a:rPr/>
@@ -7216,223 +6431,63 @@
             </a:r>
             <a:r>
               <a:rPr/>
-              <a:t>might</a:t>
-            </a:r>
-            <a:r>
-              <a:rPr/>
-              <a:t> </a:t>
-            </a:r>
-            <a:r>
-              <a:rPr/>
-              <a:t>need</a:t>
-            </a:r>
-            <a:r>
-              <a:rPr/>
-              <a:t> </a:t>
-            </a:r>
-            <a:r>
-              <a:rPr/>
-              <a:t>two</a:t>
-            </a:r>
-            <a:r>
-              <a:rPr/>
-              <a:t> </a:t>
-            </a:r>
-            <a:r>
-              <a:rPr/>
-              <a:t>or</a:t>
-            </a:r>
-            <a:r>
-              <a:rPr/>
-              <a:t> </a:t>
-            </a:r>
-            <a:r>
-              <a:rPr/>
-              <a:t>maybe</a:t>
-            </a:r>
-            <a:r>
-              <a:rPr/>
-              <a:t> </a:t>
-            </a:r>
-            <a:r>
-              <a:rPr/>
-              <a:t>three</a:t>
-            </a:r>
-            <a:r>
-              <a:rPr/>
-              <a:t> </a:t>
-            </a:r>
-            <a:r>
-              <a:rPr/>
-              <a:t>sentences.</a:t>
-            </a:r>
-            <a:r>
-              <a:rPr/>
-              <a:t> </a:t>
-            </a:r>
-            <a:r>
-              <a:rPr/>
-              <a:t>What</a:t>
-            </a:r>
-            <a:r>
-              <a:rPr/>
-              <a:t> </a:t>
-            </a:r>
-            <a:r>
-              <a:rPr/>
-              <a:t>I</a:t>
-            </a:r>
-            <a:r>
-              <a:rPr/>
-              <a:t> </a:t>
-            </a:r>
-            <a:r>
-              <a:rPr/>
-              <a:t>needs</a:t>
-            </a:r>
-            <a:r>
-              <a:rPr/>
-              <a:t> </a:t>
-            </a:r>
-            <a:r>
-              <a:rPr/>
-              <a:t>is</a:t>
-            </a:r>
-            <a:r>
-              <a:rPr/>
-              <a:t> </a:t>
-            </a:r>
-            <a:r>
-              <a:rPr/>
-              <a:t>an</a:t>
-            </a:r>
-            <a:r>
-              <a:rPr/>
-              <a:t> </a:t>
-            </a:r>
-            <a:r>
-              <a:rPr/>
-              <a:t>explanation</a:t>
-            </a:r>
-            <a:r>
-              <a:rPr/>
-              <a:t> </a:t>
-            </a:r>
-            <a:r>
-              <a:rPr/>
-              <a:t>of</a:t>
-            </a:r>
-            <a:r>
-              <a:rPr/>
-              <a:t> </a:t>
-            </a:r>
-            <a:r>
-              <a:rPr/>
-              <a:t>how</a:t>
-            </a:r>
-            <a:r>
-              <a:rPr/>
-              <a:t> </a:t>
-            </a:r>
-            <a:r>
-              <a:rPr/>
-              <a:t>the</a:t>
-            </a:r>
-            <a:r>
-              <a:rPr/>
-              <a:t> </a:t>
-            </a:r>
-            <a:r>
-              <a:rPr/>
-              <a:t>output</a:t>
-            </a:r>
-            <a:r>
-              <a:rPr/>
-              <a:t> </a:t>
-            </a:r>
-            <a:r>
-              <a:rPr/>
-              <a:t>answers</a:t>
-            </a:r>
-            <a:r>
-              <a:rPr/>
-              <a:t> </a:t>
-            </a:r>
-            <a:r>
-              <a:rPr/>
-              <a:t>the</a:t>
-            </a:r>
-            <a:r>
-              <a:rPr/>
-              <a:t> </a:t>
-            </a:r>
-            <a:r>
-              <a:rPr/>
-              <a:t>question.</a:t>
-            </a:r>
-            <a:r>
-              <a:rPr/>
-              <a:t> </a:t>
-            </a:r>
-            <a:r>
-              <a:rPr/>
-              <a:t>This</a:t>
-            </a:r>
-            <a:r>
-              <a:rPr/>
-              <a:t> </a:t>
-            </a:r>
-            <a:r>
-              <a:rPr/>
-              <a:t>might</a:t>
-            </a:r>
-            <a:r>
-              <a:rPr/>
-              <a:t> </a:t>
-            </a:r>
-            <a:r>
-              <a:rPr/>
-              <a:t>be</a:t>
-            </a:r>
-            <a:r>
-              <a:rPr/>
-              <a:t> </a:t>
-            </a:r>
-            <a:r>
-              <a:rPr/>
-              <a:t>obvious,</a:t>
-            </a:r>
-            <a:r>
-              <a:rPr/>
-              <a:t> </a:t>
-            </a:r>
-            <a:r>
-              <a:rPr/>
-              <a:t>but</a:t>
-            </a:r>
-            <a:r>
-              <a:rPr/>
-              <a:t> </a:t>
-            </a:r>
-            <a:r>
-              <a:rPr/>
-              <a:t>it</a:t>
-            </a:r>
-            <a:r>
-              <a:rPr/>
-              <a:t> </a:t>
-            </a:r>
-            <a:r>
-              <a:rPr/>
-              <a:t>still</a:t>
-            </a:r>
-            <a:r>
-              <a:rPr/>
-              <a:t> </a:t>
-            </a:r>
-            <a:r>
-              <a:rPr/>
-              <a:t>needs</a:t>
+              <a:t>are</a:t>
+            </a:r>
+            <a:r>
+              <a:rPr/>
+              <a:t> </a:t>
+            </a:r>
+            <a:r>
+              <a:rPr/>
+              <a:t>using</a:t>
+            </a:r>
+            <a:r>
+              <a:rPr/>
+              <a:t> </a:t>
+            </a:r>
+            <a:r>
+              <a:rPr/>
+              <a:t>line</a:t>
+            </a:r>
+            <a:r>
+              <a:rPr/>
+              <a:t> </a:t>
+            </a:r>
+            <a:r>
+              <a:rPr/>
+              <a:t>breaks,</a:t>
+            </a:r>
+            <a:r>
+              <a:rPr/>
+              <a:t> </a:t>
+            </a:r>
+            <a:r>
+              <a:rPr/>
+              <a:t>indents,</a:t>
+            </a:r>
+            <a:r>
+              <a:rPr/>
+              <a:t> </a:t>
+            </a:r>
+            <a:r>
+              <a:rPr/>
+              <a:t>and</a:t>
+            </a:r>
+            <a:r>
+              <a:rPr/>
+              <a:t> </a:t>
+            </a:r>
+            <a:r>
+              <a:rPr/>
+              <a:t>vertical</a:t>
+            </a:r>
+            <a:r>
+              <a:rPr/>
+              <a:t> </a:t>
+            </a:r>
+            <a:r>
+              <a:rPr/>
+              <a:t>lists</a:t>
             </a:r>
             <a:r>
               <a:rPr/>
@@ -7448,159 +6503,7 @@
             </a:r>
             <a:r>
               <a:rPr/>
-              <a:t>be</a:t>
-            </a:r>
-            <a:r>
-              <a:rPr/>
-              <a:t> </a:t>
-            </a:r>
-            <a:r>
-              <a:rPr/>
-              <a:t>done.</a:t>
-            </a:r>
-            <a:r>
-              <a:rPr/>
-              <a:t> </a:t>
-            </a:r>
-            <a:r>
-              <a:rPr/>
-              <a:t>If</a:t>
-            </a:r>
-            <a:r>
-              <a:rPr/>
-              <a:t> </a:t>
-            </a:r>
-            <a:r>
-              <a:rPr/>
-              <a:t>you</a:t>
-            </a:r>
-            <a:r>
-              <a:rPr/>
-              <a:t> </a:t>
-            </a:r>
-            <a:r>
-              <a:rPr/>
-              <a:t>include</a:t>
-            </a:r>
-            <a:r>
-              <a:rPr/>
-              <a:t> </a:t>
-            </a:r>
-            <a:r>
-              <a:rPr/>
-              <a:t>the</a:t>
-            </a:r>
-            <a:r>
-              <a:rPr/>
-              <a:t> </a:t>
-            </a:r>
-            <a:r>
-              <a:rPr/>
-              <a:t>correct</a:t>
-            </a:r>
-            <a:r>
-              <a:rPr/>
-              <a:t> </a:t>
-            </a:r>
-            <a:r>
-              <a:rPr/>
-              <a:t>output,</a:t>
-            </a:r>
-            <a:r>
-              <a:rPr/>
-              <a:t> </a:t>
-            </a:r>
-            <a:r>
-              <a:rPr/>
-              <a:t>but</a:t>
-            </a:r>
-            <a:r>
-              <a:rPr/>
-              <a:t> </a:t>
-            </a:r>
-            <a:r>
-              <a:rPr/>
-              <a:t>do</a:t>
-            </a:r>
-            <a:r>
-              <a:rPr/>
-              <a:t> </a:t>
-            </a:r>
-            <a:r>
-              <a:rPr/>
-              <a:t>not</a:t>
-            </a:r>
-            <a:r>
-              <a:rPr/>
-              <a:t> </a:t>
-            </a:r>
-            <a:r>
-              <a:rPr/>
-              <a:t>add</a:t>
-            </a:r>
-            <a:r>
-              <a:rPr/>
-              <a:t> </a:t>
-            </a:r>
-            <a:r>
-              <a:rPr/>
-              <a:t>a</a:t>
-            </a:r>
-            <a:r>
-              <a:rPr/>
-              <a:t> </a:t>
-            </a:r>
-            <a:r>
-              <a:rPr/>
-              <a:t>brief</a:t>
-            </a:r>
-            <a:r>
-              <a:rPr/>
-              <a:t> </a:t>
-            </a:r>
-            <a:r>
-              <a:rPr/>
-              <a:t>comment,</a:t>
-            </a:r>
-            <a:r>
-              <a:rPr/>
-              <a:t> </a:t>
-            </a:r>
-            <a:r>
-              <a:rPr/>
-              <a:t>you</a:t>
-            </a:r>
-            <a:r>
-              <a:rPr/>
-              <a:t> </a:t>
-            </a:r>
-            <a:r>
-              <a:rPr/>
-              <a:t>will</a:t>
-            </a:r>
-            <a:r>
-              <a:rPr/>
-              <a:t> </a:t>
-            </a:r>
-            <a:r>
-              <a:rPr/>
-              <a:t>lose</a:t>
-            </a:r>
-            <a:r>
-              <a:rPr/>
-              <a:t> </a:t>
-            </a:r>
-            <a:r>
-              <a:rPr/>
-              <a:t>points</a:t>
-            </a:r>
-            <a:r>
-              <a:rPr/>
-              <a:t> </a:t>
-            </a:r>
-            <a:r>
-              <a:rPr/>
-              <a:t>on</a:t>
+              <a:t>make</a:t>
             </a:r>
             <a:r>
               <a:rPr/>
@@ -7616,7 +6519,23 @@
             </a:r>
             <a:r>
               <a:rPr/>
-              <a:t>assignment.</a:t>
+              <a:t>code</a:t>
+            </a:r>
+            <a:r>
+              <a:rPr/>
+              <a:t> </a:t>
+            </a:r>
+            <a:r>
+              <a:rPr/>
+              <a:t>more</a:t>
+            </a:r>
+            <a:r>
+              <a:rPr/>
+              <a:t> </a:t>
+            </a:r>
+            <a:r>
+              <a:rPr/>
+              <a:t>readable.</a:t>
             </a:r>
           </a:p>
           <a:p>
@@ -7630,31 +6549,181 @@
             </a:pPr>
             <a:r>
               <a:rPr/>
-              <a:t>Here</a:t>
-            </a:r>
-            <a:r>
-              <a:rPr/>
-              <a:t> </a:t>
-            </a:r>
-            <a:r>
-              <a:rPr/>
-              <a:t>are</a:t>
-            </a:r>
-            <a:r>
-              <a:rPr/>
-              <a:t> </a:t>
-            </a:r>
-            <a:r>
-              <a:rPr/>
-              <a:t>some</a:t>
-            </a:r>
-            <a:r>
-              <a:rPr/>
-              <a:t> </a:t>
-            </a:r>
-            <a:r>
-              <a:rPr/>
-              <a:t>examples</a:t>
+              <a:t>It</a:t>
+            </a:r>
+            <a:r>
+              <a:rPr/>
+              <a:t> </a:t>
+            </a:r>
+            <a:r>
+              <a:rPr/>
+              <a:t>also</a:t>
+            </a:r>
+            <a:r>
+              <a:rPr/>
+              <a:t> </a:t>
+            </a:r>
+            <a:r>
+              <a:rPr/>
+              <a:t>helps</a:t>
+            </a:r>
+            <a:r>
+              <a:rPr/>
+              <a:t> </a:t>
+            </a:r>
+            <a:r>
+              <a:rPr/>
+              <a:t>with</a:t>
+            </a:r>
+            <a:r>
+              <a:rPr/>
+              <a:t> </a:t>
+            </a:r>
+            <a:r>
+              <a:rPr/>
+              <a:t>debugging</a:t>
+            </a:r>
+            <a:r>
+              <a:rPr/>
+              <a:t> </a:t>
+            </a:r>
+            <a:r>
+              <a:rPr/>
+              <a:t>if</a:t>
+            </a:r>
+            <a:r>
+              <a:rPr/>
+              <a:t> </a:t>
+            </a:r>
+            <a:r>
+              <a:rPr/>
+              <a:t>your</a:t>
+            </a:r>
+            <a:r>
+              <a:rPr/>
+              <a:t> </a:t>
+            </a:r>
+            <a:r>
+              <a:rPr/>
+              <a:t>program</a:t>
+            </a:r>
+            <a:r>
+              <a:rPr/>
+              <a:t> </a:t>
+            </a:r>
+            <a:r>
+              <a:rPr/>
+              <a:t>doesn’t</a:t>
+            </a:r>
+            <a:r>
+              <a:rPr/>
+              <a:t> </a:t>
+            </a:r>
+            <a:r>
+              <a:rPr/>
+              <a:t>do</a:t>
+            </a:r>
+            <a:r>
+              <a:rPr/>
+              <a:t> </a:t>
+            </a:r>
+            <a:r>
+              <a:rPr/>
+              <a:t>what</a:t>
+            </a:r>
+            <a:r>
+              <a:rPr/>
+              <a:t> </a:t>
+            </a:r>
+            <a:r>
+              <a:rPr/>
+              <a:t>it</a:t>
+            </a:r>
+            <a:r>
+              <a:rPr/>
+              <a:t> </a:t>
+            </a:r>
+            <a:r>
+              <a:rPr/>
+              <a:t>is</a:t>
+            </a:r>
+            <a:r>
+              <a:rPr/>
+              <a:t> </a:t>
+            </a:r>
+            <a:r>
+              <a:rPr/>
+              <a:t>supposed</a:t>
+            </a:r>
+            <a:r>
+              <a:rPr/>
+              <a:t> </a:t>
+            </a:r>
+            <a:r>
+              <a:rPr/>
+              <a:t>to</a:t>
+            </a:r>
+            <a:r>
+              <a:rPr/>
+              <a:t> </a:t>
+            </a:r>
+            <a:r>
+              <a:rPr/>
+              <a:t>do.</a:t>
+            </a:r>
+          </a:p>
+          <a:p>
+            <a:pPr lvl="0" marL="0" indent="0">
+              <a:buNone/>
+            </a:pPr>
+          </a:p>
+          <a:p>
+            <a:pPr lvl="0" marL="0" indent="0">
+              <a:buNone/>
+            </a:pPr>
+            <a:r>
+              <a:rPr/>
+              <a:t>You</a:t>
+            </a:r>
+            <a:r>
+              <a:rPr/>
+              <a:t> </a:t>
+            </a:r>
+            <a:r>
+              <a:rPr/>
+              <a:t>need</a:t>
+            </a:r>
+            <a:r>
+              <a:rPr/>
+              <a:t> </a:t>
+            </a:r>
+            <a:r>
+              <a:rPr/>
+              <a:t>to</a:t>
+            </a:r>
+            <a:r>
+              <a:rPr/>
+              <a:t> </a:t>
+            </a:r>
+            <a:r>
+              <a:rPr/>
+              <a:t>include</a:t>
+            </a:r>
+            <a:r>
+              <a:rPr/>
+              <a:t> </a:t>
+            </a:r>
+            <a:r>
+              <a:rPr/>
+              <a:t>the</a:t>
+            </a:r>
+            <a:r>
+              <a:rPr/>
+              <a:t> </a:t>
+            </a:r>
+            <a:r>
+              <a:rPr/>
+              <a:t>output,</a:t>
             </a:r>
             <a:r>
               <a:rPr/>
@@ -7670,39 +6739,71 @@
             </a:r>
             <a:r>
               <a:rPr/>
-              <a:t>the</a:t>
-            </a:r>
-            <a:r>
-              <a:rPr/>
-              <a:t> </a:t>
-            </a:r>
-            <a:r>
-              <a:rPr/>
-              <a:t>comments</a:t>
-            </a:r>
-            <a:r>
-              <a:rPr/>
-              <a:t> </a:t>
-            </a:r>
-            <a:r>
-              <a:rPr/>
-              <a:t>you</a:t>
-            </a:r>
-            <a:r>
-              <a:rPr/>
-              <a:t> </a:t>
-            </a:r>
-            <a:r>
-              <a:rPr/>
-              <a:t>might</a:t>
-            </a:r>
-            <a:r>
-              <a:rPr/>
-              <a:t> </a:t>
-            </a:r>
-            <a:r>
-              <a:rPr/>
-              <a:t>include.</a:t>
+              <a:t>course,</a:t>
+            </a:r>
+            <a:r>
+              <a:rPr/>
+              <a:t> </a:t>
+            </a:r>
+            <a:r>
+              <a:rPr/>
+              <a:t>to</a:t>
+            </a:r>
+            <a:r>
+              <a:rPr/>
+              <a:t> </a:t>
+            </a:r>
+            <a:r>
+              <a:rPr/>
+              <a:t>prove</a:t>
+            </a:r>
+            <a:r>
+              <a:rPr/>
+              <a:t> </a:t>
+            </a:r>
+            <a:r>
+              <a:rPr/>
+              <a:t>that</a:t>
+            </a:r>
+            <a:r>
+              <a:rPr/>
+              <a:t> </a:t>
+            </a:r>
+            <a:r>
+              <a:rPr/>
+              <a:t>your</a:t>
+            </a:r>
+            <a:r>
+              <a:rPr/>
+              <a:t> </a:t>
+            </a:r>
+            <a:r>
+              <a:rPr/>
+              <a:t>program</a:t>
+            </a:r>
+            <a:r>
+              <a:rPr/>
+              <a:t> </a:t>
+            </a:r>
+            <a:r>
+              <a:rPr/>
+              <a:t>actually</a:t>
+            </a:r>
+            <a:r>
+              <a:rPr/>
+              <a:t> </a:t>
+            </a:r>
+            <a:r>
+              <a:rPr/>
+              <a:t>ran</a:t>
+            </a:r>
+            <a:r>
+              <a:rPr/>
+              <a:t> </a:t>
+            </a:r>
+            <a:r>
+              <a:rPr/>
+              <a:t>properly.</a:t>
             </a:r>
           </a:p>
         </p:txBody>
@@ -8461,9 +7562,59 @@
             </a:pPr>
           </a:p>
           <a:p>
+            <a:pPr lvl="1"/>
+            <a:r>
+              <a:rPr/>
+              <a:t>MEDB</a:t>
+            </a:r>
+            <a:r>
+              <a:rPr/>
+              <a:t> </a:t>
+            </a:r>
+            <a:r>
+              <a:rPr/>
+              <a:t>5505,</a:t>
+            </a:r>
+            <a:r>
+              <a:rPr/>
+              <a:t> </a:t>
+            </a:r>
+            <a:r>
+              <a:rPr/>
+              <a:t>for</a:t>
+            </a:r>
+            <a:r>
+              <a:rPr/>
+              <a:t> </a:t>
+            </a:r>
+            <a:r>
+              <a:rPr/>
+              <a:t>Introduction</a:t>
+            </a:r>
+            <a:r>
+              <a:rPr/>
+              <a:t> </a:t>
+            </a:r>
+            <a:r>
+              <a:rPr/>
+              <a:t>to</a:t>
+            </a:r>
+            <a:r>
+              <a:rPr/>
+              <a:t> </a:t>
+            </a:r>
+            <a:r>
+              <a:rPr/>
+              <a:t>R</a:t>
+            </a:r>
+          </a:p>
+          <a:p>
             <a:pPr lvl="0" marL="0" indent="0">
               <a:buNone/>
             </a:pPr>
+          </a:p>
+          <a:p>
+            <a:pPr lvl="1"/>
             <a:r>
               <a:rPr/>
               <a:t>MEDB</a:t>
@@ -8474,7 +7625,7 @@
             </a:r>
             <a:r>
               <a:rPr/>
-              <a:t>5505,</a:t>
+              <a:t>5507,</a:t>
             </a:r>
             <a:r>
               <a:rPr/>
@@ -8506,7 +7657,7 @@
             </a:r>
             <a:r>
               <a:rPr/>
-              <a:t>R</a:t>
+              <a:t>SAS</a:t>
             </a:r>
           </a:p>
           <a:p>
@@ -8528,7 +7679,7 @@
             </a:r>
             <a:r>
               <a:rPr/>
-              <a:t>5507,</a:t>
+              <a:t>5508,</a:t>
             </a:r>
             <a:r>
               <a:rPr/>
@@ -8560,7 +7711,39 @@
             </a:r>
             <a:r>
               <a:rPr/>
-              <a:t>SAS</a:t>
+              <a:t>SQL</a:t>
+            </a:r>
+            <a:r>
+              <a:rPr/>
+              <a:t> </a:t>
+            </a:r>
+            <a:r>
+              <a:rPr/>
+              <a:t>(co-taught</a:t>
+            </a:r>
+            <a:r>
+              <a:rPr/>
+              <a:t> </a:t>
+            </a:r>
+            <a:r>
+              <a:rPr/>
+              <a:t>with</a:t>
+            </a:r>
+            <a:r>
+              <a:rPr/>
+              <a:t> </a:t>
+            </a:r>
+            <a:r>
+              <a:rPr/>
+              <a:t>Suman</a:t>
+            </a:r>
+            <a:r>
+              <a:rPr/>
+              <a:t> </a:t>
+            </a:r>
+            <a:r>
+              <a:rPr/>
+              <a:t>Sahil)</a:t>
             </a:r>
           </a:p>
           <a:p>
@@ -8582,7 +7765,7 @@
             </a:r>
             <a:r>
               <a:rPr/>
-              <a:t>5508,</a:t>
+              <a:t>5510,</a:t>
             </a:r>
             <a:r>
               <a:rPr/>
@@ -8598,55 +7781,95 @@
             </a:r>
             <a:r>
               <a:rPr/>
-              <a:t>Introduction</a:t>
-            </a:r>
-            <a:r>
-              <a:rPr/>
-              <a:t> </a:t>
-            </a:r>
-            <a:r>
-              <a:rPr/>
-              <a:t>to</a:t>
-            </a:r>
-            <a:r>
-              <a:rPr/>
-              <a:t> </a:t>
-            </a:r>
-            <a:r>
-              <a:rPr/>
-              <a:t>SQL</a:t>
-            </a:r>
-            <a:r>
-              <a:rPr/>
-              <a:t> </a:t>
-            </a:r>
-            <a:r>
-              <a:rPr/>
-              <a:t>(co-taught</a:t>
-            </a:r>
-            <a:r>
-              <a:rPr/>
-              <a:t> </a:t>
-            </a:r>
-            <a:r>
-              <a:rPr/>
-              <a:t>with</a:t>
-            </a:r>
-            <a:r>
-              <a:rPr/>
-              <a:t> </a:t>
-            </a:r>
-            <a:r>
-              <a:rPr/>
-              <a:t>Suman</a:t>
-            </a:r>
-            <a:r>
-              <a:rPr/>
-              <a:t> </a:t>
-            </a:r>
-            <a:r>
-              <a:rPr/>
-              <a:t>Sahil)</a:t>
+              <a:t>Clinical</a:t>
+            </a:r>
+            <a:r>
+              <a:rPr/>
+              <a:t> </a:t>
+            </a:r>
+            <a:r>
+              <a:rPr/>
+              <a:t>Research</a:t>
+            </a:r>
+            <a:r>
+              <a:rPr/>
+              <a:t> </a:t>
+            </a:r>
+            <a:r>
+              <a:rPr/>
+              <a:t>Methodology,</a:t>
+            </a:r>
+            <a:r>
+              <a:rPr/>
+              <a:t> </a:t>
+            </a:r>
+            <a:r>
+              <a:rPr/>
+              <a:t>though</a:t>
+            </a:r>
+            <a:r>
+              <a:rPr/>
+              <a:t> </a:t>
+            </a:r>
+            <a:r>
+              <a:rPr/>
+              <a:t>this</a:t>
+            </a:r>
+            <a:r>
+              <a:rPr/>
+              <a:t> </a:t>
+            </a:r>
+            <a:r>
+              <a:rPr/>
+              <a:t>class</a:t>
+            </a:r>
+            <a:r>
+              <a:rPr/>
+              <a:t> </a:t>
+            </a:r>
+            <a:r>
+              <a:rPr/>
+              <a:t>will</a:t>
+            </a:r>
+            <a:r>
+              <a:rPr/>
+              <a:t> </a:t>
+            </a:r>
+            <a:r>
+              <a:rPr/>
+              <a:t>not</a:t>
+            </a:r>
+            <a:r>
+              <a:rPr/>
+              <a:t> </a:t>
+            </a:r>
+            <a:r>
+              <a:rPr/>
+              <a:t>have</a:t>
+            </a:r>
+            <a:r>
+              <a:rPr/>
+              <a:t> </a:t>
+            </a:r>
+            <a:r>
+              <a:rPr/>
+              <a:t>any</a:t>
+            </a:r>
+            <a:r>
+              <a:rPr/>
+              <a:t> </a:t>
+            </a:r>
+            <a:r>
+              <a:rPr/>
+              <a:t>programming</a:t>
+            </a:r>
+            <a:r>
+              <a:rPr/>
+              <a:t> </a:t>
+            </a:r>
+            <a:r>
+              <a:rPr/>
+              <a:t>exercises.</a:t>
             </a:r>
           </a:p>
           <a:p>
@@ -8660,119 +7883,151 @@
             </a:pPr>
             <a:r>
               <a:rPr/>
-              <a:t>MEDB</a:t>
-            </a:r>
-            <a:r>
-              <a:rPr/>
-              <a:t> </a:t>
-            </a:r>
-            <a:r>
-              <a:rPr/>
-              <a:t>5510,</a:t>
-            </a:r>
-            <a:r>
-              <a:rPr/>
-              <a:t> </a:t>
-            </a:r>
-            <a:r>
-              <a:rPr/>
-              <a:t>for</a:t>
-            </a:r>
-            <a:r>
-              <a:rPr/>
-              <a:t> </a:t>
-            </a:r>
-            <a:r>
-              <a:rPr/>
-              <a:t>Clinical</a:t>
-            </a:r>
-            <a:r>
-              <a:rPr/>
-              <a:t> </a:t>
-            </a:r>
-            <a:r>
-              <a:rPr/>
-              <a:t>Research</a:t>
-            </a:r>
-            <a:r>
-              <a:rPr/>
-              <a:t> </a:t>
-            </a:r>
-            <a:r>
-              <a:rPr/>
-              <a:t>Methodology,</a:t>
-            </a:r>
-            <a:r>
-              <a:rPr/>
-              <a:t> </a:t>
-            </a:r>
-            <a:r>
-              <a:rPr/>
-              <a:t>though</a:t>
-            </a:r>
-            <a:r>
-              <a:rPr/>
-              <a:t> </a:t>
-            </a:r>
-            <a:r>
-              <a:rPr/>
-              <a:t>this</a:t>
-            </a:r>
-            <a:r>
-              <a:rPr/>
-              <a:t> </a:t>
-            </a:r>
-            <a:r>
-              <a:rPr/>
-              <a:t>class</a:t>
-            </a:r>
-            <a:r>
-              <a:rPr/>
-              <a:t> </a:t>
-            </a:r>
-            <a:r>
-              <a:rPr/>
-              <a:t>will</a:t>
-            </a:r>
-            <a:r>
-              <a:rPr/>
-              <a:t> </a:t>
-            </a:r>
-            <a:r>
-              <a:rPr/>
-              <a:t>not</a:t>
-            </a:r>
-            <a:r>
-              <a:rPr/>
-              <a:t> </a:t>
-            </a:r>
-            <a:r>
-              <a:rPr/>
-              <a:t>have</a:t>
-            </a:r>
-            <a:r>
-              <a:rPr/>
-              <a:t> </a:t>
-            </a:r>
-            <a:r>
-              <a:rPr/>
-              <a:t>any</a:t>
-            </a:r>
-            <a:r>
-              <a:rPr/>
-              <a:t> </a:t>
-            </a:r>
-            <a:r>
-              <a:rPr/>
-              <a:t>programming</a:t>
-            </a:r>
-            <a:r>
-              <a:rPr/>
-              <a:t> </a:t>
-            </a:r>
-            <a:r>
-              <a:rPr/>
-              <a:t>exercises.</a:t>
+              <a:t>All</a:t>
+            </a:r>
+            <a:r>
+              <a:rPr/>
+              <a:t> </a:t>
+            </a:r>
+            <a:r>
+              <a:rPr/>
+              <a:t>of</a:t>
+            </a:r>
+            <a:r>
+              <a:rPr/>
+              <a:t> </a:t>
+            </a:r>
+            <a:r>
+              <a:rPr/>
+              <a:t>my</a:t>
+            </a:r>
+            <a:r>
+              <a:rPr/>
+              <a:t> </a:t>
+            </a:r>
+            <a:r>
+              <a:rPr/>
+              <a:t>classes</a:t>
+            </a:r>
+            <a:r>
+              <a:rPr/>
+              <a:t> </a:t>
+            </a:r>
+            <a:r>
+              <a:rPr/>
+              <a:t>are</a:t>
+            </a:r>
+            <a:r>
+              <a:rPr/>
+              <a:t> </a:t>
+            </a:r>
+            <a:r>
+              <a:rPr/>
+              <a:t>divided</a:t>
+            </a:r>
+            <a:r>
+              <a:rPr/>
+              <a:t> </a:t>
+            </a:r>
+            <a:r>
+              <a:rPr/>
+              <a:t>into</a:t>
+            </a:r>
+            <a:r>
+              <a:rPr/>
+              <a:t> </a:t>
+            </a:r>
+            <a:r>
+              <a:rPr/>
+              <a:t>modules</a:t>
+            </a:r>
+            <a:r>
+              <a:rPr/>
+              <a:t> </a:t>
+            </a:r>
+            <a:r>
+              <a:rPr/>
+              <a:t>and</a:t>
+            </a:r>
+            <a:r>
+              <a:rPr/>
+              <a:t> </a:t>
+            </a:r>
+            <a:r>
+              <a:rPr/>
+              <a:t>you</a:t>
+            </a:r>
+            <a:r>
+              <a:rPr/>
+              <a:t> </a:t>
+            </a:r>
+            <a:r>
+              <a:rPr/>
+              <a:t>need</a:t>
+            </a:r>
+            <a:r>
+              <a:rPr/>
+              <a:t> </a:t>
+            </a:r>
+            <a:r>
+              <a:rPr/>
+              <a:t>to</a:t>
+            </a:r>
+            <a:r>
+              <a:rPr/>
+              <a:t> </a:t>
+            </a:r>
+            <a:r>
+              <a:rPr/>
+              <a:t>indicate</a:t>
+            </a:r>
+            <a:r>
+              <a:rPr/>
+              <a:t> </a:t>
+            </a:r>
+            <a:r>
+              <a:rPr/>
+              <a:t>which</a:t>
+            </a:r>
+            <a:r>
+              <a:rPr/>
+              <a:t> </a:t>
+            </a:r>
+            <a:r>
+              <a:rPr/>
+              <a:t>module</a:t>
+            </a:r>
+            <a:r>
+              <a:rPr/>
+              <a:t> </a:t>
+            </a:r>
+            <a:r>
+              <a:rPr/>
+              <a:t>your</a:t>
+            </a:r>
+            <a:r>
+              <a:rPr/>
+              <a:t> </a:t>
+            </a:r>
+            <a:r>
+              <a:rPr/>
+              <a:t>assignment</a:t>
+            </a:r>
+            <a:r>
+              <a:rPr/>
+              <a:t> </a:t>
+            </a:r>
+            <a:r>
+              <a:rPr/>
+              <a:t>came</a:t>
+            </a:r>
+            <a:r>
+              <a:rPr/>
+              <a:t> </a:t>
+            </a:r>
+            <a:r>
+              <a:rPr/>
+              <a:t>from.</a:t>
             </a:r>
           </a:p>
           <a:p>
@@ -8786,31 +8041,7 @@
             </a:pPr>
             <a:r>
               <a:rPr/>
-              <a:t>All</a:t>
-            </a:r>
-            <a:r>
-              <a:rPr/>
-              <a:t> </a:t>
-            </a:r>
-            <a:r>
-              <a:rPr/>
-              <a:t>of</a:t>
-            </a:r>
-            <a:r>
-              <a:rPr/>
-              <a:t> </a:t>
-            </a:r>
-            <a:r>
-              <a:rPr/>
-              <a:t>my</a:t>
-            </a:r>
-            <a:r>
-              <a:rPr/>
-              <a:t> </a:t>
-            </a:r>
-            <a:r>
-              <a:rPr/>
-              <a:t>classes</a:t>
+              <a:t>There</a:t>
             </a:r>
             <a:r>
               <a:rPr/>
@@ -8826,23 +8057,55 @@
             </a:r>
             <a:r>
               <a:rPr/>
-              <a:t>divided</a:t>
-            </a:r>
-            <a:r>
-              <a:rPr/>
-              <a:t> </a:t>
-            </a:r>
-            <a:r>
-              <a:rPr/>
-              <a:t>into</a:t>
-            </a:r>
-            <a:r>
-              <a:rPr/>
-              <a:t> </a:t>
-            </a:r>
-            <a:r>
-              <a:rPr/>
-              <a:t>modules</a:t>
+              <a:t>several</a:t>
+            </a:r>
+            <a:r>
+              <a:rPr/>
+              <a:t> </a:t>
+            </a:r>
+            <a:r>
+              <a:rPr/>
+              <a:t>ways</a:t>
+            </a:r>
+            <a:r>
+              <a:rPr/>
+              <a:t> </a:t>
+            </a:r>
+            <a:r>
+              <a:rPr/>
+              <a:t>you</a:t>
+            </a:r>
+            <a:r>
+              <a:rPr/>
+              <a:t> </a:t>
+            </a:r>
+            <a:r>
+              <a:rPr/>
+              <a:t>can</a:t>
+            </a:r>
+            <a:r>
+              <a:rPr/>
+              <a:t> </a:t>
+            </a:r>
+            <a:r>
+              <a:rPr/>
+              <a:t>name</a:t>
+            </a:r>
+            <a:r>
+              <a:rPr/>
+              <a:t> </a:t>
+            </a:r>
+            <a:r>
+              <a:rPr/>
+              <a:t>your</a:t>
+            </a:r>
+            <a:r>
+              <a:rPr/>
+              <a:t> </a:t>
+            </a:r>
+            <a:r>
+              <a:rPr/>
+              <a:t>files</a:t>
             </a:r>
             <a:r>
               <a:rPr/>
@@ -8858,79 +8121,55 @@
             </a:r>
             <a:r>
               <a:rPr/>
-              <a:t>you</a:t>
-            </a:r>
-            <a:r>
-              <a:rPr/>
-              <a:t> </a:t>
-            </a:r>
-            <a:r>
-              <a:rPr/>
-              <a:t>need</a:t>
-            </a:r>
-            <a:r>
-              <a:rPr/>
-              <a:t> </a:t>
-            </a:r>
-            <a:r>
-              <a:rPr/>
-              <a:t>to</a:t>
-            </a:r>
-            <a:r>
-              <a:rPr/>
-              <a:t> </a:t>
-            </a:r>
-            <a:r>
-              <a:rPr/>
-              <a:t>indicate</a:t>
-            </a:r>
-            <a:r>
-              <a:rPr/>
-              <a:t> </a:t>
-            </a:r>
-            <a:r>
-              <a:rPr/>
-              <a:t>which</a:t>
-            </a:r>
-            <a:r>
-              <a:rPr/>
-              <a:t> </a:t>
-            </a:r>
-            <a:r>
-              <a:rPr/>
-              <a:t>module</a:t>
-            </a:r>
-            <a:r>
-              <a:rPr/>
-              <a:t> </a:t>
-            </a:r>
-            <a:r>
-              <a:rPr/>
-              <a:t>your</a:t>
-            </a:r>
-            <a:r>
-              <a:rPr/>
-              <a:t> </a:t>
-            </a:r>
-            <a:r>
-              <a:rPr/>
-              <a:t>assignment</a:t>
-            </a:r>
-            <a:r>
-              <a:rPr/>
-              <a:t> </a:t>
-            </a:r>
-            <a:r>
-              <a:rPr/>
-              <a:t>came</a:t>
-            </a:r>
-            <a:r>
-              <a:rPr/>
-              <a:t> </a:t>
-            </a:r>
-            <a:r>
-              <a:rPr/>
-              <a:t>from.</a:t>
+              <a:t>meet</a:t>
+            </a:r>
+            <a:r>
+              <a:rPr/>
+              <a:t> </a:t>
+            </a:r>
+            <a:r>
+              <a:rPr/>
+              <a:t>these</a:t>
+            </a:r>
+            <a:r>
+              <a:rPr/>
+              <a:t> </a:t>
+            </a:r>
+            <a:r>
+              <a:rPr/>
+              <a:t>requirements.</a:t>
+            </a:r>
+            <a:r>
+              <a:rPr/>
+              <a:t> </a:t>
+            </a:r>
+            <a:r>
+              <a:rPr/>
+              <a:t>Here</a:t>
+            </a:r>
+            <a:r>
+              <a:rPr/>
+              <a:t> </a:t>
+            </a:r>
+            <a:r>
+              <a:rPr/>
+              <a:t>are</a:t>
+            </a:r>
+            <a:r>
+              <a:rPr/>
+              <a:t> </a:t>
+            </a:r>
+            <a:r>
+              <a:rPr/>
+              <a:t>two</a:t>
+            </a:r>
+            <a:r>
+              <a:rPr/>
+              <a:t> </a:t>
+            </a:r>
+            <a:r>
+              <a:rPr/>
+              <a:t>examples.</a:t>
             </a:r>
           </a:p>
           <a:p>
@@ -8944,47 +8183,353 @@
             </a:pPr>
             <a:r>
               <a:rPr/>
-              <a:t>There</a:t>
-            </a:r>
-            <a:r>
-              <a:rPr/>
-              <a:t> </a:t>
-            </a:r>
-            <a:r>
-              <a:rPr/>
-              <a:t>are</a:t>
-            </a:r>
-            <a:r>
-              <a:rPr/>
-              <a:t> </a:t>
-            </a:r>
-            <a:r>
-              <a:rPr/>
-              <a:t>several</a:t>
-            </a:r>
-            <a:r>
-              <a:rPr/>
-              <a:t> </a:t>
-            </a:r>
-            <a:r>
-              <a:rPr/>
-              <a:t>ways</a:t>
-            </a:r>
-            <a:r>
-              <a:rPr/>
-              <a:t> </a:t>
-            </a:r>
-            <a:r>
-              <a:rPr/>
-              <a:t>you</a:t>
-            </a:r>
-            <a:r>
-              <a:rPr/>
-              <a:t> </a:t>
-            </a:r>
-            <a:r>
-              <a:rPr/>
-              <a:t>can</a:t>
+              <a:t>“</a:t>
+            </a:r>
+            <a:r>
+              <a:rPr/>
+              <a:t>Steve</a:t>
+            </a:r>
+            <a:r>
+              <a:rPr/>
+              <a:t> </a:t>
+            </a:r>
+            <a:r>
+              <a:rPr/>
+              <a:t>Simon</a:t>
+            </a:r>
+            <a:r>
+              <a:rPr/>
+              <a:t> </a:t>
+            </a:r>
+            <a:r>
+              <a:rPr/>
+              <a:t>homework,</a:t>
+            </a:r>
+            <a:r>
+              <a:rPr/>
+              <a:t> </a:t>
+            </a:r>
+            <a:r>
+              <a:rPr/>
+              <a:t>part</a:t>
+            </a:r>
+            <a:r>
+              <a:rPr/>
+              <a:t> </a:t>
+            </a:r>
+            <a:r>
+              <a:rPr/>
+              <a:t>a,</a:t>
+            </a:r>
+            <a:r>
+              <a:rPr/>
+              <a:t> </a:t>
+            </a:r>
+            <a:r>
+              <a:rPr/>
+              <a:t>for</a:t>
+            </a:r>
+            <a:r>
+              <a:rPr/>
+              <a:t> </a:t>
+            </a:r>
+            <a:r>
+              <a:rPr/>
+              <a:t>5505,</a:t>
+            </a:r>
+            <a:r>
+              <a:rPr/>
+              <a:t> </a:t>
+            </a:r>
+            <a:r>
+              <a:rPr/>
+              <a:t>Module02</a:t>
+            </a:r>
+            <a:r>
+              <a:rPr/>
+              <a:t>”</a:t>
+            </a:r>
+            <a:r>
+              <a:rPr/>
+              <a:t> </a:t>
+            </a:r>
+            <a:r>
+              <a:rPr/>
+              <a:t>is</a:t>
+            </a:r>
+            <a:r>
+              <a:rPr/>
+              <a:t> </a:t>
+            </a:r>
+            <a:r>
+              <a:rPr/>
+              <a:t>lengthy</a:t>
+            </a:r>
+            <a:r>
+              <a:rPr/>
+              <a:t> </a:t>
+            </a:r>
+            <a:r>
+              <a:rPr/>
+              <a:t>file</a:t>
+            </a:r>
+            <a:r>
+              <a:rPr/>
+              <a:t> </a:t>
+            </a:r>
+            <a:r>
+              <a:rPr/>
+              <a:t>name.</a:t>
+            </a:r>
+          </a:p>
+          <a:p>
+            <a:pPr lvl="0" marL="0" indent="0">
+              <a:buNone/>
+            </a:pPr>
+          </a:p>
+          <a:p>
+            <a:pPr lvl="0" marL="0" indent="0">
+              <a:buNone/>
+            </a:pPr>
+            <a:r>
+              <a:rPr/>
+              <a:t>“</a:t>
+            </a:r>
+            <a:r>
+              <a:rPr/>
+              <a:t>hw02a-5505-simon</a:t>
+            </a:r>
+            <a:r>
+              <a:rPr/>
+              <a:t>”</a:t>
+            </a:r>
+            <a:r>
+              <a:rPr/>
+              <a:t> </a:t>
+            </a:r>
+            <a:r>
+              <a:rPr/>
+              <a:t>is</a:t>
+            </a:r>
+            <a:r>
+              <a:rPr/>
+              <a:t> </a:t>
+            </a:r>
+            <a:r>
+              <a:rPr/>
+              <a:t>a</a:t>
+            </a:r>
+            <a:r>
+              <a:rPr/>
+              <a:t> </a:t>
+            </a:r>
+            <a:r>
+              <a:rPr/>
+              <a:t>terse</a:t>
+            </a:r>
+            <a:r>
+              <a:rPr/>
+              <a:t> </a:t>
+            </a:r>
+            <a:r>
+              <a:rPr/>
+              <a:t>file</a:t>
+            </a:r>
+            <a:r>
+              <a:rPr/>
+              <a:t> </a:t>
+            </a:r>
+            <a:r>
+              <a:rPr/>
+              <a:t>name.</a:t>
+            </a:r>
+            <a:r>
+              <a:rPr/>
+              <a:t> </a:t>
+            </a:r>
+            <a:r>
+              <a:rPr/>
+              <a:t>Either</a:t>
+            </a:r>
+            <a:r>
+              <a:rPr/>
+              <a:t> </a:t>
+            </a:r>
+            <a:r>
+              <a:rPr/>
+              <a:t>is</a:t>
+            </a:r>
+            <a:r>
+              <a:rPr/>
+              <a:t> </a:t>
+            </a:r>
+            <a:r>
+              <a:rPr/>
+              <a:t>fine</a:t>
+            </a:r>
+            <a:r>
+              <a:rPr/>
+              <a:t> </a:t>
+            </a:r>
+            <a:r>
+              <a:rPr/>
+              <a:t>as</a:t>
+            </a:r>
+            <a:r>
+              <a:rPr/>
+              <a:t> </a:t>
+            </a:r>
+            <a:r>
+              <a:rPr/>
+              <a:t>long</a:t>
+            </a:r>
+            <a:r>
+              <a:rPr/>
+              <a:t> </a:t>
+            </a:r>
+            <a:r>
+              <a:rPr/>
+              <a:t>as</a:t>
+            </a:r>
+            <a:r>
+              <a:rPr/>
+              <a:t> </a:t>
+            </a:r>
+            <a:r>
+              <a:rPr/>
+              <a:t>it</a:t>
+            </a:r>
+            <a:r>
+              <a:rPr/>
+              <a:t> </a:t>
+            </a:r>
+            <a:r>
+              <a:rPr/>
+              <a:t>has</a:t>
+            </a:r>
+            <a:r>
+              <a:rPr/>
+              <a:t> </a:t>
+            </a:r>
+            <a:r>
+              <a:rPr/>
+              <a:t>“</a:t>
+            </a:r>
+            <a:r>
+              <a:rPr/>
+              <a:t>02</a:t>
+            </a:r>
+            <a:r>
+              <a:rPr/>
+              <a:t>”</a:t>
+            </a:r>
+            <a:r>
+              <a:rPr/>
+              <a:t>"</a:t>
+            </a:r>
+            <a:r>
+              <a:rPr/>
+              <a:t> </a:t>
+            </a:r>
+            <a:r>
+              <a:rPr/>
+              <a:t>for</a:t>
+            </a:r>
+            <a:r>
+              <a:rPr/>
+              <a:t> </a:t>
+            </a:r>
+            <a:r>
+              <a:rPr/>
+              <a:t>module02,</a:t>
+            </a:r>
+            <a:r>
+              <a:rPr/>
+              <a:t> </a:t>
+            </a:r>
+            <a:r>
+              <a:rPr/>
+              <a:t>“</a:t>
+            </a:r>
+            <a:r>
+              <a:rPr/>
+              <a:t>5505</a:t>
+            </a:r>
+            <a:r>
+              <a:rPr/>
+              <a:t>”</a:t>
+            </a:r>
+            <a:r>
+              <a:rPr/>
+              <a:t> </a:t>
+            </a:r>
+            <a:r>
+              <a:rPr/>
+              <a:t>for</a:t>
+            </a:r>
+            <a:r>
+              <a:rPr/>
+              <a:t> </a:t>
+            </a:r>
+            <a:r>
+              <a:rPr/>
+              <a:t>Introduction</a:t>
+            </a:r>
+            <a:r>
+              <a:rPr/>
+              <a:t> </a:t>
+            </a:r>
+            <a:r>
+              <a:rPr/>
+              <a:t>to</a:t>
+            </a:r>
+            <a:r>
+              <a:rPr/>
+              <a:t> </a:t>
+            </a:r>
+            <a:r>
+              <a:rPr/>
+              <a:t>R</a:t>
+            </a:r>
+            <a:r>
+              <a:rPr/>
+              <a:t> </a:t>
+            </a:r>
+            <a:r>
+              <a:rPr/>
+              <a:t>and</a:t>
+            </a:r>
+            <a:r>
+              <a:rPr/>
+              <a:t> </a:t>
+            </a:r>
+            <a:r>
+              <a:rPr/>
+              <a:t>“</a:t>
+            </a:r>
+            <a:r>
+              <a:rPr/>
+              <a:t>simon</a:t>
+            </a:r>
+            <a:r>
+              <a:rPr/>
+              <a:t>”</a:t>
+            </a:r>
+            <a:r>
+              <a:rPr/>
+              <a:t> </a:t>
+            </a:r>
+            <a:r>
+              <a:rPr/>
+              <a:t>(actually</a:t>
+            </a:r>
+            <a:r>
+              <a:rPr/>
+              <a:t> </a:t>
+            </a:r>
+            <a:r>
+              <a:rPr/>
+              <a:t>your</a:t>
             </a:r>
             <a:r>
               <a:rPr/>
@@ -9000,79 +8545,23 @@
             </a:r>
             <a:r>
               <a:rPr/>
-              <a:t>your</a:t>
-            </a:r>
-            <a:r>
-              <a:rPr/>
-              <a:t> </a:t>
-            </a:r>
-            <a:r>
-              <a:rPr/>
-              <a:t>files</a:t>
-            </a:r>
-            <a:r>
-              <a:rPr/>
-              <a:t> </a:t>
-            </a:r>
-            <a:r>
-              <a:rPr/>
-              <a:t>and</a:t>
-            </a:r>
-            <a:r>
-              <a:rPr/>
-              <a:t> </a:t>
-            </a:r>
-            <a:r>
-              <a:rPr/>
-              <a:t>meet</a:t>
-            </a:r>
-            <a:r>
-              <a:rPr/>
-              <a:t> </a:t>
-            </a:r>
-            <a:r>
-              <a:rPr/>
-              <a:t>these</a:t>
-            </a:r>
-            <a:r>
-              <a:rPr/>
-              <a:t> </a:t>
-            </a:r>
-            <a:r>
-              <a:rPr/>
-              <a:t>requirements.</a:t>
-            </a:r>
-            <a:r>
-              <a:rPr/>
-              <a:t> </a:t>
-            </a:r>
-            <a:r>
-              <a:rPr/>
-              <a:t>Here</a:t>
-            </a:r>
-            <a:r>
-              <a:rPr/>
-              <a:t> </a:t>
-            </a:r>
-            <a:r>
-              <a:rPr/>
-              <a:t>are</a:t>
-            </a:r>
-            <a:r>
-              <a:rPr/>
-              <a:t> </a:t>
-            </a:r>
-            <a:r>
-              <a:rPr/>
-              <a:t>two</a:t>
-            </a:r>
-            <a:r>
-              <a:rPr/>
-              <a:t> </a:t>
-            </a:r>
-            <a:r>
-              <a:rPr/>
-              <a:t>examples.</a:t>
+              <a:t>would</a:t>
+            </a:r>
+            <a:r>
+              <a:rPr/>
+              <a:t> </a:t>
+            </a:r>
+            <a:r>
+              <a:rPr/>
+              <a:t>go</a:t>
+            </a:r>
+            <a:r>
+              <a:rPr/>
+              <a:t> </a:t>
+            </a:r>
+            <a:r>
+              <a:rPr/>
+              <a:t>here).</a:t>
             </a:r>
           </a:p>
           <a:p>
@@ -10178,47 +9667,303 @@
             </a:pPr>
             <a:r>
               <a:rPr/>
-              <a:t>Remember</a:t>
-            </a:r>
-            <a:r>
-              <a:rPr/>
-              <a:t> </a:t>
-            </a:r>
-            <a:r>
-              <a:rPr/>
-              <a:t>these</a:t>
-            </a:r>
-            <a:r>
-              <a:rPr/>
-              <a:t> </a:t>
-            </a:r>
-            <a:r>
-              <a:rPr/>
-              <a:t>guidelinesfor</a:t>
-            </a:r>
-            <a:r>
-              <a:rPr/>
-              <a:t> </a:t>
-            </a:r>
-            <a:r>
-              <a:rPr/>
-              <a:t>every</a:t>
-            </a:r>
-            <a:r>
-              <a:rPr/>
-              <a:t> </a:t>
-            </a:r>
-            <a:r>
-              <a:rPr/>
-              <a:t>assignment</a:t>
-            </a:r>
-            <a:r>
-              <a:rPr/>
-              <a:t> </a:t>
-            </a:r>
-            <a:r>
-              <a:rPr/>
-              <a:t>that</a:t>
+              <a:t>I</a:t>
+            </a:r>
+            <a:r>
+              <a:rPr/>
+              <a:t> </a:t>
+            </a:r>
+            <a:r>
+              <a:rPr/>
+              <a:t>need</a:t>
+            </a:r>
+            <a:r>
+              <a:rPr/>
+              <a:t> </a:t>
+            </a:r>
+            <a:r>
+              <a:rPr/>
+              <a:t>to</a:t>
+            </a:r>
+            <a:r>
+              <a:rPr/>
+              <a:t> </a:t>
+            </a:r>
+            <a:r>
+              <a:rPr/>
+              <a:t>see</a:t>
+            </a:r>
+            <a:r>
+              <a:rPr/>
+              <a:t> </a:t>
+            </a:r>
+            <a:r>
+              <a:rPr/>
+              <a:t>the</a:t>
+            </a:r>
+            <a:r>
+              <a:rPr/>
+              <a:t> </a:t>
+            </a:r>
+            <a:r>
+              <a:rPr/>
+              <a:t>original</a:t>
+            </a:r>
+            <a:r>
+              <a:rPr/>
+              <a:t> </a:t>
+            </a:r>
+            <a:r>
+              <a:rPr/>
+              <a:t>questions</a:t>
+            </a:r>
+            <a:r>
+              <a:rPr/>
+              <a:t> </a:t>
+            </a:r>
+            <a:r>
+              <a:rPr/>
+              <a:t>in</a:t>
+            </a:r>
+            <a:r>
+              <a:rPr/>
+              <a:t> </a:t>
+            </a:r>
+            <a:r>
+              <a:rPr/>
+              <a:t>the</a:t>
+            </a:r>
+            <a:r>
+              <a:rPr/>
+              <a:t> </a:t>
+            </a:r>
+            <a:r>
+              <a:rPr/>
+              <a:t>code</a:t>
+            </a:r>
+            <a:r>
+              <a:rPr/>
+              <a:t> </a:t>
+            </a:r>
+            <a:r>
+              <a:rPr/>
+              <a:t>as</a:t>
+            </a:r>
+            <a:r>
+              <a:rPr/>
+              <a:t> </a:t>
+            </a:r>
+            <a:r>
+              <a:rPr/>
+              <a:t>a</a:t>
+            </a:r>
+            <a:r>
+              <a:rPr/>
+              <a:t> </a:t>
+            </a:r>
+            <a:r>
+              <a:rPr/>
+              <a:t>comment</a:t>
+            </a:r>
+            <a:r>
+              <a:rPr/>
+              <a:t> </a:t>
+            </a:r>
+            <a:r>
+              <a:rPr/>
+              <a:t>or</a:t>
+            </a:r>
+            <a:r>
+              <a:rPr/>
+              <a:t> </a:t>
+            </a:r>
+            <a:r>
+              <a:rPr/>
+              <a:t>in</a:t>
+            </a:r>
+            <a:r>
+              <a:rPr/>
+              <a:t> </a:t>
+            </a:r>
+            <a:r>
+              <a:rPr/>
+              <a:t>the</a:t>
+            </a:r>
+            <a:r>
+              <a:rPr/>
+              <a:t> </a:t>
+            </a:r>
+            <a:r>
+              <a:rPr/>
+              <a:t>output</a:t>
+            </a:r>
+            <a:r>
+              <a:rPr/>
+              <a:t> </a:t>
+            </a:r>
+            <a:r>
+              <a:rPr/>
+              <a:t>as</a:t>
+            </a:r>
+            <a:r>
+              <a:rPr/>
+              <a:t> </a:t>
+            </a:r>
+            <a:r>
+              <a:rPr/>
+              <a:t>a</a:t>
+            </a:r>
+            <a:r>
+              <a:rPr/>
+              <a:t> </a:t>
+            </a:r>
+            <a:r>
+              <a:rPr/>
+              <a:t>title</a:t>
+            </a:r>
+            <a:r>
+              <a:rPr/>
+              <a:t> </a:t>
+            </a:r>
+            <a:r>
+              <a:rPr/>
+              <a:t>or</a:t>
+            </a:r>
+            <a:r>
+              <a:rPr/>
+              <a:t> </a:t>
+            </a:r>
+            <a:r>
+              <a:rPr/>
+              <a:t>footnote.</a:t>
+            </a:r>
+            <a:r>
+              <a:rPr/>
+              <a:t> </a:t>
+            </a:r>
+            <a:r>
+              <a:rPr/>
+              <a:t>With</a:t>
+            </a:r>
+            <a:r>
+              <a:rPr/>
+              <a:t> </a:t>
+            </a:r>
+            <a:r>
+              <a:rPr/>
+              <a:t>mutliple</a:t>
+            </a:r>
+            <a:r>
+              <a:rPr/>
+              <a:t> </a:t>
+            </a:r>
+            <a:r>
+              <a:rPr/>
+              <a:t>assignments</a:t>
+            </a:r>
+            <a:r>
+              <a:rPr/>
+              <a:t> </a:t>
+            </a:r>
+            <a:r>
+              <a:rPr/>
+              <a:t>to</a:t>
+            </a:r>
+            <a:r>
+              <a:rPr/>
+              <a:t> </a:t>
+            </a:r>
+            <a:r>
+              <a:rPr/>
+              <a:t>grade</a:t>
+            </a:r>
+            <a:r>
+              <a:rPr/>
+              <a:t> </a:t>
+            </a:r>
+            <a:r>
+              <a:rPr/>
+              <a:t>in</a:t>
+            </a:r>
+            <a:r>
+              <a:rPr/>
+              <a:t> </a:t>
+            </a:r>
+            <a:r>
+              <a:rPr/>
+              <a:t>multiple</a:t>
+            </a:r>
+            <a:r>
+              <a:rPr/>
+              <a:t> </a:t>
+            </a:r>
+            <a:r>
+              <a:rPr/>
+              <a:t>classes,</a:t>
+            </a:r>
+            <a:r>
+              <a:rPr/>
+              <a:t> </a:t>
+            </a:r>
+            <a:r>
+              <a:rPr/>
+              <a:t>I</a:t>
+            </a:r>
+            <a:r>
+              <a:rPr/>
+              <a:t> </a:t>
+            </a:r>
+            <a:r>
+              <a:rPr/>
+              <a:t>often</a:t>
+            </a:r>
+            <a:r>
+              <a:rPr/>
+              <a:t> </a:t>
+            </a:r>
+            <a:r>
+              <a:rPr/>
+              <a:t>fail</a:t>
+            </a:r>
+            <a:r>
+              <a:rPr/>
+              <a:t> </a:t>
+            </a:r>
+            <a:r>
+              <a:rPr/>
+              <a:t>to</a:t>
+            </a:r>
+            <a:r>
+              <a:rPr/>
+              <a:t> </a:t>
+            </a:r>
+            <a:r>
+              <a:rPr/>
+              <a:t>remember</a:t>
+            </a:r>
+            <a:r>
+              <a:rPr/>
+              <a:t> </a:t>
+            </a:r>
+            <a:r>
+              <a:rPr/>
+              <a:t>what</a:t>
+            </a:r>
+            <a:r>
+              <a:rPr/>
+              <a:t> </a:t>
+            </a:r>
+            <a:r>
+              <a:rPr/>
+              <a:t>I</a:t>
+            </a:r>
+            <a:r>
+              <a:rPr/>
+              <a:t> </a:t>
+            </a:r>
+            <a:r>
+              <a:rPr/>
+              <a:t>wanted</a:t>
             </a:r>
             <a:r>
               <a:rPr/>
@@ -10234,23 +9979,325 @@
             </a:r>
             <a:r>
               <a:rPr/>
-              <a:t>turn</a:t>
-            </a:r>
-            <a:r>
-              <a:rPr/>
-              <a:t> </a:t>
-            </a:r>
-            <a:r>
-              <a:rPr/>
-              <a:t>in.</a:t>
-            </a:r>
-            <a:r>
-              <a:rPr/>
-              <a:t> </a:t>
-            </a:r>
-            <a:r>
-              <a:rPr/>
-              <a:t>Use</a:t>
+              <a:t>to</a:t>
+            </a:r>
+            <a:r>
+              <a:rPr/>
+              <a:t> </a:t>
+            </a:r>
+            <a:r>
+              <a:rPr/>
+              <a:t>do</a:t>
+            </a:r>
+            <a:r>
+              <a:rPr/>
+              <a:t> </a:t>
+            </a:r>
+            <a:r>
+              <a:rPr/>
+              <a:t>for</a:t>
+            </a:r>
+            <a:r>
+              <a:rPr/>
+              <a:t> </a:t>
+            </a:r>
+            <a:r>
+              <a:rPr/>
+              <a:t>a</a:t>
+            </a:r>
+            <a:r>
+              <a:rPr/>
+              <a:t> </a:t>
+            </a:r>
+            <a:r>
+              <a:rPr/>
+              <a:t>particular</a:t>
+            </a:r>
+            <a:r>
+              <a:rPr/>
+              <a:t> </a:t>
+            </a:r>
+            <a:r>
+              <a:rPr/>
+              <a:t>homework</a:t>
+            </a:r>
+            <a:r>
+              <a:rPr/>
+              <a:t> </a:t>
+            </a:r>
+            <a:r>
+              <a:rPr/>
+              <a:t>assignment.</a:t>
+            </a:r>
+          </a:p>
+          <a:p>
+            <a:pPr lvl="0" marL="0" indent="0">
+              <a:buNone/>
+            </a:pPr>
+          </a:p>
+          <a:p>
+            <a:pPr lvl="0" marL="0" indent="0">
+              <a:buNone/>
+            </a:pPr>
+            <a:r>
+              <a:rPr/>
+              <a:t>As</a:t>
+            </a:r>
+            <a:r>
+              <a:rPr/>
+              <a:t> </a:t>
+            </a:r>
+            <a:r>
+              <a:rPr/>
+              <a:t>you</a:t>
+            </a:r>
+            <a:r>
+              <a:rPr/>
+              <a:t> </a:t>
+            </a:r>
+            <a:r>
+              <a:rPr/>
+              <a:t>answer</a:t>
+            </a:r>
+            <a:r>
+              <a:rPr/>
+              <a:t> </a:t>
+            </a:r>
+            <a:r>
+              <a:rPr/>
+              <a:t>each</a:t>
+            </a:r>
+            <a:r>
+              <a:rPr/>
+              <a:t> </a:t>
+            </a:r>
+            <a:r>
+              <a:rPr/>
+              <a:t>question,</a:t>
+            </a:r>
+            <a:r>
+              <a:rPr/>
+              <a:t> </a:t>
+            </a:r>
+            <a:r>
+              <a:rPr/>
+              <a:t>I</a:t>
+            </a:r>
+            <a:r>
+              <a:rPr/>
+              <a:t> </a:t>
+            </a:r>
+            <a:r>
+              <a:rPr/>
+              <a:t>want</a:t>
+            </a:r>
+            <a:r>
+              <a:rPr/>
+              <a:t> </a:t>
+            </a:r>
+            <a:r>
+              <a:rPr/>
+              <a:t>a</a:t>
+            </a:r>
+            <a:r>
+              <a:rPr/>
+              <a:t> </a:t>
+            </a:r>
+            <a:r>
+              <a:rPr/>
+              <a:t>brief</a:t>
+            </a:r>
+            <a:r>
+              <a:rPr/>
+              <a:t> </a:t>
+            </a:r>
+            <a:r>
+              <a:rPr/>
+              <a:t>comment.</a:t>
+            </a:r>
+            <a:r>
+              <a:rPr/>
+              <a:t> </a:t>
+            </a:r>
+            <a:r>
+              <a:rPr/>
+              <a:t>Often</a:t>
+            </a:r>
+            <a:r>
+              <a:rPr/>
+              <a:t> </a:t>
+            </a:r>
+            <a:r>
+              <a:rPr/>
+              <a:t>it</a:t>
+            </a:r>
+            <a:r>
+              <a:rPr/>
+              <a:t> </a:t>
+            </a:r>
+            <a:r>
+              <a:rPr/>
+              <a:t>is</a:t>
+            </a:r>
+            <a:r>
+              <a:rPr/>
+              <a:t> </a:t>
+            </a:r>
+            <a:r>
+              <a:rPr/>
+              <a:t>a</a:t>
+            </a:r>
+            <a:r>
+              <a:rPr/>
+              <a:t> </a:t>
+            </a:r>
+            <a:r>
+              <a:rPr/>
+              <a:t>single</a:t>
+            </a:r>
+            <a:r>
+              <a:rPr/>
+              <a:t> </a:t>
+            </a:r>
+            <a:r>
+              <a:rPr/>
+              <a:t>sentence,</a:t>
+            </a:r>
+            <a:r>
+              <a:rPr/>
+              <a:t> </a:t>
+            </a:r>
+            <a:r>
+              <a:rPr/>
+              <a:t>but</a:t>
+            </a:r>
+            <a:r>
+              <a:rPr/>
+              <a:t> </a:t>
+            </a:r>
+            <a:r>
+              <a:rPr/>
+              <a:t>you</a:t>
+            </a:r>
+            <a:r>
+              <a:rPr/>
+              <a:t> </a:t>
+            </a:r>
+            <a:r>
+              <a:rPr/>
+              <a:t>might</a:t>
+            </a:r>
+            <a:r>
+              <a:rPr/>
+              <a:t> </a:t>
+            </a:r>
+            <a:r>
+              <a:rPr/>
+              <a:t>need</a:t>
+            </a:r>
+            <a:r>
+              <a:rPr/>
+              <a:t> </a:t>
+            </a:r>
+            <a:r>
+              <a:rPr/>
+              <a:t>two</a:t>
+            </a:r>
+            <a:r>
+              <a:rPr/>
+              <a:t> </a:t>
+            </a:r>
+            <a:r>
+              <a:rPr/>
+              <a:t>or</a:t>
+            </a:r>
+            <a:r>
+              <a:rPr/>
+              <a:t> </a:t>
+            </a:r>
+            <a:r>
+              <a:rPr/>
+              <a:t>maybe</a:t>
+            </a:r>
+            <a:r>
+              <a:rPr/>
+              <a:t> </a:t>
+            </a:r>
+            <a:r>
+              <a:rPr/>
+              <a:t>three</a:t>
+            </a:r>
+            <a:r>
+              <a:rPr/>
+              <a:t> </a:t>
+            </a:r>
+            <a:r>
+              <a:rPr/>
+              <a:t>sentences.</a:t>
+            </a:r>
+            <a:r>
+              <a:rPr/>
+              <a:t> </a:t>
+            </a:r>
+            <a:r>
+              <a:rPr/>
+              <a:t>What</a:t>
+            </a:r>
+            <a:r>
+              <a:rPr/>
+              <a:t> </a:t>
+            </a:r>
+            <a:r>
+              <a:rPr/>
+              <a:t>I</a:t>
+            </a:r>
+            <a:r>
+              <a:rPr/>
+              <a:t> </a:t>
+            </a:r>
+            <a:r>
+              <a:rPr/>
+              <a:t>needs</a:t>
+            </a:r>
+            <a:r>
+              <a:rPr/>
+              <a:t> </a:t>
+            </a:r>
+            <a:r>
+              <a:rPr/>
+              <a:t>is</a:t>
+            </a:r>
+            <a:r>
+              <a:rPr/>
+              <a:t> </a:t>
+            </a:r>
+            <a:r>
+              <a:rPr/>
+              <a:t>an</a:t>
+            </a:r>
+            <a:r>
+              <a:rPr/>
+              <a:t> </a:t>
+            </a:r>
+            <a:r>
+              <a:rPr/>
+              <a:t>explanation</a:t>
+            </a:r>
+            <a:r>
+              <a:rPr/>
+              <a:t> </a:t>
+            </a:r>
+            <a:r>
+              <a:rPr/>
+              <a:t>of</a:t>
+            </a:r>
+            <a:r>
+              <a:rPr/>
+              <a:t> </a:t>
+            </a:r>
+            <a:r>
+              <a:rPr/>
+              <a:t>how</a:t>
             </a:r>
             <a:r>
               <a:rPr/>
@@ -10266,39 +10313,135 @@
             </a:r>
             <a:r>
               <a:rPr/>
-              <a:t>proper</a:t>
-            </a:r>
-            <a:r>
-              <a:rPr/>
-              <a:t> </a:t>
-            </a:r>
-            <a:r>
-              <a:rPr/>
-              <a:t>file</a:t>
-            </a:r>
-            <a:r>
-              <a:rPr/>
-              <a:t> </a:t>
-            </a:r>
-            <a:r>
-              <a:rPr/>
-              <a:t>name</a:t>
-            </a:r>
-            <a:r>
-              <a:rPr/>
-              <a:t> </a:t>
-            </a:r>
-            <a:r>
-              <a:rPr/>
-              <a:t>and</a:t>
-            </a:r>
-            <a:r>
-              <a:rPr/>
-              <a:t> </a:t>
-            </a:r>
-            <a:r>
-              <a:rPr/>
-              <a:t>format,</a:t>
+              <a:t>output</a:t>
+            </a:r>
+            <a:r>
+              <a:rPr/>
+              <a:t> </a:t>
+            </a:r>
+            <a:r>
+              <a:rPr/>
+              <a:t>answers</a:t>
+            </a:r>
+            <a:r>
+              <a:rPr/>
+              <a:t> </a:t>
+            </a:r>
+            <a:r>
+              <a:rPr/>
+              <a:t>the</a:t>
+            </a:r>
+            <a:r>
+              <a:rPr/>
+              <a:t> </a:t>
+            </a:r>
+            <a:r>
+              <a:rPr/>
+              <a:t>question.</a:t>
+            </a:r>
+            <a:r>
+              <a:rPr/>
+              <a:t> </a:t>
+            </a:r>
+            <a:r>
+              <a:rPr/>
+              <a:t>This</a:t>
+            </a:r>
+            <a:r>
+              <a:rPr/>
+              <a:t> </a:t>
+            </a:r>
+            <a:r>
+              <a:rPr/>
+              <a:t>might</a:t>
+            </a:r>
+            <a:r>
+              <a:rPr/>
+              <a:t> </a:t>
+            </a:r>
+            <a:r>
+              <a:rPr/>
+              <a:t>be</a:t>
+            </a:r>
+            <a:r>
+              <a:rPr/>
+              <a:t> </a:t>
+            </a:r>
+            <a:r>
+              <a:rPr/>
+              <a:t>obvious,</a:t>
+            </a:r>
+            <a:r>
+              <a:rPr/>
+              <a:t> </a:t>
+            </a:r>
+            <a:r>
+              <a:rPr/>
+              <a:t>but</a:t>
+            </a:r>
+            <a:r>
+              <a:rPr/>
+              <a:t> </a:t>
+            </a:r>
+            <a:r>
+              <a:rPr/>
+              <a:t>it</a:t>
+            </a:r>
+            <a:r>
+              <a:rPr/>
+              <a:t> </a:t>
+            </a:r>
+            <a:r>
+              <a:rPr/>
+              <a:t>still</a:t>
+            </a:r>
+            <a:r>
+              <a:rPr/>
+              <a:t> </a:t>
+            </a:r>
+            <a:r>
+              <a:rPr/>
+              <a:t>needs</a:t>
+            </a:r>
+            <a:r>
+              <a:rPr/>
+              <a:t> </a:t>
+            </a:r>
+            <a:r>
+              <a:rPr/>
+              <a:t>to</a:t>
+            </a:r>
+            <a:r>
+              <a:rPr/>
+              <a:t> </a:t>
+            </a:r>
+            <a:r>
+              <a:rPr/>
+              <a:t>be</a:t>
+            </a:r>
+            <a:r>
+              <a:rPr/>
+              <a:t> </a:t>
+            </a:r>
+            <a:r>
+              <a:rPr/>
+              <a:t>done.</a:t>
+            </a:r>
+            <a:r>
+              <a:rPr/>
+              <a:t> </a:t>
+            </a:r>
+            <a:r>
+              <a:rPr/>
+              <a:t>If</a:t>
+            </a:r>
+            <a:r>
+              <a:rPr/>
+              <a:t> </a:t>
+            </a:r>
+            <a:r>
+              <a:rPr/>
+              <a:t>you</a:t>
             </a:r>
             <a:r>
               <a:rPr/>
@@ -10314,6 +10457,62 @@
             </a:r>
             <a:r>
               <a:rPr/>
+              <a:t>the</a:t>
+            </a:r>
+            <a:r>
+              <a:rPr/>
+              <a:t> </a:t>
+            </a:r>
+            <a:r>
+              <a:rPr/>
+              <a:t>correct</a:t>
+            </a:r>
+            <a:r>
+              <a:rPr/>
+              <a:t> </a:t>
+            </a:r>
+            <a:r>
+              <a:rPr/>
+              <a:t>output,</a:t>
+            </a:r>
+            <a:r>
+              <a:rPr/>
+              <a:t> </a:t>
+            </a:r>
+            <a:r>
+              <a:rPr/>
+              <a:t>but</a:t>
+            </a:r>
+            <a:r>
+              <a:rPr/>
+              <a:t> </a:t>
+            </a:r>
+            <a:r>
+              <a:rPr/>
+              <a:t>do</a:t>
+            </a:r>
+            <a:r>
+              <a:rPr/>
+              <a:t> </a:t>
+            </a:r>
+            <a:r>
+              <a:rPr/>
+              <a:t>not</a:t>
+            </a:r>
+            <a:r>
+              <a:rPr/>
+              <a:t> </a:t>
+            </a:r>
+            <a:r>
+              <a:rPr/>
+              <a:t>add</a:t>
+            </a:r>
+            <a:r>
+              <a:rPr/>
+              <a:t> </a:t>
+            </a:r>
+            <a:r>
+              <a:rPr/>
               <a:t>a</a:t>
             </a:r>
             <a:r>
@@ -10322,23 +10521,55 @@
             </a:r>
             <a:r>
               <a:rPr/>
-              <a:t>documentation</a:t>
-            </a:r>
-            <a:r>
-              <a:rPr/>
-              <a:t> </a:t>
-            </a:r>
-            <a:r>
-              <a:rPr/>
-              <a:t>header,</a:t>
-            </a:r>
-            <a:r>
-              <a:rPr/>
-              <a:t> </a:t>
-            </a:r>
-            <a:r>
-              <a:rPr/>
-              <a:t>make</a:t>
+              <a:t>brief</a:t>
+            </a:r>
+            <a:r>
+              <a:rPr/>
+              <a:t> </a:t>
+            </a:r>
+            <a:r>
+              <a:rPr/>
+              <a:t>comment,</a:t>
+            </a:r>
+            <a:r>
+              <a:rPr/>
+              <a:t> </a:t>
+            </a:r>
+            <a:r>
+              <a:rPr/>
+              <a:t>you</a:t>
+            </a:r>
+            <a:r>
+              <a:rPr/>
+              <a:t> </a:t>
+            </a:r>
+            <a:r>
+              <a:rPr/>
+              <a:t>will</a:t>
+            </a:r>
+            <a:r>
+              <a:rPr/>
+              <a:t> </a:t>
+            </a:r>
+            <a:r>
+              <a:rPr/>
+              <a:t>lose</a:t>
+            </a:r>
+            <a:r>
+              <a:rPr/>
+              <a:t> </a:t>
+            </a:r>
+            <a:r>
+              <a:rPr/>
+              <a:t>points</a:t>
+            </a:r>
+            <a:r>
+              <a:rPr/>
+              <a:t> </a:t>
+            </a:r>
+            <a:r>
+              <a:rPr/>
+              <a:t>on</a:t>
             </a:r>
             <a:r>
               <a:rPr/>
@@ -10354,135 +10585,53 @@
             </a:r>
             <a:r>
               <a:rPr/>
-              <a:t>code</a:t>
-            </a:r>
-            <a:r>
-              <a:rPr/>
-              <a:t> </a:t>
-            </a:r>
-            <a:r>
-              <a:rPr/>
-              <a:t>readable,</a:t>
-            </a:r>
-            <a:r>
-              <a:rPr/>
-              <a:t> </a:t>
-            </a:r>
-            <a:r>
-              <a:rPr/>
-              <a:t>avoid</a:t>
-            </a:r>
-            <a:r>
-              <a:rPr/>
-              <a:t> </a:t>
-            </a:r>
-            <a:r>
-              <a:rPr/>
-              <a:t>lengthy</a:t>
-            </a:r>
-            <a:r>
-              <a:rPr/>
-              <a:t> </a:t>
-            </a:r>
-            <a:r>
-              <a:rPr/>
-              <a:t>outputs,</a:t>
-            </a:r>
-            <a:r>
-              <a:rPr/>
-              <a:t> </a:t>
-            </a:r>
-            <a:r>
-              <a:rPr/>
-              <a:t>show</a:t>
-            </a:r>
-            <a:r>
-              <a:rPr/>
-              <a:t> </a:t>
-            </a:r>
-            <a:r>
-              <a:rPr/>
-              <a:t>both</a:t>
-            </a:r>
-            <a:r>
-              <a:rPr/>
-              <a:t> </a:t>
-            </a:r>
-            <a:r>
-              <a:rPr/>
-              <a:t>your</a:t>
-            </a:r>
-            <a:r>
-              <a:rPr/>
-              <a:t> </a:t>
-            </a:r>
-            <a:r>
-              <a:rPr/>
-              <a:t>code</a:t>
-            </a:r>
-            <a:r>
-              <a:rPr/>
-              <a:t> </a:t>
-            </a:r>
-            <a:r>
-              <a:rPr/>
-              <a:t>and</a:t>
-            </a:r>
-            <a:r>
-              <a:rPr/>
-              <a:t> </a:t>
-            </a:r>
-            <a:r>
-              <a:rPr/>
-              <a:t>your</a:t>
-            </a:r>
-            <a:r>
-              <a:rPr/>
-              <a:t> </a:t>
-            </a:r>
-            <a:r>
-              <a:rPr/>
-              <a:t>output</a:t>
-            </a:r>
-            <a:r>
-              <a:rPr/>
-              <a:t> </a:t>
-            </a:r>
-            <a:r>
-              <a:rPr/>
-              <a:t>and</a:t>
-            </a:r>
-            <a:r>
-              <a:rPr/>
-              <a:t> </a:t>
-            </a:r>
-            <a:r>
-              <a:rPr/>
-              <a:t>be</a:t>
-            </a:r>
-            <a:r>
-              <a:rPr/>
-              <a:t> </a:t>
-            </a:r>
-            <a:r>
-              <a:rPr/>
-              <a:t>sure</a:t>
-            </a:r>
-            <a:r>
-              <a:rPr/>
-              <a:t> </a:t>
-            </a:r>
-            <a:r>
-              <a:rPr/>
-              <a:t>that</a:t>
-            </a:r>
-            <a:r>
-              <a:rPr/>
-              <a:t> </a:t>
-            </a:r>
-            <a:r>
-              <a:rPr/>
-              <a:t>both</a:t>
+              <a:t>assignment.</a:t>
+            </a:r>
+          </a:p>
+          <a:p>
+            <a:pPr lvl="0" marL="0" indent="0">
+              <a:buNone/>
+            </a:pPr>
+          </a:p>
+          <a:p>
+            <a:pPr lvl="0" marL="0" indent="0">
+              <a:buNone/>
+            </a:pPr>
+            <a:r>
+              <a:rPr/>
+              <a:t>Here</a:t>
+            </a:r>
+            <a:r>
+              <a:rPr/>
+              <a:t> </a:t>
+            </a:r>
+            <a:r>
+              <a:rPr/>
+              <a:t>are</a:t>
+            </a:r>
+            <a:r>
+              <a:rPr/>
+              <a:t> </a:t>
+            </a:r>
+            <a:r>
+              <a:rPr/>
+              <a:t>some</a:t>
+            </a:r>
+            <a:r>
+              <a:rPr/>
+              <a:t> </a:t>
+            </a:r>
+            <a:r>
+              <a:rPr/>
+              <a:t>examples</a:t>
+            </a:r>
+            <a:r>
+              <a:rPr/>
+              <a:t> </a:t>
+            </a:r>
+            <a:r>
+              <a:rPr/>
+              <a:t>of</a:t>
             </a:r>
             <a:r>
               <a:rPr/>
@@ -10498,63 +10647,7 @@
             </a:r>
             <a:r>
               <a:rPr/>
-              <a:t>original</a:t>
-            </a:r>
-            <a:r>
-              <a:rPr/>
-              <a:t> </a:t>
-            </a:r>
-            <a:r>
-              <a:rPr/>
-              <a:t>question</a:t>
-            </a:r>
-            <a:r>
-              <a:rPr/>
-              <a:t> </a:t>
-            </a:r>
-            <a:r>
-              <a:rPr/>
-              <a:t>and</a:t>
-            </a:r>
-            <a:r>
-              <a:rPr/>
-              <a:t> </a:t>
-            </a:r>
-            <a:r>
-              <a:rPr/>
-              <a:t>your</a:t>
-            </a:r>
-            <a:r>
-              <a:rPr/>
-              <a:t> </a:t>
-            </a:r>
-            <a:r>
-              <a:rPr/>
-              <a:t>answer</a:t>
-            </a:r>
-            <a:r>
-              <a:rPr/>
-              <a:t> </a:t>
-            </a:r>
-            <a:r>
-              <a:rPr/>
-              <a:t>appear</a:t>
-            </a:r>
-            <a:r>
-              <a:rPr/>
-              <a:t> </a:t>
-            </a:r>
-            <a:r>
-              <a:rPr/>
-              <a:t>in</a:t>
-            </a:r>
-            <a:r>
-              <a:rPr/>
-              <a:t> </a:t>
-            </a:r>
-            <a:r>
-              <a:rPr/>
-              <a:t>what</a:t>
+              <a:t>comments</a:t>
             </a:r>
             <a:r>
               <a:rPr/>
@@ -10570,7 +10663,15 @@
             </a:r>
             <a:r>
               <a:rPr/>
-              <a:t>submit.</a:t>
+              <a:t>might</a:t>
+            </a:r>
+            <a:r>
+              <a:rPr/>
+              <a:t> </a:t>
+            </a:r>
+            <a:r>
+              <a:rPr/>
+              <a:t>include.</a:t>
             </a:r>
           </a:p>
         </p:txBody>
@@ -10593,6 +10694,480 @@
             <a:fld id="{18BDFEC3-8487-43E8-A154-7C12CBC1FFF2}" type="slidenum">
               <a:rPr lang="en-US"/>
               <a:t>22</a:t>
+            </a:fld>
+            <a:endParaRPr lang="en-US"/>
+          </a:p>
+        </p:txBody>
+      </p:sp>
+    </p:spTree>
+  </p:cSld>
+</p:notes>
+</file>
+
+<file path=ppt/notesSlides/notesSlide21.xml><?xml version="1.0" encoding="utf-8"?>
+<p:notes xmlns:a="http://schemas.openxmlformats.org/drawingml/2006/main" xmlns:r="http://schemas.openxmlformats.org/officeDocument/2006/relationships" xmlns:p="http://schemas.openxmlformats.org/presentationml/2006/main">
+  <p:cSld>
+    <p:spTree>
+      <p:nvGrpSpPr>
+        <p:cNvPr id="1" name=""/>
+        <p:cNvGrpSpPr/>
+        <p:nvPr/>
+      </p:nvGrpSpPr>
+      <p:grpSpPr>
+        <a:xfrm>
+          <a:off x="0" y="0"/>
+          <a:ext cx="0" cy="0"/>
+          <a:chOff x="0" y="0"/>
+          <a:chExt cx="0" cy="0"/>
+        </a:xfrm>
+      </p:grpSpPr>
+      <p:sp>
+        <p:nvSpPr>
+          <p:cNvPr id="2" name="Slide Image Placeholder 1"/>
+          <p:cNvSpPr>
+            <a:spLocks noGrp="1" noRot="1" noChangeAspect="1"/>
+          </p:cNvSpPr>
+          <p:nvPr>
+            <p:ph type="sldImg"/>
+          </p:nvPr>
+        </p:nvSpPr>
+        <p:spPr/>
+      </p:sp>
+      <p:sp>
+        <p:nvSpPr>
+          <p:cNvPr id="3" name="Notes Placeholder 2"/>
+          <p:cNvSpPr>
+            <a:spLocks noGrp="1"/>
+          </p:cNvSpPr>
+          <p:nvPr>
+            <p:ph type="body" idx="1"/>
+          </p:nvPr>
+        </p:nvSpPr>
+        <p:spPr/>
+        <p:txBody>
+          <a:bodyPr/>
+          <a:lstStyle/>
+          <a:p>
+            <a:pPr lvl="0" marL="0" indent="0">
+              <a:buNone/>
+            </a:pPr>
+            <a:r>
+              <a:rPr/>
+              <a:t>Remember</a:t>
+            </a:r>
+            <a:r>
+              <a:rPr/>
+              <a:t> </a:t>
+            </a:r>
+            <a:r>
+              <a:rPr/>
+              <a:t>these</a:t>
+            </a:r>
+            <a:r>
+              <a:rPr/>
+              <a:t> </a:t>
+            </a:r>
+            <a:r>
+              <a:rPr/>
+              <a:t>guidelinesfor</a:t>
+            </a:r>
+            <a:r>
+              <a:rPr/>
+              <a:t> </a:t>
+            </a:r>
+            <a:r>
+              <a:rPr/>
+              <a:t>every</a:t>
+            </a:r>
+            <a:r>
+              <a:rPr/>
+              <a:t> </a:t>
+            </a:r>
+            <a:r>
+              <a:rPr/>
+              <a:t>assignment</a:t>
+            </a:r>
+            <a:r>
+              <a:rPr/>
+              <a:t> </a:t>
+            </a:r>
+            <a:r>
+              <a:rPr/>
+              <a:t>that</a:t>
+            </a:r>
+            <a:r>
+              <a:rPr/>
+              <a:t> </a:t>
+            </a:r>
+            <a:r>
+              <a:rPr/>
+              <a:t>you</a:t>
+            </a:r>
+            <a:r>
+              <a:rPr/>
+              <a:t> </a:t>
+            </a:r>
+            <a:r>
+              <a:rPr/>
+              <a:t>turn</a:t>
+            </a:r>
+            <a:r>
+              <a:rPr/>
+              <a:t> </a:t>
+            </a:r>
+            <a:r>
+              <a:rPr/>
+              <a:t>in.</a:t>
+            </a:r>
+            <a:r>
+              <a:rPr/>
+              <a:t> </a:t>
+            </a:r>
+            <a:r>
+              <a:rPr/>
+              <a:t>Use</a:t>
+            </a:r>
+            <a:r>
+              <a:rPr/>
+              <a:t> </a:t>
+            </a:r>
+            <a:r>
+              <a:rPr/>
+              <a:t>the</a:t>
+            </a:r>
+            <a:r>
+              <a:rPr/>
+              <a:t> </a:t>
+            </a:r>
+            <a:r>
+              <a:rPr/>
+              <a:t>proper</a:t>
+            </a:r>
+            <a:r>
+              <a:rPr/>
+              <a:t> </a:t>
+            </a:r>
+            <a:r>
+              <a:rPr/>
+              <a:t>file</a:t>
+            </a:r>
+            <a:r>
+              <a:rPr/>
+              <a:t> </a:t>
+            </a:r>
+            <a:r>
+              <a:rPr/>
+              <a:t>name</a:t>
+            </a:r>
+            <a:r>
+              <a:rPr/>
+              <a:t> </a:t>
+            </a:r>
+            <a:r>
+              <a:rPr/>
+              <a:t>and</a:t>
+            </a:r>
+            <a:r>
+              <a:rPr/>
+              <a:t> </a:t>
+            </a:r>
+            <a:r>
+              <a:rPr/>
+              <a:t>format,</a:t>
+            </a:r>
+            <a:r>
+              <a:rPr/>
+              <a:t> </a:t>
+            </a:r>
+            <a:r>
+              <a:rPr/>
+              <a:t>include</a:t>
+            </a:r>
+            <a:r>
+              <a:rPr/>
+              <a:t> </a:t>
+            </a:r>
+            <a:r>
+              <a:rPr/>
+              <a:t>a</a:t>
+            </a:r>
+            <a:r>
+              <a:rPr/>
+              <a:t> </a:t>
+            </a:r>
+            <a:r>
+              <a:rPr/>
+              <a:t>documentation</a:t>
+            </a:r>
+            <a:r>
+              <a:rPr/>
+              <a:t> </a:t>
+            </a:r>
+            <a:r>
+              <a:rPr/>
+              <a:t>header,</a:t>
+            </a:r>
+            <a:r>
+              <a:rPr/>
+              <a:t> </a:t>
+            </a:r>
+            <a:r>
+              <a:rPr/>
+              <a:t>make</a:t>
+            </a:r>
+            <a:r>
+              <a:rPr/>
+              <a:t> </a:t>
+            </a:r>
+            <a:r>
+              <a:rPr/>
+              <a:t>your</a:t>
+            </a:r>
+            <a:r>
+              <a:rPr/>
+              <a:t> </a:t>
+            </a:r>
+            <a:r>
+              <a:rPr/>
+              <a:t>code</a:t>
+            </a:r>
+            <a:r>
+              <a:rPr/>
+              <a:t> </a:t>
+            </a:r>
+            <a:r>
+              <a:rPr/>
+              <a:t>readable,</a:t>
+            </a:r>
+            <a:r>
+              <a:rPr/>
+              <a:t> </a:t>
+            </a:r>
+            <a:r>
+              <a:rPr/>
+              <a:t>avoid</a:t>
+            </a:r>
+            <a:r>
+              <a:rPr/>
+              <a:t> </a:t>
+            </a:r>
+            <a:r>
+              <a:rPr/>
+              <a:t>lengthy</a:t>
+            </a:r>
+            <a:r>
+              <a:rPr/>
+              <a:t> </a:t>
+            </a:r>
+            <a:r>
+              <a:rPr/>
+              <a:t>outputs,</a:t>
+            </a:r>
+            <a:r>
+              <a:rPr/>
+              <a:t> </a:t>
+            </a:r>
+            <a:r>
+              <a:rPr/>
+              <a:t>show</a:t>
+            </a:r>
+            <a:r>
+              <a:rPr/>
+              <a:t> </a:t>
+            </a:r>
+            <a:r>
+              <a:rPr/>
+              <a:t>both</a:t>
+            </a:r>
+            <a:r>
+              <a:rPr/>
+              <a:t> </a:t>
+            </a:r>
+            <a:r>
+              <a:rPr/>
+              <a:t>your</a:t>
+            </a:r>
+            <a:r>
+              <a:rPr/>
+              <a:t> </a:t>
+            </a:r>
+            <a:r>
+              <a:rPr/>
+              <a:t>code</a:t>
+            </a:r>
+            <a:r>
+              <a:rPr/>
+              <a:t> </a:t>
+            </a:r>
+            <a:r>
+              <a:rPr/>
+              <a:t>and</a:t>
+            </a:r>
+            <a:r>
+              <a:rPr/>
+              <a:t> </a:t>
+            </a:r>
+            <a:r>
+              <a:rPr/>
+              <a:t>your</a:t>
+            </a:r>
+            <a:r>
+              <a:rPr/>
+              <a:t> </a:t>
+            </a:r>
+            <a:r>
+              <a:rPr/>
+              <a:t>output</a:t>
+            </a:r>
+            <a:r>
+              <a:rPr/>
+              <a:t> </a:t>
+            </a:r>
+            <a:r>
+              <a:rPr/>
+              <a:t>and</a:t>
+            </a:r>
+            <a:r>
+              <a:rPr/>
+              <a:t> </a:t>
+            </a:r>
+            <a:r>
+              <a:rPr/>
+              <a:t>be</a:t>
+            </a:r>
+            <a:r>
+              <a:rPr/>
+              <a:t> </a:t>
+            </a:r>
+            <a:r>
+              <a:rPr/>
+              <a:t>sure</a:t>
+            </a:r>
+            <a:r>
+              <a:rPr/>
+              <a:t> </a:t>
+            </a:r>
+            <a:r>
+              <a:rPr/>
+              <a:t>that</a:t>
+            </a:r>
+            <a:r>
+              <a:rPr/>
+              <a:t> </a:t>
+            </a:r>
+            <a:r>
+              <a:rPr/>
+              <a:t>both</a:t>
+            </a:r>
+            <a:r>
+              <a:rPr/>
+              <a:t> </a:t>
+            </a:r>
+            <a:r>
+              <a:rPr/>
+              <a:t>the</a:t>
+            </a:r>
+            <a:r>
+              <a:rPr/>
+              <a:t> </a:t>
+            </a:r>
+            <a:r>
+              <a:rPr/>
+              <a:t>original</a:t>
+            </a:r>
+            <a:r>
+              <a:rPr/>
+              <a:t> </a:t>
+            </a:r>
+            <a:r>
+              <a:rPr/>
+              <a:t>question</a:t>
+            </a:r>
+            <a:r>
+              <a:rPr/>
+              <a:t> </a:t>
+            </a:r>
+            <a:r>
+              <a:rPr/>
+              <a:t>and</a:t>
+            </a:r>
+            <a:r>
+              <a:rPr/>
+              <a:t> </a:t>
+            </a:r>
+            <a:r>
+              <a:rPr/>
+              <a:t>your</a:t>
+            </a:r>
+            <a:r>
+              <a:rPr/>
+              <a:t> </a:t>
+            </a:r>
+            <a:r>
+              <a:rPr/>
+              <a:t>answer</a:t>
+            </a:r>
+            <a:r>
+              <a:rPr/>
+              <a:t> </a:t>
+            </a:r>
+            <a:r>
+              <a:rPr/>
+              <a:t>appear</a:t>
+            </a:r>
+            <a:r>
+              <a:rPr/>
+              <a:t> </a:t>
+            </a:r>
+            <a:r>
+              <a:rPr/>
+              <a:t>in</a:t>
+            </a:r>
+            <a:r>
+              <a:rPr/>
+              <a:t> </a:t>
+            </a:r>
+            <a:r>
+              <a:rPr/>
+              <a:t>what</a:t>
+            </a:r>
+            <a:r>
+              <a:rPr/>
+              <a:t> </a:t>
+            </a:r>
+            <a:r>
+              <a:rPr/>
+              <a:t>you</a:t>
+            </a:r>
+            <a:r>
+              <a:rPr/>
+              <a:t> </a:t>
+            </a:r>
+            <a:r>
+              <a:rPr/>
+              <a:t>submit.</a:t>
+            </a:r>
+          </a:p>
+        </p:txBody>
+      </p:sp>
+      <p:sp>
+        <p:nvSpPr>
+          <p:cNvPr id="4" name="Slide Number Placeholder 3"/>
+          <p:cNvSpPr>
+            <a:spLocks noGrp="1"/>
+          </p:cNvSpPr>
+          <p:nvPr>
+            <p:ph type="sldNum" sz="quarter" idx="10"/>
+          </p:nvPr>
+        </p:nvSpPr>
+        <p:spPr/>
+        <p:txBody>
+          <a:bodyPr/>
+          <a:lstStyle/>
+          <a:p>
+            <a:fld id="{18BDFEC3-8487-43E8-A154-7C12CBC1FFF2}" type="slidenum">
+              <a:rPr lang="en-US"/>
+              <a:t>23</a:t>
             </a:fld>
             <a:endParaRPr lang="en-US"/>
           </a:p>
@@ -23423,7 +23998,31 @@
             </a:r>
             <a:r>
               <a:rPr/>
-              <a:t>example</a:t>
+              <a:t>code</a:t>
+            </a:r>
+            <a:r>
+              <a:rPr/>
+              <a:t> </a:t>
+            </a:r>
+            <a:r>
+              <a:rPr/>
+              <a:t>(hard</a:t>
+            </a:r>
+            <a:r>
+              <a:rPr/>
+              <a:t> </a:t>
+            </a:r>
+            <a:r>
+              <a:rPr/>
+              <a:t>to</a:t>
+            </a:r>
+            <a:r>
+              <a:rPr/>
+              <a:t> </a:t>
+            </a:r>
+            <a:r>
+              <a:rPr/>
+              <a:t>read)</a:t>
             </a:r>
           </a:p>
         </p:txBody>
@@ -23450,12 +24049,9 @@
               <a:rPr sz="1800">
                 <a:latin typeface="Courier"/>
               </a:rPr>
-              <a:t>select 
-    sex, 
-    count(*) as number_of_children
-  from titanic_table
-  where age &lt; 18
-  group by sex</a:t>
+              <a:t>select sex, count(*) as number_of_children from titanic_table
+where age &lt; 18
+group by sex</a:t>
             </a:r>
           </a:p>
         </p:txBody>
@@ -23502,23 +24098,23 @@
             </a:pPr>
             <a:r>
               <a:rPr/>
-              <a:t>R</a:t>
-            </a:r>
-            <a:r>
-              <a:rPr/>
-              <a:t> </a:t>
-            </a:r>
-            <a:r>
-              <a:rPr/>
-              <a:t>example</a:t>
-            </a:r>
-            <a:r>
-              <a:rPr/>
-              <a:t> </a:t>
-            </a:r>
-            <a:r>
-              <a:rPr/>
-              <a:t>(hard</a:t>
+              <a:t>SQL</a:t>
+            </a:r>
+            <a:r>
+              <a:rPr/>
+              <a:t> </a:t>
+            </a:r>
+            <a:r>
+              <a:rPr/>
+              <a:t>code</a:t>
+            </a:r>
+            <a:r>
+              <a:rPr/>
+              <a:t> </a:t>
+            </a:r>
+            <a:r>
+              <a:rPr/>
+              <a:t>(easier</a:t>
             </a:r>
             <a:r>
               <a:rPr/>
@@ -23561,13 +24157,12 @@
               <a:rPr sz="1800">
                 <a:latin typeface="Courier"/>
               </a:rPr>
-              <a:t>radius &lt;- sqrt(ts[ , last_date])
-zero &lt;- radius == 0
-ggplot(data=states) +
-geom_sf(color="gray", fill="white") +
-geom_sf(data=ts[!zero, ], size=radius[!zero]) +
-coord_sf(xlim=lat, ylim=lon, expand=FALSE) +
-ggtitle("Bubble plot of COVID-19 cases")</a:t>
+              <a:t>select 
+    sex, 
+    count(*) as number_of_children
+  from titanic_table
+  where age &lt; 18
+  group by sex</a:t>
             </a:r>
           </a:p>
         </p:txBody>
@@ -23630,7 +24225,7 @@
             </a:r>
             <a:r>
               <a:rPr/>
-              <a:t>(easier</a:t>
+              <a:t>(hard</a:t>
             </a:r>
             <a:r>
               <a:rPr/>
@@ -23676,17 +24271,10 @@
               <a:t>radius &lt;- sqrt(ts[ , last_date])
 zero &lt;- radius == 0
 ggplot(data=states) +
-  geom_sf(
-    color="gray",
-    fill="white") +
-  geom_sf(
-    data=ts[!zero, ],
-    size=radius[!zero]) +
-  coord_sf(
-    xlim=lat,
-    ylim=lon,
-    expand=FALSE) +
-  ggtitle("Bubble plot of COVID-19 cases")</a:t>
+geom_sf(color="gray", fill="white") +
+geom_sf(data=ts[!zero, ], size=radius[!zero]) +
+coord_sf(xlim=lat, ylim=lon, expand=FALSE) +
+ggtitle("Bubble plot of COVID-19 cases")</a:t>
             </a:r>
           </a:p>
         </p:txBody>
@@ -23733,23 +24321,39 @@
             </a:pPr>
             <a:r>
               <a:rPr/>
-              <a:t>No</a:t>
-            </a:r>
-            <a:r>
-              <a:rPr/>
-              <a:t> </a:t>
-            </a:r>
-            <a:r>
-              <a:rPr/>
-              <a:t>lengthy</a:t>
-            </a:r>
-            <a:r>
-              <a:rPr/>
-              <a:t> </a:t>
-            </a:r>
-            <a:r>
-              <a:rPr/>
-              <a:t>outputs</a:t>
+              <a:t>R</a:t>
+            </a:r>
+            <a:r>
+              <a:rPr/>
+              <a:t> </a:t>
+            </a:r>
+            <a:r>
+              <a:rPr/>
+              <a:t>example</a:t>
+            </a:r>
+            <a:r>
+              <a:rPr/>
+              <a:t> </a:t>
+            </a:r>
+            <a:r>
+              <a:rPr/>
+              <a:t>(easier</a:t>
+            </a:r>
+            <a:r>
+              <a:rPr/>
+              <a:t> </a:t>
+            </a:r>
+            <a:r>
+              <a:rPr/>
+              <a:t>to</a:t>
+            </a:r>
+            <a:r>
+              <a:rPr/>
+              <a:t> </a:t>
+            </a:r>
+            <a:r>
+              <a:rPr/>
+              <a:t>read)</a:t>
             </a:r>
           </a:p>
         </p:txBody>
@@ -23769,75 +24373,27 @@
           <a:bodyPr/>
           <a:lstStyle/>
           <a:p>
-            <a:pPr lvl="1"/>
-            <a:r>
-              <a:rPr/>
-              <a:t>Avoid long printouts</a:t>
-            </a:r>
-          </a:p>
-          <a:p>
-            <a:pPr lvl="2"/>
-            <a:r>
-              <a:rPr/>
-              <a:t>R: </a:t>
-            </a:r>
+            <a:pPr lvl="0" marL="1270000" indent="0">
+              <a:buNone/>
+            </a:pPr>
             <a:r>
               <a:rPr sz="1800">
                 <a:latin typeface="Courier"/>
               </a:rPr>
-              <a:t>head(sleep, n=10)</a:t>
-            </a:r>
-          </a:p>
-          <a:p>
-            <a:pPr lvl="2"/>
-            <a:r>
-              <a:rPr/>
-              <a:t>SAS: </a:t>
-            </a:r>
-            <a:r>
-              <a:rPr sz="1800">
-                <a:latin typeface="Courier"/>
-              </a:rPr>
-              <a:t>proc print sleep(obs=10)</a:t>
-            </a:r>
-          </a:p>
-          <a:p>
-            <a:pPr lvl="2"/>
-            <a:r>
-              <a:rPr/>
-              <a:t>SQLite: </a:t>
-            </a:r>
-            <a:r>
-              <a:rPr sz="1800">
-                <a:latin typeface="Courier"/>
-              </a:rPr>
-              <a:t>limit 10</a:t>
-            </a:r>
-          </a:p>
-          <a:p>
-            <a:pPr lvl="2"/>
-            <a:r>
-              <a:rPr/>
-              <a:t>Oracle SQL: </a:t>
-            </a:r>
-            <a:r>
-              <a:rPr sz="1800">
-                <a:latin typeface="Courier"/>
-              </a:rPr>
-              <a:t>where row_num &lt;= 10</a:t>
-            </a:r>
-          </a:p>
-          <a:p>
-            <a:pPr lvl="2"/>
-            <a:r>
-              <a:rPr/>
-              <a:t>SAS SQL: </a:t>
-            </a:r>
-            <a:r>
-              <a:rPr sz="1800">
-                <a:latin typeface="Courier"/>
-              </a:rPr>
-              <a:t>where monotonic() &lt;= 10</a:t>
+              <a:t>radius &lt;- sqrt(ts[ , last_date])
+zero &lt;- radius == 0
+ggplot(data=states) +
+  geom_sf(
+    color="gray",
+    fill="white") +
+  geom_sf(
+    data=ts[!zero, ],
+    size=radius[!zero]) +
+  coord_sf(
+    xlim=lat,
+    ylim=lon,
+    expand=FALSE) +
+  ggtitle("Bubble plot of COVID-19 cases")</a:t>
             </a:r>
           </a:p>
         </p:txBody>
@@ -24003,55 +24559,23 @@
             </a:pPr>
             <a:r>
               <a:rPr/>
-              <a:t>Show</a:t>
-            </a:r>
-            <a:r>
-              <a:rPr/>
-              <a:t> </a:t>
-            </a:r>
-            <a:r>
-              <a:rPr/>
-              <a:t>both</a:t>
-            </a:r>
-            <a:r>
-              <a:rPr/>
-              <a:t> </a:t>
-            </a:r>
-            <a:r>
-              <a:rPr/>
-              <a:t>the</a:t>
-            </a:r>
-            <a:r>
-              <a:rPr/>
-              <a:t> </a:t>
-            </a:r>
-            <a:r>
-              <a:rPr/>
-              <a:t>code</a:t>
-            </a:r>
-            <a:r>
-              <a:rPr/>
-              <a:t> </a:t>
-            </a:r>
-            <a:r>
-              <a:rPr/>
-              <a:t>and</a:t>
-            </a:r>
-            <a:r>
-              <a:rPr/>
-              <a:t> </a:t>
-            </a:r>
-            <a:r>
-              <a:rPr/>
-              <a:t>the</a:t>
-            </a:r>
-            <a:r>
-              <a:rPr/>
-              <a:t> </a:t>
-            </a:r>
-            <a:r>
-              <a:rPr/>
-              <a:t>output</a:t>
+              <a:t>No</a:t>
+            </a:r>
+            <a:r>
+              <a:rPr/>
+              <a:t> </a:t>
+            </a:r>
+            <a:r>
+              <a:rPr/>
+              <a:t>lengthy</a:t>
+            </a:r>
+            <a:r>
+              <a:rPr/>
+              <a:t> </a:t>
+            </a:r>
+            <a:r>
+              <a:rPr/>
+              <a:t>outputs</a:t>
             </a:r>
           </a:p>
         </p:txBody>
@@ -24074,21 +24598,72 @@
             <a:pPr lvl="1"/>
             <a:r>
               <a:rPr/>
-              <a:t>Code</a:t>
+              <a:t>Avoid long printouts</a:t>
             </a:r>
           </a:p>
           <a:p>
             <a:pPr lvl="2"/>
             <a:r>
               <a:rPr/>
-              <a:t>Check documentation and readability</a:t>
+              <a:t>R: </a:t>
+            </a:r>
+            <a:r>
+              <a:rPr sz="1800">
+                <a:latin typeface="Courier"/>
+              </a:rPr>
+              <a:t>head(sleep, n=10)</a:t>
             </a:r>
           </a:p>
           <a:p>
             <a:pPr lvl="2"/>
             <a:r>
               <a:rPr/>
-              <a:t>Helps debugging if things go wrong</a:t>
+              <a:t>SAS: </a:t>
+            </a:r>
+            <a:r>
+              <a:rPr sz="1800">
+                <a:latin typeface="Courier"/>
+              </a:rPr>
+              <a:t>proc print sleep(obs=10)</a:t>
+            </a:r>
+          </a:p>
+          <a:p>
+            <a:pPr lvl="2"/>
+            <a:r>
+              <a:rPr/>
+              <a:t>SQLite: </a:t>
+            </a:r>
+            <a:r>
+              <a:rPr sz="1800">
+                <a:latin typeface="Courier"/>
+              </a:rPr>
+              <a:t>limit 10</a:t>
+            </a:r>
+          </a:p>
+          <a:p>
+            <a:pPr lvl="2"/>
+            <a:r>
+              <a:rPr/>
+              <a:t>Oracle SQL: </a:t>
+            </a:r>
+            <a:r>
+              <a:rPr sz="1800">
+                <a:latin typeface="Courier"/>
+              </a:rPr>
+              <a:t>where row_num &lt;= 10</a:t>
+            </a:r>
+          </a:p>
+          <a:p>
+            <a:pPr lvl="2"/>
+            <a:r>
+              <a:rPr/>
+              <a:t>SAS SQL: </a:t>
+            </a:r>
+            <a:r>
+              <a:rPr sz="1800">
+                <a:latin typeface="Courier"/>
+              </a:rPr>
+              <a:t>where monotonic() &lt;= 10</a:t>
             </a:r>
           </a:p>
         </p:txBody>
@@ -24135,7 +24710,7 @@
             </a:pPr>
             <a:r>
               <a:rPr/>
-              <a:t>Include</a:t>
+              <a:t>Show</a:t>
             </a:r>
             <a:r>
               <a:rPr/>
@@ -24151,15 +24726,15 @@
             </a:r>
             <a:r>
               <a:rPr/>
-              <a:t>my</a:t>
-            </a:r>
-            <a:r>
-              <a:rPr/>
-              <a:t> </a:t>
-            </a:r>
-            <a:r>
-              <a:rPr/>
-              <a:t>questions</a:t>
+              <a:t>the</a:t>
+            </a:r>
+            <a:r>
+              <a:rPr/>
+              <a:t> </a:t>
+            </a:r>
+            <a:r>
+              <a:rPr/>
+              <a:t>code</a:t>
             </a:r>
             <a:r>
               <a:rPr/>
@@ -24175,15 +24750,15 @@
             </a:r>
             <a:r>
               <a:rPr/>
-              <a:t>your</a:t>
-            </a:r>
-            <a:r>
-              <a:rPr/>
-              <a:t> </a:t>
-            </a:r>
-            <a:r>
-              <a:rPr/>
-              <a:t>answers</a:t>
+              <a:t>the</a:t>
+            </a:r>
+            <a:r>
+              <a:rPr/>
+              <a:t> </a:t>
+            </a:r>
+            <a:r>
+              <a:rPr/>
+              <a:t>output</a:t>
             </a:r>
           </a:p>
         </p:txBody>
@@ -24206,70 +24781,21 @@
             <a:pPr lvl="1"/>
             <a:r>
               <a:rPr/>
-              <a:t>Use comments or titles for questions</a:t>
+              <a:t>Code</a:t>
             </a:r>
           </a:p>
           <a:p>
             <a:pPr lvl="2"/>
             <a:r>
               <a:rPr/>
-              <a:t>Cut-and-paste orginal question</a:t>
-            </a:r>
-          </a:p>
-          <a:p>
-            <a:pPr lvl="1"/>
-            <a:r>
-              <a:rPr/>
-              <a:t>Add text interpretation before or after your output</a:t>
+              <a:t>Check documentation and readability</a:t>
             </a:r>
           </a:p>
           <a:p>
             <a:pPr lvl="2"/>
             <a:r>
               <a:rPr/>
-              <a:t>One or sometimes two sentences.</a:t>
-            </a:r>
-          </a:p>
-          <a:p>
-            <a:pPr lvl="2"/>
-            <a:r>
-              <a:rPr/>
-              <a:t>Output without interpretation will be downgraded.</a:t>
-            </a:r>
-          </a:p>
-          <a:p>
-            <a:pPr lvl="2"/>
-            <a:r>
-              <a:rPr/>
-              <a:t>Examples:</a:t>
-            </a:r>
-          </a:p>
-          <a:p>
-            <a:pPr lvl="3"/>
-            <a:r>
-              <a:rPr/>
-              <a:t>Here are the first ten rows of data.</a:t>
-            </a:r>
-          </a:p>
-          <a:p>
-            <a:pPr lvl="3"/>
-            <a:r>
-              <a:rPr/>
-              <a:t>The largest animal in the data set is the African elephant.</a:t>
-            </a:r>
-          </a:p>
-          <a:p>
-            <a:pPr lvl="3"/>
-            <a:r>
-              <a:rPr/>
-              <a:t>Only 30% of the patients got all three shots.</a:t>
-            </a:r>
-          </a:p>
-          <a:p>
-            <a:pPr lvl="3"/>
-            <a:r>
-              <a:rPr/>
-              <a:t>There are no missing values for this data set.</a:t>
+              <a:t>Helps debugging if things go wrong</a:t>
             </a:r>
           </a:p>
         </p:txBody>
@@ -24280,6 +24806,187 @@
 </file>
 
 <file path=ppt/slides/slide22.xml><?xml version="1.0" encoding="utf-8"?>
+<p:sld xmlns:a="http://schemas.openxmlformats.org/drawingml/2006/main" xmlns:r="http://schemas.openxmlformats.org/officeDocument/2006/relationships" xmlns:p="http://schemas.openxmlformats.org/presentationml/2006/main">
+  <p:cSld>
+    <p:spTree>
+      <p:nvGrpSpPr>
+        <p:cNvPr id="1" name=""/>
+        <p:cNvGrpSpPr/>
+        <p:nvPr/>
+      </p:nvGrpSpPr>
+      <p:grpSpPr>
+        <a:xfrm>
+          <a:off x="0" y="0"/>
+          <a:ext cx="0" cy="0"/>
+          <a:chOff x="0" y="0"/>
+          <a:chExt cx="0" cy="0"/>
+        </a:xfrm>
+      </p:grpSpPr>
+      <p:sp>
+        <p:nvSpPr>
+          <p:cNvPr id="2" name="Title 1"/>
+          <p:cNvSpPr>
+            <a:spLocks noGrp="1"/>
+          </p:cNvSpPr>
+          <p:nvPr>
+            <p:ph type="title"/>
+          </p:nvPr>
+        </p:nvSpPr>
+        <p:spPr/>
+        <p:txBody>
+          <a:bodyPr/>
+          <a:lstStyle/>
+          <a:p>
+            <a:pPr lvl="0" marL="0" indent="0">
+              <a:buNone/>
+            </a:pPr>
+            <a:r>
+              <a:rPr/>
+              <a:t>Include</a:t>
+            </a:r>
+            <a:r>
+              <a:rPr/>
+              <a:t> </a:t>
+            </a:r>
+            <a:r>
+              <a:rPr/>
+              <a:t>both</a:t>
+            </a:r>
+            <a:r>
+              <a:rPr/>
+              <a:t> </a:t>
+            </a:r>
+            <a:r>
+              <a:rPr/>
+              <a:t>my</a:t>
+            </a:r>
+            <a:r>
+              <a:rPr/>
+              <a:t> </a:t>
+            </a:r>
+            <a:r>
+              <a:rPr/>
+              <a:t>questions</a:t>
+            </a:r>
+            <a:r>
+              <a:rPr/>
+              <a:t> </a:t>
+            </a:r>
+            <a:r>
+              <a:rPr/>
+              <a:t>and</a:t>
+            </a:r>
+            <a:r>
+              <a:rPr/>
+              <a:t> </a:t>
+            </a:r>
+            <a:r>
+              <a:rPr/>
+              <a:t>your</a:t>
+            </a:r>
+            <a:r>
+              <a:rPr/>
+              <a:t> </a:t>
+            </a:r>
+            <a:r>
+              <a:rPr/>
+              <a:t>answers</a:t>
+            </a:r>
+          </a:p>
+        </p:txBody>
+      </p:sp>
+      <p:sp>
+        <p:nvSpPr>
+          <p:cNvPr id="3" name="Content Placeholder 2"/>
+          <p:cNvSpPr>
+            <a:spLocks noGrp="1"/>
+          </p:cNvSpPr>
+          <p:nvPr>
+            <p:ph idx="1"/>
+          </p:nvPr>
+        </p:nvSpPr>
+        <p:spPr/>
+        <p:txBody>
+          <a:bodyPr/>
+          <a:lstStyle/>
+          <a:p>
+            <a:pPr lvl="1"/>
+            <a:r>
+              <a:rPr/>
+              <a:t>Use comments or titles for questions</a:t>
+            </a:r>
+          </a:p>
+          <a:p>
+            <a:pPr lvl="2"/>
+            <a:r>
+              <a:rPr/>
+              <a:t>Cut-and-paste orginal question</a:t>
+            </a:r>
+          </a:p>
+          <a:p>
+            <a:pPr lvl="1"/>
+            <a:r>
+              <a:rPr/>
+              <a:t>Add text interpretation before or after your output</a:t>
+            </a:r>
+          </a:p>
+          <a:p>
+            <a:pPr lvl="2"/>
+            <a:r>
+              <a:rPr/>
+              <a:t>One or sometimes two sentences.</a:t>
+            </a:r>
+          </a:p>
+          <a:p>
+            <a:pPr lvl="2"/>
+            <a:r>
+              <a:rPr/>
+              <a:t>Output without interpretation will be downgraded.</a:t>
+            </a:r>
+          </a:p>
+          <a:p>
+            <a:pPr lvl="2"/>
+            <a:r>
+              <a:rPr/>
+              <a:t>Examples:</a:t>
+            </a:r>
+          </a:p>
+          <a:p>
+            <a:pPr lvl="3"/>
+            <a:r>
+              <a:rPr/>
+              <a:t>Here are the first ten rows of data.</a:t>
+            </a:r>
+          </a:p>
+          <a:p>
+            <a:pPr lvl="3"/>
+            <a:r>
+              <a:rPr/>
+              <a:t>The largest animal in the data set is the African elephant.</a:t>
+            </a:r>
+          </a:p>
+          <a:p>
+            <a:pPr lvl="3"/>
+            <a:r>
+              <a:rPr/>
+              <a:t>Only 30% of the patients got all three shots.</a:t>
+            </a:r>
+          </a:p>
+          <a:p>
+            <a:pPr lvl="3"/>
+            <a:r>
+              <a:rPr/>
+              <a:t>There are no missing values for this data set.</a:t>
+            </a:r>
+          </a:p>
+        </p:txBody>
+      </p:sp>
+    </p:spTree>
+  </p:cSld>
+</p:sld>
+</file>
+
+<file path=ppt/slides/slide23.xml><?xml version="1.0" encoding="utf-8"?>
 <p:sld xmlns:a="http://schemas.openxmlformats.org/drawingml/2006/main" xmlns:r="http://schemas.openxmlformats.org/officeDocument/2006/relationships" xmlns:p="http://schemas.openxmlformats.org/presentationml/2006/main">
   <p:cSld>
     <p:spTree>

--- a/software-engineering/results/programming-expectations.pptx
+++ b/software-engineering/results/programming-expectations.pptx
@@ -1,11 +1,11 @@
 
 <file path=ppt/presentation.xml><?xml version="1.0" encoding="utf-8"?>
-<p:presentation xmlns:a="http://schemas.openxmlformats.org/drawingml/2006/main" xmlns:r="http://schemas.openxmlformats.org/officeDocument/2006/relationships" xmlns:p="http://schemas.openxmlformats.org/presentationml/2006/main" saveSubsetFonts="1" autoCompressPictures="0">
+<p:presentation xmlns:a="http://schemas.openxmlformats.org/drawingml/2006/main" xmlns:p="http://schemas.openxmlformats.org/presentationml/2006/main" xmlns:r="http://schemas.openxmlformats.org/officeDocument/2006/relationships" autoCompressPictures="0" saveSubsetFonts="1">
   <p:sldMasterIdLst>
     <p:sldMasterId id="2147483648" r:id="rId1"/>
   </p:sldMasterIdLst>
   <p:notesMasterIdLst>
-    <p:NotesMasterId r:id="rId25"/>
+    <p:NotesMasterId r:id="rId26"/>
   </p:notesMasterIdLst>
   <p:sldIdLst>
     <p:sldId id="256" r:id="rId2"/>
@@ -31,6 +31,7 @@
     <p:sldId id="276" r:id="rId22"/>
     <p:sldId id="277" r:id="rId23"/>
     <p:sldId id="278" r:id="rId24"/>
+    <p:sldId id="279" r:id="rId25"/>
   </p:sldIdLst>
   <p:sldSz cx="9144000" cy="6858000" type="screen4x3"/>
   <p:notesSz cx="6858000" cy="9144000"/>
@@ -38,8 +39,8 @@
     <a:defPPr>
       <a:defRPr lang="en-US"/>
     </a:defPPr>
-    <a:lvl1pPr marL="0" algn="l" defTabSz="457200" rtl="0" eaLnBrk="1" latinLnBrk="0" hangingPunct="1">
-      <a:defRPr sz="1800" kern="1200">
+    <a:lvl1pPr algn="l" defTabSz="457200" eaLnBrk="1" hangingPunct="1" latinLnBrk="0" marL="0" rtl="0">
+      <a:defRPr kern="1200" sz="1800">
         <a:solidFill>
           <a:schemeClr val="tx1"/>
         </a:solidFill>
@@ -48,8 +49,8 @@
         <a:cs typeface="+mn-cs"/>
       </a:defRPr>
     </a:lvl1pPr>
-    <a:lvl2pPr marL="457200" algn="l" defTabSz="457200" rtl="0" eaLnBrk="1" latinLnBrk="0" hangingPunct="1">
-      <a:defRPr sz="1800" kern="1200">
+    <a:lvl2pPr algn="l" defTabSz="457200" eaLnBrk="1" hangingPunct="1" latinLnBrk="0" marL="457200" rtl="0">
+      <a:defRPr kern="1200" sz="1800">
         <a:solidFill>
           <a:schemeClr val="tx1"/>
         </a:solidFill>
@@ -58,8 +59,8 @@
         <a:cs typeface="+mn-cs"/>
       </a:defRPr>
     </a:lvl2pPr>
-    <a:lvl3pPr marL="914400" algn="l" defTabSz="457200" rtl="0" eaLnBrk="1" latinLnBrk="0" hangingPunct="1">
-      <a:defRPr sz="1800" kern="1200">
+    <a:lvl3pPr algn="l" defTabSz="457200" eaLnBrk="1" hangingPunct="1" latinLnBrk="0" marL="914400" rtl="0">
+      <a:defRPr kern="1200" sz="1800">
         <a:solidFill>
           <a:schemeClr val="tx1"/>
         </a:solidFill>
@@ -68,8 +69,8 @@
         <a:cs typeface="+mn-cs"/>
       </a:defRPr>
     </a:lvl3pPr>
-    <a:lvl4pPr marL="1371600" algn="l" defTabSz="457200" rtl="0" eaLnBrk="1" latinLnBrk="0" hangingPunct="1">
-      <a:defRPr sz="1800" kern="1200">
+    <a:lvl4pPr algn="l" defTabSz="457200" eaLnBrk="1" hangingPunct="1" latinLnBrk="0" marL="1371600" rtl="0">
+      <a:defRPr kern="1200" sz="1800">
         <a:solidFill>
           <a:schemeClr val="tx1"/>
         </a:solidFill>
@@ -78,8 +79,8 @@
         <a:cs typeface="+mn-cs"/>
       </a:defRPr>
     </a:lvl4pPr>
-    <a:lvl5pPr marL="1828800" algn="l" defTabSz="457200" rtl="0" eaLnBrk="1" latinLnBrk="0" hangingPunct="1">
-      <a:defRPr sz="1800" kern="1200">
+    <a:lvl5pPr algn="l" defTabSz="457200" eaLnBrk="1" hangingPunct="1" latinLnBrk="0" marL="1828800" rtl="0">
+      <a:defRPr kern="1200" sz="1800">
         <a:solidFill>
           <a:schemeClr val="tx1"/>
         </a:solidFill>
@@ -88,8 +89,8 @@
         <a:cs typeface="+mn-cs"/>
       </a:defRPr>
     </a:lvl5pPr>
-    <a:lvl6pPr marL="2286000" algn="l" defTabSz="457200" rtl="0" eaLnBrk="1" latinLnBrk="0" hangingPunct="1">
-      <a:defRPr sz="1800" kern="1200">
+    <a:lvl6pPr algn="l" defTabSz="457200" eaLnBrk="1" hangingPunct="1" latinLnBrk="0" marL="2286000" rtl="0">
+      <a:defRPr kern="1200" sz="1800">
         <a:solidFill>
           <a:schemeClr val="tx1"/>
         </a:solidFill>
@@ -98,8 +99,8 @@
         <a:cs typeface="+mn-cs"/>
       </a:defRPr>
     </a:lvl6pPr>
-    <a:lvl7pPr marL="2743200" algn="l" defTabSz="457200" rtl="0" eaLnBrk="1" latinLnBrk="0" hangingPunct="1">
-      <a:defRPr sz="1800" kern="1200">
+    <a:lvl7pPr algn="l" defTabSz="457200" eaLnBrk="1" hangingPunct="1" latinLnBrk="0" marL="2743200" rtl="0">
+      <a:defRPr kern="1200" sz="1800">
         <a:solidFill>
           <a:schemeClr val="tx1"/>
         </a:solidFill>
@@ -108,8 +109,8 @@
         <a:cs typeface="+mn-cs"/>
       </a:defRPr>
     </a:lvl7pPr>
-    <a:lvl8pPr marL="3200400" algn="l" defTabSz="457200" rtl="0" eaLnBrk="1" latinLnBrk="0" hangingPunct="1">
-      <a:defRPr sz="1800" kern="1200">
+    <a:lvl8pPr algn="l" defTabSz="457200" eaLnBrk="1" hangingPunct="1" latinLnBrk="0" marL="3200400" rtl="0">
+      <a:defRPr kern="1200" sz="1800">
         <a:solidFill>
           <a:schemeClr val="tx1"/>
         </a:solidFill>
@@ -118,8 +119,8 @@
         <a:cs typeface="+mn-cs"/>
       </a:defRPr>
     </a:lvl8pPr>
-    <a:lvl9pPr marL="3657600" algn="l" defTabSz="457200" rtl="0" eaLnBrk="1" latinLnBrk="0" hangingPunct="1">
-      <a:defRPr sz="1800" kern="1200">
+    <a:lvl9pPr algn="l" defTabSz="457200" eaLnBrk="1" hangingPunct="1" latinLnBrk="0" marL="3657600" rtl="0">
+      <a:defRPr kern="1200" sz="1800">
         <a:solidFill>
           <a:schemeClr val="tx1"/>
         </a:solidFill>
@@ -3237,7 +3238,7 @@
             </a:r>
             <a:r>
               <a:rPr/>
-              <a:t>varibles</a:t>
+              <a:t>variables</a:t>
             </a:r>
             <a:r>
               <a:rPr/>
@@ -3390,6 +3391,118 @@
             <a:r>
               <a:rPr/>
               <a:t>statement.</a:t>
+            </a:r>
+            <a:r>
+              <a:rPr/>
+              <a:t> </a:t>
+            </a:r>
+            <a:r>
+              <a:rPr/>
+              <a:t>The</a:t>
+            </a:r>
+            <a:r>
+              <a:rPr/>
+              <a:t> </a:t>
+            </a:r>
+            <a:r>
+              <a:rPr/>
+              <a:t>age</a:t>
+            </a:r>
+            <a:r>
+              <a:rPr/>
+              <a:t> </a:t>
+            </a:r>
+            <a:r>
+              <a:rPr/>
+              <a:t>conditions</a:t>
+            </a:r>
+            <a:r>
+              <a:rPr/>
+              <a:t> </a:t>
+            </a:r>
+            <a:r>
+              <a:rPr/>
+              <a:t>(&gt;12</a:t>
+            </a:r>
+            <a:r>
+              <a:rPr/>
+              <a:t> </a:t>
+            </a:r>
+            <a:r>
+              <a:rPr/>
+              <a:t>and</a:t>
+            </a:r>
+            <a:r>
+              <a:rPr/>
+              <a:t> </a:t>
+            </a:r>
+            <a:r>
+              <a:rPr/>
+              <a:t>&lt;20)</a:t>
+            </a:r>
+            <a:r>
+              <a:rPr/>
+              <a:t> </a:t>
+            </a:r>
+            <a:r>
+              <a:rPr/>
+              <a:t>are</a:t>
+            </a:r>
+            <a:r>
+              <a:rPr/>
+              <a:t> </a:t>
+            </a:r>
+            <a:r>
+              <a:rPr/>
+              <a:t>split</a:t>
+            </a:r>
+            <a:r>
+              <a:rPr/>
+              <a:t> </a:t>
+            </a:r>
+            <a:r>
+              <a:rPr/>
+              <a:t>and</a:t>
+            </a:r>
+            <a:r>
+              <a:rPr/>
+              <a:t> </a:t>
+            </a:r>
+            <a:r>
+              <a:rPr/>
+              <a:t>lined</a:t>
+            </a:r>
+            <a:r>
+              <a:rPr/>
+              <a:t> </a:t>
+            </a:r>
+            <a:r>
+              <a:rPr/>
+              <a:t>up</a:t>
+            </a:r>
+            <a:r>
+              <a:rPr/>
+              <a:t> </a:t>
+            </a:r>
+            <a:r>
+              <a:rPr/>
+              <a:t>beneath</a:t>
+            </a:r>
+            <a:r>
+              <a:rPr/>
+              <a:t> </a:t>
+            </a:r>
+            <a:r>
+              <a:rPr/>
+              <a:t>one</a:t>
+            </a:r>
+            <a:r>
+              <a:rPr/>
+              <a:t> </a:t>
+            </a:r>
+            <a:r>
+              <a:rPr/>
+              <a:t>another.</a:t>
             </a:r>
           </a:p>
         </p:txBody>
@@ -7666,9 +7779,91 @@
             </a:pPr>
           </a:p>
           <a:p>
+            <a:pPr lvl="1"/>
+            <a:r>
+              <a:rPr/>
+              <a:t>MEDB</a:t>
+            </a:r>
+            <a:r>
+              <a:rPr/>
+              <a:t> </a:t>
+            </a:r>
+            <a:r>
+              <a:rPr/>
+              <a:t>5508,</a:t>
+            </a:r>
+            <a:r>
+              <a:rPr/>
+              <a:t> </a:t>
+            </a:r>
+            <a:r>
+              <a:rPr/>
+              <a:t>for</a:t>
+            </a:r>
+            <a:r>
+              <a:rPr/>
+              <a:t> </a:t>
+            </a:r>
+            <a:r>
+              <a:rPr/>
+              <a:t>Introduction</a:t>
+            </a:r>
+            <a:r>
+              <a:rPr/>
+              <a:t> </a:t>
+            </a:r>
+            <a:r>
+              <a:rPr/>
+              <a:t>to</a:t>
+            </a:r>
+            <a:r>
+              <a:rPr/>
+              <a:t> </a:t>
+            </a:r>
+            <a:r>
+              <a:rPr/>
+              <a:t>SQL</a:t>
+            </a:r>
+            <a:r>
+              <a:rPr/>
+              <a:t> </a:t>
+            </a:r>
+            <a:r>
+              <a:rPr/>
+              <a:t>(co-taught</a:t>
+            </a:r>
+            <a:r>
+              <a:rPr/>
+              <a:t> </a:t>
+            </a:r>
+            <a:r>
+              <a:rPr/>
+              <a:t>with</a:t>
+            </a:r>
+            <a:r>
+              <a:rPr/>
+              <a:t> </a:t>
+            </a:r>
+            <a:r>
+              <a:rPr/>
+              <a:t>Suman</a:t>
+            </a:r>
+            <a:r>
+              <a:rPr/>
+              <a:t> </a:t>
+            </a:r>
+            <a:r>
+              <a:rPr/>
+              <a:t>Sahil)</a:t>
+            </a:r>
+          </a:p>
+          <a:p>
             <a:pPr lvl="0" marL="0" indent="0">
               <a:buNone/>
             </a:pPr>
+          </a:p>
+          <a:p>
+            <a:pPr lvl="1"/>
             <a:r>
               <a:rPr/>
               <a:t>MEDB</a:t>
@@ -7679,7 +7874,7 @@
             </a:r>
             <a:r>
               <a:rPr/>
-              <a:t>5508,</a:t>
+              <a:t>5510,</a:t>
             </a:r>
             <a:r>
               <a:rPr/>
@@ -7695,55 +7890,95 @@
             </a:r>
             <a:r>
               <a:rPr/>
-              <a:t>Introduction</a:t>
-            </a:r>
-            <a:r>
-              <a:rPr/>
-              <a:t> </a:t>
-            </a:r>
-            <a:r>
-              <a:rPr/>
-              <a:t>to</a:t>
-            </a:r>
-            <a:r>
-              <a:rPr/>
-              <a:t> </a:t>
-            </a:r>
-            <a:r>
-              <a:rPr/>
-              <a:t>SQL</a:t>
-            </a:r>
-            <a:r>
-              <a:rPr/>
-              <a:t> </a:t>
-            </a:r>
-            <a:r>
-              <a:rPr/>
-              <a:t>(co-taught</a:t>
-            </a:r>
-            <a:r>
-              <a:rPr/>
-              <a:t> </a:t>
-            </a:r>
-            <a:r>
-              <a:rPr/>
-              <a:t>with</a:t>
-            </a:r>
-            <a:r>
-              <a:rPr/>
-              <a:t> </a:t>
-            </a:r>
-            <a:r>
-              <a:rPr/>
-              <a:t>Suman</a:t>
-            </a:r>
-            <a:r>
-              <a:rPr/>
-              <a:t> </a:t>
-            </a:r>
-            <a:r>
-              <a:rPr/>
-              <a:t>Sahil)</a:t>
+              <a:t>Clinical</a:t>
+            </a:r>
+            <a:r>
+              <a:rPr/>
+              <a:t> </a:t>
+            </a:r>
+            <a:r>
+              <a:rPr/>
+              <a:t>Research</a:t>
+            </a:r>
+            <a:r>
+              <a:rPr/>
+              <a:t> </a:t>
+            </a:r>
+            <a:r>
+              <a:rPr/>
+              <a:t>Methodology,</a:t>
+            </a:r>
+            <a:r>
+              <a:rPr/>
+              <a:t> </a:t>
+            </a:r>
+            <a:r>
+              <a:rPr/>
+              <a:t>though</a:t>
+            </a:r>
+            <a:r>
+              <a:rPr/>
+              <a:t> </a:t>
+            </a:r>
+            <a:r>
+              <a:rPr/>
+              <a:t>this</a:t>
+            </a:r>
+            <a:r>
+              <a:rPr/>
+              <a:t> </a:t>
+            </a:r>
+            <a:r>
+              <a:rPr/>
+              <a:t>class</a:t>
+            </a:r>
+            <a:r>
+              <a:rPr/>
+              <a:t> </a:t>
+            </a:r>
+            <a:r>
+              <a:rPr/>
+              <a:t>will</a:t>
+            </a:r>
+            <a:r>
+              <a:rPr/>
+              <a:t> </a:t>
+            </a:r>
+            <a:r>
+              <a:rPr/>
+              <a:t>not</a:t>
+            </a:r>
+            <a:r>
+              <a:rPr/>
+              <a:t> </a:t>
+            </a:r>
+            <a:r>
+              <a:rPr/>
+              <a:t>have</a:t>
+            </a:r>
+            <a:r>
+              <a:rPr/>
+              <a:t> </a:t>
+            </a:r>
+            <a:r>
+              <a:rPr/>
+              <a:t>any</a:t>
+            </a:r>
+            <a:r>
+              <a:rPr/>
+              <a:t> </a:t>
+            </a:r>
+            <a:r>
+              <a:rPr/>
+              <a:t>programming</a:t>
+            </a:r>
+            <a:r>
+              <a:rPr/>
+              <a:t> </a:t>
+            </a:r>
+            <a:r>
+              <a:rPr/>
+              <a:t>exercises.</a:t>
             </a:r>
           </a:p>
           <a:p>
@@ -7757,119 +7992,151 @@
             </a:pPr>
             <a:r>
               <a:rPr/>
-              <a:t>MEDB</a:t>
-            </a:r>
-            <a:r>
-              <a:rPr/>
-              <a:t> </a:t>
-            </a:r>
-            <a:r>
-              <a:rPr/>
-              <a:t>5510,</a:t>
-            </a:r>
-            <a:r>
-              <a:rPr/>
-              <a:t> </a:t>
-            </a:r>
-            <a:r>
-              <a:rPr/>
-              <a:t>for</a:t>
-            </a:r>
-            <a:r>
-              <a:rPr/>
-              <a:t> </a:t>
-            </a:r>
-            <a:r>
-              <a:rPr/>
-              <a:t>Clinical</a:t>
-            </a:r>
-            <a:r>
-              <a:rPr/>
-              <a:t> </a:t>
-            </a:r>
-            <a:r>
-              <a:rPr/>
-              <a:t>Research</a:t>
-            </a:r>
-            <a:r>
-              <a:rPr/>
-              <a:t> </a:t>
-            </a:r>
-            <a:r>
-              <a:rPr/>
-              <a:t>Methodology,</a:t>
-            </a:r>
-            <a:r>
-              <a:rPr/>
-              <a:t> </a:t>
-            </a:r>
-            <a:r>
-              <a:rPr/>
-              <a:t>though</a:t>
-            </a:r>
-            <a:r>
-              <a:rPr/>
-              <a:t> </a:t>
-            </a:r>
-            <a:r>
-              <a:rPr/>
-              <a:t>this</a:t>
-            </a:r>
-            <a:r>
-              <a:rPr/>
-              <a:t> </a:t>
-            </a:r>
-            <a:r>
-              <a:rPr/>
-              <a:t>class</a:t>
-            </a:r>
-            <a:r>
-              <a:rPr/>
-              <a:t> </a:t>
-            </a:r>
-            <a:r>
-              <a:rPr/>
-              <a:t>will</a:t>
-            </a:r>
-            <a:r>
-              <a:rPr/>
-              <a:t> </a:t>
-            </a:r>
-            <a:r>
-              <a:rPr/>
-              <a:t>not</a:t>
-            </a:r>
-            <a:r>
-              <a:rPr/>
-              <a:t> </a:t>
-            </a:r>
-            <a:r>
-              <a:rPr/>
-              <a:t>have</a:t>
-            </a:r>
-            <a:r>
-              <a:rPr/>
-              <a:t> </a:t>
-            </a:r>
-            <a:r>
-              <a:rPr/>
-              <a:t>any</a:t>
-            </a:r>
-            <a:r>
-              <a:rPr/>
-              <a:t> </a:t>
-            </a:r>
-            <a:r>
-              <a:rPr/>
-              <a:t>programming</a:t>
-            </a:r>
-            <a:r>
-              <a:rPr/>
-              <a:t> </a:t>
-            </a:r>
-            <a:r>
-              <a:rPr/>
-              <a:t>exercises.</a:t>
+              <a:t>All</a:t>
+            </a:r>
+            <a:r>
+              <a:rPr/>
+              <a:t> </a:t>
+            </a:r>
+            <a:r>
+              <a:rPr/>
+              <a:t>of</a:t>
+            </a:r>
+            <a:r>
+              <a:rPr/>
+              <a:t> </a:t>
+            </a:r>
+            <a:r>
+              <a:rPr/>
+              <a:t>my</a:t>
+            </a:r>
+            <a:r>
+              <a:rPr/>
+              <a:t> </a:t>
+            </a:r>
+            <a:r>
+              <a:rPr/>
+              <a:t>classes</a:t>
+            </a:r>
+            <a:r>
+              <a:rPr/>
+              <a:t> </a:t>
+            </a:r>
+            <a:r>
+              <a:rPr/>
+              <a:t>are</a:t>
+            </a:r>
+            <a:r>
+              <a:rPr/>
+              <a:t> </a:t>
+            </a:r>
+            <a:r>
+              <a:rPr/>
+              <a:t>divided</a:t>
+            </a:r>
+            <a:r>
+              <a:rPr/>
+              <a:t> </a:t>
+            </a:r>
+            <a:r>
+              <a:rPr/>
+              <a:t>into</a:t>
+            </a:r>
+            <a:r>
+              <a:rPr/>
+              <a:t> </a:t>
+            </a:r>
+            <a:r>
+              <a:rPr/>
+              <a:t>modules</a:t>
+            </a:r>
+            <a:r>
+              <a:rPr/>
+              <a:t> </a:t>
+            </a:r>
+            <a:r>
+              <a:rPr/>
+              <a:t>and</a:t>
+            </a:r>
+            <a:r>
+              <a:rPr/>
+              <a:t> </a:t>
+            </a:r>
+            <a:r>
+              <a:rPr/>
+              <a:t>you</a:t>
+            </a:r>
+            <a:r>
+              <a:rPr/>
+              <a:t> </a:t>
+            </a:r>
+            <a:r>
+              <a:rPr/>
+              <a:t>need</a:t>
+            </a:r>
+            <a:r>
+              <a:rPr/>
+              <a:t> </a:t>
+            </a:r>
+            <a:r>
+              <a:rPr/>
+              <a:t>to</a:t>
+            </a:r>
+            <a:r>
+              <a:rPr/>
+              <a:t> </a:t>
+            </a:r>
+            <a:r>
+              <a:rPr/>
+              <a:t>indicate</a:t>
+            </a:r>
+            <a:r>
+              <a:rPr/>
+              <a:t> </a:t>
+            </a:r>
+            <a:r>
+              <a:rPr/>
+              <a:t>which</a:t>
+            </a:r>
+            <a:r>
+              <a:rPr/>
+              <a:t> </a:t>
+            </a:r>
+            <a:r>
+              <a:rPr/>
+              <a:t>module</a:t>
+            </a:r>
+            <a:r>
+              <a:rPr/>
+              <a:t> </a:t>
+            </a:r>
+            <a:r>
+              <a:rPr/>
+              <a:t>your</a:t>
+            </a:r>
+            <a:r>
+              <a:rPr/>
+              <a:t> </a:t>
+            </a:r>
+            <a:r>
+              <a:rPr/>
+              <a:t>assignment</a:t>
+            </a:r>
+            <a:r>
+              <a:rPr/>
+              <a:t> </a:t>
+            </a:r>
+            <a:r>
+              <a:rPr/>
+              <a:t>came</a:t>
+            </a:r>
+            <a:r>
+              <a:rPr/>
+              <a:t> </a:t>
+            </a:r>
+            <a:r>
+              <a:rPr/>
+              <a:t>from.</a:t>
             </a:r>
           </a:p>
           <a:p>
@@ -7883,31 +8150,7 @@
             </a:pPr>
             <a:r>
               <a:rPr/>
-              <a:t>All</a:t>
-            </a:r>
-            <a:r>
-              <a:rPr/>
-              <a:t> </a:t>
-            </a:r>
-            <a:r>
-              <a:rPr/>
-              <a:t>of</a:t>
-            </a:r>
-            <a:r>
-              <a:rPr/>
-              <a:t> </a:t>
-            </a:r>
-            <a:r>
-              <a:rPr/>
-              <a:t>my</a:t>
-            </a:r>
-            <a:r>
-              <a:rPr/>
-              <a:t> </a:t>
-            </a:r>
-            <a:r>
-              <a:rPr/>
-              <a:t>classes</a:t>
+              <a:t>There</a:t>
             </a:r>
             <a:r>
               <a:rPr/>
@@ -7923,23 +8166,55 @@
             </a:r>
             <a:r>
               <a:rPr/>
-              <a:t>divided</a:t>
-            </a:r>
-            <a:r>
-              <a:rPr/>
-              <a:t> </a:t>
-            </a:r>
-            <a:r>
-              <a:rPr/>
-              <a:t>into</a:t>
-            </a:r>
-            <a:r>
-              <a:rPr/>
-              <a:t> </a:t>
-            </a:r>
-            <a:r>
-              <a:rPr/>
-              <a:t>modules</a:t>
+              <a:t>several</a:t>
+            </a:r>
+            <a:r>
+              <a:rPr/>
+              <a:t> </a:t>
+            </a:r>
+            <a:r>
+              <a:rPr/>
+              <a:t>ways</a:t>
+            </a:r>
+            <a:r>
+              <a:rPr/>
+              <a:t> </a:t>
+            </a:r>
+            <a:r>
+              <a:rPr/>
+              <a:t>you</a:t>
+            </a:r>
+            <a:r>
+              <a:rPr/>
+              <a:t> </a:t>
+            </a:r>
+            <a:r>
+              <a:rPr/>
+              <a:t>can</a:t>
+            </a:r>
+            <a:r>
+              <a:rPr/>
+              <a:t> </a:t>
+            </a:r>
+            <a:r>
+              <a:rPr/>
+              <a:t>name</a:t>
+            </a:r>
+            <a:r>
+              <a:rPr/>
+              <a:t> </a:t>
+            </a:r>
+            <a:r>
+              <a:rPr/>
+              <a:t>your</a:t>
+            </a:r>
+            <a:r>
+              <a:rPr/>
+              <a:t> </a:t>
+            </a:r>
+            <a:r>
+              <a:rPr/>
+              <a:t>files</a:t>
             </a:r>
             <a:r>
               <a:rPr/>
@@ -7955,79 +8230,55 @@
             </a:r>
             <a:r>
               <a:rPr/>
-              <a:t>you</a:t>
-            </a:r>
-            <a:r>
-              <a:rPr/>
-              <a:t> </a:t>
-            </a:r>
-            <a:r>
-              <a:rPr/>
-              <a:t>need</a:t>
-            </a:r>
-            <a:r>
-              <a:rPr/>
-              <a:t> </a:t>
-            </a:r>
-            <a:r>
-              <a:rPr/>
-              <a:t>to</a:t>
-            </a:r>
-            <a:r>
-              <a:rPr/>
-              <a:t> </a:t>
-            </a:r>
-            <a:r>
-              <a:rPr/>
-              <a:t>indicate</a:t>
-            </a:r>
-            <a:r>
-              <a:rPr/>
-              <a:t> </a:t>
-            </a:r>
-            <a:r>
-              <a:rPr/>
-              <a:t>which</a:t>
-            </a:r>
-            <a:r>
-              <a:rPr/>
-              <a:t> </a:t>
-            </a:r>
-            <a:r>
-              <a:rPr/>
-              <a:t>module</a:t>
-            </a:r>
-            <a:r>
-              <a:rPr/>
-              <a:t> </a:t>
-            </a:r>
-            <a:r>
-              <a:rPr/>
-              <a:t>your</a:t>
-            </a:r>
-            <a:r>
-              <a:rPr/>
-              <a:t> </a:t>
-            </a:r>
-            <a:r>
-              <a:rPr/>
-              <a:t>assignment</a:t>
-            </a:r>
-            <a:r>
-              <a:rPr/>
-              <a:t> </a:t>
-            </a:r>
-            <a:r>
-              <a:rPr/>
-              <a:t>came</a:t>
-            </a:r>
-            <a:r>
-              <a:rPr/>
-              <a:t> </a:t>
-            </a:r>
-            <a:r>
-              <a:rPr/>
-              <a:t>from.</a:t>
+              <a:t>meet</a:t>
+            </a:r>
+            <a:r>
+              <a:rPr/>
+              <a:t> </a:t>
+            </a:r>
+            <a:r>
+              <a:rPr/>
+              <a:t>these</a:t>
+            </a:r>
+            <a:r>
+              <a:rPr/>
+              <a:t> </a:t>
+            </a:r>
+            <a:r>
+              <a:rPr/>
+              <a:t>requirements.</a:t>
+            </a:r>
+            <a:r>
+              <a:rPr/>
+              <a:t> </a:t>
+            </a:r>
+            <a:r>
+              <a:rPr/>
+              <a:t>Here</a:t>
+            </a:r>
+            <a:r>
+              <a:rPr/>
+              <a:t> </a:t>
+            </a:r>
+            <a:r>
+              <a:rPr/>
+              <a:t>are</a:t>
+            </a:r>
+            <a:r>
+              <a:rPr/>
+              <a:t> </a:t>
+            </a:r>
+            <a:r>
+              <a:rPr/>
+              <a:t>two</a:t>
+            </a:r>
+            <a:r>
+              <a:rPr/>
+              <a:t> </a:t>
+            </a:r>
+            <a:r>
+              <a:rPr/>
+              <a:t>examples.</a:t>
             </a:r>
           </a:p>
           <a:p>
@@ -8041,135 +8292,103 @@
             </a:pPr>
             <a:r>
               <a:rPr/>
-              <a:t>There</a:t>
-            </a:r>
-            <a:r>
-              <a:rPr/>
-              <a:t> </a:t>
-            </a:r>
-            <a:r>
-              <a:rPr/>
-              <a:t>are</a:t>
-            </a:r>
-            <a:r>
-              <a:rPr/>
-              <a:t> </a:t>
-            </a:r>
-            <a:r>
-              <a:rPr/>
-              <a:t>several</a:t>
-            </a:r>
-            <a:r>
-              <a:rPr/>
-              <a:t> </a:t>
-            </a:r>
-            <a:r>
-              <a:rPr/>
-              <a:t>ways</a:t>
-            </a:r>
-            <a:r>
-              <a:rPr/>
-              <a:t> </a:t>
-            </a:r>
-            <a:r>
-              <a:rPr/>
-              <a:t>you</a:t>
-            </a:r>
-            <a:r>
-              <a:rPr/>
-              <a:t> </a:t>
-            </a:r>
-            <a:r>
-              <a:rPr/>
-              <a:t>can</a:t>
-            </a:r>
-            <a:r>
-              <a:rPr/>
-              <a:t> </a:t>
-            </a:r>
-            <a:r>
-              <a:rPr/>
-              <a:t>name</a:t>
-            </a:r>
-            <a:r>
-              <a:rPr/>
-              <a:t> </a:t>
-            </a:r>
-            <a:r>
-              <a:rPr/>
-              <a:t>your</a:t>
-            </a:r>
-            <a:r>
-              <a:rPr/>
-              <a:t> </a:t>
-            </a:r>
-            <a:r>
-              <a:rPr/>
-              <a:t>files</a:t>
-            </a:r>
-            <a:r>
-              <a:rPr/>
-              <a:t> </a:t>
-            </a:r>
-            <a:r>
-              <a:rPr/>
-              <a:t>and</a:t>
-            </a:r>
-            <a:r>
-              <a:rPr/>
-              <a:t> </a:t>
-            </a:r>
-            <a:r>
-              <a:rPr/>
-              <a:t>meet</a:t>
-            </a:r>
-            <a:r>
-              <a:rPr/>
-              <a:t> </a:t>
-            </a:r>
-            <a:r>
-              <a:rPr/>
-              <a:t>these</a:t>
-            </a:r>
-            <a:r>
-              <a:rPr/>
-              <a:t> </a:t>
-            </a:r>
-            <a:r>
-              <a:rPr/>
-              <a:t>requirements.</a:t>
-            </a:r>
-            <a:r>
-              <a:rPr/>
-              <a:t> </a:t>
-            </a:r>
-            <a:r>
-              <a:rPr/>
-              <a:t>Here</a:t>
-            </a:r>
-            <a:r>
-              <a:rPr/>
-              <a:t> </a:t>
-            </a:r>
-            <a:r>
-              <a:rPr/>
-              <a:t>are</a:t>
-            </a:r>
-            <a:r>
-              <a:rPr/>
-              <a:t> </a:t>
-            </a:r>
-            <a:r>
-              <a:rPr/>
-              <a:t>two</a:t>
-            </a:r>
-            <a:r>
-              <a:rPr/>
-              <a:t> </a:t>
-            </a:r>
-            <a:r>
-              <a:rPr/>
-              <a:t>examples.</a:t>
+              <a:t>“</a:t>
+            </a:r>
+            <a:r>
+              <a:rPr/>
+              <a:t>Steve</a:t>
+            </a:r>
+            <a:r>
+              <a:rPr/>
+              <a:t> </a:t>
+            </a:r>
+            <a:r>
+              <a:rPr/>
+              <a:t>Simon</a:t>
+            </a:r>
+            <a:r>
+              <a:rPr/>
+              <a:t> </a:t>
+            </a:r>
+            <a:r>
+              <a:rPr/>
+              <a:t>homework,</a:t>
+            </a:r>
+            <a:r>
+              <a:rPr/>
+              <a:t> </a:t>
+            </a:r>
+            <a:r>
+              <a:rPr/>
+              <a:t>part</a:t>
+            </a:r>
+            <a:r>
+              <a:rPr/>
+              <a:t> </a:t>
+            </a:r>
+            <a:r>
+              <a:rPr/>
+              <a:t>a,</a:t>
+            </a:r>
+            <a:r>
+              <a:rPr/>
+              <a:t> </a:t>
+            </a:r>
+            <a:r>
+              <a:rPr/>
+              <a:t>for</a:t>
+            </a:r>
+            <a:r>
+              <a:rPr/>
+              <a:t> </a:t>
+            </a:r>
+            <a:r>
+              <a:rPr/>
+              <a:t>5505,</a:t>
+            </a:r>
+            <a:r>
+              <a:rPr/>
+              <a:t> </a:t>
+            </a:r>
+            <a:r>
+              <a:rPr/>
+              <a:t>Module02</a:t>
+            </a:r>
+            <a:r>
+              <a:rPr/>
+              <a:t>”</a:t>
+            </a:r>
+            <a:r>
+              <a:rPr/>
+              <a:t> </a:t>
+            </a:r>
+            <a:r>
+              <a:rPr/>
+              <a:t>is</a:t>
+            </a:r>
+            <a:r>
+              <a:rPr/>
+              <a:t> </a:t>
+            </a:r>
+            <a:r>
+              <a:rPr/>
+              <a:t>lengthy</a:t>
+            </a:r>
+            <a:r>
+              <a:rPr/>
+              <a:t> </a:t>
+            </a:r>
+            <a:r>
+              <a:rPr/>
+              <a:t>file</a:t>
+            </a:r>
+            <a:r>
+              <a:rPr/>
+              <a:t> </a:t>
+            </a:r>
+            <a:r>
+              <a:rPr/>
+              <a:t>name.</a:t>
             </a:r>
           </a:p>
           <a:p>
@@ -8187,63 +8406,7 @@
             </a:r>
             <a:r>
               <a:rPr/>
-              <a:t>Steve</a:t>
-            </a:r>
-            <a:r>
-              <a:rPr/>
-              <a:t> </a:t>
-            </a:r>
-            <a:r>
-              <a:rPr/>
-              <a:t>Simon</a:t>
-            </a:r>
-            <a:r>
-              <a:rPr/>
-              <a:t> </a:t>
-            </a:r>
-            <a:r>
-              <a:rPr/>
-              <a:t>homework,</a:t>
-            </a:r>
-            <a:r>
-              <a:rPr/>
-              <a:t> </a:t>
-            </a:r>
-            <a:r>
-              <a:rPr/>
-              <a:t>part</a:t>
-            </a:r>
-            <a:r>
-              <a:rPr/>
-              <a:t> </a:t>
-            </a:r>
-            <a:r>
-              <a:rPr/>
-              <a:t>a,</a:t>
-            </a:r>
-            <a:r>
-              <a:rPr/>
-              <a:t> </a:t>
-            </a:r>
-            <a:r>
-              <a:rPr/>
-              <a:t>for</a:t>
-            </a:r>
-            <a:r>
-              <a:rPr/>
-              <a:t> </a:t>
-            </a:r>
-            <a:r>
-              <a:rPr/>
-              <a:t>5505,</a:t>
-            </a:r>
-            <a:r>
-              <a:rPr/>
-              <a:t> </a:t>
-            </a:r>
-            <a:r>
-              <a:rPr/>
-              <a:t>Module02</a:t>
+              <a:t>hw02a-5505-simon</a:t>
             </a:r>
             <a:r>
               <a:rPr/>
@@ -8263,7 +8426,15 @@
             </a:r>
             <a:r>
               <a:rPr/>
-              <a:t>lengthy</a:t>
+              <a:t>a</a:t>
+            </a:r>
+            <a:r>
+              <a:rPr/>
+              <a:t> </a:t>
+            </a:r>
+            <a:r>
+              <a:rPr/>
+              <a:t>terse</a:t>
             </a:r>
             <a:r>
               <a:rPr/>
@@ -8281,23 +8452,81 @@
               <a:rPr/>
               <a:t>name.</a:t>
             </a:r>
-          </a:p>
-          <a:p>
-            <a:pPr lvl="0" marL="0" indent="0">
-              <a:buNone/>
-            </a:pPr>
-          </a:p>
-          <a:p>
-            <a:pPr lvl="0" marL="0" indent="0">
-              <a:buNone/>
-            </a:pPr>
+            <a:r>
+              <a:rPr/>
+              <a:t> </a:t>
+            </a:r>
+            <a:r>
+              <a:rPr/>
+              <a:t>Either</a:t>
+            </a:r>
+            <a:r>
+              <a:rPr/>
+              <a:t> </a:t>
+            </a:r>
+            <a:r>
+              <a:rPr/>
+              <a:t>is</a:t>
+            </a:r>
+            <a:r>
+              <a:rPr/>
+              <a:t> </a:t>
+            </a:r>
+            <a:r>
+              <a:rPr/>
+              <a:t>fine</a:t>
+            </a:r>
+            <a:r>
+              <a:rPr/>
+              <a:t> </a:t>
+            </a:r>
+            <a:r>
+              <a:rPr/>
+              <a:t>as</a:t>
+            </a:r>
+            <a:r>
+              <a:rPr/>
+              <a:t> </a:t>
+            </a:r>
+            <a:r>
+              <a:rPr/>
+              <a:t>long</a:t>
+            </a:r>
+            <a:r>
+              <a:rPr/>
+              <a:t> </a:t>
+            </a:r>
+            <a:r>
+              <a:rPr/>
+              <a:t>as</a:t>
+            </a:r>
+            <a:r>
+              <a:rPr/>
+              <a:t> </a:t>
+            </a:r>
+            <a:r>
+              <a:rPr/>
+              <a:t>it</a:t>
+            </a:r>
+            <a:r>
+              <a:rPr/>
+              <a:t> </a:t>
+            </a:r>
+            <a:r>
+              <a:rPr/>
+              <a:t>has</a:t>
+            </a:r>
+            <a:r>
+              <a:rPr/>
+              <a:t> </a:t>
+            </a:r>
             <a:r>
               <a:rPr/>
               <a:t>“</a:t>
             </a:r>
             <a:r>
               <a:rPr/>
-              <a:t>hw02a-5505-simon</a:t>
+              <a:t>02</a:t>
             </a:r>
             <a:r>
               <a:rPr/>
@@ -8305,127 +8534,7 @@
             </a:r>
             <a:r>
               <a:rPr/>
-              <a:t> </a:t>
-            </a:r>
-            <a:r>
-              <a:rPr/>
-              <a:t>is</a:t>
-            </a:r>
-            <a:r>
-              <a:rPr/>
-              <a:t> </a:t>
-            </a:r>
-            <a:r>
-              <a:rPr/>
-              <a:t>a</a:t>
-            </a:r>
-            <a:r>
-              <a:rPr/>
-              <a:t> </a:t>
-            </a:r>
-            <a:r>
-              <a:rPr/>
-              <a:t>terse</a:t>
-            </a:r>
-            <a:r>
-              <a:rPr/>
-              <a:t> </a:t>
-            </a:r>
-            <a:r>
-              <a:rPr/>
-              <a:t>file</a:t>
-            </a:r>
-            <a:r>
-              <a:rPr/>
-              <a:t> </a:t>
-            </a:r>
-            <a:r>
-              <a:rPr/>
-              <a:t>name.</a:t>
-            </a:r>
-            <a:r>
-              <a:rPr/>
-              <a:t> </a:t>
-            </a:r>
-            <a:r>
-              <a:rPr/>
-              <a:t>Either</a:t>
-            </a:r>
-            <a:r>
-              <a:rPr/>
-              <a:t> </a:t>
-            </a:r>
-            <a:r>
-              <a:rPr/>
-              <a:t>is</a:t>
-            </a:r>
-            <a:r>
-              <a:rPr/>
-              <a:t> </a:t>
-            </a:r>
-            <a:r>
-              <a:rPr/>
-              <a:t>fine</a:t>
-            </a:r>
-            <a:r>
-              <a:rPr/>
-              <a:t> </a:t>
-            </a:r>
-            <a:r>
-              <a:rPr/>
-              <a:t>as</a:t>
-            </a:r>
-            <a:r>
-              <a:rPr/>
-              <a:t> </a:t>
-            </a:r>
-            <a:r>
-              <a:rPr/>
-              <a:t>long</a:t>
-            </a:r>
-            <a:r>
-              <a:rPr/>
-              <a:t> </a:t>
-            </a:r>
-            <a:r>
-              <a:rPr/>
-              <a:t>as</a:t>
-            </a:r>
-            <a:r>
-              <a:rPr/>
-              <a:t> </a:t>
-            </a:r>
-            <a:r>
-              <a:rPr/>
-              <a:t>it</a:t>
-            </a:r>
-            <a:r>
-              <a:rPr/>
-              <a:t> </a:t>
-            </a:r>
-            <a:r>
-              <a:rPr/>
-              <a:t>has</a:t>
-            </a:r>
-            <a:r>
-              <a:rPr/>
-              <a:t> </a:t>
-            </a:r>
-            <a:r>
-              <a:rPr/>
-              <a:t>“</a:t>
-            </a:r>
-            <a:r>
-              <a:rPr/>
-              <a:t>02</a:t>
-            </a:r>
-            <a:r>
-              <a:rPr/>
               <a:t>”</a:t>
-            </a:r>
-            <a:r>
-              <a:rPr/>
-              <a:t>"</a:t>
             </a:r>
             <a:r>
               <a:rPr/>
@@ -10599,6 +10708,148 @@
             </a:pPr>
             <a:r>
               <a:rPr/>
+              <a:t>If</a:t>
+            </a:r>
+            <a:r>
+              <a:rPr/>
+              <a:t> </a:t>
+            </a:r>
+            <a:r>
+              <a:rPr/>
+              <a:t>any</a:t>
+            </a:r>
+            <a:r>
+              <a:rPr/>
+              <a:t> </a:t>
+            </a:r>
+            <a:r>
+              <a:rPr/>
+              <a:t>numbers</a:t>
+            </a:r>
+            <a:r>
+              <a:rPr/>
+              <a:t> </a:t>
+            </a:r>
+            <a:r>
+              <a:rPr/>
+              <a:t>are</a:t>
+            </a:r>
+            <a:r>
+              <a:rPr/>
+              <a:t> </a:t>
+            </a:r>
+            <a:r>
+              <a:rPr/>
+              <a:t>part</a:t>
+            </a:r>
+            <a:r>
+              <a:rPr/>
+              <a:t> </a:t>
+            </a:r>
+            <a:r>
+              <a:rPr/>
+              <a:t>of</a:t>
+            </a:r>
+            <a:r>
+              <a:rPr/>
+              <a:t> </a:t>
+            </a:r>
+            <a:r>
+              <a:rPr/>
+              <a:t>your</a:t>
+            </a:r>
+            <a:r>
+              <a:rPr/>
+              <a:t> </a:t>
+            </a:r>
+            <a:r>
+              <a:rPr/>
+              <a:t>interpretation,</a:t>
+            </a:r>
+            <a:r>
+              <a:rPr/>
+              <a:t> </a:t>
+            </a:r>
+            <a:r>
+              <a:rPr/>
+              <a:t>round</a:t>
+            </a:r>
+            <a:r>
+              <a:rPr/>
+              <a:t> </a:t>
+            </a:r>
+            <a:r>
+              <a:rPr/>
+              <a:t>them</a:t>
+            </a:r>
+            <a:r>
+              <a:rPr/>
+              <a:t> </a:t>
+            </a:r>
+            <a:r>
+              <a:rPr/>
+              <a:t>liberally</a:t>
+            </a:r>
+            <a:r>
+              <a:rPr/>
+              <a:t> </a:t>
+            </a:r>
+            <a:r>
+              <a:rPr/>
+              <a:t>(see</a:t>
+            </a:r>
+            <a:r>
+              <a:rPr/>
+              <a:t> </a:t>
+            </a:r>
+            <a:r>
+              <a:rPr/>
+              <a:t>the</a:t>
+            </a:r>
+            <a:r>
+              <a:rPr/>
+              <a:t> </a:t>
+            </a:r>
+            <a:r>
+              <a:rPr/>
+              <a:t>next</a:t>
+            </a:r>
+            <a:r>
+              <a:rPr/>
+              <a:t> </a:t>
+            </a:r>
+            <a:r>
+              <a:rPr/>
+              <a:t>slide</a:t>
+            </a:r>
+            <a:r>
+              <a:rPr/>
+              <a:t> </a:t>
+            </a:r>
+            <a:r>
+              <a:rPr/>
+              <a:t>for</a:t>
+            </a:r>
+            <a:r>
+              <a:rPr/>
+              <a:t> </a:t>
+            </a:r>
+            <a:r>
+              <a:rPr/>
+              <a:t>details)</a:t>
+            </a:r>
+          </a:p>
+          <a:p>
+            <a:pPr lvl="0" marL="0" indent="0">
+              <a:buNone/>
+            </a:pPr>
+          </a:p>
+          <a:p>
+            <a:pPr lvl="0" marL="0" indent="0">
+              <a:buNone/>
+            </a:pPr>
+            <a:r>
+              <a:rPr/>
               <a:t>Here</a:t>
             </a:r>
             <a:r>
@@ -10672,6 +10923,292 @@
             <a:r>
               <a:rPr/>
               <a:t>include.</a:t>
+            </a:r>
+          </a:p>
+          <a:p>
+            <a:pPr lvl="0" marL="0" indent="0">
+              <a:buNone/>
+            </a:pPr>
+          </a:p>
+          <a:p>
+            <a:pPr lvl="0" marL="0" indent="0">
+              <a:buNone/>
+            </a:pPr>
+            <a:r>
+              <a:rPr/>
+              <a:t>Note</a:t>
+            </a:r>
+            <a:r>
+              <a:rPr/>
+              <a:t> </a:t>
+            </a:r>
+            <a:r>
+              <a:rPr/>
+              <a:t>the</a:t>
+            </a:r>
+            <a:r>
+              <a:rPr/>
+              <a:t> </a:t>
+            </a:r>
+            <a:r>
+              <a:rPr/>
+              <a:t>use</a:t>
+            </a:r>
+            <a:r>
+              <a:rPr/>
+              <a:t> </a:t>
+            </a:r>
+            <a:r>
+              <a:rPr/>
+              <a:t>of</a:t>
+            </a:r>
+            <a:r>
+              <a:rPr/>
+              <a:t> </a:t>
+            </a:r>
+            <a:r>
+              <a:rPr/>
+              <a:t>40%</a:t>
+            </a:r>
+            <a:r>
+              <a:rPr/>
+              <a:t> </a:t>
+            </a:r>
+            <a:r>
+              <a:rPr/>
+              <a:t>in</a:t>
+            </a:r>
+            <a:r>
+              <a:rPr/>
+              <a:t> </a:t>
+            </a:r>
+            <a:r>
+              <a:rPr/>
+              <a:t>the</a:t>
+            </a:r>
+            <a:r>
+              <a:rPr/>
+              <a:t> </a:t>
+            </a:r>
+            <a:r>
+              <a:rPr/>
+              <a:t>first</a:t>
+            </a:r>
+            <a:r>
+              <a:rPr/>
+              <a:t> </a:t>
+            </a:r>
+            <a:r>
+              <a:rPr/>
+              <a:t>interpretation.</a:t>
+            </a:r>
+            <a:r>
+              <a:rPr/>
+              <a:t> </a:t>
+            </a:r>
+            <a:r>
+              <a:rPr/>
+              <a:t>This</a:t>
+            </a:r>
+            <a:r>
+              <a:rPr/>
+              <a:t> </a:t>
+            </a:r>
+            <a:r>
+              <a:rPr/>
+              <a:t>reads</a:t>
+            </a:r>
+            <a:r>
+              <a:rPr/>
+              <a:t> </a:t>
+            </a:r>
+            <a:r>
+              <a:rPr/>
+              <a:t>a</a:t>
+            </a:r>
+            <a:r>
+              <a:rPr/>
+              <a:t> </a:t>
+            </a:r>
+            <a:r>
+              <a:rPr/>
+              <a:t>whole</a:t>
+            </a:r>
+            <a:r>
+              <a:rPr/>
+              <a:t> </a:t>
+            </a:r>
+            <a:r>
+              <a:rPr/>
+              <a:t>lot</a:t>
+            </a:r>
+            <a:r>
+              <a:rPr/>
+              <a:t> </a:t>
+            </a:r>
+            <a:r>
+              <a:rPr/>
+              <a:t>better</a:t>
+            </a:r>
+            <a:r>
+              <a:rPr/>
+              <a:t> </a:t>
+            </a:r>
+            <a:r>
+              <a:rPr/>
+              <a:t>than</a:t>
+            </a:r>
+            <a:r>
+              <a:rPr/>
+              <a:t> </a:t>
+            </a:r>
+            <a:r>
+              <a:rPr/>
+              <a:t>“</a:t>
+            </a:r>
+            <a:r>
+              <a:rPr/>
+              <a:t>Only</a:t>
+            </a:r>
+            <a:r>
+              <a:rPr/>
+              <a:t> </a:t>
+            </a:r>
+            <a:r>
+              <a:rPr/>
+              <a:t>39.56%</a:t>
+            </a:r>
+            <a:r>
+              <a:rPr/>
+              <a:t> </a:t>
+            </a:r>
+            <a:r>
+              <a:rPr/>
+              <a:t>of</a:t>
+            </a:r>
+            <a:r>
+              <a:rPr/>
+              <a:t> </a:t>
+            </a:r>
+            <a:r>
+              <a:rPr/>
+              <a:t>the</a:t>
+            </a:r>
+            <a:r>
+              <a:rPr/>
+              <a:t> </a:t>
+            </a:r>
+            <a:r>
+              <a:rPr/>
+              <a:t>patients.</a:t>
+            </a:r>
+            <a:r>
+              <a:rPr/>
+              <a:t>”</a:t>
+            </a:r>
+            <a:r>
+              <a:rPr/>
+              <a:t> </a:t>
+            </a:r>
+            <a:r>
+              <a:rPr/>
+              <a:t>Even</a:t>
+            </a:r>
+            <a:r>
+              <a:rPr/>
+              <a:t> </a:t>
+            </a:r>
+            <a:r>
+              <a:rPr/>
+              <a:t>a</a:t>
+            </a:r>
+            <a:r>
+              <a:rPr/>
+              <a:t> </a:t>
+            </a:r>
+            <a:r>
+              <a:rPr/>
+              <a:t>percentage</a:t>
+            </a:r>
+            <a:r>
+              <a:rPr/>
+              <a:t> </a:t>
+            </a:r>
+            <a:r>
+              <a:rPr/>
+              <a:t>like</a:t>
+            </a:r>
+            <a:r>
+              <a:rPr/>
+              <a:t> </a:t>
+            </a:r>
+            <a:r>
+              <a:rPr/>
+              <a:t>41.7%</a:t>
+            </a:r>
+            <a:r>
+              <a:rPr/>
+              <a:t> </a:t>
+            </a:r>
+            <a:r>
+              <a:rPr/>
+              <a:t>reads</a:t>
+            </a:r>
+            <a:r>
+              <a:rPr/>
+              <a:t> </a:t>
+            </a:r>
+            <a:r>
+              <a:rPr/>
+              <a:t>better</a:t>
+            </a:r>
+            <a:r>
+              <a:rPr/>
+              <a:t> </a:t>
+            </a:r>
+            <a:r>
+              <a:rPr/>
+              <a:t>when</a:t>
+            </a:r>
+            <a:r>
+              <a:rPr/>
+              <a:t> </a:t>
+            </a:r>
+            <a:r>
+              <a:rPr/>
+              <a:t>rounded</a:t>
+            </a:r>
+            <a:r>
+              <a:rPr/>
+              <a:t> </a:t>
+            </a:r>
+            <a:r>
+              <a:rPr/>
+              <a:t>to</a:t>
+            </a:r>
+            <a:r>
+              <a:rPr/>
+              <a:t> </a:t>
+            </a:r>
+            <a:r>
+              <a:rPr/>
+              <a:t>“</a:t>
+            </a:r>
+            <a:r>
+              <a:rPr/>
+              <a:t>about</a:t>
+            </a:r>
+            <a:r>
+              <a:rPr/>
+              <a:t> </a:t>
+            </a:r>
+            <a:r>
+              <a:rPr/>
+              <a:t>40%.</a:t>
+            </a:r>
+            <a:r>
+              <a:rPr/>
+              <a:t>”</a:t>
             </a:r>
           </a:p>
         </p:txBody>
@@ -10753,39 +11290,127 @@
             </a:pPr>
             <a:r>
               <a:rPr/>
-              <a:t>Remember</a:t>
-            </a:r>
-            <a:r>
-              <a:rPr/>
-              <a:t> </a:t>
-            </a:r>
-            <a:r>
-              <a:rPr/>
-              <a:t>these</a:t>
-            </a:r>
-            <a:r>
-              <a:rPr/>
-              <a:t> </a:t>
-            </a:r>
-            <a:r>
-              <a:rPr/>
-              <a:t>guidelinesfor</a:t>
-            </a:r>
-            <a:r>
-              <a:rPr/>
-              <a:t> </a:t>
-            </a:r>
-            <a:r>
-              <a:rPr/>
-              <a:t>every</a:t>
-            </a:r>
-            <a:r>
-              <a:rPr/>
-              <a:t> </a:t>
-            </a:r>
-            <a:r>
-              <a:rPr/>
-              <a:t>assignment</a:t>
+              <a:t>Numbers</a:t>
+            </a:r>
+            <a:r>
+              <a:rPr/>
+              <a:t> </a:t>
+            </a:r>
+            <a:r>
+              <a:rPr/>
+              <a:t>with</a:t>
+            </a:r>
+            <a:r>
+              <a:rPr/>
+              <a:t> </a:t>
+            </a:r>
+            <a:r>
+              <a:rPr/>
+              <a:t>lots</a:t>
+            </a:r>
+            <a:r>
+              <a:rPr/>
+              <a:t> </a:t>
+            </a:r>
+            <a:r>
+              <a:rPr/>
+              <a:t>of</a:t>
+            </a:r>
+            <a:r>
+              <a:rPr/>
+              <a:t> </a:t>
+            </a:r>
+            <a:r>
+              <a:rPr/>
+              <a:t>digits</a:t>
+            </a:r>
+            <a:r>
+              <a:rPr/>
+              <a:t> </a:t>
+            </a:r>
+            <a:r>
+              <a:rPr/>
+              <a:t>in</a:t>
+            </a:r>
+            <a:r>
+              <a:rPr/>
+              <a:t> </a:t>
+            </a:r>
+            <a:r>
+              <a:rPr/>
+              <a:t>them</a:t>
+            </a:r>
+            <a:r>
+              <a:rPr/>
+              <a:t> </a:t>
+            </a:r>
+            <a:r>
+              <a:rPr/>
+              <a:t>are</a:t>
+            </a:r>
+            <a:r>
+              <a:rPr/>
+              <a:t> </a:t>
+            </a:r>
+            <a:r>
+              <a:rPr/>
+              <a:t>hard</a:t>
+            </a:r>
+            <a:r>
+              <a:rPr/>
+              <a:t> </a:t>
+            </a:r>
+            <a:r>
+              <a:rPr/>
+              <a:t>to</a:t>
+            </a:r>
+            <a:r>
+              <a:rPr/>
+              <a:t> </a:t>
+            </a:r>
+            <a:r>
+              <a:rPr/>
+              <a:t>read.</a:t>
+            </a:r>
+            <a:r>
+              <a:rPr/>
+              <a:t> </a:t>
+            </a:r>
+            <a:r>
+              <a:rPr/>
+              <a:t>The</a:t>
+            </a:r>
+            <a:r>
+              <a:rPr/>
+              <a:t> </a:t>
+            </a:r>
+            <a:r>
+              <a:rPr/>
+              <a:t>rule</a:t>
+            </a:r>
+            <a:r>
+              <a:rPr/>
+              <a:t> </a:t>
+            </a:r>
+            <a:r>
+              <a:rPr/>
+              <a:t>of</a:t>
+            </a:r>
+            <a:r>
+              <a:rPr/>
+              <a:t> </a:t>
+            </a:r>
+            <a:r>
+              <a:rPr/>
+              <a:t>thumb</a:t>
+            </a:r>
+            <a:r>
+              <a:rPr/>
+              <a:t> </a:t>
+            </a:r>
+            <a:r>
+              <a:rPr/>
+              <a:t>is</a:t>
             </a:r>
             <a:r>
               <a:rPr/>
@@ -10809,23 +11434,63 @@
             </a:r>
             <a:r>
               <a:rPr/>
-              <a:t>turn</a:t>
-            </a:r>
-            <a:r>
-              <a:rPr/>
-              <a:t> </a:t>
-            </a:r>
-            <a:r>
-              <a:rPr/>
-              <a:t>in.</a:t>
-            </a:r>
-            <a:r>
-              <a:rPr/>
-              <a:t> </a:t>
-            </a:r>
-            <a:r>
-              <a:rPr/>
-              <a:t>Use</a:t>
+              <a:t>round</a:t>
+            </a:r>
+            <a:r>
+              <a:rPr/>
+              <a:t> </a:t>
+            </a:r>
+            <a:r>
+              <a:rPr/>
+              <a:t>to</a:t>
+            </a:r>
+            <a:r>
+              <a:rPr/>
+              <a:t> </a:t>
+            </a:r>
+            <a:r>
+              <a:rPr/>
+              <a:t>two</a:t>
+            </a:r>
+            <a:r>
+              <a:rPr/>
+              <a:t> </a:t>
+            </a:r>
+            <a:r>
+              <a:rPr/>
+              <a:t>significant</a:t>
+            </a:r>
+            <a:r>
+              <a:rPr/>
+              <a:t> </a:t>
+            </a:r>
+            <a:r>
+              <a:rPr/>
+              <a:t>digits.</a:t>
+            </a:r>
+            <a:r>
+              <a:rPr/>
+              <a:t> </a:t>
+            </a:r>
+            <a:r>
+              <a:rPr/>
+              <a:t>This</a:t>
+            </a:r>
+            <a:r>
+              <a:rPr/>
+              <a:t> </a:t>
+            </a:r>
+            <a:r>
+              <a:rPr/>
+              <a:t>is</a:t>
+            </a:r>
+            <a:r>
+              <a:rPr/>
+              <a:t> </a:t>
+            </a:r>
+            <a:r>
+              <a:rPr/>
+              <a:t>not</a:t>
             </a:r>
             <a:r>
               <a:rPr/>
@@ -10841,23 +11506,1223 @@
             </a:r>
             <a:r>
               <a:rPr/>
-              <a:t>proper</a:t>
-            </a:r>
-            <a:r>
-              <a:rPr/>
-              <a:t> </a:t>
-            </a:r>
-            <a:r>
-              <a:rPr/>
-              <a:t>file</a:t>
-            </a:r>
-            <a:r>
-              <a:rPr/>
-              <a:t> </a:t>
-            </a:r>
-            <a:r>
-              <a:rPr/>
-              <a:t>name</a:t>
+              <a:t>same</a:t>
+            </a:r>
+            <a:r>
+              <a:rPr/>
+              <a:t> </a:t>
+            </a:r>
+            <a:r>
+              <a:rPr/>
+              <a:t>as</a:t>
+            </a:r>
+            <a:r>
+              <a:rPr/>
+              <a:t> </a:t>
+            </a:r>
+            <a:r>
+              <a:rPr/>
+              <a:t>rounding</a:t>
+            </a:r>
+            <a:r>
+              <a:rPr/>
+              <a:t> </a:t>
+            </a:r>
+            <a:r>
+              <a:rPr/>
+              <a:t>to</a:t>
+            </a:r>
+            <a:r>
+              <a:rPr/>
+              <a:t> </a:t>
+            </a:r>
+            <a:r>
+              <a:rPr/>
+              <a:t>two</a:t>
+            </a:r>
+            <a:r>
+              <a:rPr/>
+              <a:t> </a:t>
+            </a:r>
+            <a:r>
+              <a:rPr/>
+              <a:t>decimal</a:t>
+            </a:r>
+            <a:r>
+              <a:rPr/>
+              <a:t> </a:t>
+            </a:r>
+            <a:r>
+              <a:rPr/>
+              <a:t>places.</a:t>
+            </a:r>
+          </a:p>
+          <a:p>
+            <a:pPr lvl="0" marL="0" indent="0">
+              <a:buNone/>
+            </a:pPr>
+          </a:p>
+          <a:p>
+            <a:pPr lvl="0" marL="0" indent="0">
+              <a:buNone/>
+            </a:pPr>
+            <a:r>
+              <a:rPr/>
+              <a:t>A</a:t>
+            </a:r>
+            <a:r>
+              <a:rPr/>
+              <a:t> </a:t>
+            </a:r>
+            <a:r>
+              <a:rPr/>
+              <a:t>value</a:t>
+            </a:r>
+            <a:r>
+              <a:rPr/>
+              <a:t> </a:t>
+            </a:r>
+            <a:r>
+              <a:rPr/>
+              <a:t>of</a:t>
+            </a:r>
+            <a:r>
+              <a:rPr/>
+              <a:t> </a:t>
+            </a:r>
+            <a:r>
+              <a:rPr/>
+              <a:t>0.03426</a:t>
+            </a:r>
+            <a:r>
+              <a:rPr/>
+              <a:t> </a:t>
+            </a:r>
+            <a:r>
+              <a:rPr/>
+              <a:t>is</a:t>
+            </a:r>
+            <a:r>
+              <a:rPr/>
+              <a:t> </a:t>
+            </a:r>
+            <a:r>
+              <a:rPr/>
+              <a:t>properly</a:t>
+            </a:r>
+            <a:r>
+              <a:rPr/>
+              <a:t> </a:t>
+            </a:r>
+            <a:r>
+              <a:rPr/>
+              <a:t>rounded</a:t>
+            </a:r>
+            <a:r>
+              <a:rPr/>
+              <a:t> </a:t>
+            </a:r>
+            <a:r>
+              <a:rPr/>
+              <a:t>to</a:t>
+            </a:r>
+            <a:r>
+              <a:rPr/>
+              <a:t> </a:t>
+            </a:r>
+            <a:r>
+              <a:rPr/>
+              <a:t>0.034</a:t>
+            </a:r>
+            <a:r>
+              <a:rPr/>
+              <a:t> </a:t>
+            </a:r>
+            <a:r>
+              <a:rPr/>
+              <a:t>as</a:t>
+            </a:r>
+            <a:r>
+              <a:rPr/>
+              <a:t> </a:t>
+            </a:r>
+            <a:r>
+              <a:rPr/>
+              <a:t>the</a:t>
+            </a:r>
+            <a:r>
+              <a:rPr/>
+              <a:t> </a:t>
+            </a:r>
+            <a:r>
+              <a:rPr/>
+              <a:t>leading</a:t>
+            </a:r>
+            <a:r>
+              <a:rPr/>
+              <a:t> </a:t>
+            </a:r>
+            <a:r>
+              <a:rPr/>
+              <a:t>zeros</a:t>
+            </a:r>
+            <a:r>
+              <a:rPr/>
+              <a:t> </a:t>
+            </a:r>
+            <a:r>
+              <a:rPr/>
+              <a:t>do</a:t>
+            </a:r>
+            <a:r>
+              <a:rPr/>
+              <a:t> </a:t>
+            </a:r>
+            <a:r>
+              <a:rPr/>
+              <a:t>not</a:t>
+            </a:r>
+            <a:r>
+              <a:rPr/>
+              <a:t> </a:t>
+            </a:r>
+            <a:r>
+              <a:rPr/>
+              <a:t>count</a:t>
+            </a:r>
+            <a:r>
+              <a:rPr/>
+              <a:t> </a:t>
+            </a:r>
+            <a:r>
+              <a:rPr/>
+              <a:t>as</a:t>
+            </a:r>
+            <a:r>
+              <a:rPr/>
+              <a:t> </a:t>
+            </a:r>
+            <a:r>
+              <a:rPr/>
+              <a:t>significant</a:t>
+            </a:r>
+            <a:r>
+              <a:rPr/>
+              <a:t> </a:t>
+            </a:r>
+            <a:r>
+              <a:rPr/>
+              <a:t>digits.</a:t>
+            </a:r>
+          </a:p>
+          <a:p>
+            <a:pPr lvl="0" marL="0" indent="0">
+              <a:buNone/>
+            </a:pPr>
+          </a:p>
+          <a:p>
+            <a:pPr lvl="0" marL="0" indent="0">
+              <a:buNone/>
+            </a:pPr>
+            <a:r>
+              <a:rPr/>
+              <a:t>Percentages</a:t>
+            </a:r>
+            <a:r>
+              <a:rPr/>
+              <a:t> </a:t>
+            </a:r>
+            <a:r>
+              <a:rPr/>
+              <a:t>almost</a:t>
+            </a:r>
+            <a:r>
+              <a:rPr/>
+              <a:t> </a:t>
+            </a:r>
+            <a:r>
+              <a:rPr/>
+              <a:t>never</a:t>
+            </a:r>
+            <a:r>
+              <a:rPr/>
+              <a:t> </a:t>
+            </a:r>
+            <a:r>
+              <a:rPr/>
+              <a:t>need</a:t>
+            </a:r>
+            <a:r>
+              <a:rPr/>
+              <a:t> </a:t>
+            </a:r>
+            <a:r>
+              <a:rPr/>
+              <a:t>more</a:t>
+            </a:r>
+            <a:r>
+              <a:rPr/>
+              <a:t> </a:t>
+            </a:r>
+            <a:r>
+              <a:rPr/>
+              <a:t>than</a:t>
+            </a:r>
+            <a:r>
+              <a:rPr/>
+              <a:t> </a:t>
+            </a:r>
+            <a:r>
+              <a:rPr/>
+              <a:t>two</a:t>
+            </a:r>
+            <a:r>
+              <a:rPr/>
+              <a:t> </a:t>
+            </a:r>
+            <a:r>
+              <a:rPr/>
+              <a:t>digits.</a:t>
+            </a:r>
+            <a:r>
+              <a:rPr/>
+              <a:t> </a:t>
+            </a:r>
+            <a:r>
+              <a:rPr/>
+              <a:t>Too</a:t>
+            </a:r>
+            <a:r>
+              <a:rPr/>
+              <a:t> </a:t>
+            </a:r>
+            <a:r>
+              <a:rPr/>
+              <a:t>many</a:t>
+            </a:r>
+            <a:r>
+              <a:rPr/>
+              <a:t> </a:t>
+            </a:r>
+            <a:r>
+              <a:rPr/>
+              <a:t>people</a:t>
+            </a:r>
+            <a:r>
+              <a:rPr/>
+              <a:t> </a:t>
+            </a:r>
+            <a:r>
+              <a:rPr/>
+              <a:t>report</a:t>
+            </a:r>
+            <a:r>
+              <a:rPr/>
+              <a:t> </a:t>
+            </a:r>
+            <a:r>
+              <a:rPr/>
+              <a:t>one</a:t>
+            </a:r>
+            <a:r>
+              <a:rPr/>
+              <a:t> </a:t>
+            </a:r>
+            <a:r>
+              <a:rPr/>
+              <a:t>or</a:t>
+            </a:r>
+            <a:r>
+              <a:rPr/>
+              <a:t> </a:t>
+            </a:r>
+            <a:r>
+              <a:rPr/>
+              <a:t>even</a:t>
+            </a:r>
+            <a:r>
+              <a:rPr/>
+              <a:t> </a:t>
+            </a:r>
+            <a:r>
+              <a:rPr/>
+              <a:t>two</a:t>
+            </a:r>
+            <a:r>
+              <a:rPr/>
+              <a:t> </a:t>
+            </a:r>
+            <a:r>
+              <a:rPr/>
+              <a:t>decimal</a:t>
+            </a:r>
+            <a:r>
+              <a:rPr/>
+              <a:t> </a:t>
+            </a:r>
+            <a:r>
+              <a:rPr/>
+              <a:t>places</a:t>
+            </a:r>
+            <a:r>
+              <a:rPr/>
+              <a:t> </a:t>
+            </a:r>
+            <a:r>
+              <a:rPr/>
+              <a:t>for</a:t>
+            </a:r>
+            <a:r>
+              <a:rPr/>
+              <a:t> </a:t>
+            </a:r>
+            <a:r>
+              <a:rPr/>
+              <a:t>a</a:t>
+            </a:r>
+            <a:r>
+              <a:rPr/>
+              <a:t> </a:t>
+            </a:r>
+            <a:r>
+              <a:rPr/>
+              <a:t>percentage.</a:t>
+            </a:r>
+            <a:r>
+              <a:rPr/>
+              <a:t> </a:t>
+            </a:r>
+            <a:r>
+              <a:rPr/>
+              <a:t>No</a:t>
+            </a:r>
+            <a:r>
+              <a:rPr/>
+              <a:t> </a:t>
+            </a:r>
+            <a:r>
+              <a:rPr/>
+              <a:t>one</a:t>
+            </a:r>
+            <a:r>
+              <a:rPr/>
+              <a:t> </a:t>
+            </a:r>
+            <a:r>
+              <a:rPr/>
+              <a:t>cares</a:t>
+            </a:r>
+            <a:r>
+              <a:rPr/>
+              <a:t> </a:t>
+            </a:r>
+            <a:r>
+              <a:rPr/>
+              <a:t>about</a:t>
+            </a:r>
+            <a:r>
+              <a:rPr/>
+              <a:t> </a:t>
+            </a:r>
+            <a:r>
+              <a:rPr/>
+              <a:t>the</a:t>
+            </a:r>
+            <a:r>
+              <a:rPr/>
+              <a:t> </a:t>
+            </a:r>
+            <a:r>
+              <a:rPr/>
+              <a:t>.23</a:t>
+            </a:r>
+            <a:r>
+              <a:rPr/>
+              <a:t> </a:t>
+            </a:r>
+            <a:r>
+              <a:rPr/>
+              <a:t>in</a:t>
+            </a:r>
+            <a:r>
+              <a:rPr/>
+              <a:t> </a:t>
+            </a:r>
+            <a:r>
+              <a:rPr/>
+              <a:t>54.23%.</a:t>
+            </a:r>
+            <a:r>
+              <a:rPr/>
+              <a:t> </a:t>
+            </a:r>
+            <a:r>
+              <a:rPr/>
+              <a:t>Round</a:t>
+            </a:r>
+            <a:r>
+              <a:rPr/>
+              <a:t> </a:t>
+            </a:r>
+            <a:r>
+              <a:rPr/>
+              <a:t>it</a:t>
+            </a:r>
+            <a:r>
+              <a:rPr/>
+              <a:t> </a:t>
+            </a:r>
+            <a:r>
+              <a:rPr/>
+              <a:t>to</a:t>
+            </a:r>
+            <a:r>
+              <a:rPr/>
+              <a:t> </a:t>
+            </a:r>
+            <a:r>
+              <a:rPr/>
+              <a:t>54%,</a:t>
+            </a:r>
+            <a:r>
+              <a:rPr/>
+              <a:t> </a:t>
+            </a:r>
+            <a:r>
+              <a:rPr/>
+              <a:t>It</a:t>
+            </a:r>
+            <a:r>
+              <a:rPr/>
+              <a:t> </a:t>
+            </a:r>
+            <a:r>
+              <a:rPr/>
+              <a:t>is</a:t>
+            </a:r>
+            <a:r>
+              <a:rPr/>
+              <a:t> </a:t>
+            </a:r>
+            <a:r>
+              <a:rPr/>
+              <a:t>much</a:t>
+            </a:r>
+            <a:r>
+              <a:rPr/>
+              <a:t> </a:t>
+            </a:r>
+            <a:r>
+              <a:rPr/>
+              <a:t>more</a:t>
+            </a:r>
+            <a:r>
+              <a:rPr/>
+              <a:t> </a:t>
+            </a:r>
+            <a:r>
+              <a:rPr/>
+              <a:t>readable.</a:t>
+            </a:r>
+          </a:p>
+          <a:p>
+            <a:pPr lvl="0" marL="0" indent="0">
+              <a:buNone/>
+            </a:pPr>
+          </a:p>
+          <a:p>
+            <a:pPr lvl="0" marL="0" indent="0">
+              <a:buNone/>
+            </a:pPr>
+            <a:r>
+              <a:rPr/>
+              <a:t>Now</a:t>
+            </a:r>
+            <a:r>
+              <a:rPr/>
+              <a:t> </a:t>
+            </a:r>
+            <a:r>
+              <a:rPr/>
+              <a:t>no</a:t>
+            </a:r>
+            <a:r>
+              <a:rPr/>
+              <a:t> </a:t>
+            </a:r>
+            <a:r>
+              <a:rPr/>
+              <a:t>one</a:t>
+            </a:r>
+            <a:r>
+              <a:rPr/>
+              <a:t> </a:t>
+            </a:r>
+            <a:r>
+              <a:rPr/>
+              <a:t>ever</a:t>
+            </a:r>
+            <a:r>
+              <a:rPr/>
+              <a:t> </a:t>
+            </a:r>
+            <a:r>
+              <a:rPr/>
+              <a:t>got</a:t>
+            </a:r>
+            <a:r>
+              <a:rPr/>
+              <a:t> </a:t>
+            </a:r>
+            <a:r>
+              <a:rPr/>
+              <a:t>thrown</a:t>
+            </a:r>
+            <a:r>
+              <a:rPr/>
+              <a:t> </a:t>
+            </a:r>
+            <a:r>
+              <a:rPr/>
+              <a:t>in</a:t>
+            </a:r>
+            <a:r>
+              <a:rPr/>
+              <a:t> </a:t>
+            </a:r>
+            <a:r>
+              <a:rPr/>
+              <a:t>jail</a:t>
+            </a:r>
+            <a:r>
+              <a:rPr/>
+              <a:t> </a:t>
+            </a:r>
+            <a:r>
+              <a:rPr/>
+              <a:t>for</a:t>
+            </a:r>
+            <a:r>
+              <a:rPr/>
+              <a:t> </a:t>
+            </a:r>
+            <a:r>
+              <a:rPr/>
+              <a:t>violating</a:t>
+            </a:r>
+            <a:r>
+              <a:rPr/>
+              <a:t> </a:t>
+            </a:r>
+            <a:r>
+              <a:rPr/>
+              <a:t>a</a:t>
+            </a:r>
+            <a:r>
+              <a:rPr/>
+              <a:t> </a:t>
+            </a:r>
+            <a:r>
+              <a:rPr/>
+              <a:t>rule</a:t>
+            </a:r>
+            <a:r>
+              <a:rPr/>
+              <a:t> </a:t>
+            </a:r>
+            <a:r>
+              <a:rPr/>
+              <a:t>of</a:t>
+            </a:r>
+            <a:r>
+              <a:rPr/>
+              <a:t> </a:t>
+            </a:r>
+            <a:r>
+              <a:rPr/>
+              <a:t>thumb.</a:t>
+            </a:r>
+            <a:r>
+              <a:rPr/>
+              <a:t> </a:t>
+            </a:r>
+            <a:r>
+              <a:rPr/>
+              <a:t>Sometimes</a:t>
+            </a:r>
+            <a:r>
+              <a:rPr/>
+              <a:t> </a:t>
+            </a:r>
+            <a:r>
+              <a:rPr/>
+              <a:t>you</a:t>
+            </a:r>
+            <a:r>
+              <a:rPr/>
+              <a:t> </a:t>
+            </a:r>
+            <a:r>
+              <a:rPr/>
+              <a:t>might</a:t>
+            </a:r>
+            <a:r>
+              <a:rPr/>
+              <a:t> </a:t>
+            </a:r>
+            <a:r>
+              <a:rPr/>
+              <a:t>prefer</a:t>
+            </a:r>
+            <a:r>
+              <a:rPr/>
+              <a:t> </a:t>
+            </a:r>
+            <a:r>
+              <a:rPr/>
+              <a:t>to</a:t>
+            </a:r>
+            <a:r>
+              <a:rPr/>
+              <a:t> </a:t>
+            </a:r>
+            <a:r>
+              <a:rPr/>
+              <a:t>round</a:t>
+            </a:r>
+            <a:r>
+              <a:rPr/>
+              <a:t> </a:t>
+            </a:r>
+            <a:r>
+              <a:rPr/>
+              <a:t>to</a:t>
+            </a:r>
+            <a:r>
+              <a:rPr/>
+              <a:t> </a:t>
+            </a:r>
+            <a:r>
+              <a:rPr/>
+              <a:t>one</a:t>
+            </a:r>
+            <a:r>
+              <a:rPr/>
+              <a:t> </a:t>
+            </a:r>
+            <a:r>
+              <a:rPr/>
+              <a:t>or</a:t>
+            </a:r>
+            <a:r>
+              <a:rPr/>
+              <a:t> </a:t>
+            </a:r>
+            <a:r>
+              <a:rPr/>
+              <a:t>three</a:t>
+            </a:r>
+            <a:r>
+              <a:rPr/>
+              <a:t> </a:t>
+            </a:r>
+            <a:r>
+              <a:rPr/>
+              <a:t>significant</a:t>
+            </a:r>
+            <a:r>
+              <a:rPr/>
+              <a:t> </a:t>
+            </a:r>
+            <a:r>
+              <a:rPr/>
+              <a:t>digits.</a:t>
+            </a:r>
+            <a:r>
+              <a:rPr/>
+              <a:t> </a:t>
+            </a:r>
+            <a:r>
+              <a:rPr/>
+              <a:t>Numbers</a:t>
+            </a:r>
+            <a:r>
+              <a:rPr/>
+              <a:t> </a:t>
+            </a:r>
+            <a:r>
+              <a:rPr/>
+              <a:t>close</a:t>
+            </a:r>
+            <a:r>
+              <a:rPr/>
+              <a:t> </a:t>
+            </a:r>
+            <a:r>
+              <a:rPr/>
+              <a:t>to</a:t>
+            </a:r>
+            <a:r>
+              <a:rPr/>
+              <a:t> </a:t>
+            </a:r>
+            <a:r>
+              <a:rPr/>
+              <a:t>1,</a:t>
+            </a:r>
+            <a:r>
+              <a:rPr/>
+              <a:t> </a:t>
+            </a:r>
+            <a:r>
+              <a:rPr/>
+              <a:t>especially</a:t>
+            </a:r>
+            <a:r>
+              <a:rPr/>
+              <a:t> </a:t>
+            </a:r>
+            <a:r>
+              <a:rPr/>
+              <a:t>odds</a:t>
+            </a:r>
+            <a:r>
+              <a:rPr/>
+              <a:t> </a:t>
+            </a:r>
+            <a:r>
+              <a:rPr/>
+              <a:t>ratios,</a:t>
+            </a:r>
+            <a:r>
+              <a:rPr/>
+              <a:t> </a:t>
+            </a:r>
+            <a:r>
+              <a:rPr/>
+              <a:t>might</a:t>
+            </a:r>
+            <a:r>
+              <a:rPr/>
+              <a:t> </a:t>
+            </a:r>
+            <a:r>
+              <a:rPr/>
+              <a:t>need</a:t>
+            </a:r>
+            <a:r>
+              <a:rPr/>
+              <a:t> </a:t>
+            </a:r>
+            <a:r>
+              <a:rPr/>
+              <a:t>an</a:t>
+            </a:r>
+            <a:r>
+              <a:rPr/>
+              <a:t> </a:t>
+            </a:r>
+            <a:r>
+              <a:rPr/>
+              <a:t>extra</a:t>
+            </a:r>
+            <a:r>
+              <a:rPr/>
+              <a:t> </a:t>
+            </a:r>
+            <a:r>
+              <a:rPr/>
+              <a:t>digit.</a:t>
+            </a:r>
+            <a:r>
+              <a:rPr/>
+              <a:t> </a:t>
+            </a:r>
+            <a:r>
+              <a:rPr/>
+              <a:t>Values</a:t>
+            </a:r>
+            <a:r>
+              <a:rPr/>
+              <a:t> </a:t>
+            </a:r>
+            <a:r>
+              <a:rPr/>
+              <a:t>just</a:t>
+            </a:r>
+            <a:r>
+              <a:rPr/>
+              <a:t> </a:t>
+            </a:r>
+            <a:r>
+              <a:rPr/>
+              <a:t>a</a:t>
+            </a:r>
+            <a:r>
+              <a:rPr/>
+              <a:t> </a:t>
+            </a:r>
+            <a:r>
+              <a:rPr/>
+              <a:t>bit</a:t>
+            </a:r>
+            <a:r>
+              <a:rPr/>
+              <a:t> </a:t>
+            </a:r>
+            <a:r>
+              <a:rPr/>
+              <a:t>larger</a:t>
+            </a:r>
+            <a:r>
+              <a:rPr/>
+              <a:t> </a:t>
+            </a:r>
+            <a:r>
+              <a:rPr/>
+              <a:t>than</a:t>
+            </a:r>
+            <a:r>
+              <a:rPr/>
+              <a:t> </a:t>
+            </a:r>
+            <a:r>
+              <a:rPr/>
+              <a:t>100</a:t>
+            </a:r>
+            <a:r>
+              <a:rPr/>
+              <a:t> </a:t>
+            </a:r>
+            <a:r>
+              <a:rPr/>
+              <a:t>might</a:t>
+            </a:r>
+            <a:r>
+              <a:rPr/>
+              <a:t> </a:t>
+            </a:r>
+            <a:r>
+              <a:rPr/>
+              <a:t>require</a:t>
+            </a:r>
+            <a:r>
+              <a:rPr/>
+              <a:t> </a:t>
+            </a:r>
+            <a:r>
+              <a:rPr/>
+              <a:t>a</a:t>
+            </a:r>
+            <a:r>
+              <a:rPr/>
+              <a:t> </a:t>
+            </a:r>
+            <a:r>
+              <a:rPr/>
+              <a:t>third</a:t>
+            </a:r>
+            <a:r>
+              <a:rPr/>
+              <a:t> </a:t>
+            </a:r>
+            <a:r>
+              <a:rPr/>
+              <a:t>significant</a:t>
+            </a:r>
+            <a:r>
+              <a:rPr/>
+              <a:t> </a:t>
+            </a:r>
+            <a:r>
+              <a:rPr/>
+              <a:t>digit.</a:t>
+            </a:r>
+            <a:r>
+              <a:rPr/>
+              <a:t> </a:t>
+            </a:r>
+            <a:r>
+              <a:rPr/>
+              <a:t>Correlations</a:t>
+            </a:r>
+            <a:r>
+              <a:rPr/>
+              <a:t> </a:t>
+            </a:r>
+            <a:r>
+              <a:rPr/>
+              <a:t>are</a:t>
+            </a:r>
+            <a:r>
+              <a:rPr/>
+              <a:t> </a:t>
+            </a:r>
+            <a:r>
+              <a:rPr/>
+              <a:t>sometimes</a:t>
+            </a:r>
+            <a:r>
+              <a:rPr/>
+              <a:t> </a:t>
+            </a:r>
+            <a:r>
+              <a:rPr/>
+              <a:t>between</a:t>
+            </a:r>
+            <a:r>
+              <a:rPr/>
+              <a:t> </a:t>
+            </a:r>
+            <a:r>
+              <a:rPr/>
+              <a:t>with</a:t>
+            </a:r>
+            <a:r>
+              <a:rPr/>
+              <a:t> </a:t>
+            </a:r>
+            <a:r>
+              <a:rPr/>
+              <a:t>a</a:t>
+            </a:r>
+            <a:r>
+              <a:rPr/>
+              <a:t> </a:t>
+            </a:r>
+            <a:r>
+              <a:rPr/>
+              <a:t>single</a:t>
+            </a:r>
+            <a:r>
+              <a:rPr/>
+              <a:t> </a:t>
+            </a:r>
+            <a:r>
+              <a:rPr/>
+              <a:t>significant</a:t>
+            </a:r>
+            <a:r>
+              <a:rPr/>
+              <a:t> </a:t>
+            </a:r>
+            <a:r>
+              <a:rPr/>
+              <a:t>digit.</a:t>
+            </a:r>
+            <a:r>
+              <a:rPr/>
+              <a:t> </a:t>
+            </a:r>
+            <a:r>
+              <a:rPr/>
+              <a:t>I</a:t>
+            </a:r>
+            <a:r>
+              <a:rPr/>
+              <a:t> </a:t>
+            </a:r>
+            <a:r>
+              <a:rPr/>
+              <a:t>won’t</a:t>
+            </a:r>
+            <a:r>
+              <a:rPr/>
+              <a:t> </a:t>
+            </a:r>
+            <a:r>
+              <a:rPr/>
+              <a:t>quibble</a:t>
+            </a:r>
+            <a:r>
+              <a:rPr/>
+              <a:t> </a:t>
+            </a:r>
+            <a:r>
+              <a:rPr/>
+              <a:t>with</a:t>
+            </a:r>
+            <a:r>
+              <a:rPr/>
+              <a:t> </a:t>
+            </a:r>
+            <a:r>
+              <a:rPr/>
+              <a:t>you</a:t>
+            </a:r>
+            <a:r>
+              <a:rPr/>
+              <a:t> </a:t>
+            </a:r>
+            <a:r>
+              <a:rPr/>
+              <a:t>for</a:t>
+            </a:r>
+            <a:r>
+              <a:rPr/>
+              <a:t> </a:t>
+            </a:r>
+            <a:r>
+              <a:rPr/>
+              <a:t>one,</a:t>
+            </a:r>
+            <a:r>
+              <a:rPr/>
+              <a:t> </a:t>
+            </a:r>
+            <a:r>
+              <a:rPr/>
+              <a:t>two,</a:t>
+            </a:r>
+            <a:r>
+              <a:rPr/>
+              <a:t> </a:t>
+            </a:r>
+            <a:r>
+              <a:rPr/>
+              <a:t>or</a:t>
+            </a:r>
+            <a:r>
+              <a:rPr/>
+              <a:t> </a:t>
+            </a:r>
+            <a:r>
+              <a:rPr/>
+              <a:t>three</a:t>
+            </a:r>
+            <a:r>
+              <a:rPr/>
+              <a:t> </a:t>
+            </a:r>
+            <a:r>
+              <a:rPr/>
+              <a:t>significant</a:t>
+            </a:r>
+            <a:r>
+              <a:rPr/>
+              <a:t> </a:t>
+            </a:r>
+            <a:r>
+              <a:rPr/>
+              <a:t>digits,</a:t>
+            </a:r>
+            <a:r>
+              <a:rPr/>
+              <a:t> </a:t>
+            </a:r>
+            <a:r>
+              <a:rPr/>
+              <a:t>but</a:t>
+            </a:r>
+            <a:r>
+              <a:rPr/>
+              <a:t> </a:t>
+            </a:r>
+            <a:r>
+              <a:rPr/>
+              <a:t>once</a:t>
+            </a:r>
+            <a:r>
+              <a:rPr/>
+              <a:t> </a:t>
+            </a:r>
+            <a:r>
+              <a:rPr/>
+              <a:t>you</a:t>
+            </a:r>
+            <a:r>
+              <a:rPr/>
+              <a:t> </a:t>
+            </a:r>
+            <a:r>
+              <a:rPr/>
+              <a:t>include</a:t>
+            </a:r>
+            <a:r>
+              <a:rPr/>
+              <a:t> </a:t>
+            </a:r>
+            <a:r>
+              <a:rPr/>
+              <a:t>a</a:t>
+            </a:r>
+            <a:r>
+              <a:rPr/>
+              <a:t> </a:t>
+            </a:r>
+            <a:r>
+              <a:rPr/>
+              <a:t>fourth</a:t>
+            </a:r>
+            <a:r>
+              <a:rPr/>
+              <a:t> </a:t>
+            </a:r>
+            <a:r>
+              <a:rPr/>
+              <a:t>significant</a:t>
+            </a:r>
+            <a:r>
+              <a:rPr/>
+              <a:t> </a:t>
+            </a:r>
+            <a:r>
+              <a:rPr/>
+              <a:t>digit,</a:t>
+            </a:r>
+            <a:r>
+              <a:rPr/>
+              <a:t> </a:t>
+            </a:r>
+            <a:r>
+              <a:rPr/>
+              <a:t>I’m</a:t>
+            </a:r>
+            <a:r>
+              <a:rPr/>
+              <a:t> </a:t>
+            </a:r>
+            <a:r>
+              <a:rPr/>
+              <a:t>going</a:t>
+            </a:r>
+            <a:r>
+              <a:rPr/>
+              <a:t> </a:t>
+            </a:r>
+            <a:r>
+              <a:rPr/>
+              <a:t>to</a:t>
+            </a:r>
+            <a:r>
+              <a:rPr/>
+              <a:t> </a:t>
+            </a:r>
+            <a:r>
+              <a:rPr/>
+              <a:t>complain.</a:t>
+            </a:r>
+          </a:p>
+          <a:p>
+            <a:pPr lvl="0" marL="0" indent="0">
+              <a:buNone/>
+            </a:pPr>
+          </a:p>
+          <a:p>
+            <a:pPr lvl="0" marL="0" indent="0">
+              <a:buNone/>
+            </a:pPr>
+            <a:r>
+              <a:rPr/>
+              <a:t>Both</a:t>
+            </a:r>
+            <a:r>
+              <a:rPr/>
+              <a:t> </a:t>
+            </a:r>
+            <a:r>
+              <a:rPr/>
+              <a:t>R</a:t>
             </a:r>
             <a:r>
               <a:rPr/>
@@ -10873,23 +12738,375 @@
             </a:r>
             <a:r>
               <a:rPr/>
-              <a:t>format,</a:t>
-            </a:r>
-            <a:r>
-              <a:rPr/>
-              <a:t> </a:t>
-            </a:r>
-            <a:r>
-              <a:rPr/>
-              <a:t>include</a:t>
-            </a:r>
-            <a:r>
-              <a:rPr/>
-              <a:t> </a:t>
-            </a:r>
-            <a:r>
-              <a:rPr/>
-              <a:t>a</a:t>
+              <a:t>SQL</a:t>
+            </a:r>
+            <a:r>
+              <a:rPr/>
+              <a:t> </a:t>
+            </a:r>
+            <a:r>
+              <a:rPr/>
+              <a:t>use</a:t>
+            </a:r>
+            <a:r>
+              <a:rPr/>
+              <a:t> </a:t>
+            </a:r>
+            <a:r>
+              <a:rPr/>
+              <a:t>the</a:t>
+            </a:r>
+            <a:r>
+              <a:rPr/>
+              <a:t> </a:t>
+            </a:r>
+            <a:r>
+              <a:rPr/>
+              <a:t>round</a:t>
+            </a:r>
+            <a:r>
+              <a:rPr/>
+              <a:t> </a:t>
+            </a:r>
+            <a:r>
+              <a:rPr/>
+              <a:t>function.</a:t>
+            </a:r>
+            <a:r>
+              <a:rPr/>
+              <a:t> </a:t>
+            </a:r>
+            <a:r>
+              <a:rPr/>
+              <a:t>There</a:t>
+            </a:r>
+            <a:r>
+              <a:rPr/>
+              <a:t> </a:t>
+            </a:r>
+            <a:r>
+              <a:rPr/>
+              <a:t>is</a:t>
+            </a:r>
+            <a:r>
+              <a:rPr/>
+              <a:t> </a:t>
+            </a:r>
+            <a:r>
+              <a:rPr/>
+              <a:t>no</a:t>
+            </a:r>
+            <a:r>
+              <a:rPr/>
+              <a:t> </a:t>
+            </a:r>
+            <a:r>
+              <a:rPr/>
+              <a:t>equivalent</a:t>
+            </a:r>
+            <a:r>
+              <a:rPr/>
+              <a:t> </a:t>
+            </a:r>
+            <a:r>
+              <a:rPr/>
+              <a:t>in</a:t>
+            </a:r>
+            <a:r>
+              <a:rPr/>
+              <a:t> </a:t>
+            </a:r>
+            <a:r>
+              <a:rPr/>
+              <a:t>SAS.</a:t>
+            </a:r>
+            <a:r>
+              <a:rPr/>
+              <a:t> </a:t>
+            </a:r>
+            <a:r>
+              <a:rPr/>
+              <a:t>There</a:t>
+            </a:r>
+            <a:r>
+              <a:rPr/>
+              <a:t> </a:t>
+            </a:r>
+            <a:r>
+              <a:rPr/>
+              <a:t>are</a:t>
+            </a:r>
+            <a:r>
+              <a:rPr/>
+              <a:t> </a:t>
+            </a:r>
+            <a:r>
+              <a:rPr/>
+              <a:t>ways</a:t>
+            </a:r>
+            <a:r>
+              <a:rPr/>
+              <a:t> </a:t>
+            </a:r>
+            <a:r>
+              <a:rPr/>
+              <a:t>to</a:t>
+            </a:r>
+            <a:r>
+              <a:rPr/>
+              <a:t> </a:t>
+            </a:r>
+            <a:r>
+              <a:rPr/>
+              <a:t>control</a:t>
+            </a:r>
+            <a:r>
+              <a:rPr/>
+              <a:t> </a:t>
+            </a:r>
+            <a:r>
+              <a:rPr/>
+              <a:t>rounding</a:t>
+            </a:r>
+            <a:r>
+              <a:rPr/>
+              <a:t> </a:t>
+            </a:r>
+            <a:r>
+              <a:rPr/>
+              <a:t>in</a:t>
+            </a:r>
+            <a:r>
+              <a:rPr/>
+              <a:t> </a:t>
+            </a:r>
+            <a:r>
+              <a:rPr/>
+              <a:t>the</a:t>
+            </a:r>
+            <a:r>
+              <a:rPr/>
+              <a:t> </a:t>
+            </a:r>
+            <a:r>
+              <a:rPr/>
+              <a:t>data</a:t>
+            </a:r>
+            <a:r>
+              <a:rPr/>
+              <a:t> </a:t>
+            </a:r>
+            <a:r>
+              <a:rPr/>
+              <a:t>step,</a:t>
+            </a:r>
+            <a:r>
+              <a:rPr/>
+              <a:t> </a:t>
+            </a:r>
+            <a:r>
+              <a:rPr/>
+              <a:t>but</a:t>
+            </a:r>
+            <a:r>
+              <a:rPr/>
+              <a:t> </a:t>
+            </a:r>
+            <a:r>
+              <a:rPr/>
+              <a:t>getting</a:t>
+            </a:r>
+            <a:r>
+              <a:rPr/>
+              <a:t> </a:t>
+            </a:r>
+            <a:r>
+              <a:rPr/>
+              <a:t>SAS</a:t>
+            </a:r>
+            <a:r>
+              <a:rPr/>
+              <a:t> </a:t>
+            </a:r>
+            <a:r>
+              <a:rPr/>
+              <a:t>to</a:t>
+            </a:r>
+            <a:r>
+              <a:rPr/>
+              <a:t> </a:t>
+            </a:r>
+            <a:r>
+              <a:rPr/>
+              <a:t>do</a:t>
+            </a:r>
+            <a:r>
+              <a:rPr/>
+              <a:t> </a:t>
+            </a:r>
+            <a:r>
+              <a:rPr/>
+              <a:t>rounding</a:t>
+            </a:r>
+            <a:r>
+              <a:rPr/>
+              <a:t> </a:t>
+            </a:r>
+            <a:r>
+              <a:rPr/>
+              <a:t>in</a:t>
+            </a:r>
+            <a:r>
+              <a:rPr/>
+              <a:t> </a:t>
+            </a:r>
+            <a:r>
+              <a:rPr/>
+              <a:t>the</a:t>
+            </a:r>
+            <a:r>
+              <a:rPr/>
+              <a:t> </a:t>
+            </a:r>
+            <a:r>
+              <a:rPr/>
+              <a:t>output</a:t>
+            </a:r>
+            <a:r>
+              <a:rPr/>
+              <a:t> </a:t>
+            </a:r>
+            <a:r>
+              <a:rPr/>
+              <a:t>is</a:t>
+            </a:r>
+            <a:r>
+              <a:rPr/>
+              <a:t> </a:t>
+            </a:r>
+            <a:r>
+              <a:rPr/>
+              <a:t>tricky.</a:t>
+            </a:r>
+            <a:r>
+              <a:rPr/>
+              <a:t> </a:t>
+            </a:r>
+            <a:r>
+              <a:rPr/>
+              <a:t>When</a:t>
+            </a:r>
+            <a:r>
+              <a:rPr/>
+              <a:t> </a:t>
+            </a:r>
+            <a:r>
+              <a:rPr/>
+              <a:t>you</a:t>
+            </a:r>
+            <a:r>
+              <a:rPr/>
+              <a:t> </a:t>
+            </a:r>
+            <a:r>
+              <a:rPr/>
+              <a:t>can</a:t>
+            </a:r>
+            <a:r>
+              <a:rPr/>
+              <a:t> </a:t>
+            </a:r>
+            <a:r>
+              <a:rPr/>
+              <a:t>do</a:t>
+            </a:r>
+            <a:r>
+              <a:rPr/>
+              <a:t> </a:t>
+            </a:r>
+            <a:r>
+              <a:rPr/>
+              <a:t>it,</a:t>
+            </a:r>
+            <a:r>
+              <a:rPr/>
+              <a:t> </a:t>
+            </a:r>
+            <a:r>
+              <a:rPr/>
+              <a:t>it</a:t>
+            </a:r>
+            <a:r>
+              <a:rPr/>
+              <a:t> </a:t>
+            </a:r>
+            <a:r>
+              <a:rPr/>
+              <a:t>is</a:t>
+            </a:r>
+            <a:r>
+              <a:rPr/>
+              <a:t> </a:t>
+            </a:r>
+            <a:r>
+              <a:rPr/>
+              <a:t>buried</a:t>
+            </a:r>
+            <a:r>
+              <a:rPr/>
+              <a:t> </a:t>
+            </a:r>
+            <a:r>
+              <a:rPr/>
+              <a:t>as</a:t>
+            </a:r>
+            <a:r>
+              <a:rPr/>
+              <a:t> </a:t>
+            </a:r>
+            <a:r>
+              <a:rPr/>
+              <a:t>an</a:t>
+            </a:r>
+            <a:r>
+              <a:rPr/>
+              <a:t> </a:t>
+            </a:r>
+            <a:r>
+              <a:rPr/>
+              <a:t>obscure</a:t>
+            </a:r>
+            <a:r>
+              <a:rPr/>
+              <a:t> </a:t>
+            </a:r>
+            <a:r>
+              <a:rPr/>
+              <a:t>option</a:t>
+            </a:r>
+            <a:r>
+              <a:rPr/>
+              <a:t> </a:t>
+            </a:r>
+            <a:r>
+              <a:rPr/>
+              <a:t>deep</a:t>
+            </a:r>
+            <a:r>
+              <a:rPr/>
+              <a:t> </a:t>
+            </a:r>
+            <a:r>
+              <a:rPr/>
+              <a:t>in</a:t>
+            </a:r>
+            <a:r>
+              <a:rPr/>
+              <a:t> </a:t>
+            </a:r>
+            <a:r>
+              <a:rPr/>
+              <a:t>the</a:t>
             </a:r>
             <a:r>
               <a:rPr/>
@@ -10905,7 +13122,197 @@
             </a:r>
             <a:r>
               <a:rPr/>
-              <a:t>header,</a:t>
+              <a:t>and</a:t>
+            </a:r>
+            <a:r>
+              <a:rPr/>
+              <a:t> </a:t>
+            </a:r>
+            <a:r>
+              <a:rPr/>
+              <a:t>what</a:t>
+            </a:r>
+            <a:r>
+              <a:rPr/>
+              <a:t> </a:t>
+            </a:r>
+            <a:r>
+              <a:rPr/>
+              <a:t>works</a:t>
+            </a:r>
+            <a:r>
+              <a:rPr/>
+              <a:t> </a:t>
+            </a:r>
+            <a:r>
+              <a:rPr/>
+              <a:t>for</a:t>
+            </a:r>
+            <a:r>
+              <a:rPr/>
+              <a:t> </a:t>
+            </a:r>
+            <a:r>
+              <a:rPr/>
+              <a:t>one</a:t>
+            </a:r>
+            <a:r>
+              <a:rPr/>
+              <a:t> </a:t>
+            </a:r>
+            <a:r>
+              <a:rPr/>
+              <a:t>SAS</a:t>
+            </a:r>
+            <a:r>
+              <a:rPr/>
+              <a:t> </a:t>
+            </a:r>
+            <a:r>
+              <a:rPr/>
+              <a:t>PROC</a:t>
+            </a:r>
+            <a:r>
+              <a:rPr/>
+              <a:t> </a:t>
+            </a:r>
+            <a:r>
+              <a:rPr/>
+              <a:t>will</a:t>
+            </a:r>
+            <a:r>
+              <a:rPr/>
+              <a:t> </a:t>
+            </a:r>
+            <a:r>
+              <a:rPr/>
+              <a:t>often</a:t>
+            </a:r>
+            <a:r>
+              <a:rPr/>
+              <a:t> </a:t>
+            </a:r>
+            <a:r>
+              <a:rPr/>
+              <a:t>not</a:t>
+            </a:r>
+            <a:r>
+              <a:rPr/>
+              <a:t> </a:t>
+            </a:r>
+            <a:r>
+              <a:rPr/>
+              <a:t>work</a:t>
+            </a:r>
+            <a:r>
+              <a:rPr/>
+              <a:t> </a:t>
+            </a:r>
+            <a:r>
+              <a:rPr/>
+              <a:t>for</a:t>
+            </a:r>
+            <a:r>
+              <a:rPr/>
+              <a:t> </a:t>
+            </a:r>
+            <a:r>
+              <a:rPr/>
+              <a:t>another.</a:t>
+            </a:r>
+          </a:p>
+          <a:p>
+            <a:pPr lvl="0" marL="0" indent="0">
+              <a:buNone/>
+            </a:pPr>
+          </a:p>
+          <a:p>
+            <a:pPr lvl="0" marL="0" indent="0">
+              <a:buNone/>
+            </a:pPr>
+            <a:r>
+              <a:rPr/>
+              <a:t>Even</a:t>
+            </a:r>
+            <a:r>
+              <a:rPr/>
+              <a:t> </a:t>
+            </a:r>
+            <a:r>
+              <a:rPr/>
+              <a:t>when</a:t>
+            </a:r>
+            <a:r>
+              <a:rPr/>
+              <a:t> </a:t>
+            </a:r>
+            <a:r>
+              <a:rPr/>
+              <a:t>you</a:t>
+            </a:r>
+            <a:r>
+              <a:rPr/>
+              <a:t> </a:t>
+            </a:r>
+            <a:r>
+              <a:rPr/>
+              <a:t>can’t</a:t>
+            </a:r>
+            <a:r>
+              <a:rPr/>
+              <a:t> </a:t>
+            </a:r>
+            <a:r>
+              <a:rPr/>
+              <a:t>get</a:t>
+            </a:r>
+            <a:r>
+              <a:rPr/>
+              <a:t> </a:t>
+            </a:r>
+            <a:r>
+              <a:rPr/>
+              <a:t>rounded</a:t>
+            </a:r>
+            <a:r>
+              <a:rPr/>
+              <a:t> </a:t>
+            </a:r>
+            <a:r>
+              <a:rPr/>
+              <a:t>results</a:t>
+            </a:r>
+            <a:r>
+              <a:rPr/>
+              <a:t> </a:t>
+            </a:r>
+            <a:r>
+              <a:rPr/>
+              <a:t>in</a:t>
+            </a:r>
+            <a:r>
+              <a:rPr/>
+              <a:t> </a:t>
+            </a:r>
+            <a:r>
+              <a:rPr/>
+              <a:t>your</a:t>
+            </a:r>
+            <a:r>
+              <a:rPr/>
+              <a:t> </a:t>
+            </a:r>
+            <a:r>
+              <a:rPr/>
+              <a:t>output,</a:t>
+            </a:r>
+            <a:r>
+              <a:rPr/>
+              <a:t> </a:t>
+            </a:r>
+            <a:r>
+              <a:rPr/>
+              <a:t>though,</a:t>
             </a:r>
             <a:r>
               <a:rPr/>
@@ -10921,126 +13328,6 @@
             </a:r>
             <a:r>
               <a:rPr/>
-              <a:t>your</a:t>
-            </a:r>
-            <a:r>
-              <a:rPr/>
-              <a:t> </a:t>
-            </a:r>
-            <a:r>
-              <a:rPr/>
-              <a:t>code</a:t>
-            </a:r>
-            <a:r>
-              <a:rPr/>
-              <a:t> </a:t>
-            </a:r>
-            <a:r>
-              <a:rPr/>
-              <a:t>readable,</a:t>
-            </a:r>
-            <a:r>
-              <a:rPr/>
-              <a:t> </a:t>
-            </a:r>
-            <a:r>
-              <a:rPr/>
-              <a:t>avoid</a:t>
-            </a:r>
-            <a:r>
-              <a:rPr/>
-              <a:t> </a:t>
-            </a:r>
-            <a:r>
-              <a:rPr/>
-              <a:t>lengthy</a:t>
-            </a:r>
-            <a:r>
-              <a:rPr/>
-              <a:t> </a:t>
-            </a:r>
-            <a:r>
-              <a:rPr/>
-              <a:t>outputs,</a:t>
-            </a:r>
-            <a:r>
-              <a:rPr/>
-              <a:t> </a:t>
-            </a:r>
-            <a:r>
-              <a:rPr/>
-              <a:t>show</a:t>
-            </a:r>
-            <a:r>
-              <a:rPr/>
-              <a:t> </a:t>
-            </a:r>
-            <a:r>
-              <a:rPr/>
-              <a:t>both</a:t>
-            </a:r>
-            <a:r>
-              <a:rPr/>
-              <a:t> </a:t>
-            </a:r>
-            <a:r>
-              <a:rPr/>
-              <a:t>your</a:t>
-            </a:r>
-            <a:r>
-              <a:rPr/>
-              <a:t> </a:t>
-            </a:r>
-            <a:r>
-              <a:rPr/>
-              <a:t>code</a:t>
-            </a:r>
-            <a:r>
-              <a:rPr/>
-              <a:t> </a:t>
-            </a:r>
-            <a:r>
-              <a:rPr/>
-              <a:t>and</a:t>
-            </a:r>
-            <a:r>
-              <a:rPr/>
-              <a:t> </a:t>
-            </a:r>
-            <a:r>
-              <a:rPr/>
-              <a:t>your</a:t>
-            </a:r>
-            <a:r>
-              <a:rPr/>
-              <a:t> </a:t>
-            </a:r>
-            <a:r>
-              <a:rPr/>
-              <a:t>output</a:t>
-            </a:r>
-            <a:r>
-              <a:rPr/>
-              <a:t> </a:t>
-            </a:r>
-            <a:r>
-              <a:rPr/>
-              <a:t>and</a:t>
-            </a:r>
-            <a:r>
-              <a:rPr/>
-              <a:t> </a:t>
-            </a:r>
-            <a:r>
-              <a:rPr/>
-              <a:t>be</a:t>
-            </a:r>
-            <a:r>
-              <a:rPr/>
-              <a:t> </a:t>
-            </a:r>
-            <a:r>
-              <a:rPr/>
               <a:t>sure</a:t>
             </a:r>
             <a:r>
@@ -11057,79 +13344,23 @@
             </a:r>
             <a:r>
               <a:rPr/>
-              <a:t>both</a:t>
-            </a:r>
-            <a:r>
-              <a:rPr/>
-              <a:t> </a:t>
-            </a:r>
-            <a:r>
-              <a:rPr/>
-              <a:t>the</a:t>
-            </a:r>
-            <a:r>
-              <a:rPr/>
-              <a:t> </a:t>
-            </a:r>
-            <a:r>
-              <a:rPr/>
-              <a:t>original</a:t>
-            </a:r>
-            <a:r>
-              <a:rPr/>
-              <a:t> </a:t>
-            </a:r>
-            <a:r>
-              <a:rPr/>
-              <a:t>question</a:t>
-            </a:r>
-            <a:r>
-              <a:rPr/>
-              <a:t> </a:t>
-            </a:r>
-            <a:r>
-              <a:rPr/>
-              <a:t>and</a:t>
-            </a:r>
-            <a:r>
-              <a:rPr/>
-              <a:t> </a:t>
-            </a:r>
-            <a:r>
-              <a:rPr/>
-              <a:t>your</a:t>
-            </a:r>
-            <a:r>
-              <a:rPr/>
-              <a:t> </a:t>
-            </a:r>
-            <a:r>
-              <a:rPr/>
-              <a:t>answer</a:t>
-            </a:r>
-            <a:r>
-              <a:rPr/>
-              <a:t> </a:t>
-            </a:r>
-            <a:r>
-              <a:rPr/>
-              <a:t>appear</a:t>
-            </a:r>
-            <a:r>
-              <a:rPr/>
-              <a:t> </a:t>
-            </a:r>
-            <a:r>
-              <a:rPr/>
-              <a:t>in</a:t>
-            </a:r>
-            <a:r>
-              <a:rPr/>
-              <a:t> </a:t>
-            </a:r>
-            <a:r>
-              <a:rPr/>
-              <a:t>what</a:t>
+              <a:t>any</a:t>
+            </a:r>
+            <a:r>
+              <a:rPr/>
+              <a:t> </a:t>
+            </a:r>
+            <a:r>
+              <a:rPr/>
+              <a:t>interpretation</a:t>
+            </a:r>
+            <a:r>
+              <a:rPr/>
+              <a:t> </a:t>
+            </a:r>
+            <a:r>
+              <a:rPr/>
+              <a:t>that</a:t>
             </a:r>
             <a:r>
               <a:rPr/>
@@ -11145,7 +13376,39 @@
             </a:r>
             <a:r>
               <a:rPr/>
-              <a:t>submit.</a:t>
+              <a:t>provide</a:t>
+            </a:r>
+            <a:r>
+              <a:rPr/>
+              <a:t> </a:t>
+            </a:r>
+            <a:r>
+              <a:rPr/>
+              <a:t>uses</a:t>
+            </a:r>
+            <a:r>
+              <a:rPr/>
+              <a:t> </a:t>
+            </a:r>
+            <a:r>
+              <a:rPr/>
+              <a:t>nice</a:t>
+            </a:r>
+            <a:r>
+              <a:rPr/>
+              <a:t> </a:t>
+            </a:r>
+            <a:r>
+              <a:rPr/>
+              <a:t>round</a:t>
+            </a:r>
+            <a:r>
+              <a:rPr/>
+              <a:t> </a:t>
+            </a:r>
+            <a:r>
+              <a:rPr/>
+              <a:t>numbers.</a:t>
             </a:r>
           </a:p>
         </p:txBody>
@@ -11168,6 +13431,480 @@
             <a:fld id="{18BDFEC3-8487-43E8-A154-7C12CBC1FFF2}" type="slidenum">
               <a:rPr lang="en-US"/>
               <a:t>23</a:t>
+            </a:fld>
+            <a:endParaRPr lang="en-US"/>
+          </a:p>
+        </p:txBody>
+      </p:sp>
+    </p:spTree>
+  </p:cSld>
+</p:notes>
+</file>
+
+<file path=ppt/notesSlides/notesSlide22.xml><?xml version="1.0" encoding="utf-8"?>
+<p:notes xmlns:a="http://schemas.openxmlformats.org/drawingml/2006/main" xmlns:r="http://schemas.openxmlformats.org/officeDocument/2006/relationships" xmlns:p="http://schemas.openxmlformats.org/presentationml/2006/main">
+  <p:cSld>
+    <p:spTree>
+      <p:nvGrpSpPr>
+        <p:cNvPr id="1" name=""/>
+        <p:cNvGrpSpPr/>
+        <p:nvPr/>
+      </p:nvGrpSpPr>
+      <p:grpSpPr>
+        <a:xfrm>
+          <a:off x="0" y="0"/>
+          <a:ext cx="0" cy="0"/>
+          <a:chOff x="0" y="0"/>
+          <a:chExt cx="0" cy="0"/>
+        </a:xfrm>
+      </p:grpSpPr>
+      <p:sp>
+        <p:nvSpPr>
+          <p:cNvPr id="2" name="Slide Image Placeholder 1"/>
+          <p:cNvSpPr>
+            <a:spLocks noGrp="1" noRot="1" noChangeAspect="1"/>
+          </p:cNvSpPr>
+          <p:nvPr>
+            <p:ph type="sldImg"/>
+          </p:nvPr>
+        </p:nvSpPr>
+        <p:spPr/>
+      </p:sp>
+      <p:sp>
+        <p:nvSpPr>
+          <p:cNvPr id="3" name="Notes Placeholder 2"/>
+          <p:cNvSpPr>
+            <a:spLocks noGrp="1"/>
+          </p:cNvSpPr>
+          <p:nvPr>
+            <p:ph type="body" idx="1"/>
+          </p:nvPr>
+        </p:nvSpPr>
+        <p:spPr/>
+        <p:txBody>
+          <a:bodyPr/>
+          <a:lstStyle/>
+          <a:p>
+            <a:pPr lvl="0" marL="0" indent="0">
+              <a:buNone/>
+            </a:pPr>
+            <a:r>
+              <a:rPr/>
+              <a:t>Remember</a:t>
+            </a:r>
+            <a:r>
+              <a:rPr/>
+              <a:t> </a:t>
+            </a:r>
+            <a:r>
+              <a:rPr/>
+              <a:t>these</a:t>
+            </a:r>
+            <a:r>
+              <a:rPr/>
+              <a:t> </a:t>
+            </a:r>
+            <a:r>
+              <a:rPr/>
+              <a:t>guidelinesfor</a:t>
+            </a:r>
+            <a:r>
+              <a:rPr/>
+              <a:t> </a:t>
+            </a:r>
+            <a:r>
+              <a:rPr/>
+              <a:t>every</a:t>
+            </a:r>
+            <a:r>
+              <a:rPr/>
+              <a:t> </a:t>
+            </a:r>
+            <a:r>
+              <a:rPr/>
+              <a:t>assignment</a:t>
+            </a:r>
+            <a:r>
+              <a:rPr/>
+              <a:t> </a:t>
+            </a:r>
+            <a:r>
+              <a:rPr/>
+              <a:t>that</a:t>
+            </a:r>
+            <a:r>
+              <a:rPr/>
+              <a:t> </a:t>
+            </a:r>
+            <a:r>
+              <a:rPr/>
+              <a:t>you</a:t>
+            </a:r>
+            <a:r>
+              <a:rPr/>
+              <a:t> </a:t>
+            </a:r>
+            <a:r>
+              <a:rPr/>
+              <a:t>turn</a:t>
+            </a:r>
+            <a:r>
+              <a:rPr/>
+              <a:t> </a:t>
+            </a:r>
+            <a:r>
+              <a:rPr/>
+              <a:t>in.</a:t>
+            </a:r>
+            <a:r>
+              <a:rPr/>
+              <a:t> </a:t>
+            </a:r>
+            <a:r>
+              <a:rPr/>
+              <a:t>Use</a:t>
+            </a:r>
+            <a:r>
+              <a:rPr/>
+              <a:t> </a:t>
+            </a:r>
+            <a:r>
+              <a:rPr/>
+              <a:t>the</a:t>
+            </a:r>
+            <a:r>
+              <a:rPr/>
+              <a:t> </a:t>
+            </a:r>
+            <a:r>
+              <a:rPr/>
+              <a:t>proper</a:t>
+            </a:r>
+            <a:r>
+              <a:rPr/>
+              <a:t> </a:t>
+            </a:r>
+            <a:r>
+              <a:rPr/>
+              <a:t>file</a:t>
+            </a:r>
+            <a:r>
+              <a:rPr/>
+              <a:t> </a:t>
+            </a:r>
+            <a:r>
+              <a:rPr/>
+              <a:t>name</a:t>
+            </a:r>
+            <a:r>
+              <a:rPr/>
+              <a:t> </a:t>
+            </a:r>
+            <a:r>
+              <a:rPr/>
+              <a:t>and</a:t>
+            </a:r>
+            <a:r>
+              <a:rPr/>
+              <a:t> </a:t>
+            </a:r>
+            <a:r>
+              <a:rPr/>
+              <a:t>format,</a:t>
+            </a:r>
+            <a:r>
+              <a:rPr/>
+              <a:t> </a:t>
+            </a:r>
+            <a:r>
+              <a:rPr/>
+              <a:t>include</a:t>
+            </a:r>
+            <a:r>
+              <a:rPr/>
+              <a:t> </a:t>
+            </a:r>
+            <a:r>
+              <a:rPr/>
+              <a:t>a</a:t>
+            </a:r>
+            <a:r>
+              <a:rPr/>
+              <a:t> </a:t>
+            </a:r>
+            <a:r>
+              <a:rPr/>
+              <a:t>documentation</a:t>
+            </a:r>
+            <a:r>
+              <a:rPr/>
+              <a:t> </a:t>
+            </a:r>
+            <a:r>
+              <a:rPr/>
+              <a:t>header,</a:t>
+            </a:r>
+            <a:r>
+              <a:rPr/>
+              <a:t> </a:t>
+            </a:r>
+            <a:r>
+              <a:rPr/>
+              <a:t>make</a:t>
+            </a:r>
+            <a:r>
+              <a:rPr/>
+              <a:t> </a:t>
+            </a:r>
+            <a:r>
+              <a:rPr/>
+              <a:t>your</a:t>
+            </a:r>
+            <a:r>
+              <a:rPr/>
+              <a:t> </a:t>
+            </a:r>
+            <a:r>
+              <a:rPr/>
+              <a:t>code</a:t>
+            </a:r>
+            <a:r>
+              <a:rPr/>
+              <a:t> </a:t>
+            </a:r>
+            <a:r>
+              <a:rPr/>
+              <a:t>readable,</a:t>
+            </a:r>
+            <a:r>
+              <a:rPr/>
+              <a:t> </a:t>
+            </a:r>
+            <a:r>
+              <a:rPr/>
+              <a:t>avoid</a:t>
+            </a:r>
+            <a:r>
+              <a:rPr/>
+              <a:t> </a:t>
+            </a:r>
+            <a:r>
+              <a:rPr/>
+              <a:t>lengthy</a:t>
+            </a:r>
+            <a:r>
+              <a:rPr/>
+              <a:t> </a:t>
+            </a:r>
+            <a:r>
+              <a:rPr/>
+              <a:t>outputs,</a:t>
+            </a:r>
+            <a:r>
+              <a:rPr/>
+              <a:t> </a:t>
+            </a:r>
+            <a:r>
+              <a:rPr/>
+              <a:t>show</a:t>
+            </a:r>
+            <a:r>
+              <a:rPr/>
+              <a:t> </a:t>
+            </a:r>
+            <a:r>
+              <a:rPr/>
+              <a:t>both</a:t>
+            </a:r>
+            <a:r>
+              <a:rPr/>
+              <a:t> </a:t>
+            </a:r>
+            <a:r>
+              <a:rPr/>
+              <a:t>your</a:t>
+            </a:r>
+            <a:r>
+              <a:rPr/>
+              <a:t> </a:t>
+            </a:r>
+            <a:r>
+              <a:rPr/>
+              <a:t>code</a:t>
+            </a:r>
+            <a:r>
+              <a:rPr/>
+              <a:t> </a:t>
+            </a:r>
+            <a:r>
+              <a:rPr/>
+              <a:t>and</a:t>
+            </a:r>
+            <a:r>
+              <a:rPr/>
+              <a:t> </a:t>
+            </a:r>
+            <a:r>
+              <a:rPr/>
+              <a:t>your</a:t>
+            </a:r>
+            <a:r>
+              <a:rPr/>
+              <a:t> </a:t>
+            </a:r>
+            <a:r>
+              <a:rPr/>
+              <a:t>output</a:t>
+            </a:r>
+            <a:r>
+              <a:rPr/>
+              <a:t> </a:t>
+            </a:r>
+            <a:r>
+              <a:rPr/>
+              <a:t>and</a:t>
+            </a:r>
+            <a:r>
+              <a:rPr/>
+              <a:t> </a:t>
+            </a:r>
+            <a:r>
+              <a:rPr/>
+              <a:t>be</a:t>
+            </a:r>
+            <a:r>
+              <a:rPr/>
+              <a:t> </a:t>
+            </a:r>
+            <a:r>
+              <a:rPr/>
+              <a:t>sure</a:t>
+            </a:r>
+            <a:r>
+              <a:rPr/>
+              <a:t> </a:t>
+            </a:r>
+            <a:r>
+              <a:rPr/>
+              <a:t>that</a:t>
+            </a:r>
+            <a:r>
+              <a:rPr/>
+              <a:t> </a:t>
+            </a:r>
+            <a:r>
+              <a:rPr/>
+              <a:t>both</a:t>
+            </a:r>
+            <a:r>
+              <a:rPr/>
+              <a:t> </a:t>
+            </a:r>
+            <a:r>
+              <a:rPr/>
+              <a:t>the</a:t>
+            </a:r>
+            <a:r>
+              <a:rPr/>
+              <a:t> </a:t>
+            </a:r>
+            <a:r>
+              <a:rPr/>
+              <a:t>original</a:t>
+            </a:r>
+            <a:r>
+              <a:rPr/>
+              <a:t> </a:t>
+            </a:r>
+            <a:r>
+              <a:rPr/>
+              <a:t>question</a:t>
+            </a:r>
+            <a:r>
+              <a:rPr/>
+              <a:t> </a:t>
+            </a:r>
+            <a:r>
+              <a:rPr/>
+              <a:t>and</a:t>
+            </a:r>
+            <a:r>
+              <a:rPr/>
+              <a:t> </a:t>
+            </a:r>
+            <a:r>
+              <a:rPr/>
+              <a:t>your</a:t>
+            </a:r>
+            <a:r>
+              <a:rPr/>
+              <a:t> </a:t>
+            </a:r>
+            <a:r>
+              <a:rPr/>
+              <a:t>answer</a:t>
+            </a:r>
+            <a:r>
+              <a:rPr/>
+              <a:t> </a:t>
+            </a:r>
+            <a:r>
+              <a:rPr/>
+              <a:t>appear</a:t>
+            </a:r>
+            <a:r>
+              <a:rPr/>
+              <a:t> </a:t>
+            </a:r>
+            <a:r>
+              <a:rPr/>
+              <a:t>in</a:t>
+            </a:r>
+            <a:r>
+              <a:rPr/>
+              <a:t> </a:t>
+            </a:r>
+            <a:r>
+              <a:rPr/>
+              <a:t>what</a:t>
+            </a:r>
+            <a:r>
+              <a:rPr/>
+              <a:t> </a:t>
+            </a:r>
+            <a:r>
+              <a:rPr/>
+              <a:t>you</a:t>
+            </a:r>
+            <a:r>
+              <a:rPr/>
+              <a:t> </a:t>
+            </a:r>
+            <a:r>
+              <a:rPr/>
+              <a:t>submit.</a:t>
+            </a:r>
+          </a:p>
+        </p:txBody>
+      </p:sp>
+      <p:sp>
+        <p:nvSpPr>
+          <p:cNvPr id="4" name="Slide Number Placeholder 3"/>
+          <p:cNvSpPr>
+            <a:spLocks noGrp="1"/>
+          </p:cNvSpPr>
+          <p:nvPr>
+            <p:ph type="sldNum" sz="quarter" idx="10"/>
+          </p:nvPr>
+        </p:nvSpPr>
+        <p:spPr/>
+        <p:txBody>
+          <a:bodyPr/>
+          <a:lstStyle/>
+          <a:p>
+            <a:fld id="{18BDFEC3-8487-43E8-A154-7C12CBC1FFF2}" type="slidenum">
+              <a:rPr lang="en-US"/>
+              <a:t>24</a:t>
             </a:fld>
             <a:endParaRPr lang="en-US"/>
           </a:p>
@@ -19211,10 +21948,16 @@
               <a:rPr/>
               <a:t>header.</a:t>
             </a:r>
-            <a:r>
-              <a:rPr/>
-              <a:t> </a:t>
-            </a:r>
+          </a:p>
+          <a:p>
+            <a:pPr lvl="0" marL="0" indent="0">
+              <a:buNone/>
+            </a:pPr>
+          </a:p>
+          <a:p>
+            <a:pPr lvl="0" marL="0" indent="0">
+              <a:buNone/>
+            </a:pPr>
             <a:r>
               <a:rPr/>
               <a:t>The</a:t>
@@ -19697,7 +22440,39 @@
             </a:r>
             <a:r>
               <a:rPr/>
-              <a:t>semi-colon.</a:t>
+              <a:t>semi-colon</a:t>
+            </a:r>
+            <a:r>
+              <a:rPr/>
+              <a:t> </a:t>
+            </a:r>
+            <a:r>
+              <a:rPr/>
+              <a:t>on</a:t>
+            </a:r>
+            <a:r>
+              <a:rPr/>
+              <a:t> </a:t>
+            </a:r>
+            <a:r>
+              <a:rPr/>
+              <a:t>the</a:t>
+            </a:r>
+            <a:r>
+              <a:rPr/>
+              <a:t> </a:t>
+            </a:r>
+            <a:r>
+              <a:rPr/>
+              <a:t>next</a:t>
+            </a:r>
+            <a:r>
+              <a:rPr/>
+              <a:t> </a:t>
+            </a:r>
+            <a:r>
+              <a:rPr/>
+              <a:t>slide.</a:t>
             </a:r>
             <a:r>
               <a:rPr/>
@@ -20145,7 +22920,23 @@
             </a:r>
             <a:r>
               <a:rPr/>
-              <a:t>andshould</a:t>
+              <a:t>and</a:t>
+            </a:r>
+            <a:r>
+              <a:rPr/>
+              <a:t> </a:t>
+            </a:r>
+            <a:r>
+              <a:rPr/>
+              <a:t>vertical</a:t>
+            </a:r>
+            <a:r>
+              <a:rPr/>
+              <a:t> </a:t>
+            </a:r>
+            <a:r>
+              <a:rPr/>
+              <a:t>lists</a:t>
             </a:r>
           </a:p>
         </p:txBody>
@@ -23219,7 +26010,7 @@
             <a:spLocks noGrp="1"/>
           </p:cNvSpPr>
           <p:nvPr>
-            <p:ph type="subTitle" idx="1"/>
+            <p:ph idx="1" type="subTitle"/>
           </p:nvPr>
         </p:nvSpPr>
         <p:spPr>
@@ -23259,7 +26050,7 @@
             <a:spLocks noGrp="1"/>
           </p:cNvSpPr>
           <p:nvPr>
-            <p:ph type="dt" sz="half" idx="10"/>
+            <p:ph idx="10" sz="half" type="dt"/>
           </p:nvPr>
         </p:nvSpPr>
         <p:spPr/>
@@ -23478,38 +26269,36 @@
           </a:p>
         </p:txBody>
       </p:sp>
-      <p:sp>
-        <p:nvSpPr>
-          <p:cNvPr id="3" name="Content Placeholder 2"/>
-          <p:cNvSpPr>
-            <a:spLocks noGrp="1"/>
-          </p:cNvSpPr>
-          <p:nvPr>
-            <p:ph idx="1"/>
-          </p:nvPr>
-        </p:nvSpPr>
-        <p:spPr/>
-        <p:txBody>
-          <a:bodyPr/>
-          <a:lstStyle/>
-          <a:p>
-            <a:pPr lvl="0" marL="1270000" indent="0">
-              <a:buNone/>
-            </a:pPr>
-            <a:r>
-              <a:rPr sz="1800">
-                <a:latin typeface="Courier"/>
-              </a:rPr>
-              <a:t>proc sort data=intro.sleep_modified;
-by bodywt;
-run;
-proc print data=intro.sleep_modified(obs=1);
-title1 "The smallest body weight";
-run;</a:t>
-            </a:r>
-          </a:p>
-        </p:txBody>
-      </p:sp>
+      <p:pic>
+        <p:nvPicPr>
+          <p:cNvPr descr="../images/program-expectations-01.png" id="0" name="Picture 1"/>
+          <p:cNvPicPr>
+            <a:picLocks noGrp="1" noChangeAspect="1"/>
+          </p:cNvPicPr>
+          <p:nvPr/>
+        </p:nvPicPr>
+        <p:blipFill>
+          <a:blip r:embed="rId3"/>
+          <a:stretch>
+            <a:fillRect/>
+          </a:stretch>
+        </p:blipFill>
+        <p:spPr bwMode="auto">
+          <a:xfrm>
+            <a:off x="1079500" y="1600200"/>
+            <a:ext cx="6972300" cy="4521200"/>
+          </a:xfrm>
+          <a:prstGeom prst="rect">
+            <a:avLst/>
+          </a:prstGeom>
+          <a:noFill/>
+          <a:ln w="9525">
+            <a:noFill/>
+            <a:headEnd/>
+            <a:tailEnd/>
+          </a:ln>
+        </p:spPr>
+      </p:pic>
     </p:spTree>
   </p:cSld>
 </p:sld>
@@ -23589,39 +26378,36 @@
           </a:p>
         </p:txBody>
       </p:sp>
-      <p:sp>
-        <p:nvSpPr>
-          <p:cNvPr id="3" name="Content Placeholder 2"/>
-          <p:cNvSpPr>
-            <a:spLocks noGrp="1"/>
-          </p:cNvSpPr>
-          <p:nvPr>
-            <p:ph idx="1"/>
-          </p:nvPr>
-        </p:nvSpPr>
-        <p:spPr/>
-        <p:txBody>
-          <a:bodyPr/>
-          <a:lstStyle/>
-          <a:p>
-            <a:pPr lvl="0" marL="1270000" indent="0">
-              <a:buNone/>
-            </a:pPr>
-            <a:r>
-              <a:rPr sz="1800">
-                <a:latin typeface="Courier"/>
-              </a:rPr>
-              <a:t>proc sort data=intro.sleep_modified;
-by bodywt;
-run;
-proc print data=intro.sleep_modified(obs=1);
-var species bodywt;
-title1 "The smallest body weight";
-run;</a:t>
-            </a:r>
-          </a:p>
-        </p:txBody>
-      </p:sp>
+      <p:pic>
+        <p:nvPicPr>
+          <p:cNvPr descr="../images/program-expectations-02.png" id="0" name="Picture 1"/>
+          <p:cNvPicPr>
+            <a:picLocks noGrp="1" noChangeAspect="1"/>
+          </p:cNvPicPr>
+          <p:nvPr/>
+        </p:nvPicPr>
+        <p:blipFill>
+          <a:blip r:embed="rId3"/>
+          <a:stretch>
+            <a:fillRect/>
+          </a:stretch>
+        </p:blipFill>
+        <p:spPr bwMode="auto">
+          <a:xfrm>
+            <a:off x="1104900" y="1600200"/>
+            <a:ext cx="6946900" cy="4521200"/>
+          </a:xfrm>
+          <a:prstGeom prst="rect">
+            <a:avLst/>
+          </a:prstGeom>
+          <a:noFill/>
+          <a:ln w="9525">
+            <a:noFill/>
+            <a:headEnd/>
+            <a:tailEnd/>
+          </a:ln>
+        </p:spPr>
+      </p:pic>
     </p:spTree>
   </p:cSld>
 </p:sld>
@@ -23685,39 +26471,36 @@
           </a:p>
         </p:txBody>
       </p:sp>
-      <p:sp>
-        <p:nvSpPr>
-          <p:cNvPr id="3" name="Content Placeholder 2"/>
-          <p:cNvSpPr>
-            <a:spLocks noGrp="1"/>
-          </p:cNvSpPr>
-          <p:nvPr>
-            <p:ph idx="1"/>
-          </p:nvPr>
-        </p:nvSpPr>
-        <p:spPr/>
-        <p:txBody>
-          <a:bodyPr/>
-          <a:lstStyle/>
-          <a:p>
-            <a:pPr lvl="0" marL="1270000" indent="0">
-              <a:buNone/>
-            </a:pPr>
-            <a:r>
-              <a:rPr sz="1800">
-                <a:latin typeface="Courier"/>
-              </a:rPr>
-              <a:t>proc sort data=intro.sleep_modified;
-  by bodywt;
-run;
-proc print data=intro.sleep_modified(obs=1);
-  var species bodywt;
-  title1 "The smallest body weight";
-run;</a:t>
-            </a:r>
-          </a:p>
-        </p:txBody>
-      </p:sp>
+      <p:pic>
+        <p:nvPicPr>
+          <p:cNvPr descr="../images/program-expectations-03.png" id="0" name="Picture 1"/>
+          <p:cNvPicPr>
+            <a:picLocks noGrp="1" noChangeAspect="1"/>
+          </p:cNvPicPr>
+          <p:nvPr/>
+        </p:nvPicPr>
+        <p:blipFill>
+          <a:blip r:embed="rId3"/>
+          <a:stretch>
+            <a:fillRect/>
+          </a:stretch>
+        </p:blipFill>
+        <p:spPr bwMode="auto">
+          <a:xfrm>
+            <a:off x="1104900" y="1600200"/>
+            <a:ext cx="6934200" cy="4521200"/>
+          </a:xfrm>
+          <a:prstGeom prst="rect">
+            <a:avLst/>
+          </a:prstGeom>
+          <a:noFill/>
+          <a:ln w="9525">
+            <a:noFill/>
+            <a:headEnd/>
+            <a:tailEnd/>
+          </a:ln>
+        </p:spPr>
+      </p:pic>
     </p:spTree>
   </p:cSld>
 </p:sld>
@@ -23797,41 +26580,36 @@
           </a:p>
         </p:txBody>
       </p:sp>
-      <p:sp>
-        <p:nvSpPr>
-          <p:cNvPr id="3" name="Content Placeholder 2"/>
-          <p:cNvSpPr>
-            <a:spLocks noGrp="1"/>
-          </p:cNvSpPr>
-          <p:nvPr>
-            <p:ph idx="1"/>
-          </p:nvPr>
-        </p:nvSpPr>
-        <p:spPr/>
-        <p:txBody>
-          <a:bodyPr/>
-          <a:lstStyle/>
-          <a:p>
-            <a:pPr lvl="0" marL="1270000" indent="0">
-              <a:buNone/>
-            </a:pPr>
-            <a:r>
-              <a:rPr sz="1800">
-                <a:latin typeface="Courier"/>
-              </a:rPr>
-              <a:t>proc sort
-    data=intro.sleep_modified;
-  by bodywt;
-run;
-proc print
-    data=intro.sleep_modified(obs=1);
-  var species bodywt;
-  title1 "The smallest body weight";
-run;</a:t>
-            </a:r>
-          </a:p>
-        </p:txBody>
-      </p:sp>
+      <p:pic>
+        <p:nvPicPr>
+          <p:cNvPr descr="../images/program-expectations-04.png" id="0" name="Picture 1"/>
+          <p:cNvPicPr>
+            <a:picLocks noGrp="1" noChangeAspect="1"/>
+          </p:cNvPicPr>
+          <p:nvPr/>
+        </p:nvPicPr>
+        <p:blipFill>
+          <a:blip r:embed="rId3"/>
+          <a:stretch>
+            <a:fillRect/>
+          </a:stretch>
+        </p:blipFill>
+        <p:spPr bwMode="auto">
+          <a:xfrm>
+            <a:off x="1117600" y="1600200"/>
+            <a:ext cx="6908800" cy="4521200"/>
+          </a:xfrm>
+          <a:prstGeom prst="rect">
+            <a:avLst/>
+          </a:prstGeom>
+          <a:noFill/>
+          <a:ln w="9525">
+            <a:noFill/>
+            <a:headEnd/>
+            <a:tailEnd/>
+          </a:ln>
+        </p:spPr>
+      </p:pic>
     </p:spTree>
   </p:cSld>
 </p:sld>
@@ -23911,43 +26689,36 @@
           </a:p>
         </p:txBody>
       </p:sp>
-      <p:sp>
-        <p:nvSpPr>
-          <p:cNvPr id="3" name="Content Placeholder 2"/>
-          <p:cNvSpPr>
-            <a:spLocks noGrp="1"/>
-          </p:cNvSpPr>
-          <p:nvPr>
-            <p:ph idx="1"/>
-          </p:nvPr>
-        </p:nvSpPr>
-        <p:spPr/>
-        <p:txBody>
-          <a:bodyPr/>
-          <a:lstStyle/>
-          <a:p>
-            <a:pPr lvl="0" marL="1270000" indent="0">
-              <a:buNone/>
-            </a:pPr>
-            <a:r>
-              <a:rPr sz="1800">
-                <a:latin typeface="Courier"/>
-              </a:rPr>
-              <a:t>proc sort
-    data=intro.sleep_modified;
-  by bodywt;
-run;
-proc print
-    data=intro.sleep_modified(obs=1);
-  var
-    species
-    bodywt;
-  title1 "The smallest body weight";
-run;</a:t>
-            </a:r>
-          </a:p>
-        </p:txBody>
-      </p:sp>
+      <p:pic>
+        <p:nvPicPr>
+          <p:cNvPr descr="../images/program-expectations-05.png" id="0" name="Picture 1"/>
+          <p:cNvPicPr>
+            <a:picLocks noGrp="1" noChangeAspect="1"/>
+          </p:cNvPicPr>
+          <p:nvPr/>
+        </p:nvPicPr>
+        <p:blipFill>
+          <a:blip r:embed="rId3"/>
+          <a:stretch>
+            <a:fillRect/>
+          </a:stretch>
+        </p:blipFill>
+        <p:spPr bwMode="auto">
+          <a:xfrm>
+            <a:off x="1117600" y="1600200"/>
+            <a:ext cx="6921500" cy="4521200"/>
+          </a:xfrm>
+          <a:prstGeom prst="rect">
+            <a:avLst/>
+          </a:prstGeom>
+          <a:noFill/>
+          <a:ln w="9525">
+            <a:noFill/>
+            <a:headEnd/>
+            <a:tailEnd/>
+          </a:ln>
+        </p:spPr>
+      </p:pic>
     </p:spTree>
   </p:cSld>
 </p:sld>
@@ -24027,35 +26798,36 @@
           </a:p>
         </p:txBody>
       </p:sp>
-      <p:sp>
-        <p:nvSpPr>
-          <p:cNvPr id="3" name="Content Placeholder 2"/>
-          <p:cNvSpPr>
-            <a:spLocks noGrp="1"/>
-          </p:cNvSpPr>
-          <p:nvPr>
-            <p:ph idx="1"/>
-          </p:nvPr>
-        </p:nvSpPr>
-        <p:spPr/>
-        <p:txBody>
-          <a:bodyPr/>
-          <a:lstStyle/>
-          <a:p>
-            <a:pPr lvl="0" marL="1270000" indent="0">
-              <a:buNone/>
-            </a:pPr>
-            <a:r>
-              <a:rPr sz="1800">
-                <a:latin typeface="Courier"/>
-              </a:rPr>
-              <a:t>select sex, count(*) as number_of_children from titanic_table
-where age &lt; 18
-group by sex</a:t>
-            </a:r>
-          </a:p>
-        </p:txBody>
-      </p:sp>
+      <p:pic>
+        <p:nvPicPr>
+          <p:cNvPr descr="../images/program-expectations-06.png" id="0" name="Picture 1"/>
+          <p:cNvPicPr>
+            <a:picLocks noGrp="1" noChangeAspect="1"/>
+          </p:cNvPicPr>
+          <p:nvPr/>
+        </p:nvPicPr>
+        <p:blipFill>
+          <a:blip r:embed="rId3"/>
+          <a:stretch>
+            <a:fillRect/>
+          </a:stretch>
+        </p:blipFill>
+        <p:spPr bwMode="auto">
+          <a:xfrm>
+            <a:off x="1117600" y="1600200"/>
+            <a:ext cx="6921500" cy="4521200"/>
+          </a:xfrm>
+          <a:prstGeom prst="rect">
+            <a:avLst/>
+          </a:prstGeom>
+          <a:noFill/>
+          <a:ln w="9525">
+            <a:noFill/>
+            <a:headEnd/>
+            <a:tailEnd/>
+          </a:ln>
+        </p:spPr>
+      </p:pic>
     </p:spTree>
   </p:cSld>
 </p:sld>
@@ -24135,38 +26907,36 @@
           </a:p>
         </p:txBody>
       </p:sp>
-      <p:sp>
-        <p:nvSpPr>
-          <p:cNvPr id="3" name="Content Placeholder 2"/>
-          <p:cNvSpPr>
-            <a:spLocks noGrp="1"/>
-          </p:cNvSpPr>
-          <p:nvPr>
-            <p:ph idx="1"/>
-          </p:nvPr>
-        </p:nvSpPr>
-        <p:spPr/>
-        <p:txBody>
-          <a:bodyPr/>
-          <a:lstStyle/>
-          <a:p>
-            <a:pPr lvl="0" marL="1270000" indent="0">
-              <a:buNone/>
-            </a:pPr>
-            <a:r>
-              <a:rPr sz="1800">
-                <a:latin typeface="Courier"/>
-              </a:rPr>
-              <a:t>select 
-    sex, 
-    count(*) as number_of_children
-  from titanic_table
-  where age &lt; 18
-  group by sex</a:t>
-            </a:r>
-          </a:p>
-        </p:txBody>
-      </p:sp>
+      <p:pic>
+        <p:nvPicPr>
+          <p:cNvPr descr="../images/program-expectations-07.png" id="0" name="Picture 1"/>
+          <p:cNvPicPr>
+            <a:picLocks noGrp="1" noChangeAspect="1"/>
+          </p:cNvPicPr>
+          <p:nvPr/>
+        </p:nvPicPr>
+        <p:blipFill>
+          <a:blip r:embed="rId3"/>
+          <a:stretch>
+            <a:fillRect/>
+          </a:stretch>
+        </p:blipFill>
+        <p:spPr bwMode="auto">
+          <a:xfrm>
+            <a:off x="1104900" y="1600200"/>
+            <a:ext cx="6921500" cy="4521200"/>
+          </a:xfrm>
+          <a:prstGeom prst="rect">
+            <a:avLst/>
+          </a:prstGeom>
+          <a:noFill/>
+          <a:ln w="9525">
+            <a:noFill/>
+            <a:headEnd/>
+            <a:tailEnd/>
+          </a:ln>
+        </p:spPr>
+      </p:pic>
     </p:spTree>
   </p:cSld>
 </p:sld>
@@ -24246,39 +27016,36 @@
           </a:p>
         </p:txBody>
       </p:sp>
-      <p:sp>
-        <p:nvSpPr>
-          <p:cNvPr id="3" name="Content Placeholder 2"/>
-          <p:cNvSpPr>
-            <a:spLocks noGrp="1"/>
-          </p:cNvSpPr>
-          <p:nvPr>
-            <p:ph idx="1"/>
-          </p:nvPr>
-        </p:nvSpPr>
-        <p:spPr/>
-        <p:txBody>
-          <a:bodyPr/>
-          <a:lstStyle/>
-          <a:p>
-            <a:pPr lvl="0" marL="1270000" indent="0">
-              <a:buNone/>
-            </a:pPr>
-            <a:r>
-              <a:rPr sz="1800">
-                <a:latin typeface="Courier"/>
-              </a:rPr>
-              <a:t>radius &lt;- sqrt(ts[ , last_date])
-zero &lt;- radius == 0
-ggplot(data=states) +
-geom_sf(color="gray", fill="white") +
-geom_sf(data=ts[!zero, ], size=radius[!zero]) +
-coord_sf(xlim=lat, ylim=lon, expand=FALSE) +
-ggtitle("Bubble plot of COVID-19 cases")</a:t>
-            </a:r>
-          </a:p>
-        </p:txBody>
-      </p:sp>
+      <p:pic>
+        <p:nvPicPr>
+          <p:cNvPr descr="../images/program-expectations-08.png" id="0" name="Picture 1"/>
+          <p:cNvPicPr>
+            <a:picLocks noGrp="1" noChangeAspect="1"/>
+          </p:cNvPicPr>
+          <p:nvPr/>
+        </p:nvPicPr>
+        <p:blipFill>
+          <a:blip r:embed="rId3"/>
+          <a:stretch>
+            <a:fillRect/>
+          </a:stretch>
+        </p:blipFill>
+        <p:spPr bwMode="auto">
+          <a:xfrm>
+            <a:off x="533400" y="1600200"/>
+            <a:ext cx="8077200" cy="4521200"/>
+          </a:xfrm>
+          <a:prstGeom prst="rect">
+            <a:avLst/>
+          </a:prstGeom>
+          <a:noFill/>
+          <a:ln w="9525">
+            <a:noFill/>
+            <a:headEnd/>
+            <a:tailEnd/>
+          </a:ln>
+        </p:spPr>
+      </p:pic>
     </p:spTree>
   </p:cSld>
 </p:sld>
@@ -24358,46 +27125,36 @@
           </a:p>
         </p:txBody>
       </p:sp>
-      <p:sp>
-        <p:nvSpPr>
-          <p:cNvPr id="3" name="Content Placeholder 2"/>
-          <p:cNvSpPr>
-            <a:spLocks noGrp="1"/>
-          </p:cNvSpPr>
-          <p:nvPr>
-            <p:ph idx="1"/>
-          </p:nvPr>
-        </p:nvSpPr>
-        <p:spPr/>
-        <p:txBody>
-          <a:bodyPr/>
-          <a:lstStyle/>
-          <a:p>
-            <a:pPr lvl="0" marL="1270000" indent="0">
-              <a:buNone/>
-            </a:pPr>
-            <a:r>
-              <a:rPr sz="1800">
-                <a:latin typeface="Courier"/>
-              </a:rPr>
-              <a:t>radius &lt;- sqrt(ts[ , last_date])
-zero &lt;- radius == 0
-ggplot(data=states) +
-  geom_sf(
-    color="gray",
-    fill="white") +
-  geom_sf(
-    data=ts[!zero, ],
-    size=radius[!zero]) +
-  coord_sf(
-    xlim=lat,
-    ylim=lon,
-    expand=FALSE) +
-  ggtitle("Bubble plot of COVID-19 cases")</a:t>
-            </a:r>
-          </a:p>
-        </p:txBody>
-      </p:sp>
+      <p:pic>
+        <p:nvPicPr>
+          <p:cNvPr descr="../images/program-expectations-09.png" id="0" name="Picture 1"/>
+          <p:cNvPicPr>
+            <a:picLocks noGrp="1" noChangeAspect="1"/>
+          </p:cNvPicPr>
+          <p:nvPr/>
+        </p:nvPicPr>
+        <p:blipFill>
+          <a:blip r:embed="rId3"/>
+          <a:stretch>
+            <a:fillRect/>
+          </a:stretch>
+        </p:blipFill>
+        <p:spPr bwMode="auto">
+          <a:xfrm>
+            <a:off x="965200" y="1600200"/>
+            <a:ext cx="7200900" cy="4521200"/>
+          </a:xfrm>
+          <a:prstGeom prst="rect">
+            <a:avLst/>
+          </a:prstGeom>
+          <a:noFill/>
+          <a:ln w="9525">
+            <a:noFill/>
+            <a:headEnd/>
+            <a:tailEnd/>
+          </a:ln>
+        </p:spPr>
+      </p:pic>
     </p:spTree>
   </p:cSld>
 </p:sld>
@@ -24608,7 +27365,7 @@
               <a:t>R: </a:t>
             </a:r>
             <a:r>
-              <a:rPr sz="1800">
+              <a:rPr>
                 <a:latin typeface="Courier"/>
               </a:rPr>
               <a:t>head(sleep, n=10)</a:t>
@@ -24621,7 +27378,7 @@
               <a:t>SAS: </a:t>
             </a:r>
             <a:r>
-              <a:rPr sz="1800">
+              <a:rPr>
                 <a:latin typeface="Courier"/>
               </a:rPr>
               <a:t>proc print sleep(obs=10)</a:t>
@@ -24634,7 +27391,7 @@
               <a:t>SQLite: </a:t>
             </a:r>
             <a:r>
-              <a:rPr sz="1800">
+              <a:rPr>
                 <a:latin typeface="Courier"/>
               </a:rPr>
               <a:t>limit 10</a:t>
@@ -24647,7 +27404,7 @@
               <a:t>Oracle SQL: </a:t>
             </a:r>
             <a:r>
-              <a:rPr sz="1800">
+              <a:rPr>
                 <a:latin typeface="Courier"/>
               </a:rPr>
               <a:t>where row_num &lt;= 10</a:t>
@@ -24660,7 +27417,7 @@
               <a:t>SAS SQL: </a:t>
             </a:r>
             <a:r>
-              <a:rPr sz="1800">
+              <a:rPr>
                 <a:latin typeface="Courier"/>
               </a:rPr>
               <a:t>where monotonic() &lt;= 10</a:t>
@@ -24941,6 +27698,13 @@
             <a:pPr lvl="2"/>
             <a:r>
               <a:rPr/>
+              <a:t>Round numbers liberally</a:t>
+            </a:r>
+          </a:p>
+          <a:p>
+            <a:pPr lvl="2"/>
+            <a:r>
+              <a:rPr/>
               <a:t>Output without interpretation will be downgraded.</a:t>
             </a:r>
           </a:p>
@@ -24969,7 +27733,7 @@
             <a:pPr lvl="3"/>
             <a:r>
               <a:rPr/>
-              <a:t>Only 30% of the patients got all three shots.</a:t>
+              <a:t>About 40% of the patients got all three shots.</a:t>
             </a:r>
           </a:p>
           <a:p>
@@ -25023,6 +27787,149 @@
             </a:pPr>
             <a:r>
               <a:rPr/>
+              <a:t>Round</a:t>
+            </a:r>
+            <a:r>
+              <a:rPr/>
+              <a:t> </a:t>
+            </a:r>
+            <a:r>
+              <a:rPr/>
+              <a:t>your</a:t>
+            </a:r>
+            <a:r>
+              <a:rPr/>
+              <a:t> </a:t>
+            </a:r>
+            <a:r>
+              <a:rPr/>
+              <a:t>results</a:t>
+            </a:r>
+          </a:p>
+        </p:txBody>
+      </p:sp>
+      <p:sp>
+        <p:nvSpPr>
+          <p:cNvPr id="3" name="Content Placeholder 2"/>
+          <p:cNvSpPr>
+            <a:spLocks noGrp="1"/>
+          </p:cNvSpPr>
+          <p:nvPr>
+            <p:ph idx="1"/>
+          </p:nvPr>
+        </p:nvSpPr>
+        <p:spPr/>
+        <p:txBody>
+          <a:bodyPr/>
+          <a:lstStyle/>
+          <a:p>
+            <a:pPr lvl="1"/>
+            <a:r>
+              <a:rPr/>
+              <a:t>Two significant digits is best</a:t>
+            </a:r>
+          </a:p>
+          <a:p>
+            <a:pPr lvl="2"/>
+            <a:r>
+              <a:rPr/>
+              <a:t>54.23% -&gt; 54%</a:t>
+            </a:r>
+          </a:p>
+          <a:p>
+            <a:pPr lvl="2"/>
+            <a:r>
+              <a:rPr/>
+              <a:t>0.03476 -&gt; 0.035</a:t>
+            </a:r>
+          </a:p>
+          <a:p>
+            <a:pPr lvl="1"/>
+            <a:r>
+              <a:rPr/>
+              <a:t>Sometimes one or three digits</a:t>
+            </a:r>
+          </a:p>
+          <a:p>
+            <a:pPr lvl="2"/>
+            <a:r>
+              <a:rPr/>
+              <a:t>Values close to one or a bit larger than 100</a:t>
+            </a:r>
+          </a:p>
+          <a:p>
+            <a:pPr lvl="1"/>
+            <a:r>
+              <a:rPr/>
+              <a:t>SQL and R</a:t>
+            </a:r>
+          </a:p>
+          <a:p>
+            <a:pPr lvl="2"/>
+            <a:r>
+              <a:rPr/>
+              <a:t>round function</a:t>
+            </a:r>
+          </a:p>
+          <a:p>
+            <a:pPr lvl="1"/>
+            <a:r>
+              <a:rPr/>
+              <a:t>No easy equivalent in SAS</a:t>
+            </a:r>
+            <a:br/>
+          </a:p>
+          <a:p>
+            <a:pPr lvl="1"/>
+            <a:r>
+              <a:rPr/>
+              <a:t>Always round in your interpretations</a:t>
+            </a:r>
+          </a:p>
+        </p:txBody>
+      </p:sp>
+    </p:spTree>
+  </p:cSld>
+</p:sld>
+</file>
+
+<file path=ppt/slides/slide24.xml><?xml version="1.0" encoding="utf-8"?>
+<p:sld xmlns:a="http://schemas.openxmlformats.org/drawingml/2006/main" xmlns:r="http://schemas.openxmlformats.org/officeDocument/2006/relationships" xmlns:p="http://schemas.openxmlformats.org/presentationml/2006/main">
+  <p:cSld>
+    <p:spTree>
+      <p:nvGrpSpPr>
+        <p:cNvPr id="1" name=""/>
+        <p:cNvGrpSpPr/>
+        <p:nvPr/>
+      </p:nvGrpSpPr>
+      <p:grpSpPr>
+        <a:xfrm>
+          <a:off x="0" y="0"/>
+          <a:ext cx="0" cy="0"/>
+          <a:chOff x="0" y="0"/>
+          <a:chExt cx="0" cy="0"/>
+        </a:xfrm>
+      </p:grpSpPr>
+      <p:sp>
+        <p:nvSpPr>
+          <p:cNvPr id="2" name="Title 1"/>
+          <p:cNvSpPr>
+            <a:spLocks noGrp="1"/>
+          </p:cNvSpPr>
+          <p:nvPr>
+            <p:ph type="title"/>
+          </p:nvPr>
+        </p:nvSpPr>
+        <p:spPr/>
+        <p:txBody>
+          <a:bodyPr/>
+          <a:lstStyle/>
+          <a:p>
+            <a:pPr lvl="0" marL="0" indent="0">
+              <a:buNone/>
+            </a:pPr>
+            <a:r>
+              <a:rPr/>
               <a:t>Summary</a:t>
             </a:r>
           </a:p>
@@ -25457,143 +28364,36 @@
           </a:p>
         </p:txBody>
       </p:sp>
-      <p:sp>
-        <p:nvSpPr>
-          <p:cNvPr id="3" name="Content Placeholder 2"/>
-          <p:cNvSpPr>
-            <a:spLocks noGrp="1"/>
-          </p:cNvSpPr>
-          <p:nvPr>
-            <p:ph idx="1"/>
-          </p:nvPr>
-        </p:nvSpPr>
-        <p:spPr/>
-        <p:txBody>
-          <a:bodyPr/>
-          <a:lstStyle/>
-          <a:p>
-            <a:pPr lvl="0" marL="0" indent="0">
-              <a:buNone/>
-            </a:pPr>
-            <a:r>
-              <a:rPr sz="1800">
-                <a:latin typeface="Courier"/>
-              </a:rPr>
-              <a:t>+-5505</a:t>
-            </a:r>
-          </a:p>
-          <a:p>
-            <a:pPr lvl="0" marL="0" indent="0">
-              <a:buNone/>
-            </a:pPr>
-            <a:r>
-              <a:rPr sz="1800">
-                <a:latin typeface="Courier"/>
-              </a:rPr>
-              <a:t>+---data</a:t>
-            </a:r>
-          </a:p>
-          <a:p>
-            <a:pPr lvl="0" marL="0" indent="0">
-              <a:buNone/>
-            </a:pPr>
-            <a:r>
-              <a:rPr sz="1800">
-                <a:latin typeface="Courier"/>
-              </a:rPr>
-              <a:t>+-----airline.txt</a:t>
-            </a:r>
-          </a:p>
-          <a:p>
-            <a:pPr lvl="0" marL="0" indent="0">
-              <a:buNone/>
-            </a:pPr>
-            <a:r>
-              <a:rPr sz="1800">
-                <a:latin typeface="Courier"/>
-              </a:rPr>
-              <a:t>+-----gardasil.RData</a:t>
-            </a:r>
-          </a:p>
-          <a:p>
-            <a:pPr lvl="0" marL="0" indent="0">
-              <a:buNone/>
-            </a:pPr>
-            <a:r>
-              <a:rPr sz="1800">
-                <a:latin typeface="Courier"/>
-              </a:rPr>
-              <a:t>+---src</a:t>
-            </a:r>
-          </a:p>
-          <a:p>
-            <a:pPr lvl="0" marL="0" indent="0">
-              <a:buNone/>
-            </a:pPr>
-            <a:r>
-              <a:rPr sz="1800">
-                <a:latin typeface="Courier"/>
-              </a:rPr>
-              <a:t>+-----simon-5505-hw02.Rmd</a:t>
-            </a:r>
-          </a:p>
-          <a:p>
-            <a:pPr lvl="0" marL="0" indent="0">
-              <a:buNone/>
-            </a:pPr>
-            <a:r>
-              <a:rPr sz="1800">
-                <a:latin typeface="Courier"/>
-              </a:rPr>
-              <a:t>+-----simon-5505-hw03.Rmd</a:t>
-            </a:r>
-          </a:p>
-          <a:p>
-            <a:pPr lvl="0" marL="0" indent="0">
-              <a:buNone/>
-            </a:pPr>
-            <a:r>
-              <a:rPr sz="1800">
-                <a:latin typeface="Courier"/>
-              </a:rPr>
-              <a:t>+-archive</a:t>
-            </a:r>
-          </a:p>
-          <a:p>
-            <a:pPr lvl="0" marL="0" indent="0">
-              <a:buNone/>
-            </a:pPr>
-            <a:r>
-              <a:rPr sz="1800">
-                <a:latin typeface="Courier"/>
-              </a:rPr>
-              <a:t>+---5505_backup_2021-05-17</a:t>
-            </a:r>
-          </a:p>
-          <a:p>
-            <a:pPr lvl="0" marL="0" indent="0">
-              <a:buNone/>
-            </a:pPr>
-            <a:r>
-              <a:rPr sz="1800">
-                <a:latin typeface="Courier"/>
-              </a:rPr>
-              <a:t>+---5505_backup_2021-05-18</a:t>
-            </a:r>
-          </a:p>
-          <a:p>
-            <a:pPr lvl="0" marL="0" indent="0">
-              <a:buNone/>
-            </a:pPr>
-            <a:r>
-              <a:rPr sz="1800">
-                <a:latin typeface="Courier"/>
-              </a:rPr>
-              <a:t>+---5505_backup_2021-05-19</a:t>
-            </a:r>
-          </a:p>
-        </p:txBody>
-      </p:sp>
+      <p:pic>
+        <p:nvPicPr>
+          <p:cNvPr descr="../images/program-expectations-12.png" id="0" name="Picture 1"/>
+          <p:cNvPicPr>
+            <a:picLocks noGrp="1" noChangeAspect="1"/>
+          </p:cNvPicPr>
+          <p:nvPr/>
+        </p:nvPicPr>
+        <p:blipFill>
+          <a:blip r:embed="rId3"/>
+          <a:stretch>
+            <a:fillRect/>
+          </a:stretch>
+        </p:blipFill>
+        <p:spPr bwMode="auto">
+          <a:xfrm>
+            <a:off x="1117600" y="1600200"/>
+            <a:ext cx="6908800" cy="4521200"/>
+          </a:xfrm>
+          <a:prstGeom prst="rect">
+            <a:avLst/>
+          </a:prstGeom>
+          <a:noFill/>
+          <a:ln w="9525">
+            <a:noFill/>
+            <a:headEnd/>
+            <a:tailEnd/>
+          </a:ln>
+        </p:spPr>
+      </p:pic>
     </p:spTree>
   </p:cSld>
 </p:sld>
@@ -25806,7 +28606,7 @@
               <a:t>Use </a:t>
             </a:r>
             <a:r>
-              <a:rPr sz="1800">
+              <a:rPr>
                 <a:latin typeface="Courier"/>
               </a:rPr>
               <a:t># comment</a:t>
@@ -25837,7 +28637,7 @@
               <a:t>Use </a:t>
             </a:r>
             <a:r>
-              <a:rPr sz="1800">
+              <a:rPr>
                 <a:latin typeface="Courier"/>
               </a:rPr>
               <a:t>* comment;</a:t>
@@ -25847,7 +28647,7 @@
               <a:t> or </a:t>
             </a:r>
             <a:r>
-              <a:rPr sz="1800">
+              <a:rPr>
                 <a:latin typeface="Courier"/>
               </a:rPr>
               <a:t>/* comment */</a:t>
@@ -25867,7 +28667,7 @@
               <a:t>Use </a:t>
             </a:r>
             <a:r>
-              <a:rPr sz="1800">
+              <a:rPr>
                 <a:latin typeface="Courier"/>
               </a:rPr>
               <a:t>/* comment */</a:t>
@@ -25877,7 +28677,7 @@
               <a:t> or </a:t>
             </a:r>
             <a:r>
-              <a:rPr sz="1800">
+              <a:rPr>
                 <a:latin typeface="Courier"/>
               </a:rPr>
               <a:t>-- comment</a:t>
@@ -25967,104 +28767,41 @@
             </a:r>
             <a:r>
               <a:rPr/>
-              <a:t>Markdown.</a:t>
+              <a:t>Markdown</a:t>
             </a:r>
           </a:p>
         </p:txBody>
       </p:sp>
-      <p:sp>
-        <p:nvSpPr>
-          <p:cNvPr id="3" name="Content Placeholder 2"/>
-          <p:cNvSpPr>
-            <a:spLocks noGrp="1"/>
-          </p:cNvSpPr>
-          <p:nvPr>
-            <p:ph idx="1"/>
-          </p:nvPr>
-        </p:nvSpPr>
-        <p:spPr/>
-        <p:txBody>
-          <a:bodyPr/>
-          <a:lstStyle/>
-          <a:p>
-            <a:pPr lvl="0" marL="0" indent="0">
-              <a:buNone/>
-            </a:pPr>
-            <a:r>
-              <a:rPr sz="1800">
-                <a:latin typeface="Courier"/>
-              </a:rPr>
-              <a:t>---</a:t>
-            </a:r>
-          </a:p>
-          <a:p>
-            <a:pPr lvl="0" marL="0" indent="0">
-              <a:buNone/>
-            </a:pPr>
-            <a:r>
-              <a:rPr sz="1800">
-                <a:latin typeface="Courier"/>
-              </a:rPr>
-              <a:t>title: "Homework 02, MEDB 5505"</a:t>
-            </a:r>
-          </a:p>
-          <a:p>
-            <a:pPr lvl="0" marL="0" indent="0">
-              <a:buNone/>
-            </a:pPr>
-            <a:r>
-              <a:rPr sz="1800">
-                <a:latin typeface="Courier"/>
-              </a:rPr>
-              <a:t>author: "Steve Simon"</a:t>
-            </a:r>
-          </a:p>
-          <a:p>
-            <a:pPr lvl="0" marL="0" indent="0">
-              <a:buNone/>
-            </a:pPr>
-            <a:r>
-              <a:rPr sz="1800">
-                <a:latin typeface="Courier"/>
-              </a:rPr>
-              <a:t>date: "Created 2020-02-26"</a:t>
-            </a:r>
-          </a:p>
-          <a:p>
-            <a:pPr lvl="0" marL="0" indent="0">
-              <a:buNone/>
-            </a:pPr>
-            <a:r>
-              <a:rPr sz="1800">
-                <a:latin typeface="Courier"/>
-              </a:rPr>
-              <a:t>output: html_document</a:t>
-            </a:r>
-          </a:p>
-          <a:p>
-            <a:pPr lvl="0" marL="0" indent="0">
-              <a:buNone/>
-            </a:pPr>
-            <a:r>
-              <a:rPr sz="1800">
-                <a:latin typeface="Courier"/>
-              </a:rPr>
-              <a:t>---</a:t>
-            </a:r>
-          </a:p>
-          <a:p>
-            <a:pPr lvl="0" marL="0" indent="0">
-              <a:buNone/>
-            </a:pPr>
-            <a:r>
-              <a:rPr sz="1800">
-                <a:latin typeface="Courier"/>
-              </a:rPr>
-              <a:t>This program provides the answers to homework in module02 of MEDB 5505, Introduction to R, where you were asked to read in data from module02.Rdata and calculate some simple statistics. This program is in the public domain and aynone can use the code in any way they wish without asking permission. You will be able to view this code after you have submitted your assignment. If you are having trouble getting your program to work, compare what you did to my code. If you are still having problems after viewing my code, please contact me.</a:t>
-            </a:r>
-          </a:p>
-        </p:txBody>
-      </p:sp>
+      <p:pic>
+        <p:nvPicPr>
+          <p:cNvPr descr="../images/program-expectations-10.png" id="0" name="Picture 1"/>
+          <p:cNvPicPr>
+            <a:picLocks noGrp="1" noChangeAspect="1"/>
+          </p:cNvPicPr>
+          <p:nvPr/>
+        </p:nvPicPr>
+        <p:blipFill>
+          <a:blip r:embed="rId3"/>
+          <a:stretch>
+            <a:fillRect/>
+          </a:stretch>
+        </p:blipFill>
+        <p:spPr bwMode="auto">
+          <a:xfrm>
+            <a:off x="1054100" y="1600200"/>
+            <a:ext cx="7035800" cy="4521200"/>
+          </a:xfrm>
+          <a:prstGeom prst="rect">
+            <a:avLst/>
+          </a:prstGeom>
+          <a:noFill/>
+          <a:ln w="9525">
+            <a:noFill/>
+            <a:headEnd/>
+            <a:tailEnd/>
+          </a:ln>
+        </p:spPr>
+      </p:pic>
     </p:spTree>
   </p:cSld>
 </p:sld>
@@ -26144,110 +28881,36 @@
           </a:p>
         </p:txBody>
       </p:sp>
-      <p:sp>
-        <p:nvSpPr>
-          <p:cNvPr id="3" name="Content Placeholder 2"/>
-          <p:cNvSpPr>
-            <a:spLocks noGrp="1"/>
-          </p:cNvSpPr>
-          <p:nvPr>
-            <p:ph idx="1"/>
-          </p:nvPr>
-        </p:nvSpPr>
-        <p:spPr/>
-        <p:txBody>
-          <a:bodyPr/>
-          <a:lstStyle/>
-          <a:p>
-            <a:pPr lvl="0" marL="0" indent="0">
-              <a:buNone/>
-            </a:pPr>
-            <a:r>
-              <a:rPr sz="1800">
-                <a:latin typeface="Courier"/>
-              </a:rPr>
-              <a:t>/* simon-5507-hw01.sas</a:t>
-            </a:r>
-          </a:p>
-          <a:p>
-            <a:pPr lvl="0" marL="0" indent="0">
-              <a:buNone/>
-            </a:pPr>
-            <a:r>
-              <a:rPr sz="1800">
-                <a:latin typeface="Courier"/>
-              </a:rPr>
-              <a:t/>
-            </a:r>
-          </a:p>
-          <a:p>
-            <a:pPr lvl="0" marL="0" indent="0">
-              <a:buNone/>
-            </a:pPr>
-            <a:r>
-              <a:rPr sz="1800">
-                <a:latin typeface="Courier"/>
-              </a:rPr>
-              <a:t>Written by Steve Simon, creation date: 2018-09-17</a:t>
-            </a:r>
-          </a:p>
-          <a:p>
-            <a:pPr lvl="0" marL="0" indent="0">
-              <a:buNone/>
-            </a:pPr>
-            <a:r>
-              <a:rPr sz="1800">
-                <a:latin typeface="Courier"/>
-              </a:rPr>
-              <a:t/>
-            </a:r>
-          </a:p>
-          <a:p>
-            <a:pPr lvl="0" marL="0" indent="0">
-              <a:buNone/>
-            </a:pPr>
-            <a:r>
-              <a:rPr sz="1800">
-                <a:latin typeface="Courier"/>
-              </a:rPr>
-              <a:t>This program reads the sleep data set and produces</a:t>
-            </a:r>
-          </a:p>
-          <a:p>
-            <a:pPr lvl="0" marL="0" indent="0">
-              <a:buNone/>
-            </a:pPr>
-            <a:r>
-              <a:rPr sz="1800">
-                <a:latin typeface="Courier"/>
-              </a:rPr>
-              <a:t>some simple descriptive statistics. It is placed</a:t>
-            </a:r>
-          </a:p>
-          <a:p>
-            <a:pPr lvl="0" marL="0" indent="0">
-              <a:buNone/>
-            </a:pPr>
-            <a:r>
-              <a:rPr sz="1800">
-                <a:latin typeface="Courier"/>
-              </a:rPr>
-              <a:t>in the public domain and you can use this in any</a:t>
-            </a:r>
-          </a:p>
-          <a:p>
-            <a:pPr lvl="0" marL="0" indent="0">
-              <a:buNone/>
-            </a:pPr>
-            <a:r>
-              <a:rPr sz="1800">
-                <a:latin typeface="Courier"/>
-              </a:rPr>
-              <a:t>way you please. */</a:t>
-            </a:r>
-          </a:p>
-        </p:txBody>
-      </p:sp>
+      <p:pic>
+        <p:nvPicPr>
+          <p:cNvPr descr="../images/program-expectations-11.png" id="0" name="Picture 1"/>
+          <p:cNvPicPr>
+            <a:picLocks noGrp="1" noChangeAspect="1"/>
+          </p:cNvPicPr>
+          <p:nvPr/>
+        </p:nvPicPr>
+        <p:blipFill>
+          <a:blip r:embed="rId3"/>
+          <a:stretch>
+            <a:fillRect/>
+          </a:stretch>
+        </p:blipFill>
+        <p:spPr bwMode="auto">
+          <a:xfrm>
+            <a:off x="1117600" y="1600200"/>
+            <a:ext cx="6908800" cy="4521200"/>
+          </a:xfrm>
+          <a:prstGeom prst="rect">
+            <a:avLst/>
+          </a:prstGeom>
+          <a:noFill/>
+          <a:ln w="9525">
+            <a:noFill/>
+            <a:headEnd/>
+            <a:tailEnd/>
+          </a:ln>
+        </p:spPr>
+      </p:pic>
     </p:spTree>
   </p:cSld>
 </p:sld>
